--- a/PowerPoint/COVID_19 API Interactions.pptx
+++ b/PowerPoint/COVID_19 API Interactions.pptx
@@ -7,6 +7,7 @@
   <p:sldIdLst>
     <p:sldId id="256" r:id="rId2"/>
     <p:sldId id="257" r:id="rId3"/>
+    <p:sldId id="258" r:id="rId4"/>
   </p:sldIdLst>
   <p:sldSz cx="12192000" cy="6858000"/>
   <p:notesSz cx="6858000" cy="9144000"/>
@@ -105,6 +106,11 @@
       </a:defRPr>
     </a:lvl9pPr>
   </p:defaultTextStyle>
+  <p:extLst>
+    <p:ext uri="{EFAFB233-063F-42B5-8137-9DF3F51BA10A}">
+      <p15:sldGuideLst xmlns:p15="http://schemas.microsoft.com/office/powerpoint/2012/main"/>
+    </p:ext>
+  </p:extLst>
 </p:presentation>
 </file>
 
@@ -158,7 +164,7 @@
           <a:noFill/>
           <a:extLst>
             <a:ext uri="{909E8E84-426E-40dd-AFC4-6F175D3DCCD1}">
-              <a14:hiddenFill xmlns:a14="http://schemas.microsoft.com/office/drawing/2010/main" xmlns="">
+              <a14:hiddenFill xmlns="" xmlns:a14="http://schemas.microsoft.com/office/drawing/2010/main">
                 <a:solidFill>
                   <a:srgbClr val="FFFFFF"/>
                 </a:solidFill>
@@ -218,7 +224,7 @@
             </a:ln>
             <a:extLst>
               <a:ext uri="{91240B29-F687-4f45-9708-019B960494DF}">
-                <a14:hiddenLine xmlns:a14="http://schemas.microsoft.com/office/drawing/2010/main" xmlns="" w="9525">
+                <a14:hiddenLine xmlns="" xmlns:a14="http://schemas.microsoft.com/office/drawing/2010/main" w="9525">
                   <a:solidFill>
                     <a:srgbClr val="000000"/>
                   </a:solidFill>
@@ -308,7 +314,7 @@
             </a:ln>
             <a:extLst>
               <a:ext uri="{91240B29-F687-4f45-9708-019B960494DF}">
-                <a14:hiddenLine xmlns:a14="http://schemas.microsoft.com/office/drawing/2010/main" xmlns="" w="9525">
+                <a14:hiddenLine xmlns="" xmlns:a14="http://schemas.microsoft.com/office/drawing/2010/main" w="9525">
                   <a:solidFill>
                     <a:srgbClr val="000000"/>
                   </a:solidFill>
@@ -398,7 +404,7 @@
             </a:ln>
             <a:extLst>
               <a:ext uri="{91240B29-F687-4f45-9708-019B960494DF}">
-                <a14:hiddenLine xmlns:a14="http://schemas.microsoft.com/office/drawing/2010/main" xmlns="" w="9525">
+                <a14:hiddenLine xmlns="" xmlns:a14="http://schemas.microsoft.com/office/drawing/2010/main" w="9525">
                   <a:solidFill>
                     <a:srgbClr val="000000"/>
                   </a:solidFill>
@@ -432,7 +438,7 @@
             </a:ln>
             <a:extLst>
               <a:ext uri="{91240B29-F687-4f45-9708-019B960494DF}">
-                <a14:hiddenLine xmlns:a14="http://schemas.microsoft.com/office/drawing/2010/main" xmlns="" w="9525">
+                <a14:hiddenLine xmlns="" xmlns:a14="http://schemas.microsoft.com/office/drawing/2010/main" w="9525">
                   <a:solidFill>
                     <a:srgbClr val="000000"/>
                   </a:solidFill>
@@ -522,7 +528,7 @@
             </a:ln>
             <a:extLst>
               <a:ext uri="{91240B29-F687-4f45-9708-019B960494DF}">
-                <a14:hiddenLine xmlns:a14="http://schemas.microsoft.com/office/drawing/2010/main" xmlns="" w="9525">
+                <a14:hiddenLine xmlns="" xmlns:a14="http://schemas.microsoft.com/office/drawing/2010/main" w="9525">
                   <a:solidFill>
                     <a:srgbClr val="000000"/>
                   </a:solidFill>
@@ -584,7 +590,7 @@
             </a:ln>
             <a:extLst>
               <a:ext uri="{91240B29-F687-4f45-9708-019B960494DF}">
-                <a14:hiddenLine xmlns:a14="http://schemas.microsoft.com/office/drawing/2010/main" xmlns="" w="9525">
+                <a14:hiddenLine xmlns="" xmlns:a14="http://schemas.microsoft.com/office/drawing/2010/main" w="9525">
                   <a:solidFill>
                     <a:srgbClr val="000000"/>
                   </a:solidFill>
@@ -646,7 +652,7 @@
             </a:ln>
             <a:extLst>
               <a:ext uri="{91240B29-F687-4f45-9708-019B960494DF}">
-                <a14:hiddenLine xmlns:a14="http://schemas.microsoft.com/office/drawing/2010/main" xmlns="" w="9525">
+                <a14:hiddenLine xmlns="" xmlns:a14="http://schemas.microsoft.com/office/drawing/2010/main" w="9525">
                   <a:solidFill>
                     <a:srgbClr val="000000"/>
                   </a:solidFill>
@@ -736,7 +742,7 @@
             </a:ln>
             <a:extLst>
               <a:ext uri="{91240B29-F687-4f45-9708-019B960494DF}">
-                <a14:hiddenLine xmlns:a14="http://schemas.microsoft.com/office/drawing/2010/main" xmlns="" w="9525">
+                <a14:hiddenLine xmlns="" xmlns:a14="http://schemas.microsoft.com/office/drawing/2010/main" w="9525">
                   <a:solidFill>
                     <a:srgbClr val="000000"/>
                   </a:solidFill>
@@ -798,7 +804,7 @@
             </a:ln>
             <a:extLst>
               <a:ext uri="{91240B29-F687-4f45-9708-019B960494DF}">
-                <a14:hiddenLine xmlns:a14="http://schemas.microsoft.com/office/drawing/2010/main" xmlns="" w="9525">
+                <a14:hiddenLine xmlns="" xmlns:a14="http://schemas.microsoft.com/office/drawing/2010/main" w="9525">
                   <a:solidFill>
                     <a:srgbClr val="000000"/>
                   </a:solidFill>
@@ -860,7 +866,7 @@
             </a:ln>
             <a:extLst>
               <a:ext uri="{91240B29-F687-4f45-9708-019B960494DF}">
-                <a14:hiddenLine xmlns:a14="http://schemas.microsoft.com/office/drawing/2010/main" xmlns="" w="9525">
+                <a14:hiddenLine xmlns="" xmlns:a14="http://schemas.microsoft.com/office/drawing/2010/main" w="9525">
                   <a:solidFill>
                     <a:srgbClr val="000000"/>
                   </a:solidFill>
@@ -950,7 +956,7 @@
             </a:ln>
             <a:extLst>
               <a:ext uri="{91240B29-F687-4f45-9708-019B960494DF}">
-                <a14:hiddenLine xmlns:a14="http://schemas.microsoft.com/office/drawing/2010/main" xmlns="" w="9525">
+                <a14:hiddenLine xmlns="" xmlns:a14="http://schemas.microsoft.com/office/drawing/2010/main" w="9525">
                   <a:solidFill>
                     <a:srgbClr val="000000"/>
                   </a:solidFill>
@@ -1040,7 +1046,7 @@
             </a:ln>
             <a:extLst>
               <a:ext uri="{91240B29-F687-4f45-9708-019B960494DF}">
-                <a14:hiddenLine xmlns:a14="http://schemas.microsoft.com/office/drawing/2010/main" xmlns="" w="9525">
+                <a14:hiddenLine xmlns="" xmlns:a14="http://schemas.microsoft.com/office/drawing/2010/main" w="9525">
                   <a:solidFill>
                     <a:srgbClr val="000000"/>
                   </a:solidFill>
@@ -1102,7 +1108,7 @@
             </a:ln>
             <a:extLst>
               <a:ext uri="{91240B29-F687-4f45-9708-019B960494DF}">
-                <a14:hiddenLine xmlns:a14="http://schemas.microsoft.com/office/drawing/2010/main" xmlns="" w="9525">
+                <a14:hiddenLine xmlns="" xmlns:a14="http://schemas.microsoft.com/office/drawing/2010/main" w="9525">
                   <a:solidFill>
                     <a:srgbClr val="000000"/>
                   </a:solidFill>
@@ -1212,7 +1218,7 @@
             </a:ln>
             <a:extLst>
               <a:ext uri="{91240B29-F687-4f45-9708-019B960494DF}">
-                <a14:hiddenLine xmlns:a14="http://schemas.microsoft.com/office/drawing/2010/main" xmlns="" w="9525">
+                <a14:hiddenLine xmlns="" xmlns:a14="http://schemas.microsoft.com/office/drawing/2010/main" w="9525">
                   <a:solidFill>
                     <a:srgbClr val="000000"/>
                   </a:solidFill>
@@ -1274,7 +1280,7 @@
             </a:ln>
             <a:extLst>
               <a:ext uri="{91240B29-F687-4f45-9708-019B960494DF}">
-                <a14:hiddenLine xmlns:a14="http://schemas.microsoft.com/office/drawing/2010/main" xmlns="" w="9525">
+                <a14:hiddenLine xmlns="" xmlns:a14="http://schemas.microsoft.com/office/drawing/2010/main" w="9525">
                   <a:solidFill>
                     <a:srgbClr val="000000"/>
                   </a:solidFill>
@@ -1364,7 +1370,7 @@
             </a:ln>
             <a:extLst>
               <a:ext uri="{91240B29-F687-4f45-9708-019B960494DF}">
-                <a14:hiddenLine xmlns:a14="http://schemas.microsoft.com/office/drawing/2010/main" xmlns="" w="9525">
+                <a14:hiddenLine xmlns="" xmlns:a14="http://schemas.microsoft.com/office/drawing/2010/main" w="9525">
                   <a:solidFill>
                     <a:srgbClr val="000000"/>
                   </a:solidFill>
@@ -1454,7 +1460,7 @@
             </a:ln>
             <a:extLst>
               <a:ext uri="{91240B29-F687-4f45-9708-019B960494DF}">
-                <a14:hiddenLine xmlns:a14="http://schemas.microsoft.com/office/drawing/2010/main" xmlns="" w="9525">
+                <a14:hiddenLine xmlns="" xmlns:a14="http://schemas.microsoft.com/office/drawing/2010/main" w="9525">
                   <a:solidFill>
                     <a:srgbClr val="000000"/>
                   </a:solidFill>
@@ -1516,7 +1522,7 @@
             </a:ln>
             <a:extLst>
               <a:ext uri="{91240B29-F687-4f45-9708-019B960494DF}">
-                <a14:hiddenLine xmlns:a14="http://schemas.microsoft.com/office/drawing/2010/main" xmlns="" w="9525">
+                <a14:hiddenLine xmlns="" xmlns:a14="http://schemas.microsoft.com/office/drawing/2010/main" w="9525">
                   <a:solidFill>
                     <a:srgbClr val="000000"/>
                   </a:solidFill>
@@ -1606,7 +1612,7 @@
             </a:ln>
             <a:extLst>
               <a:ext uri="{91240B29-F687-4f45-9708-019B960494DF}">
-                <a14:hiddenLine xmlns:a14="http://schemas.microsoft.com/office/drawing/2010/main" xmlns="" w="9525">
+                <a14:hiddenLine xmlns="" xmlns:a14="http://schemas.microsoft.com/office/drawing/2010/main" w="9525">
                   <a:solidFill>
                     <a:srgbClr val="000000"/>
                   </a:solidFill>
@@ -1696,7 +1702,7 @@
             </a:ln>
             <a:extLst>
               <a:ext uri="{91240B29-F687-4f45-9708-019B960494DF}">
-                <a14:hiddenLine xmlns:a14="http://schemas.microsoft.com/office/drawing/2010/main" xmlns="" w="9525">
+                <a14:hiddenLine xmlns="" xmlns:a14="http://schemas.microsoft.com/office/drawing/2010/main" w="9525">
                   <a:solidFill>
                     <a:srgbClr val="000000"/>
                   </a:solidFill>
@@ -1752,7 +1758,7 @@
             </a:ln>
             <a:extLst>
               <a:ext uri="{91240B29-F687-4f45-9708-019B960494DF}">
-                <a14:hiddenLine xmlns:a14="http://schemas.microsoft.com/office/drawing/2010/main" xmlns="" w="9525">
+                <a14:hiddenLine xmlns="" xmlns:a14="http://schemas.microsoft.com/office/drawing/2010/main" w="9525">
                   <a:solidFill>
                     <a:srgbClr val="000000"/>
                   </a:solidFill>
@@ -1842,7 +1848,7 @@
             </a:ln>
             <a:extLst>
               <a:ext uri="{91240B29-F687-4f45-9708-019B960494DF}">
-                <a14:hiddenLine xmlns:a14="http://schemas.microsoft.com/office/drawing/2010/main" xmlns="" w="9525">
+                <a14:hiddenLine xmlns="" xmlns:a14="http://schemas.microsoft.com/office/drawing/2010/main" w="9525">
                   <a:solidFill>
                     <a:srgbClr val="000000"/>
                   </a:solidFill>
@@ -1898,7 +1904,7 @@
             </a:ln>
             <a:extLst>
               <a:ext uri="{91240B29-F687-4f45-9708-019B960494DF}">
-                <a14:hiddenLine xmlns:a14="http://schemas.microsoft.com/office/drawing/2010/main" xmlns="" w="9525">
+                <a14:hiddenLine xmlns="" xmlns:a14="http://schemas.microsoft.com/office/drawing/2010/main" w="9525">
                   <a:solidFill>
                     <a:srgbClr val="000000"/>
                   </a:solidFill>
@@ -1988,7 +1994,7 @@
             </a:ln>
             <a:extLst>
               <a:ext uri="{91240B29-F687-4f45-9708-019B960494DF}">
-                <a14:hiddenLine xmlns:a14="http://schemas.microsoft.com/office/drawing/2010/main" xmlns="" w="9525">
+                <a14:hiddenLine xmlns="" xmlns:a14="http://schemas.microsoft.com/office/drawing/2010/main" w="9525">
                   <a:solidFill>
                     <a:srgbClr val="000000"/>
                   </a:solidFill>
@@ -2056,7 +2062,7 @@
             </a:ln>
             <a:extLst>
               <a:ext uri="{91240B29-F687-4f45-9708-019B960494DF}">
-                <a14:hiddenLine xmlns:a14="http://schemas.microsoft.com/office/drawing/2010/main" xmlns="" w="9525">
+                <a14:hiddenLine xmlns="" xmlns:a14="http://schemas.microsoft.com/office/drawing/2010/main" w="9525">
                   <a:solidFill>
                     <a:srgbClr val="000000"/>
                   </a:solidFill>
@@ -2146,7 +2152,7 @@
             </a:ln>
             <a:extLst>
               <a:ext uri="{91240B29-F687-4f45-9708-019B960494DF}">
-                <a14:hiddenLine xmlns:a14="http://schemas.microsoft.com/office/drawing/2010/main" xmlns="" w="9525">
+                <a14:hiddenLine xmlns="" xmlns:a14="http://schemas.microsoft.com/office/drawing/2010/main" w="9525">
                   <a:solidFill>
                     <a:srgbClr val="000000"/>
                   </a:solidFill>
@@ -2214,7 +2220,7 @@
             </a:ln>
             <a:extLst>
               <a:ext uri="{91240B29-F687-4f45-9708-019B960494DF}">
-                <a14:hiddenLine xmlns:a14="http://schemas.microsoft.com/office/drawing/2010/main" xmlns="" w="9525">
+                <a14:hiddenLine xmlns="" xmlns:a14="http://schemas.microsoft.com/office/drawing/2010/main" w="9525">
                   <a:solidFill>
                     <a:srgbClr val="000000"/>
                   </a:solidFill>
@@ -2304,7 +2310,7 @@
             </a:ln>
             <a:extLst>
               <a:ext uri="{91240B29-F687-4f45-9708-019B960494DF}">
-                <a14:hiddenLine xmlns:a14="http://schemas.microsoft.com/office/drawing/2010/main" xmlns="" w="9525">
+                <a14:hiddenLine xmlns="" xmlns:a14="http://schemas.microsoft.com/office/drawing/2010/main" w="9525">
                   <a:solidFill>
                     <a:srgbClr val="000000"/>
                   </a:solidFill>
@@ -2338,7 +2344,7 @@
             </a:ln>
             <a:extLst>
               <a:ext uri="{91240B29-F687-4f45-9708-019B960494DF}">
-                <a14:hiddenLine xmlns:a14="http://schemas.microsoft.com/office/drawing/2010/main" xmlns="" w="9525">
+                <a14:hiddenLine xmlns="" xmlns:a14="http://schemas.microsoft.com/office/drawing/2010/main" w="9525">
                   <a:solidFill>
                     <a:srgbClr val="000000"/>
                   </a:solidFill>
@@ -2428,7 +2434,7 @@
             </a:ln>
             <a:extLst>
               <a:ext uri="{91240B29-F687-4f45-9708-019B960494DF}">
-                <a14:hiddenLine xmlns:a14="http://schemas.microsoft.com/office/drawing/2010/main" xmlns="" w="9525">
+                <a14:hiddenLine xmlns="" xmlns:a14="http://schemas.microsoft.com/office/drawing/2010/main" w="9525">
                   <a:solidFill>
                     <a:srgbClr val="000000"/>
                   </a:solidFill>
@@ -2490,7 +2496,7 @@
             </a:ln>
             <a:extLst>
               <a:ext uri="{91240B29-F687-4f45-9708-019B960494DF}">
-                <a14:hiddenLine xmlns:a14="http://schemas.microsoft.com/office/drawing/2010/main" xmlns="" w="9525">
+                <a14:hiddenLine xmlns="" xmlns:a14="http://schemas.microsoft.com/office/drawing/2010/main" w="9525">
                   <a:solidFill>
                     <a:srgbClr val="000000"/>
                   </a:solidFill>
@@ -2552,7 +2558,7 @@
             </a:ln>
             <a:extLst>
               <a:ext uri="{91240B29-F687-4f45-9708-019B960494DF}">
-                <a14:hiddenLine xmlns:a14="http://schemas.microsoft.com/office/drawing/2010/main" xmlns="" w="9525">
+                <a14:hiddenLine xmlns="" xmlns:a14="http://schemas.microsoft.com/office/drawing/2010/main" w="9525">
                   <a:solidFill>
                     <a:srgbClr val="000000"/>
                   </a:solidFill>
@@ -2642,7 +2648,7 @@
             </a:ln>
             <a:extLst>
               <a:ext uri="{91240B29-F687-4f45-9708-019B960494DF}">
-                <a14:hiddenLine xmlns:a14="http://schemas.microsoft.com/office/drawing/2010/main" xmlns="" w="9525">
+                <a14:hiddenLine xmlns="" xmlns:a14="http://schemas.microsoft.com/office/drawing/2010/main" w="9525">
                   <a:solidFill>
                     <a:srgbClr val="000000"/>
                   </a:solidFill>
@@ -2710,7 +2716,7 @@
             </a:ln>
             <a:extLst>
               <a:ext uri="{91240B29-F687-4f45-9708-019B960494DF}">
-                <a14:hiddenLine xmlns:a14="http://schemas.microsoft.com/office/drawing/2010/main" xmlns="" w="9525">
+                <a14:hiddenLine xmlns="" xmlns:a14="http://schemas.microsoft.com/office/drawing/2010/main" w="9525">
                   <a:solidFill>
                     <a:srgbClr val="000000"/>
                   </a:solidFill>
@@ -2772,7 +2778,7 @@
             </a:ln>
             <a:extLst>
               <a:ext uri="{91240B29-F687-4f45-9708-019B960494DF}">
-                <a14:hiddenLine xmlns:a14="http://schemas.microsoft.com/office/drawing/2010/main" xmlns="" w="9525">
+                <a14:hiddenLine xmlns="" xmlns:a14="http://schemas.microsoft.com/office/drawing/2010/main" w="9525">
                   <a:solidFill>
                     <a:srgbClr val="000000"/>
                   </a:solidFill>
@@ -2862,7 +2868,7 @@
             </a:ln>
             <a:extLst>
               <a:ext uri="{91240B29-F687-4f45-9708-019B960494DF}">
-                <a14:hiddenLine xmlns:a14="http://schemas.microsoft.com/office/drawing/2010/main" xmlns="" w="9525">
+                <a14:hiddenLine xmlns="" xmlns:a14="http://schemas.microsoft.com/office/drawing/2010/main" w="9525">
                   <a:solidFill>
                     <a:srgbClr val="000000"/>
                   </a:solidFill>
@@ -2924,7 +2930,7 @@
             </a:ln>
             <a:extLst>
               <a:ext uri="{91240B29-F687-4f45-9708-019B960494DF}">
-                <a14:hiddenLine xmlns:a14="http://schemas.microsoft.com/office/drawing/2010/main" xmlns="" w="9525">
+                <a14:hiddenLine xmlns="" xmlns:a14="http://schemas.microsoft.com/office/drawing/2010/main" w="9525">
                   <a:solidFill>
                     <a:srgbClr val="000000"/>
                   </a:solidFill>
@@ -3014,7 +3020,7 @@
             </a:ln>
             <a:extLst>
               <a:ext uri="{91240B29-F687-4f45-9708-019B960494DF}">
-                <a14:hiddenLine xmlns:a14="http://schemas.microsoft.com/office/drawing/2010/main" xmlns="" w="9525">
+                <a14:hiddenLine xmlns="" xmlns:a14="http://schemas.microsoft.com/office/drawing/2010/main" w="9525">
                   <a:solidFill>
                     <a:srgbClr val="000000"/>
                   </a:solidFill>
@@ -3076,7 +3082,7 @@
             </a:ln>
             <a:extLst>
               <a:ext uri="{91240B29-F687-4f45-9708-019B960494DF}">
-                <a14:hiddenLine xmlns:a14="http://schemas.microsoft.com/office/drawing/2010/main" xmlns="" w="9525">
+                <a14:hiddenLine xmlns="" xmlns:a14="http://schemas.microsoft.com/office/drawing/2010/main" w="9525">
                   <a:solidFill>
                     <a:srgbClr val="000000"/>
                   </a:solidFill>
@@ -3166,7 +3172,7 @@
             </a:ln>
             <a:extLst>
               <a:ext uri="{91240B29-F687-4f45-9708-019B960494DF}">
-                <a14:hiddenLine xmlns:a14="http://schemas.microsoft.com/office/drawing/2010/main" xmlns="" w="9525">
+                <a14:hiddenLine xmlns="" xmlns:a14="http://schemas.microsoft.com/office/drawing/2010/main" w="9525">
                   <a:solidFill>
                     <a:srgbClr val="000000"/>
                   </a:solidFill>
@@ -3200,7 +3206,7 @@
             </a:ln>
             <a:extLst>
               <a:ext uri="{91240B29-F687-4f45-9708-019B960494DF}">
-                <a14:hiddenLine xmlns:a14="http://schemas.microsoft.com/office/drawing/2010/main" xmlns="" w="9525">
+                <a14:hiddenLine xmlns="" xmlns:a14="http://schemas.microsoft.com/office/drawing/2010/main" w="9525">
                   <a:solidFill>
                     <a:srgbClr val="000000"/>
                   </a:solidFill>
@@ -3265,7 +3271,7 @@
             </a:ln>
             <a:extLst>
               <a:ext uri="{91240B29-F687-4f45-9708-019B960494DF}">
-                <a14:hiddenLine xmlns:a14="http://schemas.microsoft.com/office/drawing/2010/main" xmlns="" w="9525">
+                <a14:hiddenLine xmlns="" xmlns:a14="http://schemas.microsoft.com/office/drawing/2010/main" w="9525">
                   <a:solidFill>
                     <a:srgbClr val="000000"/>
                   </a:solidFill>
@@ -3355,7 +3361,7 @@
             </a:ln>
             <a:extLst>
               <a:ext uri="{91240B29-F687-4f45-9708-019B960494DF}">
-                <a14:hiddenLine xmlns:a14="http://schemas.microsoft.com/office/drawing/2010/main" xmlns="" w="9525">
+                <a14:hiddenLine xmlns="" xmlns:a14="http://schemas.microsoft.com/office/drawing/2010/main" w="9525">
                   <a:solidFill>
                     <a:srgbClr val="000000"/>
                   </a:solidFill>
@@ -3417,7 +3423,7 @@
             </a:ln>
             <a:extLst>
               <a:ext uri="{91240B29-F687-4f45-9708-019B960494DF}">
-                <a14:hiddenLine xmlns:a14="http://schemas.microsoft.com/office/drawing/2010/main" xmlns="" w="9525">
+                <a14:hiddenLine xmlns="" xmlns:a14="http://schemas.microsoft.com/office/drawing/2010/main" w="9525">
                   <a:solidFill>
                     <a:srgbClr val="000000"/>
                   </a:solidFill>
@@ -3507,7 +3513,7 @@
             </a:ln>
             <a:extLst>
               <a:ext uri="{91240B29-F687-4f45-9708-019B960494DF}">
-                <a14:hiddenLine xmlns:a14="http://schemas.microsoft.com/office/drawing/2010/main" xmlns="" w="9525">
+                <a14:hiddenLine xmlns="" xmlns:a14="http://schemas.microsoft.com/office/drawing/2010/main" w="9525">
                   <a:solidFill>
                     <a:srgbClr val="000000"/>
                   </a:solidFill>
@@ -3597,7 +3603,7 @@
             </a:ln>
             <a:extLst>
               <a:ext uri="{91240B29-F687-4f45-9708-019B960494DF}">
-                <a14:hiddenLine xmlns:a14="http://schemas.microsoft.com/office/drawing/2010/main" xmlns="" w="9525">
+                <a14:hiddenLine xmlns="" xmlns:a14="http://schemas.microsoft.com/office/drawing/2010/main" w="9525">
                   <a:solidFill>
                     <a:srgbClr val="000000"/>
                   </a:solidFill>
@@ -3662,7 +3668,7 @@
             </a:ln>
             <a:extLst>
               <a:ext uri="{91240B29-F687-4f45-9708-019B960494DF}">
-                <a14:hiddenLine xmlns:a14="http://schemas.microsoft.com/office/drawing/2010/main" xmlns="" w="9525">
+                <a14:hiddenLine xmlns="" xmlns:a14="http://schemas.microsoft.com/office/drawing/2010/main" w="9525">
                   <a:solidFill>
                     <a:srgbClr val="000000"/>
                   </a:solidFill>
@@ -3724,7 +3730,7 @@
             </a:ln>
             <a:extLst>
               <a:ext uri="{91240B29-F687-4f45-9708-019B960494DF}">
-                <a14:hiddenLine xmlns:a14="http://schemas.microsoft.com/office/drawing/2010/main" xmlns="" w="9525">
+                <a14:hiddenLine xmlns="" xmlns:a14="http://schemas.microsoft.com/office/drawing/2010/main" w="9525">
                   <a:solidFill>
                     <a:srgbClr val="000000"/>
                   </a:solidFill>
@@ -3814,7 +3820,7 @@
             </a:ln>
             <a:extLst>
               <a:ext uri="{91240B29-F687-4f45-9708-019B960494DF}">
-                <a14:hiddenLine xmlns:a14="http://schemas.microsoft.com/office/drawing/2010/main" xmlns="" w="9525">
+                <a14:hiddenLine xmlns="" xmlns:a14="http://schemas.microsoft.com/office/drawing/2010/main" w="9525">
                   <a:solidFill>
                     <a:srgbClr val="000000"/>
                   </a:solidFill>
@@ -3904,7 +3910,7 @@
             </a:ln>
             <a:extLst>
               <a:ext uri="{91240B29-F687-4f45-9708-019B960494DF}">
-                <a14:hiddenLine xmlns:a14="http://schemas.microsoft.com/office/drawing/2010/main" xmlns="" w="9525">
+                <a14:hiddenLine xmlns="" xmlns:a14="http://schemas.microsoft.com/office/drawing/2010/main" w="9525">
                   <a:solidFill>
                     <a:srgbClr val="000000"/>
                   </a:solidFill>
@@ -3966,7 +3972,7 @@
             </a:ln>
             <a:extLst>
               <a:ext uri="{91240B29-F687-4f45-9708-019B960494DF}">
-                <a14:hiddenLine xmlns:a14="http://schemas.microsoft.com/office/drawing/2010/main" xmlns="" w="9525">
+                <a14:hiddenLine xmlns="" xmlns:a14="http://schemas.microsoft.com/office/drawing/2010/main" w="9525">
                   <a:solidFill>
                     <a:srgbClr val="000000"/>
                   </a:solidFill>
@@ -4086,7 +4092,7 @@
             </a:ln>
             <a:extLst>
               <a:ext uri="{91240B29-F687-4f45-9708-019B960494DF}">
-                <a14:hiddenLine xmlns:a14="http://schemas.microsoft.com/office/drawing/2010/main" xmlns="" w="9525">
+                <a14:hiddenLine xmlns="" xmlns:a14="http://schemas.microsoft.com/office/drawing/2010/main" w="9525">
                   <a:solidFill>
                     <a:srgbClr val="000000"/>
                   </a:solidFill>
@@ -4154,7 +4160,7 @@
             </a:ln>
             <a:extLst>
               <a:ext uri="{91240B29-F687-4f45-9708-019B960494DF}">
-                <a14:hiddenLine xmlns:a14="http://schemas.microsoft.com/office/drawing/2010/main" xmlns="" w="9525">
+                <a14:hiddenLine xmlns="" xmlns:a14="http://schemas.microsoft.com/office/drawing/2010/main" w="9525">
                   <a:solidFill>
                     <a:srgbClr val="000000"/>
                   </a:solidFill>
@@ -4244,7 +4250,7 @@
             </a:ln>
             <a:extLst>
               <a:ext uri="{91240B29-F687-4f45-9708-019B960494DF}">
-                <a14:hiddenLine xmlns:a14="http://schemas.microsoft.com/office/drawing/2010/main" xmlns="" w="9525">
+                <a14:hiddenLine xmlns="" xmlns:a14="http://schemas.microsoft.com/office/drawing/2010/main" w="9525">
                   <a:solidFill>
                     <a:srgbClr val="000000"/>
                   </a:solidFill>
@@ -4384,7 +4390,7 @@
           <a:p>
             <a:fld id="{48A87A34-81AB-432B-8DAE-1953F412C126}" type="datetimeFigureOut">
               <a:rPr lang="en-US" dirty="0"/>
-              <a:t>7/20/2020</a:t>
+              <a:t>7/25/2020</a:t>
             </a:fld>
             <a:endParaRPr lang="en-US" dirty="0"/>
           </a:p>
@@ -4646,7 +4652,7 @@
           <a:p>
             <a:fld id="{48A87A34-81AB-432B-8DAE-1953F412C126}" type="datetimeFigureOut">
               <a:rPr lang="en-US" dirty="0"/>
-              <a:t>7/20/2020</a:t>
+              <a:t>7/25/2020</a:t>
             </a:fld>
             <a:endParaRPr lang="en-US" dirty="0"/>
           </a:p>
@@ -4837,7 +4843,7 @@
           <a:p>
             <a:fld id="{48A87A34-81AB-432B-8DAE-1953F412C126}" type="datetimeFigureOut">
               <a:rPr lang="en-US" dirty="0"/>
-              <a:t>7/20/2020</a:t>
+              <a:t>7/25/2020</a:t>
             </a:fld>
             <a:endParaRPr lang="en-US" dirty="0"/>
           </a:p>
@@ -5095,7 +5101,7 @@
           <a:p>
             <a:fld id="{48A87A34-81AB-432B-8DAE-1953F412C126}" type="datetimeFigureOut">
               <a:rPr lang="en-US" dirty="0"/>
-              <a:t>7/20/2020</a:t>
+              <a:t>7/25/2020</a:t>
             </a:fld>
             <a:endParaRPr lang="en-US" dirty="0"/>
           </a:p>
@@ -5524,7 +5530,7 @@
           <a:p>
             <a:fld id="{48A87A34-81AB-432B-8DAE-1953F412C126}" type="datetimeFigureOut">
               <a:rPr lang="en-US" dirty="0"/>
-              <a:t>7/20/2020</a:t>
+              <a:t>7/25/2020</a:t>
             </a:fld>
             <a:endParaRPr lang="en-US" dirty="0"/>
           </a:p>
@@ -6065,7 +6071,7 @@
           <a:p>
             <a:fld id="{48A87A34-81AB-432B-8DAE-1953F412C126}" type="datetimeFigureOut">
               <a:rPr lang="en-US" dirty="0"/>
-              <a:t>7/20/2020</a:t>
+              <a:t>7/25/2020</a:t>
             </a:fld>
             <a:endParaRPr lang="en-US" dirty="0"/>
           </a:p>
@@ -6780,7 +6786,7 @@
           <a:p>
             <a:fld id="{48A87A34-81AB-432B-8DAE-1953F412C126}" type="datetimeFigureOut">
               <a:rPr lang="en-US" dirty="0"/>
-              <a:t>7/20/2020</a:t>
+              <a:t>7/25/2020</a:t>
             </a:fld>
             <a:endParaRPr lang="en-US" dirty="0"/>
           </a:p>
@@ -6945,7 +6951,7 @@
           <a:p>
             <a:fld id="{48A87A34-81AB-432B-8DAE-1953F412C126}" type="datetimeFigureOut">
               <a:rPr lang="en-US" dirty="0"/>
-              <a:t>7/20/2020</a:t>
+              <a:t>7/25/2020</a:t>
             </a:fld>
             <a:endParaRPr lang="en-US" dirty="0"/>
           </a:p>
@@ -7120,7 +7126,7 @@
           <a:p>
             <a:fld id="{48A87A34-81AB-432B-8DAE-1953F412C126}" type="datetimeFigureOut">
               <a:rPr lang="en-US" dirty="0"/>
-              <a:t>7/20/2020</a:t>
+              <a:t>7/25/2020</a:t>
             </a:fld>
             <a:endParaRPr lang="en-US" dirty="0"/>
           </a:p>
@@ -7285,7 +7291,7 @@
           <a:p>
             <a:fld id="{48A87A34-81AB-432B-8DAE-1953F412C126}" type="datetimeFigureOut">
               <a:rPr lang="en-US" dirty="0"/>
-              <a:t>7/20/2020</a:t>
+              <a:t>7/25/2020</a:t>
             </a:fld>
             <a:endParaRPr lang="en-US" dirty="0"/>
           </a:p>
@@ -7530,7 +7536,7 @@
           <a:p>
             <a:fld id="{48A87A34-81AB-432B-8DAE-1953F412C126}" type="datetimeFigureOut">
               <a:rPr lang="en-US" dirty="0"/>
-              <a:t>7/20/2020</a:t>
+              <a:t>7/25/2020</a:t>
             </a:fld>
             <a:endParaRPr lang="en-US" dirty="0"/>
           </a:p>
@@ -7757,7 +7763,7 @@
           <a:p>
             <a:fld id="{48A87A34-81AB-432B-8DAE-1953F412C126}" type="datetimeFigureOut">
               <a:rPr lang="en-US" dirty="0"/>
-              <a:t>7/20/2020</a:t>
+              <a:t>7/25/2020</a:t>
             </a:fld>
             <a:endParaRPr lang="en-US" dirty="0"/>
           </a:p>
@@ -8133,7 +8139,7 @@
           <a:p>
             <a:fld id="{48A87A34-81AB-432B-8DAE-1953F412C126}" type="datetimeFigureOut">
               <a:rPr lang="en-US" dirty="0"/>
-              <a:t>7/20/2020</a:t>
+              <a:t>7/25/2020</a:t>
             </a:fld>
             <a:endParaRPr lang="en-US" dirty="0"/>
           </a:p>
@@ -8246,7 +8252,7 @@
           <a:p>
             <a:fld id="{48A87A34-81AB-432B-8DAE-1953F412C126}" type="datetimeFigureOut">
               <a:rPr lang="en-US" dirty="0"/>
-              <a:t>7/20/2020</a:t>
+              <a:t>7/25/2020</a:t>
             </a:fld>
             <a:endParaRPr lang="en-US" dirty="0"/>
           </a:p>
@@ -8336,7 +8342,7 @@
           <a:p>
             <a:fld id="{48A87A34-81AB-432B-8DAE-1953F412C126}" type="datetimeFigureOut">
               <a:rPr lang="en-US" dirty="0"/>
-              <a:t>7/20/2020</a:t>
+              <a:t>7/25/2020</a:t>
             </a:fld>
             <a:endParaRPr lang="en-US" dirty="0"/>
           </a:p>
@@ -8580,7 +8586,7 @@
           <a:p>
             <a:fld id="{48A87A34-81AB-432B-8DAE-1953F412C126}" type="datetimeFigureOut">
               <a:rPr lang="en-US" dirty="0"/>
-              <a:t>7/20/2020</a:t>
+              <a:t>7/25/2020</a:t>
             </a:fld>
             <a:endParaRPr lang="en-US" dirty="0"/>
           </a:p>
@@ -8855,7 +8861,7 @@
           <a:p>
             <a:fld id="{48A87A34-81AB-432B-8DAE-1953F412C126}" type="datetimeFigureOut">
               <a:rPr lang="en-US" dirty="0"/>
-              <a:t>7/20/2020</a:t>
+              <a:t>7/25/2020</a:t>
             </a:fld>
             <a:endParaRPr lang="en-US" dirty="0"/>
           </a:p>
@@ -8966,7 +8972,7 @@
           <a:noFill/>
           <a:extLst>
             <a:ext uri="{909E8E84-426E-40dd-AFC4-6F175D3DCCD1}">
-              <a14:hiddenFill xmlns:a14="http://schemas.microsoft.com/office/drawing/2010/main" xmlns="">
+              <a14:hiddenFill xmlns="" xmlns:a14="http://schemas.microsoft.com/office/drawing/2010/main">
                 <a:solidFill>
                   <a:srgbClr val="FFFFFF"/>
                 </a:solidFill>
@@ -9040,7 +9046,7 @@
               </a:ln>
               <a:extLst>
                 <a:ext uri="{91240B29-F687-4f45-9708-019B960494DF}">
-                  <a14:hiddenLine xmlns:a14="http://schemas.microsoft.com/office/drawing/2010/main" xmlns="" w="9525">
+                  <a14:hiddenLine xmlns="" xmlns:a14="http://schemas.microsoft.com/office/drawing/2010/main" w="9525">
                     <a:solidFill>
                       <a:srgbClr val="000000"/>
                     </a:solidFill>
@@ -9130,7 +9136,7 @@
               </a:ln>
               <a:extLst>
                 <a:ext uri="{91240B29-F687-4f45-9708-019B960494DF}">
-                  <a14:hiddenLine xmlns:a14="http://schemas.microsoft.com/office/drawing/2010/main" xmlns="" w="9525">
+                  <a14:hiddenLine xmlns="" xmlns:a14="http://schemas.microsoft.com/office/drawing/2010/main" w="9525">
                     <a:solidFill>
                       <a:srgbClr val="000000"/>
                     </a:solidFill>
@@ -9220,7 +9226,7 @@
               </a:ln>
               <a:extLst>
                 <a:ext uri="{91240B29-F687-4f45-9708-019B960494DF}">
-                  <a14:hiddenLine xmlns:a14="http://schemas.microsoft.com/office/drawing/2010/main" xmlns="" w="9525">
+                  <a14:hiddenLine xmlns="" xmlns:a14="http://schemas.microsoft.com/office/drawing/2010/main" w="9525">
                     <a:solidFill>
                       <a:srgbClr val="000000"/>
                     </a:solidFill>
@@ -9282,7 +9288,7 @@
               </a:ln>
               <a:extLst>
                 <a:ext uri="{91240B29-F687-4f45-9708-019B960494DF}">
-                  <a14:hiddenLine xmlns:a14="http://schemas.microsoft.com/office/drawing/2010/main" xmlns="" w="9525">
+                  <a14:hiddenLine xmlns="" xmlns:a14="http://schemas.microsoft.com/office/drawing/2010/main" w="9525">
                     <a:solidFill>
                       <a:srgbClr val="000000"/>
                     </a:solidFill>
@@ -9372,7 +9378,7 @@
               </a:ln>
               <a:extLst>
                 <a:ext uri="{91240B29-F687-4f45-9708-019B960494DF}">
-                  <a14:hiddenLine xmlns:a14="http://schemas.microsoft.com/office/drawing/2010/main" xmlns="" w="9525">
+                  <a14:hiddenLine xmlns="" xmlns:a14="http://schemas.microsoft.com/office/drawing/2010/main" w="9525">
                     <a:solidFill>
                       <a:srgbClr val="000000"/>
                     </a:solidFill>
@@ -9434,7 +9440,7 @@
               </a:ln>
               <a:extLst>
                 <a:ext uri="{91240B29-F687-4f45-9708-019B960494DF}">
-                  <a14:hiddenLine xmlns:a14="http://schemas.microsoft.com/office/drawing/2010/main" xmlns="" w="9525">
+                  <a14:hiddenLine xmlns="" xmlns:a14="http://schemas.microsoft.com/office/drawing/2010/main" w="9525">
                     <a:solidFill>
                       <a:srgbClr val="000000"/>
                     </a:solidFill>
@@ -9496,7 +9502,7 @@
               </a:ln>
               <a:extLst>
                 <a:ext uri="{91240B29-F687-4f45-9708-019B960494DF}">
-                  <a14:hiddenLine xmlns:a14="http://schemas.microsoft.com/office/drawing/2010/main" xmlns="" w="9525">
+                  <a14:hiddenLine xmlns="" xmlns:a14="http://schemas.microsoft.com/office/drawing/2010/main" w="9525">
                     <a:solidFill>
                       <a:srgbClr val="000000"/>
                     </a:solidFill>
@@ -9586,7 +9592,7 @@
               </a:ln>
               <a:extLst>
                 <a:ext uri="{91240B29-F687-4f45-9708-019B960494DF}">
-                  <a14:hiddenLine xmlns:a14="http://schemas.microsoft.com/office/drawing/2010/main" xmlns="" w="9525">
+                  <a14:hiddenLine xmlns="" xmlns:a14="http://schemas.microsoft.com/office/drawing/2010/main" w="9525">
                     <a:solidFill>
                       <a:srgbClr val="000000"/>
                     </a:solidFill>
@@ -9676,7 +9682,7 @@
               </a:ln>
               <a:extLst>
                 <a:ext uri="{91240B29-F687-4f45-9708-019B960494DF}">
-                  <a14:hiddenLine xmlns:a14="http://schemas.microsoft.com/office/drawing/2010/main" xmlns="" w="9525">
+                  <a14:hiddenLine xmlns="" xmlns:a14="http://schemas.microsoft.com/office/drawing/2010/main" w="9525">
                     <a:solidFill>
                       <a:srgbClr val="000000"/>
                     </a:solidFill>
@@ -9738,7 +9744,7 @@
               </a:ln>
               <a:extLst>
                 <a:ext uri="{91240B29-F687-4f45-9708-019B960494DF}">
-                  <a14:hiddenLine xmlns:a14="http://schemas.microsoft.com/office/drawing/2010/main" xmlns="" w="9525">
+                  <a14:hiddenLine xmlns="" xmlns:a14="http://schemas.microsoft.com/office/drawing/2010/main" w="9525">
                     <a:solidFill>
                       <a:srgbClr val="000000"/>
                     </a:solidFill>
@@ -9848,7 +9854,7 @@
               </a:ln>
               <a:extLst>
                 <a:ext uri="{91240B29-F687-4f45-9708-019B960494DF}">
-                  <a14:hiddenLine xmlns:a14="http://schemas.microsoft.com/office/drawing/2010/main" xmlns="" w="9525">
+                  <a14:hiddenLine xmlns="" xmlns:a14="http://schemas.microsoft.com/office/drawing/2010/main" w="9525">
                     <a:solidFill>
                       <a:srgbClr val="000000"/>
                     </a:solidFill>
@@ -9932,7 +9938,7 @@
               </a:ln>
               <a:extLst>
                 <a:ext uri="{91240B29-F687-4f45-9708-019B960494DF}">
-                  <a14:hiddenLine xmlns:a14="http://schemas.microsoft.com/office/drawing/2010/main" xmlns="" w="9525">
+                  <a14:hiddenLine xmlns="" xmlns:a14="http://schemas.microsoft.com/office/drawing/2010/main" w="9525">
                     <a:solidFill>
                       <a:srgbClr val="000000"/>
                     </a:solidFill>
@@ -9994,7 +10000,7 @@
               </a:ln>
               <a:extLst>
                 <a:ext uri="{91240B29-F687-4f45-9708-019B960494DF}">
-                  <a14:hiddenLine xmlns:a14="http://schemas.microsoft.com/office/drawing/2010/main" xmlns="" w="9525">
+                  <a14:hiddenLine xmlns="" xmlns:a14="http://schemas.microsoft.com/office/drawing/2010/main" w="9525">
                     <a:solidFill>
                       <a:srgbClr val="000000"/>
                     </a:solidFill>
@@ -10056,7 +10062,7 @@
               </a:ln>
               <a:extLst>
                 <a:ext uri="{91240B29-F687-4f45-9708-019B960494DF}">
-                  <a14:hiddenLine xmlns:a14="http://schemas.microsoft.com/office/drawing/2010/main" xmlns="" w="9525">
+                  <a14:hiddenLine xmlns="" xmlns:a14="http://schemas.microsoft.com/office/drawing/2010/main" w="9525">
                     <a:solidFill>
                       <a:srgbClr val="000000"/>
                     </a:solidFill>
@@ -10146,7 +10152,7 @@
               </a:ln>
               <a:extLst>
                 <a:ext uri="{91240B29-F687-4f45-9708-019B960494DF}">
-                  <a14:hiddenLine xmlns:a14="http://schemas.microsoft.com/office/drawing/2010/main" xmlns="" w="9525">
+                  <a14:hiddenLine xmlns="" xmlns:a14="http://schemas.microsoft.com/office/drawing/2010/main" w="9525">
                     <a:solidFill>
                       <a:srgbClr val="000000"/>
                     </a:solidFill>
@@ -10180,7 +10186,7 @@
               </a:ln>
               <a:extLst>
                 <a:ext uri="{91240B29-F687-4f45-9708-019B960494DF}">
-                  <a14:hiddenLine xmlns:a14="http://schemas.microsoft.com/office/drawing/2010/main" xmlns="" w="9525">
+                  <a14:hiddenLine xmlns="" xmlns:a14="http://schemas.microsoft.com/office/drawing/2010/main" w="9525">
                     <a:solidFill>
                       <a:srgbClr val="000000"/>
                     </a:solidFill>
@@ -10245,7 +10251,7 @@
               </a:ln>
               <a:extLst>
                 <a:ext uri="{91240B29-F687-4f45-9708-019B960494DF}">
-                  <a14:hiddenLine xmlns:a14="http://schemas.microsoft.com/office/drawing/2010/main" xmlns="" w="9525">
+                  <a14:hiddenLine xmlns="" xmlns:a14="http://schemas.microsoft.com/office/drawing/2010/main" w="9525">
                     <a:solidFill>
                       <a:srgbClr val="000000"/>
                     </a:solidFill>
@@ -10335,7 +10341,7 @@
               </a:ln>
               <a:extLst>
                 <a:ext uri="{91240B29-F687-4f45-9708-019B960494DF}">
-                  <a14:hiddenLine xmlns:a14="http://schemas.microsoft.com/office/drawing/2010/main" xmlns="" w="9525">
+                  <a14:hiddenLine xmlns="" xmlns:a14="http://schemas.microsoft.com/office/drawing/2010/main" w="9525">
                     <a:solidFill>
                       <a:srgbClr val="000000"/>
                     </a:solidFill>
@@ -10397,7 +10403,7 @@
               </a:ln>
               <a:extLst>
                 <a:ext uri="{91240B29-F687-4f45-9708-019B960494DF}">
-                  <a14:hiddenLine xmlns:a14="http://schemas.microsoft.com/office/drawing/2010/main" xmlns="" w="9525">
+                  <a14:hiddenLine xmlns="" xmlns:a14="http://schemas.microsoft.com/office/drawing/2010/main" w="9525">
                     <a:solidFill>
                       <a:srgbClr val="000000"/>
                     </a:solidFill>
@@ -10487,7 +10493,7 @@
               </a:ln>
               <a:extLst>
                 <a:ext uri="{91240B29-F687-4f45-9708-019B960494DF}">
-                  <a14:hiddenLine xmlns:a14="http://schemas.microsoft.com/office/drawing/2010/main" xmlns="" w="9525">
+                  <a14:hiddenLine xmlns="" xmlns:a14="http://schemas.microsoft.com/office/drawing/2010/main" w="9525">
                     <a:solidFill>
                       <a:srgbClr val="000000"/>
                     </a:solidFill>
@@ -10552,7 +10558,7 @@
               </a:ln>
               <a:extLst>
                 <a:ext uri="{91240B29-F687-4f45-9708-019B960494DF}">
-                  <a14:hiddenLine xmlns:a14="http://schemas.microsoft.com/office/drawing/2010/main" xmlns="" w="9525">
+                  <a14:hiddenLine xmlns="" xmlns:a14="http://schemas.microsoft.com/office/drawing/2010/main" w="9525">
                     <a:solidFill>
                       <a:srgbClr val="000000"/>
                     </a:solidFill>
@@ -10614,7 +10620,7 @@
               </a:ln>
               <a:extLst>
                 <a:ext uri="{91240B29-F687-4f45-9708-019B960494DF}">
-                  <a14:hiddenLine xmlns:a14="http://schemas.microsoft.com/office/drawing/2010/main" xmlns="" w="9525">
+                  <a14:hiddenLine xmlns="" xmlns:a14="http://schemas.microsoft.com/office/drawing/2010/main" w="9525">
                     <a:solidFill>
                       <a:srgbClr val="000000"/>
                     </a:solidFill>
@@ -10704,7 +10710,7 @@
               </a:ln>
               <a:extLst>
                 <a:ext uri="{91240B29-F687-4f45-9708-019B960494DF}">
-                  <a14:hiddenLine xmlns:a14="http://schemas.microsoft.com/office/drawing/2010/main" xmlns="" w="9525">
+                  <a14:hiddenLine xmlns="" xmlns:a14="http://schemas.microsoft.com/office/drawing/2010/main" w="9525">
                     <a:solidFill>
                       <a:srgbClr val="000000"/>
                     </a:solidFill>
@@ -10794,7 +10800,7 @@
               </a:ln>
               <a:extLst>
                 <a:ext uri="{91240B29-F687-4f45-9708-019B960494DF}">
-                  <a14:hiddenLine xmlns:a14="http://schemas.microsoft.com/office/drawing/2010/main" xmlns="" w="9525">
+                  <a14:hiddenLine xmlns="" xmlns:a14="http://schemas.microsoft.com/office/drawing/2010/main" w="9525">
                     <a:solidFill>
                       <a:srgbClr val="000000"/>
                     </a:solidFill>
@@ -10859,7 +10865,7 @@
               </a:ln>
               <a:extLst>
                 <a:ext uri="{91240B29-F687-4f45-9708-019B960494DF}">
-                  <a14:hiddenLine xmlns:a14="http://schemas.microsoft.com/office/drawing/2010/main" xmlns="" w="9525">
+                  <a14:hiddenLine xmlns="" xmlns:a14="http://schemas.microsoft.com/office/drawing/2010/main" w="9525">
                     <a:solidFill>
                       <a:srgbClr val="000000"/>
                     </a:solidFill>
@@ -10979,7 +10985,7 @@
               </a:ln>
               <a:extLst>
                 <a:ext uri="{91240B29-F687-4f45-9708-019B960494DF}">
-                  <a14:hiddenLine xmlns:a14="http://schemas.microsoft.com/office/drawing/2010/main" xmlns="" w="9525">
+                  <a14:hiddenLine xmlns="" xmlns:a14="http://schemas.microsoft.com/office/drawing/2010/main" w="9525">
                     <a:solidFill>
                       <a:srgbClr val="000000"/>
                     </a:solidFill>
@@ -11077,7 +11083,7 @@
               </a:ln>
               <a:extLst>
                 <a:ext uri="{91240B29-F687-4f45-9708-019B960494DF}">
-                  <a14:hiddenLine xmlns:a14="http://schemas.microsoft.com/office/drawing/2010/main" xmlns="" w="9525">
+                  <a14:hiddenLine xmlns="" xmlns:a14="http://schemas.microsoft.com/office/drawing/2010/main" w="9525">
                     <a:solidFill>
                       <a:srgbClr val="000000"/>
                     </a:solidFill>
@@ -11192,7 +11198,7 @@
               </a:ln>
               <a:extLst>
                 <a:ext uri="{91240B29-F687-4f45-9708-019B960494DF}">
-                  <a14:hiddenLine xmlns:a14="http://schemas.microsoft.com/office/drawing/2010/main" xmlns="" w="9525">
+                  <a14:hiddenLine xmlns="" xmlns:a14="http://schemas.microsoft.com/office/drawing/2010/main" w="9525">
                     <a:solidFill>
                       <a:srgbClr val="000000"/>
                     </a:solidFill>
@@ -11282,7 +11288,7 @@
               </a:ln>
               <a:extLst>
                 <a:ext uri="{91240B29-F687-4f45-9708-019B960494DF}">
-                  <a14:hiddenLine xmlns:a14="http://schemas.microsoft.com/office/drawing/2010/main" xmlns="" w="9525">
+                  <a14:hiddenLine xmlns="" xmlns:a14="http://schemas.microsoft.com/office/drawing/2010/main" w="9525">
                     <a:solidFill>
                       <a:srgbClr val="000000"/>
                     </a:solidFill>
@@ -11347,7 +11353,7 @@
               </a:ln>
               <a:extLst>
                 <a:ext uri="{91240B29-F687-4f45-9708-019B960494DF}">
-                  <a14:hiddenLine xmlns:a14="http://schemas.microsoft.com/office/drawing/2010/main" xmlns="" w="9525">
+                  <a14:hiddenLine xmlns="" xmlns:a14="http://schemas.microsoft.com/office/drawing/2010/main" w="9525">
                     <a:solidFill>
                       <a:srgbClr val="000000"/>
                     </a:solidFill>
@@ -11437,7 +11443,7 @@
               </a:ln>
               <a:extLst>
                 <a:ext uri="{91240B29-F687-4f45-9708-019B960494DF}">
-                  <a14:hiddenLine xmlns:a14="http://schemas.microsoft.com/office/drawing/2010/main" xmlns="" w="9525">
+                  <a14:hiddenLine xmlns="" xmlns:a14="http://schemas.microsoft.com/office/drawing/2010/main" w="9525">
                     <a:solidFill>
                       <a:srgbClr val="000000"/>
                     </a:solidFill>
@@ -11505,7 +11511,7 @@
               </a:ln>
               <a:extLst>
                 <a:ext uri="{91240B29-F687-4f45-9708-019B960494DF}">
-                  <a14:hiddenLine xmlns:a14="http://schemas.microsoft.com/office/drawing/2010/main" xmlns="" w="9525">
+                  <a14:hiddenLine xmlns="" xmlns:a14="http://schemas.microsoft.com/office/drawing/2010/main" w="9525">
                     <a:solidFill>
                       <a:srgbClr val="000000"/>
                     </a:solidFill>
@@ -11595,7 +11601,7 @@
               </a:ln>
               <a:extLst>
                 <a:ext uri="{91240B29-F687-4f45-9708-019B960494DF}">
-                  <a14:hiddenLine xmlns:a14="http://schemas.microsoft.com/office/drawing/2010/main" xmlns="" w="9525">
+                  <a14:hiddenLine xmlns="" xmlns:a14="http://schemas.microsoft.com/office/drawing/2010/main" w="9525">
                     <a:solidFill>
                       <a:srgbClr val="000000"/>
                     </a:solidFill>
@@ -11663,7 +11669,7 @@
               </a:ln>
               <a:extLst>
                 <a:ext uri="{91240B29-F687-4f45-9708-019B960494DF}">
-                  <a14:hiddenLine xmlns:a14="http://schemas.microsoft.com/office/drawing/2010/main" xmlns="" w="9525">
+                  <a14:hiddenLine xmlns="" xmlns:a14="http://schemas.microsoft.com/office/drawing/2010/main" w="9525">
                     <a:solidFill>
                       <a:srgbClr val="000000"/>
                     </a:solidFill>
@@ -11753,7 +11759,7 @@
               </a:ln>
               <a:extLst>
                 <a:ext uri="{91240B29-F687-4f45-9708-019B960494DF}">
-                  <a14:hiddenLine xmlns:a14="http://schemas.microsoft.com/office/drawing/2010/main" xmlns="" w="9525">
+                  <a14:hiddenLine xmlns="" xmlns:a14="http://schemas.microsoft.com/office/drawing/2010/main" w="9525">
                     <a:solidFill>
                       <a:srgbClr val="000000"/>
                     </a:solidFill>
@@ -11787,7 +11793,7 @@
               </a:ln>
               <a:extLst>
                 <a:ext uri="{91240B29-F687-4f45-9708-019B960494DF}">
-                  <a14:hiddenLine xmlns:a14="http://schemas.microsoft.com/office/drawing/2010/main" xmlns="" w="9525">
+                  <a14:hiddenLine xmlns="" xmlns:a14="http://schemas.microsoft.com/office/drawing/2010/main" w="9525">
                     <a:solidFill>
                       <a:srgbClr val="000000"/>
                     </a:solidFill>
@@ -11928,7 +11934,7 @@
             <a:fld id="{48A87A34-81AB-432B-8DAE-1953F412C126}" type="datetimeFigureOut">
               <a:rPr lang="en-US" dirty="0"/>
               <a:pPr/>
-              <a:t>7/20/2020</a:t>
+              <a:t>7/25/2020</a:t>
             </a:fld>
             <a:endParaRPr lang="en-US" dirty="0"/>
           </a:p>
@@ -12513,12 +12519,161 @@
           <a:chExt cx="0" cy="0"/>
         </a:xfrm>
       </p:grpSpPr>
+      <p:pic>
+        <p:nvPicPr>
+          <p:cNvPr id="5" name="Content Placeholder 4" descr="A screenshot of a cell phone&#10;&#10;Description automatically generated">
+            <a:extLst>
+              <a:ext uri="{FF2B5EF4-FFF2-40B4-BE49-F238E27FC236}">
+                <a16:creationId xmlns:a16="http://schemas.microsoft.com/office/drawing/2014/main" id="{73F18C7D-97A9-40D6-B31C-E2ACC070DF12}"/>
+              </a:ext>
+            </a:extLst>
+          </p:cNvPr>
+          <p:cNvPicPr>
+            <a:picLocks noGrp="1" noChangeAspect="1"/>
+          </p:cNvPicPr>
+          <p:nvPr>
+            <p:ph idx="1"/>
+          </p:nvPr>
+        </p:nvPicPr>
+        <p:blipFill>
+          <a:blip r:embed="rId2"/>
+          <a:stretch>
+            <a:fillRect/>
+          </a:stretch>
+        </p:blipFill>
+        <p:spPr>
+          <a:xfrm>
+            <a:off x="6312530" y="138915"/>
+            <a:ext cx="4969761" cy="3089029"/>
+          </a:xfrm>
+        </p:spPr>
+      </p:pic>
+      <p:pic>
+        <p:nvPicPr>
+          <p:cNvPr id="11" name="Picture 10" descr="A close up of text on a white background&#10;&#10;Description automatically generated">
+            <a:extLst>
+              <a:ext uri="{FF2B5EF4-FFF2-40B4-BE49-F238E27FC236}">
+                <a16:creationId xmlns:a16="http://schemas.microsoft.com/office/drawing/2014/main" id="{A43E0609-FE1A-470B-B783-B341B09E9A5F}"/>
+              </a:ext>
+            </a:extLst>
+          </p:cNvPr>
+          <p:cNvPicPr>
+            <a:picLocks noChangeAspect="1"/>
+          </p:cNvPicPr>
+          <p:nvPr/>
+        </p:nvPicPr>
+        <p:blipFill>
+          <a:blip r:embed="rId3"/>
+          <a:stretch>
+            <a:fillRect/>
+          </a:stretch>
+        </p:blipFill>
+        <p:spPr>
+          <a:xfrm>
+            <a:off x="6312531" y="3428999"/>
+            <a:ext cx="4969759" cy="3089030"/>
+          </a:xfrm>
+          <a:prstGeom prst="rect">
+            <a:avLst/>
+          </a:prstGeom>
+        </p:spPr>
+      </p:pic>
+      <p:pic>
+        <p:nvPicPr>
+          <p:cNvPr id="13" name="Picture 12" descr="A screenshot of a cell phone&#10;&#10;Description automatically generated">
+            <a:extLst>
+              <a:ext uri="{FF2B5EF4-FFF2-40B4-BE49-F238E27FC236}">
+                <a16:creationId xmlns:a16="http://schemas.microsoft.com/office/drawing/2014/main" id="{51CCE1DC-D55E-48F6-8593-BDCE4125E3DF}"/>
+              </a:ext>
+            </a:extLst>
+          </p:cNvPr>
+          <p:cNvPicPr>
+            <a:picLocks noChangeAspect="1"/>
+          </p:cNvPicPr>
+          <p:nvPr/>
+        </p:nvPicPr>
+        <p:blipFill>
+          <a:blip r:embed="rId4"/>
+          <a:stretch>
+            <a:fillRect/>
+          </a:stretch>
+        </p:blipFill>
+        <p:spPr>
+          <a:xfrm>
+            <a:off x="812064" y="3428998"/>
+            <a:ext cx="4969758" cy="3089030"/>
+          </a:xfrm>
+          <a:prstGeom prst="rect">
+            <a:avLst/>
+          </a:prstGeom>
+        </p:spPr>
+      </p:pic>
+      <p:pic>
+        <p:nvPicPr>
+          <p:cNvPr id="15" name="Picture 14" descr="A screenshot of a cell phone&#10;&#10;Description automatically generated">
+            <a:extLst>
+              <a:ext uri="{FF2B5EF4-FFF2-40B4-BE49-F238E27FC236}">
+                <a16:creationId xmlns:a16="http://schemas.microsoft.com/office/drawing/2014/main" id="{C60C9846-F70B-4C36-AD98-E9DB7FD7CA71}"/>
+              </a:ext>
+            </a:extLst>
+          </p:cNvPr>
+          <p:cNvPicPr>
+            <a:picLocks noChangeAspect="1"/>
+          </p:cNvPicPr>
+          <p:nvPr/>
+        </p:nvPicPr>
+        <p:blipFill>
+          <a:blip r:embed="rId5"/>
+          <a:stretch>
+            <a:fillRect/>
+          </a:stretch>
+        </p:blipFill>
+        <p:spPr>
+          <a:xfrm>
+            <a:off x="812061" y="138915"/>
+            <a:ext cx="4969761" cy="3089029"/>
+          </a:xfrm>
+          <a:prstGeom prst="rect">
+            <a:avLst/>
+          </a:prstGeom>
+        </p:spPr>
+      </p:pic>
+    </p:spTree>
+    <p:extLst>
+      <p:ext uri="{BB962C8B-B14F-4D97-AF65-F5344CB8AC3E}">
+        <p14:creationId xmlns:p14="http://schemas.microsoft.com/office/powerpoint/2010/main" val="3546127084"/>
+      </p:ext>
+    </p:extLst>
+  </p:cSld>
+  <p:clrMapOvr>
+    <a:masterClrMapping/>
+  </p:clrMapOvr>
+</p:sld>
+</file>
+
+<file path=ppt/slides/slide3.xml><?xml version="1.0" encoding="utf-8"?>
+<p:sld xmlns:a="http://schemas.openxmlformats.org/drawingml/2006/main" xmlns:r="http://schemas.openxmlformats.org/officeDocument/2006/relationships" xmlns:p="http://schemas.openxmlformats.org/presentationml/2006/main">
+  <p:cSld>
+    <p:spTree>
+      <p:nvGrpSpPr>
+        <p:cNvPr id="1" name=""/>
+        <p:cNvGrpSpPr/>
+        <p:nvPr/>
+      </p:nvGrpSpPr>
+      <p:grpSpPr>
+        <a:xfrm>
+          <a:off x="0" y="0"/>
+          <a:ext cx="0" cy="0"/>
+          <a:chOff x="0" y="0"/>
+          <a:chExt cx="0" cy="0"/>
+        </a:xfrm>
+      </p:grpSpPr>
       <p:sp>
         <p:nvSpPr>
           <p:cNvPr id="2" name="Title 1">
             <a:extLst>
               <a:ext uri="{FF2B5EF4-FFF2-40B4-BE49-F238E27FC236}">
-                <a16:creationId xmlns:a16="http://schemas.microsoft.com/office/drawing/2014/main" id="{2E49AB6A-AB8D-41E3-925B-DF08AC2C4F1B}"/>
+                <a16:creationId xmlns:a16="http://schemas.microsoft.com/office/drawing/2014/main" id="{01C4713F-E8FC-4231-8859-BF2DA30F6988}"/>
               </a:ext>
             </a:extLst>
           </p:cNvPr>
@@ -12543,7 +12698,7 @@
           <p:cNvPr id="3" name="Content Placeholder 2">
             <a:extLst>
               <a:ext uri="{FF2B5EF4-FFF2-40B4-BE49-F238E27FC236}">
-                <a16:creationId xmlns:a16="http://schemas.microsoft.com/office/drawing/2014/main" id="{EEB3E523-CC0B-4FB3-83A1-848065D2A42C}"/>
+                <a16:creationId xmlns:a16="http://schemas.microsoft.com/office/drawing/2014/main" id="{55B43595-1EBB-4DA7-ADBC-269AEB9241E4}"/>
               </a:ext>
             </a:extLst>
           </p:cNvPr>
@@ -12566,7 +12721,7 @@
     </p:spTree>
     <p:extLst>
       <p:ext uri="{BB962C8B-B14F-4D97-AF65-F5344CB8AC3E}">
-        <p14:creationId xmlns:p14="http://schemas.microsoft.com/office/powerpoint/2010/main" val="3546127084"/>
+        <p14:creationId xmlns:p14="http://schemas.microsoft.com/office/powerpoint/2010/main" val="3696446417"/>
       </p:ext>
     </p:extLst>
   </p:cSld>

--- a/PowerPoint/COVID_19 API Interactions.pptx
+++ b/PowerPoint/COVID_19 API Interactions.pptx
@@ -164,7 +164,7 @@
           <a:noFill/>
           <a:extLst>
             <a:ext uri="{909E8E84-426E-40dd-AFC4-6F175D3DCCD1}">
-              <a14:hiddenFill xmlns="" xmlns:a14="http://schemas.microsoft.com/office/drawing/2010/main">
+              <a14:hiddenFill xmlns:a14="http://schemas.microsoft.com/office/drawing/2010/main" xmlns="">
                 <a:solidFill>
                   <a:srgbClr val="FFFFFF"/>
                 </a:solidFill>
@@ -224,7 +224,7 @@
             </a:ln>
             <a:extLst>
               <a:ext uri="{91240B29-F687-4f45-9708-019B960494DF}">
-                <a14:hiddenLine xmlns="" xmlns:a14="http://schemas.microsoft.com/office/drawing/2010/main" w="9525">
+                <a14:hiddenLine xmlns:a14="http://schemas.microsoft.com/office/drawing/2010/main" xmlns="" w="9525">
                   <a:solidFill>
                     <a:srgbClr val="000000"/>
                   </a:solidFill>
@@ -314,7 +314,7 @@
             </a:ln>
             <a:extLst>
               <a:ext uri="{91240B29-F687-4f45-9708-019B960494DF}">
-                <a14:hiddenLine xmlns="" xmlns:a14="http://schemas.microsoft.com/office/drawing/2010/main" w="9525">
+                <a14:hiddenLine xmlns:a14="http://schemas.microsoft.com/office/drawing/2010/main" xmlns="" w="9525">
                   <a:solidFill>
                     <a:srgbClr val="000000"/>
                   </a:solidFill>
@@ -404,7 +404,7 @@
             </a:ln>
             <a:extLst>
               <a:ext uri="{91240B29-F687-4f45-9708-019B960494DF}">
-                <a14:hiddenLine xmlns="" xmlns:a14="http://schemas.microsoft.com/office/drawing/2010/main" w="9525">
+                <a14:hiddenLine xmlns:a14="http://schemas.microsoft.com/office/drawing/2010/main" xmlns="" w="9525">
                   <a:solidFill>
                     <a:srgbClr val="000000"/>
                   </a:solidFill>
@@ -438,7 +438,7 @@
             </a:ln>
             <a:extLst>
               <a:ext uri="{91240B29-F687-4f45-9708-019B960494DF}">
-                <a14:hiddenLine xmlns="" xmlns:a14="http://schemas.microsoft.com/office/drawing/2010/main" w="9525">
+                <a14:hiddenLine xmlns:a14="http://schemas.microsoft.com/office/drawing/2010/main" xmlns="" w="9525">
                   <a:solidFill>
                     <a:srgbClr val="000000"/>
                   </a:solidFill>
@@ -528,7 +528,7 @@
             </a:ln>
             <a:extLst>
               <a:ext uri="{91240B29-F687-4f45-9708-019B960494DF}">
-                <a14:hiddenLine xmlns="" xmlns:a14="http://schemas.microsoft.com/office/drawing/2010/main" w="9525">
+                <a14:hiddenLine xmlns:a14="http://schemas.microsoft.com/office/drawing/2010/main" xmlns="" w="9525">
                   <a:solidFill>
                     <a:srgbClr val="000000"/>
                   </a:solidFill>
@@ -590,7 +590,7 @@
             </a:ln>
             <a:extLst>
               <a:ext uri="{91240B29-F687-4f45-9708-019B960494DF}">
-                <a14:hiddenLine xmlns="" xmlns:a14="http://schemas.microsoft.com/office/drawing/2010/main" w="9525">
+                <a14:hiddenLine xmlns:a14="http://schemas.microsoft.com/office/drawing/2010/main" xmlns="" w="9525">
                   <a:solidFill>
                     <a:srgbClr val="000000"/>
                   </a:solidFill>
@@ -652,7 +652,7 @@
             </a:ln>
             <a:extLst>
               <a:ext uri="{91240B29-F687-4f45-9708-019B960494DF}">
-                <a14:hiddenLine xmlns="" xmlns:a14="http://schemas.microsoft.com/office/drawing/2010/main" w="9525">
+                <a14:hiddenLine xmlns:a14="http://schemas.microsoft.com/office/drawing/2010/main" xmlns="" w="9525">
                   <a:solidFill>
                     <a:srgbClr val="000000"/>
                   </a:solidFill>
@@ -742,7 +742,7 @@
             </a:ln>
             <a:extLst>
               <a:ext uri="{91240B29-F687-4f45-9708-019B960494DF}">
-                <a14:hiddenLine xmlns="" xmlns:a14="http://schemas.microsoft.com/office/drawing/2010/main" w="9525">
+                <a14:hiddenLine xmlns:a14="http://schemas.microsoft.com/office/drawing/2010/main" xmlns="" w="9525">
                   <a:solidFill>
                     <a:srgbClr val="000000"/>
                   </a:solidFill>
@@ -804,7 +804,7 @@
             </a:ln>
             <a:extLst>
               <a:ext uri="{91240B29-F687-4f45-9708-019B960494DF}">
-                <a14:hiddenLine xmlns="" xmlns:a14="http://schemas.microsoft.com/office/drawing/2010/main" w="9525">
+                <a14:hiddenLine xmlns:a14="http://schemas.microsoft.com/office/drawing/2010/main" xmlns="" w="9525">
                   <a:solidFill>
                     <a:srgbClr val="000000"/>
                   </a:solidFill>
@@ -866,7 +866,7 @@
             </a:ln>
             <a:extLst>
               <a:ext uri="{91240B29-F687-4f45-9708-019B960494DF}">
-                <a14:hiddenLine xmlns="" xmlns:a14="http://schemas.microsoft.com/office/drawing/2010/main" w="9525">
+                <a14:hiddenLine xmlns:a14="http://schemas.microsoft.com/office/drawing/2010/main" xmlns="" w="9525">
                   <a:solidFill>
                     <a:srgbClr val="000000"/>
                   </a:solidFill>
@@ -956,7 +956,7 @@
             </a:ln>
             <a:extLst>
               <a:ext uri="{91240B29-F687-4f45-9708-019B960494DF}">
-                <a14:hiddenLine xmlns="" xmlns:a14="http://schemas.microsoft.com/office/drawing/2010/main" w="9525">
+                <a14:hiddenLine xmlns:a14="http://schemas.microsoft.com/office/drawing/2010/main" xmlns="" w="9525">
                   <a:solidFill>
                     <a:srgbClr val="000000"/>
                   </a:solidFill>
@@ -1046,7 +1046,7 @@
             </a:ln>
             <a:extLst>
               <a:ext uri="{91240B29-F687-4f45-9708-019B960494DF}">
-                <a14:hiddenLine xmlns="" xmlns:a14="http://schemas.microsoft.com/office/drawing/2010/main" w="9525">
+                <a14:hiddenLine xmlns:a14="http://schemas.microsoft.com/office/drawing/2010/main" xmlns="" w="9525">
                   <a:solidFill>
                     <a:srgbClr val="000000"/>
                   </a:solidFill>
@@ -1108,7 +1108,7 @@
             </a:ln>
             <a:extLst>
               <a:ext uri="{91240B29-F687-4f45-9708-019B960494DF}">
-                <a14:hiddenLine xmlns="" xmlns:a14="http://schemas.microsoft.com/office/drawing/2010/main" w="9525">
+                <a14:hiddenLine xmlns:a14="http://schemas.microsoft.com/office/drawing/2010/main" xmlns="" w="9525">
                   <a:solidFill>
                     <a:srgbClr val="000000"/>
                   </a:solidFill>
@@ -1218,7 +1218,7 @@
             </a:ln>
             <a:extLst>
               <a:ext uri="{91240B29-F687-4f45-9708-019B960494DF}">
-                <a14:hiddenLine xmlns="" xmlns:a14="http://schemas.microsoft.com/office/drawing/2010/main" w="9525">
+                <a14:hiddenLine xmlns:a14="http://schemas.microsoft.com/office/drawing/2010/main" xmlns="" w="9525">
                   <a:solidFill>
                     <a:srgbClr val="000000"/>
                   </a:solidFill>
@@ -1280,7 +1280,7 @@
             </a:ln>
             <a:extLst>
               <a:ext uri="{91240B29-F687-4f45-9708-019B960494DF}">
-                <a14:hiddenLine xmlns="" xmlns:a14="http://schemas.microsoft.com/office/drawing/2010/main" w="9525">
+                <a14:hiddenLine xmlns:a14="http://schemas.microsoft.com/office/drawing/2010/main" xmlns="" w="9525">
                   <a:solidFill>
                     <a:srgbClr val="000000"/>
                   </a:solidFill>
@@ -1370,7 +1370,7 @@
             </a:ln>
             <a:extLst>
               <a:ext uri="{91240B29-F687-4f45-9708-019B960494DF}">
-                <a14:hiddenLine xmlns="" xmlns:a14="http://schemas.microsoft.com/office/drawing/2010/main" w="9525">
+                <a14:hiddenLine xmlns:a14="http://schemas.microsoft.com/office/drawing/2010/main" xmlns="" w="9525">
                   <a:solidFill>
                     <a:srgbClr val="000000"/>
                   </a:solidFill>
@@ -1460,7 +1460,7 @@
             </a:ln>
             <a:extLst>
               <a:ext uri="{91240B29-F687-4f45-9708-019B960494DF}">
-                <a14:hiddenLine xmlns="" xmlns:a14="http://schemas.microsoft.com/office/drawing/2010/main" w="9525">
+                <a14:hiddenLine xmlns:a14="http://schemas.microsoft.com/office/drawing/2010/main" xmlns="" w="9525">
                   <a:solidFill>
                     <a:srgbClr val="000000"/>
                   </a:solidFill>
@@ -1522,7 +1522,7 @@
             </a:ln>
             <a:extLst>
               <a:ext uri="{91240B29-F687-4f45-9708-019B960494DF}">
-                <a14:hiddenLine xmlns="" xmlns:a14="http://schemas.microsoft.com/office/drawing/2010/main" w="9525">
+                <a14:hiddenLine xmlns:a14="http://schemas.microsoft.com/office/drawing/2010/main" xmlns="" w="9525">
                   <a:solidFill>
                     <a:srgbClr val="000000"/>
                   </a:solidFill>
@@ -1612,7 +1612,7 @@
             </a:ln>
             <a:extLst>
               <a:ext uri="{91240B29-F687-4f45-9708-019B960494DF}">
-                <a14:hiddenLine xmlns="" xmlns:a14="http://schemas.microsoft.com/office/drawing/2010/main" w="9525">
+                <a14:hiddenLine xmlns:a14="http://schemas.microsoft.com/office/drawing/2010/main" xmlns="" w="9525">
                   <a:solidFill>
                     <a:srgbClr val="000000"/>
                   </a:solidFill>
@@ -1702,7 +1702,7 @@
             </a:ln>
             <a:extLst>
               <a:ext uri="{91240B29-F687-4f45-9708-019B960494DF}">
-                <a14:hiddenLine xmlns="" xmlns:a14="http://schemas.microsoft.com/office/drawing/2010/main" w="9525">
+                <a14:hiddenLine xmlns:a14="http://schemas.microsoft.com/office/drawing/2010/main" xmlns="" w="9525">
                   <a:solidFill>
                     <a:srgbClr val="000000"/>
                   </a:solidFill>
@@ -1758,7 +1758,7 @@
             </a:ln>
             <a:extLst>
               <a:ext uri="{91240B29-F687-4f45-9708-019B960494DF}">
-                <a14:hiddenLine xmlns="" xmlns:a14="http://schemas.microsoft.com/office/drawing/2010/main" w="9525">
+                <a14:hiddenLine xmlns:a14="http://schemas.microsoft.com/office/drawing/2010/main" xmlns="" w="9525">
                   <a:solidFill>
                     <a:srgbClr val="000000"/>
                   </a:solidFill>
@@ -1848,7 +1848,7 @@
             </a:ln>
             <a:extLst>
               <a:ext uri="{91240B29-F687-4f45-9708-019B960494DF}">
-                <a14:hiddenLine xmlns="" xmlns:a14="http://schemas.microsoft.com/office/drawing/2010/main" w="9525">
+                <a14:hiddenLine xmlns:a14="http://schemas.microsoft.com/office/drawing/2010/main" xmlns="" w="9525">
                   <a:solidFill>
                     <a:srgbClr val="000000"/>
                   </a:solidFill>
@@ -1904,7 +1904,7 @@
             </a:ln>
             <a:extLst>
               <a:ext uri="{91240B29-F687-4f45-9708-019B960494DF}">
-                <a14:hiddenLine xmlns="" xmlns:a14="http://schemas.microsoft.com/office/drawing/2010/main" w="9525">
+                <a14:hiddenLine xmlns:a14="http://schemas.microsoft.com/office/drawing/2010/main" xmlns="" w="9525">
                   <a:solidFill>
                     <a:srgbClr val="000000"/>
                   </a:solidFill>
@@ -1994,7 +1994,7 @@
             </a:ln>
             <a:extLst>
               <a:ext uri="{91240B29-F687-4f45-9708-019B960494DF}">
-                <a14:hiddenLine xmlns="" xmlns:a14="http://schemas.microsoft.com/office/drawing/2010/main" w="9525">
+                <a14:hiddenLine xmlns:a14="http://schemas.microsoft.com/office/drawing/2010/main" xmlns="" w="9525">
                   <a:solidFill>
                     <a:srgbClr val="000000"/>
                   </a:solidFill>
@@ -2062,7 +2062,7 @@
             </a:ln>
             <a:extLst>
               <a:ext uri="{91240B29-F687-4f45-9708-019B960494DF}">
-                <a14:hiddenLine xmlns="" xmlns:a14="http://schemas.microsoft.com/office/drawing/2010/main" w="9525">
+                <a14:hiddenLine xmlns:a14="http://schemas.microsoft.com/office/drawing/2010/main" xmlns="" w="9525">
                   <a:solidFill>
                     <a:srgbClr val="000000"/>
                   </a:solidFill>
@@ -2152,7 +2152,7 @@
             </a:ln>
             <a:extLst>
               <a:ext uri="{91240B29-F687-4f45-9708-019B960494DF}">
-                <a14:hiddenLine xmlns="" xmlns:a14="http://schemas.microsoft.com/office/drawing/2010/main" w="9525">
+                <a14:hiddenLine xmlns:a14="http://schemas.microsoft.com/office/drawing/2010/main" xmlns="" w="9525">
                   <a:solidFill>
                     <a:srgbClr val="000000"/>
                   </a:solidFill>
@@ -2220,7 +2220,7 @@
             </a:ln>
             <a:extLst>
               <a:ext uri="{91240B29-F687-4f45-9708-019B960494DF}">
-                <a14:hiddenLine xmlns="" xmlns:a14="http://schemas.microsoft.com/office/drawing/2010/main" w="9525">
+                <a14:hiddenLine xmlns:a14="http://schemas.microsoft.com/office/drawing/2010/main" xmlns="" w="9525">
                   <a:solidFill>
                     <a:srgbClr val="000000"/>
                   </a:solidFill>
@@ -2310,7 +2310,7 @@
             </a:ln>
             <a:extLst>
               <a:ext uri="{91240B29-F687-4f45-9708-019B960494DF}">
-                <a14:hiddenLine xmlns="" xmlns:a14="http://schemas.microsoft.com/office/drawing/2010/main" w="9525">
+                <a14:hiddenLine xmlns:a14="http://schemas.microsoft.com/office/drawing/2010/main" xmlns="" w="9525">
                   <a:solidFill>
                     <a:srgbClr val="000000"/>
                   </a:solidFill>
@@ -2344,7 +2344,7 @@
             </a:ln>
             <a:extLst>
               <a:ext uri="{91240B29-F687-4f45-9708-019B960494DF}">
-                <a14:hiddenLine xmlns="" xmlns:a14="http://schemas.microsoft.com/office/drawing/2010/main" w="9525">
+                <a14:hiddenLine xmlns:a14="http://schemas.microsoft.com/office/drawing/2010/main" xmlns="" w="9525">
                   <a:solidFill>
                     <a:srgbClr val="000000"/>
                   </a:solidFill>
@@ -2434,7 +2434,7 @@
             </a:ln>
             <a:extLst>
               <a:ext uri="{91240B29-F687-4f45-9708-019B960494DF}">
-                <a14:hiddenLine xmlns="" xmlns:a14="http://schemas.microsoft.com/office/drawing/2010/main" w="9525">
+                <a14:hiddenLine xmlns:a14="http://schemas.microsoft.com/office/drawing/2010/main" xmlns="" w="9525">
                   <a:solidFill>
                     <a:srgbClr val="000000"/>
                   </a:solidFill>
@@ -2496,7 +2496,7 @@
             </a:ln>
             <a:extLst>
               <a:ext uri="{91240B29-F687-4f45-9708-019B960494DF}">
-                <a14:hiddenLine xmlns="" xmlns:a14="http://schemas.microsoft.com/office/drawing/2010/main" w="9525">
+                <a14:hiddenLine xmlns:a14="http://schemas.microsoft.com/office/drawing/2010/main" xmlns="" w="9525">
                   <a:solidFill>
                     <a:srgbClr val="000000"/>
                   </a:solidFill>
@@ -2558,7 +2558,7 @@
             </a:ln>
             <a:extLst>
               <a:ext uri="{91240B29-F687-4f45-9708-019B960494DF}">
-                <a14:hiddenLine xmlns="" xmlns:a14="http://schemas.microsoft.com/office/drawing/2010/main" w="9525">
+                <a14:hiddenLine xmlns:a14="http://schemas.microsoft.com/office/drawing/2010/main" xmlns="" w="9525">
                   <a:solidFill>
                     <a:srgbClr val="000000"/>
                   </a:solidFill>
@@ -2648,7 +2648,7 @@
             </a:ln>
             <a:extLst>
               <a:ext uri="{91240B29-F687-4f45-9708-019B960494DF}">
-                <a14:hiddenLine xmlns="" xmlns:a14="http://schemas.microsoft.com/office/drawing/2010/main" w="9525">
+                <a14:hiddenLine xmlns:a14="http://schemas.microsoft.com/office/drawing/2010/main" xmlns="" w="9525">
                   <a:solidFill>
                     <a:srgbClr val="000000"/>
                   </a:solidFill>
@@ -2716,7 +2716,7 @@
             </a:ln>
             <a:extLst>
               <a:ext uri="{91240B29-F687-4f45-9708-019B960494DF}">
-                <a14:hiddenLine xmlns="" xmlns:a14="http://schemas.microsoft.com/office/drawing/2010/main" w="9525">
+                <a14:hiddenLine xmlns:a14="http://schemas.microsoft.com/office/drawing/2010/main" xmlns="" w="9525">
                   <a:solidFill>
                     <a:srgbClr val="000000"/>
                   </a:solidFill>
@@ -2778,7 +2778,7 @@
             </a:ln>
             <a:extLst>
               <a:ext uri="{91240B29-F687-4f45-9708-019B960494DF}">
-                <a14:hiddenLine xmlns="" xmlns:a14="http://schemas.microsoft.com/office/drawing/2010/main" w="9525">
+                <a14:hiddenLine xmlns:a14="http://schemas.microsoft.com/office/drawing/2010/main" xmlns="" w="9525">
                   <a:solidFill>
                     <a:srgbClr val="000000"/>
                   </a:solidFill>
@@ -2868,7 +2868,7 @@
             </a:ln>
             <a:extLst>
               <a:ext uri="{91240B29-F687-4f45-9708-019B960494DF}">
-                <a14:hiddenLine xmlns="" xmlns:a14="http://schemas.microsoft.com/office/drawing/2010/main" w="9525">
+                <a14:hiddenLine xmlns:a14="http://schemas.microsoft.com/office/drawing/2010/main" xmlns="" w="9525">
                   <a:solidFill>
                     <a:srgbClr val="000000"/>
                   </a:solidFill>
@@ -2930,7 +2930,7 @@
             </a:ln>
             <a:extLst>
               <a:ext uri="{91240B29-F687-4f45-9708-019B960494DF}">
-                <a14:hiddenLine xmlns="" xmlns:a14="http://schemas.microsoft.com/office/drawing/2010/main" w="9525">
+                <a14:hiddenLine xmlns:a14="http://schemas.microsoft.com/office/drawing/2010/main" xmlns="" w="9525">
                   <a:solidFill>
                     <a:srgbClr val="000000"/>
                   </a:solidFill>
@@ -3020,7 +3020,7 @@
             </a:ln>
             <a:extLst>
               <a:ext uri="{91240B29-F687-4f45-9708-019B960494DF}">
-                <a14:hiddenLine xmlns="" xmlns:a14="http://schemas.microsoft.com/office/drawing/2010/main" w="9525">
+                <a14:hiddenLine xmlns:a14="http://schemas.microsoft.com/office/drawing/2010/main" xmlns="" w="9525">
                   <a:solidFill>
                     <a:srgbClr val="000000"/>
                   </a:solidFill>
@@ -3082,7 +3082,7 @@
             </a:ln>
             <a:extLst>
               <a:ext uri="{91240B29-F687-4f45-9708-019B960494DF}">
-                <a14:hiddenLine xmlns="" xmlns:a14="http://schemas.microsoft.com/office/drawing/2010/main" w="9525">
+                <a14:hiddenLine xmlns:a14="http://schemas.microsoft.com/office/drawing/2010/main" xmlns="" w="9525">
                   <a:solidFill>
                     <a:srgbClr val="000000"/>
                   </a:solidFill>
@@ -3172,7 +3172,7 @@
             </a:ln>
             <a:extLst>
               <a:ext uri="{91240B29-F687-4f45-9708-019B960494DF}">
-                <a14:hiddenLine xmlns="" xmlns:a14="http://schemas.microsoft.com/office/drawing/2010/main" w="9525">
+                <a14:hiddenLine xmlns:a14="http://schemas.microsoft.com/office/drawing/2010/main" xmlns="" w="9525">
                   <a:solidFill>
                     <a:srgbClr val="000000"/>
                   </a:solidFill>
@@ -3206,7 +3206,7 @@
             </a:ln>
             <a:extLst>
               <a:ext uri="{91240B29-F687-4f45-9708-019B960494DF}">
-                <a14:hiddenLine xmlns="" xmlns:a14="http://schemas.microsoft.com/office/drawing/2010/main" w="9525">
+                <a14:hiddenLine xmlns:a14="http://schemas.microsoft.com/office/drawing/2010/main" xmlns="" w="9525">
                   <a:solidFill>
                     <a:srgbClr val="000000"/>
                   </a:solidFill>
@@ -3271,7 +3271,7 @@
             </a:ln>
             <a:extLst>
               <a:ext uri="{91240B29-F687-4f45-9708-019B960494DF}">
-                <a14:hiddenLine xmlns="" xmlns:a14="http://schemas.microsoft.com/office/drawing/2010/main" w="9525">
+                <a14:hiddenLine xmlns:a14="http://schemas.microsoft.com/office/drawing/2010/main" xmlns="" w="9525">
                   <a:solidFill>
                     <a:srgbClr val="000000"/>
                   </a:solidFill>
@@ -3361,7 +3361,7 @@
             </a:ln>
             <a:extLst>
               <a:ext uri="{91240B29-F687-4f45-9708-019B960494DF}">
-                <a14:hiddenLine xmlns="" xmlns:a14="http://schemas.microsoft.com/office/drawing/2010/main" w="9525">
+                <a14:hiddenLine xmlns:a14="http://schemas.microsoft.com/office/drawing/2010/main" xmlns="" w="9525">
                   <a:solidFill>
                     <a:srgbClr val="000000"/>
                   </a:solidFill>
@@ -3423,7 +3423,7 @@
             </a:ln>
             <a:extLst>
               <a:ext uri="{91240B29-F687-4f45-9708-019B960494DF}">
-                <a14:hiddenLine xmlns="" xmlns:a14="http://schemas.microsoft.com/office/drawing/2010/main" w="9525">
+                <a14:hiddenLine xmlns:a14="http://schemas.microsoft.com/office/drawing/2010/main" xmlns="" w="9525">
                   <a:solidFill>
                     <a:srgbClr val="000000"/>
                   </a:solidFill>
@@ -3513,7 +3513,7 @@
             </a:ln>
             <a:extLst>
               <a:ext uri="{91240B29-F687-4f45-9708-019B960494DF}">
-                <a14:hiddenLine xmlns="" xmlns:a14="http://schemas.microsoft.com/office/drawing/2010/main" w="9525">
+                <a14:hiddenLine xmlns:a14="http://schemas.microsoft.com/office/drawing/2010/main" xmlns="" w="9525">
                   <a:solidFill>
                     <a:srgbClr val="000000"/>
                   </a:solidFill>
@@ -3603,7 +3603,7 @@
             </a:ln>
             <a:extLst>
               <a:ext uri="{91240B29-F687-4f45-9708-019B960494DF}">
-                <a14:hiddenLine xmlns="" xmlns:a14="http://schemas.microsoft.com/office/drawing/2010/main" w="9525">
+                <a14:hiddenLine xmlns:a14="http://schemas.microsoft.com/office/drawing/2010/main" xmlns="" w="9525">
                   <a:solidFill>
                     <a:srgbClr val="000000"/>
                   </a:solidFill>
@@ -3668,7 +3668,7 @@
             </a:ln>
             <a:extLst>
               <a:ext uri="{91240B29-F687-4f45-9708-019B960494DF}">
-                <a14:hiddenLine xmlns="" xmlns:a14="http://schemas.microsoft.com/office/drawing/2010/main" w="9525">
+                <a14:hiddenLine xmlns:a14="http://schemas.microsoft.com/office/drawing/2010/main" xmlns="" w="9525">
                   <a:solidFill>
                     <a:srgbClr val="000000"/>
                   </a:solidFill>
@@ -3730,7 +3730,7 @@
             </a:ln>
             <a:extLst>
               <a:ext uri="{91240B29-F687-4f45-9708-019B960494DF}">
-                <a14:hiddenLine xmlns="" xmlns:a14="http://schemas.microsoft.com/office/drawing/2010/main" w="9525">
+                <a14:hiddenLine xmlns:a14="http://schemas.microsoft.com/office/drawing/2010/main" xmlns="" w="9525">
                   <a:solidFill>
                     <a:srgbClr val="000000"/>
                   </a:solidFill>
@@ -3820,7 +3820,7 @@
             </a:ln>
             <a:extLst>
               <a:ext uri="{91240B29-F687-4f45-9708-019B960494DF}">
-                <a14:hiddenLine xmlns="" xmlns:a14="http://schemas.microsoft.com/office/drawing/2010/main" w="9525">
+                <a14:hiddenLine xmlns:a14="http://schemas.microsoft.com/office/drawing/2010/main" xmlns="" w="9525">
                   <a:solidFill>
                     <a:srgbClr val="000000"/>
                   </a:solidFill>
@@ -3910,7 +3910,7 @@
             </a:ln>
             <a:extLst>
               <a:ext uri="{91240B29-F687-4f45-9708-019B960494DF}">
-                <a14:hiddenLine xmlns="" xmlns:a14="http://schemas.microsoft.com/office/drawing/2010/main" w="9525">
+                <a14:hiddenLine xmlns:a14="http://schemas.microsoft.com/office/drawing/2010/main" xmlns="" w="9525">
                   <a:solidFill>
                     <a:srgbClr val="000000"/>
                   </a:solidFill>
@@ -3972,7 +3972,7 @@
             </a:ln>
             <a:extLst>
               <a:ext uri="{91240B29-F687-4f45-9708-019B960494DF}">
-                <a14:hiddenLine xmlns="" xmlns:a14="http://schemas.microsoft.com/office/drawing/2010/main" w="9525">
+                <a14:hiddenLine xmlns:a14="http://schemas.microsoft.com/office/drawing/2010/main" xmlns="" w="9525">
                   <a:solidFill>
                     <a:srgbClr val="000000"/>
                   </a:solidFill>
@@ -4092,7 +4092,7 @@
             </a:ln>
             <a:extLst>
               <a:ext uri="{91240B29-F687-4f45-9708-019B960494DF}">
-                <a14:hiddenLine xmlns="" xmlns:a14="http://schemas.microsoft.com/office/drawing/2010/main" w="9525">
+                <a14:hiddenLine xmlns:a14="http://schemas.microsoft.com/office/drawing/2010/main" xmlns="" w="9525">
                   <a:solidFill>
                     <a:srgbClr val="000000"/>
                   </a:solidFill>
@@ -4160,7 +4160,7 @@
             </a:ln>
             <a:extLst>
               <a:ext uri="{91240B29-F687-4f45-9708-019B960494DF}">
-                <a14:hiddenLine xmlns="" xmlns:a14="http://schemas.microsoft.com/office/drawing/2010/main" w="9525">
+                <a14:hiddenLine xmlns:a14="http://schemas.microsoft.com/office/drawing/2010/main" xmlns="" w="9525">
                   <a:solidFill>
                     <a:srgbClr val="000000"/>
                   </a:solidFill>
@@ -4250,7 +4250,7 @@
             </a:ln>
             <a:extLst>
               <a:ext uri="{91240B29-F687-4f45-9708-019B960494DF}">
-                <a14:hiddenLine xmlns="" xmlns:a14="http://schemas.microsoft.com/office/drawing/2010/main" w="9525">
+                <a14:hiddenLine xmlns:a14="http://schemas.microsoft.com/office/drawing/2010/main" xmlns="" w="9525">
                   <a:solidFill>
                     <a:srgbClr val="000000"/>
                   </a:solidFill>
@@ -4390,7 +4390,7 @@
           <a:p>
             <a:fld id="{48A87A34-81AB-432B-8DAE-1953F412C126}" type="datetimeFigureOut">
               <a:rPr lang="en-US" dirty="0"/>
-              <a:t>7/25/2020</a:t>
+              <a:t>7/26/2020</a:t>
             </a:fld>
             <a:endParaRPr lang="en-US" dirty="0"/>
           </a:p>
@@ -4652,7 +4652,7 @@
           <a:p>
             <a:fld id="{48A87A34-81AB-432B-8DAE-1953F412C126}" type="datetimeFigureOut">
               <a:rPr lang="en-US" dirty="0"/>
-              <a:t>7/25/2020</a:t>
+              <a:t>7/26/2020</a:t>
             </a:fld>
             <a:endParaRPr lang="en-US" dirty="0"/>
           </a:p>
@@ -4843,7 +4843,7 @@
           <a:p>
             <a:fld id="{48A87A34-81AB-432B-8DAE-1953F412C126}" type="datetimeFigureOut">
               <a:rPr lang="en-US" dirty="0"/>
-              <a:t>7/25/2020</a:t>
+              <a:t>7/26/2020</a:t>
             </a:fld>
             <a:endParaRPr lang="en-US" dirty="0"/>
           </a:p>
@@ -5101,7 +5101,7 @@
           <a:p>
             <a:fld id="{48A87A34-81AB-432B-8DAE-1953F412C126}" type="datetimeFigureOut">
               <a:rPr lang="en-US" dirty="0"/>
-              <a:t>7/25/2020</a:t>
+              <a:t>7/26/2020</a:t>
             </a:fld>
             <a:endParaRPr lang="en-US" dirty="0"/>
           </a:p>
@@ -5530,7 +5530,7 @@
           <a:p>
             <a:fld id="{48A87A34-81AB-432B-8DAE-1953F412C126}" type="datetimeFigureOut">
               <a:rPr lang="en-US" dirty="0"/>
-              <a:t>7/25/2020</a:t>
+              <a:t>7/26/2020</a:t>
             </a:fld>
             <a:endParaRPr lang="en-US" dirty="0"/>
           </a:p>
@@ -6071,7 +6071,7 @@
           <a:p>
             <a:fld id="{48A87A34-81AB-432B-8DAE-1953F412C126}" type="datetimeFigureOut">
               <a:rPr lang="en-US" dirty="0"/>
-              <a:t>7/25/2020</a:t>
+              <a:t>7/26/2020</a:t>
             </a:fld>
             <a:endParaRPr lang="en-US" dirty="0"/>
           </a:p>
@@ -6786,7 +6786,7 @@
           <a:p>
             <a:fld id="{48A87A34-81AB-432B-8DAE-1953F412C126}" type="datetimeFigureOut">
               <a:rPr lang="en-US" dirty="0"/>
-              <a:t>7/25/2020</a:t>
+              <a:t>7/26/2020</a:t>
             </a:fld>
             <a:endParaRPr lang="en-US" dirty="0"/>
           </a:p>
@@ -6951,7 +6951,7 @@
           <a:p>
             <a:fld id="{48A87A34-81AB-432B-8DAE-1953F412C126}" type="datetimeFigureOut">
               <a:rPr lang="en-US" dirty="0"/>
-              <a:t>7/25/2020</a:t>
+              <a:t>7/26/2020</a:t>
             </a:fld>
             <a:endParaRPr lang="en-US" dirty="0"/>
           </a:p>
@@ -7126,7 +7126,7 @@
           <a:p>
             <a:fld id="{48A87A34-81AB-432B-8DAE-1953F412C126}" type="datetimeFigureOut">
               <a:rPr lang="en-US" dirty="0"/>
-              <a:t>7/25/2020</a:t>
+              <a:t>7/26/2020</a:t>
             </a:fld>
             <a:endParaRPr lang="en-US" dirty="0"/>
           </a:p>
@@ -7291,7 +7291,7 @@
           <a:p>
             <a:fld id="{48A87A34-81AB-432B-8DAE-1953F412C126}" type="datetimeFigureOut">
               <a:rPr lang="en-US" dirty="0"/>
-              <a:t>7/25/2020</a:t>
+              <a:t>7/26/2020</a:t>
             </a:fld>
             <a:endParaRPr lang="en-US" dirty="0"/>
           </a:p>
@@ -7536,7 +7536,7 @@
           <a:p>
             <a:fld id="{48A87A34-81AB-432B-8DAE-1953F412C126}" type="datetimeFigureOut">
               <a:rPr lang="en-US" dirty="0"/>
-              <a:t>7/25/2020</a:t>
+              <a:t>7/26/2020</a:t>
             </a:fld>
             <a:endParaRPr lang="en-US" dirty="0"/>
           </a:p>
@@ -7763,7 +7763,7 @@
           <a:p>
             <a:fld id="{48A87A34-81AB-432B-8DAE-1953F412C126}" type="datetimeFigureOut">
               <a:rPr lang="en-US" dirty="0"/>
-              <a:t>7/25/2020</a:t>
+              <a:t>7/26/2020</a:t>
             </a:fld>
             <a:endParaRPr lang="en-US" dirty="0"/>
           </a:p>
@@ -8139,7 +8139,7 @@
           <a:p>
             <a:fld id="{48A87A34-81AB-432B-8DAE-1953F412C126}" type="datetimeFigureOut">
               <a:rPr lang="en-US" dirty="0"/>
-              <a:t>7/25/2020</a:t>
+              <a:t>7/26/2020</a:t>
             </a:fld>
             <a:endParaRPr lang="en-US" dirty="0"/>
           </a:p>
@@ -8252,7 +8252,7 @@
           <a:p>
             <a:fld id="{48A87A34-81AB-432B-8DAE-1953F412C126}" type="datetimeFigureOut">
               <a:rPr lang="en-US" dirty="0"/>
-              <a:t>7/25/2020</a:t>
+              <a:t>7/26/2020</a:t>
             </a:fld>
             <a:endParaRPr lang="en-US" dirty="0"/>
           </a:p>
@@ -8342,7 +8342,7 @@
           <a:p>
             <a:fld id="{48A87A34-81AB-432B-8DAE-1953F412C126}" type="datetimeFigureOut">
               <a:rPr lang="en-US" dirty="0"/>
-              <a:t>7/25/2020</a:t>
+              <a:t>7/26/2020</a:t>
             </a:fld>
             <a:endParaRPr lang="en-US" dirty="0"/>
           </a:p>
@@ -8586,7 +8586,7 @@
           <a:p>
             <a:fld id="{48A87A34-81AB-432B-8DAE-1953F412C126}" type="datetimeFigureOut">
               <a:rPr lang="en-US" dirty="0"/>
-              <a:t>7/25/2020</a:t>
+              <a:t>7/26/2020</a:t>
             </a:fld>
             <a:endParaRPr lang="en-US" dirty="0"/>
           </a:p>
@@ -8861,7 +8861,7 @@
           <a:p>
             <a:fld id="{48A87A34-81AB-432B-8DAE-1953F412C126}" type="datetimeFigureOut">
               <a:rPr lang="en-US" dirty="0"/>
-              <a:t>7/25/2020</a:t>
+              <a:t>7/26/2020</a:t>
             </a:fld>
             <a:endParaRPr lang="en-US" dirty="0"/>
           </a:p>
@@ -8972,7 +8972,7 @@
           <a:noFill/>
           <a:extLst>
             <a:ext uri="{909E8E84-426E-40dd-AFC4-6F175D3DCCD1}">
-              <a14:hiddenFill xmlns="" xmlns:a14="http://schemas.microsoft.com/office/drawing/2010/main">
+              <a14:hiddenFill xmlns:a14="http://schemas.microsoft.com/office/drawing/2010/main" xmlns="">
                 <a:solidFill>
                   <a:srgbClr val="FFFFFF"/>
                 </a:solidFill>
@@ -9046,7 +9046,7 @@
               </a:ln>
               <a:extLst>
                 <a:ext uri="{91240B29-F687-4f45-9708-019B960494DF}">
-                  <a14:hiddenLine xmlns="" xmlns:a14="http://schemas.microsoft.com/office/drawing/2010/main" w="9525">
+                  <a14:hiddenLine xmlns:a14="http://schemas.microsoft.com/office/drawing/2010/main" xmlns="" w="9525">
                     <a:solidFill>
                       <a:srgbClr val="000000"/>
                     </a:solidFill>
@@ -9136,7 +9136,7 @@
               </a:ln>
               <a:extLst>
                 <a:ext uri="{91240B29-F687-4f45-9708-019B960494DF}">
-                  <a14:hiddenLine xmlns="" xmlns:a14="http://schemas.microsoft.com/office/drawing/2010/main" w="9525">
+                  <a14:hiddenLine xmlns:a14="http://schemas.microsoft.com/office/drawing/2010/main" xmlns="" w="9525">
                     <a:solidFill>
                       <a:srgbClr val="000000"/>
                     </a:solidFill>
@@ -9226,7 +9226,7 @@
               </a:ln>
               <a:extLst>
                 <a:ext uri="{91240B29-F687-4f45-9708-019B960494DF}">
-                  <a14:hiddenLine xmlns="" xmlns:a14="http://schemas.microsoft.com/office/drawing/2010/main" w="9525">
+                  <a14:hiddenLine xmlns:a14="http://schemas.microsoft.com/office/drawing/2010/main" xmlns="" w="9525">
                     <a:solidFill>
                       <a:srgbClr val="000000"/>
                     </a:solidFill>
@@ -9288,7 +9288,7 @@
               </a:ln>
               <a:extLst>
                 <a:ext uri="{91240B29-F687-4f45-9708-019B960494DF}">
-                  <a14:hiddenLine xmlns="" xmlns:a14="http://schemas.microsoft.com/office/drawing/2010/main" w="9525">
+                  <a14:hiddenLine xmlns:a14="http://schemas.microsoft.com/office/drawing/2010/main" xmlns="" w="9525">
                     <a:solidFill>
                       <a:srgbClr val="000000"/>
                     </a:solidFill>
@@ -9378,7 +9378,7 @@
               </a:ln>
               <a:extLst>
                 <a:ext uri="{91240B29-F687-4f45-9708-019B960494DF}">
-                  <a14:hiddenLine xmlns="" xmlns:a14="http://schemas.microsoft.com/office/drawing/2010/main" w="9525">
+                  <a14:hiddenLine xmlns:a14="http://schemas.microsoft.com/office/drawing/2010/main" xmlns="" w="9525">
                     <a:solidFill>
                       <a:srgbClr val="000000"/>
                     </a:solidFill>
@@ -9440,7 +9440,7 @@
               </a:ln>
               <a:extLst>
                 <a:ext uri="{91240B29-F687-4f45-9708-019B960494DF}">
-                  <a14:hiddenLine xmlns="" xmlns:a14="http://schemas.microsoft.com/office/drawing/2010/main" w="9525">
+                  <a14:hiddenLine xmlns:a14="http://schemas.microsoft.com/office/drawing/2010/main" xmlns="" w="9525">
                     <a:solidFill>
                       <a:srgbClr val="000000"/>
                     </a:solidFill>
@@ -9502,7 +9502,7 @@
               </a:ln>
               <a:extLst>
                 <a:ext uri="{91240B29-F687-4f45-9708-019B960494DF}">
-                  <a14:hiddenLine xmlns="" xmlns:a14="http://schemas.microsoft.com/office/drawing/2010/main" w="9525">
+                  <a14:hiddenLine xmlns:a14="http://schemas.microsoft.com/office/drawing/2010/main" xmlns="" w="9525">
                     <a:solidFill>
                       <a:srgbClr val="000000"/>
                     </a:solidFill>
@@ -9592,7 +9592,7 @@
               </a:ln>
               <a:extLst>
                 <a:ext uri="{91240B29-F687-4f45-9708-019B960494DF}">
-                  <a14:hiddenLine xmlns="" xmlns:a14="http://schemas.microsoft.com/office/drawing/2010/main" w="9525">
+                  <a14:hiddenLine xmlns:a14="http://schemas.microsoft.com/office/drawing/2010/main" xmlns="" w="9525">
                     <a:solidFill>
                       <a:srgbClr val="000000"/>
                     </a:solidFill>
@@ -9682,7 +9682,7 @@
               </a:ln>
               <a:extLst>
                 <a:ext uri="{91240B29-F687-4f45-9708-019B960494DF}">
-                  <a14:hiddenLine xmlns="" xmlns:a14="http://schemas.microsoft.com/office/drawing/2010/main" w="9525">
+                  <a14:hiddenLine xmlns:a14="http://schemas.microsoft.com/office/drawing/2010/main" xmlns="" w="9525">
                     <a:solidFill>
                       <a:srgbClr val="000000"/>
                     </a:solidFill>
@@ -9744,7 +9744,7 @@
               </a:ln>
               <a:extLst>
                 <a:ext uri="{91240B29-F687-4f45-9708-019B960494DF}">
-                  <a14:hiddenLine xmlns="" xmlns:a14="http://schemas.microsoft.com/office/drawing/2010/main" w="9525">
+                  <a14:hiddenLine xmlns:a14="http://schemas.microsoft.com/office/drawing/2010/main" xmlns="" w="9525">
                     <a:solidFill>
                       <a:srgbClr val="000000"/>
                     </a:solidFill>
@@ -9854,7 +9854,7 @@
               </a:ln>
               <a:extLst>
                 <a:ext uri="{91240B29-F687-4f45-9708-019B960494DF}">
-                  <a14:hiddenLine xmlns="" xmlns:a14="http://schemas.microsoft.com/office/drawing/2010/main" w="9525">
+                  <a14:hiddenLine xmlns:a14="http://schemas.microsoft.com/office/drawing/2010/main" xmlns="" w="9525">
                     <a:solidFill>
                       <a:srgbClr val="000000"/>
                     </a:solidFill>
@@ -9938,7 +9938,7 @@
               </a:ln>
               <a:extLst>
                 <a:ext uri="{91240B29-F687-4f45-9708-019B960494DF}">
-                  <a14:hiddenLine xmlns="" xmlns:a14="http://schemas.microsoft.com/office/drawing/2010/main" w="9525">
+                  <a14:hiddenLine xmlns:a14="http://schemas.microsoft.com/office/drawing/2010/main" xmlns="" w="9525">
                     <a:solidFill>
                       <a:srgbClr val="000000"/>
                     </a:solidFill>
@@ -10000,7 +10000,7 @@
               </a:ln>
               <a:extLst>
                 <a:ext uri="{91240B29-F687-4f45-9708-019B960494DF}">
-                  <a14:hiddenLine xmlns="" xmlns:a14="http://schemas.microsoft.com/office/drawing/2010/main" w="9525">
+                  <a14:hiddenLine xmlns:a14="http://schemas.microsoft.com/office/drawing/2010/main" xmlns="" w="9525">
                     <a:solidFill>
                       <a:srgbClr val="000000"/>
                     </a:solidFill>
@@ -10062,7 +10062,7 @@
               </a:ln>
               <a:extLst>
                 <a:ext uri="{91240B29-F687-4f45-9708-019B960494DF}">
-                  <a14:hiddenLine xmlns="" xmlns:a14="http://schemas.microsoft.com/office/drawing/2010/main" w="9525">
+                  <a14:hiddenLine xmlns:a14="http://schemas.microsoft.com/office/drawing/2010/main" xmlns="" w="9525">
                     <a:solidFill>
                       <a:srgbClr val="000000"/>
                     </a:solidFill>
@@ -10152,7 +10152,7 @@
               </a:ln>
               <a:extLst>
                 <a:ext uri="{91240B29-F687-4f45-9708-019B960494DF}">
-                  <a14:hiddenLine xmlns="" xmlns:a14="http://schemas.microsoft.com/office/drawing/2010/main" w="9525">
+                  <a14:hiddenLine xmlns:a14="http://schemas.microsoft.com/office/drawing/2010/main" xmlns="" w="9525">
                     <a:solidFill>
                       <a:srgbClr val="000000"/>
                     </a:solidFill>
@@ -10186,7 +10186,7 @@
               </a:ln>
               <a:extLst>
                 <a:ext uri="{91240B29-F687-4f45-9708-019B960494DF}">
-                  <a14:hiddenLine xmlns="" xmlns:a14="http://schemas.microsoft.com/office/drawing/2010/main" w="9525">
+                  <a14:hiddenLine xmlns:a14="http://schemas.microsoft.com/office/drawing/2010/main" xmlns="" w="9525">
                     <a:solidFill>
                       <a:srgbClr val="000000"/>
                     </a:solidFill>
@@ -10251,7 +10251,7 @@
               </a:ln>
               <a:extLst>
                 <a:ext uri="{91240B29-F687-4f45-9708-019B960494DF}">
-                  <a14:hiddenLine xmlns="" xmlns:a14="http://schemas.microsoft.com/office/drawing/2010/main" w="9525">
+                  <a14:hiddenLine xmlns:a14="http://schemas.microsoft.com/office/drawing/2010/main" xmlns="" w="9525">
                     <a:solidFill>
                       <a:srgbClr val="000000"/>
                     </a:solidFill>
@@ -10341,7 +10341,7 @@
               </a:ln>
               <a:extLst>
                 <a:ext uri="{91240B29-F687-4f45-9708-019B960494DF}">
-                  <a14:hiddenLine xmlns="" xmlns:a14="http://schemas.microsoft.com/office/drawing/2010/main" w="9525">
+                  <a14:hiddenLine xmlns:a14="http://schemas.microsoft.com/office/drawing/2010/main" xmlns="" w="9525">
                     <a:solidFill>
                       <a:srgbClr val="000000"/>
                     </a:solidFill>
@@ -10403,7 +10403,7 @@
               </a:ln>
               <a:extLst>
                 <a:ext uri="{91240B29-F687-4f45-9708-019B960494DF}">
-                  <a14:hiddenLine xmlns="" xmlns:a14="http://schemas.microsoft.com/office/drawing/2010/main" w="9525">
+                  <a14:hiddenLine xmlns:a14="http://schemas.microsoft.com/office/drawing/2010/main" xmlns="" w="9525">
                     <a:solidFill>
                       <a:srgbClr val="000000"/>
                     </a:solidFill>
@@ -10493,7 +10493,7 @@
               </a:ln>
               <a:extLst>
                 <a:ext uri="{91240B29-F687-4f45-9708-019B960494DF}">
-                  <a14:hiddenLine xmlns="" xmlns:a14="http://schemas.microsoft.com/office/drawing/2010/main" w="9525">
+                  <a14:hiddenLine xmlns:a14="http://schemas.microsoft.com/office/drawing/2010/main" xmlns="" w="9525">
                     <a:solidFill>
                       <a:srgbClr val="000000"/>
                     </a:solidFill>
@@ -10558,7 +10558,7 @@
               </a:ln>
               <a:extLst>
                 <a:ext uri="{91240B29-F687-4f45-9708-019B960494DF}">
-                  <a14:hiddenLine xmlns="" xmlns:a14="http://schemas.microsoft.com/office/drawing/2010/main" w="9525">
+                  <a14:hiddenLine xmlns:a14="http://schemas.microsoft.com/office/drawing/2010/main" xmlns="" w="9525">
                     <a:solidFill>
                       <a:srgbClr val="000000"/>
                     </a:solidFill>
@@ -10620,7 +10620,7 @@
               </a:ln>
               <a:extLst>
                 <a:ext uri="{91240B29-F687-4f45-9708-019B960494DF}">
-                  <a14:hiddenLine xmlns="" xmlns:a14="http://schemas.microsoft.com/office/drawing/2010/main" w="9525">
+                  <a14:hiddenLine xmlns:a14="http://schemas.microsoft.com/office/drawing/2010/main" xmlns="" w="9525">
                     <a:solidFill>
                       <a:srgbClr val="000000"/>
                     </a:solidFill>
@@ -10710,7 +10710,7 @@
               </a:ln>
               <a:extLst>
                 <a:ext uri="{91240B29-F687-4f45-9708-019B960494DF}">
-                  <a14:hiddenLine xmlns="" xmlns:a14="http://schemas.microsoft.com/office/drawing/2010/main" w="9525">
+                  <a14:hiddenLine xmlns:a14="http://schemas.microsoft.com/office/drawing/2010/main" xmlns="" w="9525">
                     <a:solidFill>
                       <a:srgbClr val="000000"/>
                     </a:solidFill>
@@ -10800,7 +10800,7 @@
               </a:ln>
               <a:extLst>
                 <a:ext uri="{91240B29-F687-4f45-9708-019B960494DF}">
-                  <a14:hiddenLine xmlns="" xmlns:a14="http://schemas.microsoft.com/office/drawing/2010/main" w="9525">
+                  <a14:hiddenLine xmlns:a14="http://schemas.microsoft.com/office/drawing/2010/main" xmlns="" w="9525">
                     <a:solidFill>
                       <a:srgbClr val="000000"/>
                     </a:solidFill>
@@ -10865,7 +10865,7 @@
               </a:ln>
               <a:extLst>
                 <a:ext uri="{91240B29-F687-4f45-9708-019B960494DF}">
-                  <a14:hiddenLine xmlns="" xmlns:a14="http://schemas.microsoft.com/office/drawing/2010/main" w="9525">
+                  <a14:hiddenLine xmlns:a14="http://schemas.microsoft.com/office/drawing/2010/main" xmlns="" w="9525">
                     <a:solidFill>
                       <a:srgbClr val="000000"/>
                     </a:solidFill>
@@ -10985,7 +10985,7 @@
               </a:ln>
               <a:extLst>
                 <a:ext uri="{91240B29-F687-4f45-9708-019B960494DF}">
-                  <a14:hiddenLine xmlns="" xmlns:a14="http://schemas.microsoft.com/office/drawing/2010/main" w="9525">
+                  <a14:hiddenLine xmlns:a14="http://schemas.microsoft.com/office/drawing/2010/main" xmlns="" w="9525">
                     <a:solidFill>
                       <a:srgbClr val="000000"/>
                     </a:solidFill>
@@ -11083,7 +11083,7 @@
               </a:ln>
               <a:extLst>
                 <a:ext uri="{91240B29-F687-4f45-9708-019B960494DF}">
-                  <a14:hiddenLine xmlns="" xmlns:a14="http://schemas.microsoft.com/office/drawing/2010/main" w="9525">
+                  <a14:hiddenLine xmlns:a14="http://schemas.microsoft.com/office/drawing/2010/main" xmlns="" w="9525">
                     <a:solidFill>
                       <a:srgbClr val="000000"/>
                     </a:solidFill>
@@ -11198,7 +11198,7 @@
               </a:ln>
               <a:extLst>
                 <a:ext uri="{91240B29-F687-4f45-9708-019B960494DF}">
-                  <a14:hiddenLine xmlns="" xmlns:a14="http://schemas.microsoft.com/office/drawing/2010/main" w="9525">
+                  <a14:hiddenLine xmlns:a14="http://schemas.microsoft.com/office/drawing/2010/main" xmlns="" w="9525">
                     <a:solidFill>
                       <a:srgbClr val="000000"/>
                     </a:solidFill>
@@ -11288,7 +11288,7 @@
               </a:ln>
               <a:extLst>
                 <a:ext uri="{91240B29-F687-4f45-9708-019B960494DF}">
-                  <a14:hiddenLine xmlns="" xmlns:a14="http://schemas.microsoft.com/office/drawing/2010/main" w="9525">
+                  <a14:hiddenLine xmlns:a14="http://schemas.microsoft.com/office/drawing/2010/main" xmlns="" w="9525">
                     <a:solidFill>
                       <a:srgbClr val="000000"/>
                     </a:solidFill>
@@ -11353,7 +11353,7 @@
               </a:ln>
               <a:extLst>
                 <a:ext uri="{91240B29-F687-4f45-9708-019B960494DF}">
-                  <a14:hiddenLine xmlns="" xmlns:a14="http://schemas.microsoft.com/office/drawing/2010/main" w="9525">
+                  <a14:hiddenLine xmlns:a14="http://schemas.microsoft.com/office/drawing/2010/main" xmlns="" w="9525">
                     <a:solidFill>
                       <a:srgbClr val="000000"/>
                     </a:solidFill>
@@ -11443,7 +11443,7 @@
               </a:ln>
               <a:extLst>
                 <a:ext uri="{91240B29-F687-4f45-9708-019B960494DF}">
-                  <a14:hiddenLine xmlns="" xmlns:a14="http://schemas.microsoft.com/office/drawing/2010/main" w="9525">
+                  <a14:hiddenLine xmlns:a14="http://schemas.microsoft.com/office/drawing/2010/main" xmlns="" w="9525">
                     <a:solidFill>
                       <a:srgbClr val="000000"/>
                     </a:solidFill>
@@ -11511,7 +11511,7 @@
               </a:ln>
               <a:extLst>
                 <a:ext uri="{91240B29-F687-4f45-9708-019B960494DF}">
-                  <a14:hiddenLine xmlns="" xmlns:a14="http://schemas.microsoft.com/office/drawing/2010/main" w="9525">
+                  <a14:hiddenLine xmlns:a14="http://schemas.microsoft.com/office/drawing/2010/main" xmlns="" w="9525">
                     <a:solidFill>
                       <a:srgbClr val="000000"/>
                     </a:solidFill>
@@ -11601,7 +11601,7 @@
               </a:ln>
               <a:extLst>
                 <a:ext uri="{91240B29-F687-4f45-9708-019B960494DF}">
-                  <a14:hiddenLine xmlns="" xmlns:a14="http://schemas.microsoft.com/office/drawing/2010/main" w="9525">
+                  <a14:hiddenLine xmlns:a14="http://schemas.microsoft.com/office/drawing/2010/main" xmlns="" w="9525">
                     <a:solidFill>
                       <a:srgbClr val="000000"/>
                     </a:solidFill>
@@ -11669,7 +11669,7 @@
               </a:ln>
               <a:extLst>
                 <a:ext uri="{91240B29-F687-4f45-9708-019B960494DF}">
-                  <a14:hiddenLine xmlns="" xmlns:a14="http://schemas.microsoft.com/office/drawing/2010/main" w="9525">
+                  <a14:hiddenLine xmlns:a14="http://schemas.microsoft.com/office/drawing/2010/main" xmlns="" w="9525">
                     <a:solidFill>
                       <a:srgbClr val="000000"/>
                     </a:solidFill>
@@ -11759,7 +11759,7 @@
               </a:ln>
               <a:extLst>
                 <a:ext uri="{91240B29-F687-4f45-9708-019B960494DF}">
-                  <a14:hiddenLine xmlns="" xmlns:a14="http://schemas.microsoft.com/office/drawing/2010/main" w="9525">
+                  <a14:hiddenLine xmlns:a14="http://schemas.microsoft.com/office/drawing/2010/main" xmlns="" w="9525">
                     <a:solidFill>
                       <a:srgbClr val="000000"/>
                     </a:solidFill>
@@ -11793,7 +11793,7 @@
               </a:ln>
               <a:extLst>
                 <a:ext uri="{91240B29-F687-4f45-9708-019B960494DF}">
-                  <a14:hiddenLine xmlns="" xmlns:a14="http://schemas.microsoft.com/office/drawing/2010/main" w="9525">
+                  <a14:hiddenLine xmlns:a14="http://schemas.microsoft.com/office/drawing/2010/main" xmlns="" w="9525">
                     <a:solidFill>
                       <a:srgbClr val="000000"/>
                     </a:solidFill>
@@ -11934,7 +11934,7 @@
             <a:fld id="{48A87A34-81AB-432B-8DAE-1953F412C126}" type="datetimeFigureOut">
               <a:rPr lang="en-US" dirty="0"/>
               <a:pPr/>
-              <a:t>7/25/2020</a:t>
+              <a:t>7/26/2020</a:t>
             </a:fld>
             <a:endParaRPr lang="en-US" dirty="0"/>
           </a:p>
@@ -12382,7 +12382,7 @@
               <a:rPr lang="en-US" sz="7200" dirty="0">
                 <a:solidFill>
                   <a:schemeClr val="bg2">
-                    <a:lumMod val="75000"/>
+                    <a:lumMod val="50000"/>
                   </a:schemeClr>
                 </a:solidFill>
               </a:rPr>
@@ -12392,7 +12392,7 @@
               <a:rPr lang="en-US" sz="6000" dirty="0" err="1">
                 <a:solidFill>
                   <a:schemeClr val="bg2">
-                    <a:lumMod val="75000"/>
+                    <a:lumMod val="50000"/>
                   </a:schemeClr>
                 </a:solidFill>
               </a:rPr>
@@ -12401,7 +12401,7 @@
             <a:endParaRPr lang="en-US" sz="6000" dirty="0">
               <a:solidFill>
                 <a:schemeClr val="bg2">
-                  <a:lumMod val="75000"/>
+                  <a:lumMod val="50000"/>
                 </a:schemeClr>
               </a:solidFill>
             </a:endParaRPr>

--- a/PowerPoint/COVID_19 API Interactions.pptx
+++ b/PowerPoint/COVID_19 API Interactions.pptx
@@ -4,10 +4,18 @@
   <p:sldMasterIdLst>
     <p:sldMasterId id="2147483648" r:id="rId1"/>
   </p:sldMasterIdLst>
+  <p:notesMasterIdLst>
+    <p:notesMasterId r:id="rId10"/>
+  </p:notesMasterIdLst>
   <p:sldIdLst>
     <p:sldId id="256" r:id="rId2"/>
-    <p:sldId id="257" r:id="rId3"/>
-    <p:sldId id="258" r:id="rId4"/>
+    <p:sldId id="264" r:id="rId3"/>
+    <p:sldId id="262" r:id="rId4"/>
+    <p:sldId id="263" r:id="rId5"/>
+    <p:sldId id="257" r:id="rId6"/>
+    <p:sldId id="258" r:id="rId7"/>
+    <p:sldId id="260" r:id="rId8"/>
+    <p:sldId id="261" r:id="rId9"/>
   </p:sldIdLst>
   <p:sldSz cx="12192000" cy="6858000"/>
   <p:notesSz cx="6858000" cy="9144000"/>
@@ -114,6 +122,439 @@
 </p:presentation>
 </file>
 
+<file path=ppt/notesMasters/notesMaster1.xml><?xml version="1.0" encoding="utf-8"?>
+<p:notesMaster xmlns:a="http://schemas.openxmlformats.org/drawingml/2006/main" xmlns:r="http://schemas.openxmlformats.org/officeDocument/2006/relationships" xmlns:p="http://schemas.openxmlformats.org/presentationml/2006/main">
+  <p:cSld>
+    <p:bg>
+      <p:bgRef idx="1001">
+        <a:schemeClr val="bg1"/>
+      </p:bgRef>
+    </p:bg>
+    <p:spTree>
+      <p:nvGrpSpPr>
+        <p:cNvPr id="1" name=""/>
+        <p:cNvGrpSpPr/>
+        <p:nvPr/>
+      </p:nvGrpSpPr>
+      <p:grpSpPr>
+        <a:xfrm>
+          <a:off x="0" y="0"/>
+          <a:ext cx="0" cy="0"/>
+          <a:chOff x="0" y="0"/>
+          <a:chExt cx="0" cy="0"/>
+        </a:xfrm>
+      </p:grpSpPr>
+      <p:sp>
+        <p:nvSpPr>
+          <p:cNvPr id="2" name="Header Placeholder 1"/>
+          <p:cNvSpPr>
+            <a:spLocks noGrp="1"/>
+          </p:cNvSpPr>
+          <p:nvPr>
+            <p:ph type="hdr" sz="quarter"/>
+          </p:nvPr>
+        </p:nvSpPr>
+        <p:spPr>
+          <a:xfrm>
+            <a:off x="0" y="0"/>
+            <a:ext cx="2971800" cy="458788"/>
+          </a:xfrm>
+          <a:prstGeom prst="rect">
+            <a:avLst/>
+          </a:prstGeom>
+        </p:spPr>
+        <p:txBody>
+          <a:bodyPr vert="horz" lIns="91440" tIns="45720" rIns="91440" bIns="45720" rtlCol="0"/>
+          <a:lstStyle>
+            <a:lvl1pPr algn="l">
+              <a:defRPr sz="1200"/>
+            </a:lvl1pPr>
+          </a:lstStyle>
+          <a:p>
+            <a:endParaRPr lang="en-US"/>
+          </a:p>
+        </p:txBody>
+      </p:sp>
+      <p:sp>
+        <p:nvSpPr>
+          <p:cNvPr id="3" name="Date Placeholder 2"/>
+          <p:cNvSpPr>
+            <a:spLocks noGrp="1"/>
+          </p:cNvSpPr>
+          <p:nvPr>
+            <p:ph type="dt" idx="1"/>
+          </p:nvPr>
+        </p:nvSpPr>
+        <p:spPr>
+          <a:xfrm>
+            <a:off x="3884613" y="0"/>
+            <a:ext cx="2971800" cy="458788"/>
+          </a:xfrm>
+          <a:prstGeom prst="rect">
+            <a:avLst/>
+          </a:prstGeom>
+        </p:spPr>
+        <p:txBody>
+          <a:bodyPr vert="horz" lIns="91440" tIns="45720" rIns="91440" bIns="45720" rtlCol="0"/>
+          <a:lstStyle>
+            <a:lvl1pPr algn="r">
+              <a:defRPr sz="1200"/>
+            </a:lvl1pPr>
+          </a:lstStyle>
+          <a:p>
+            <a:fld id="{E9CA57BD-8450-4EA6-89C6-AC7B3B8497F9}" type="datetimeFigureOut">
+              <a:rPr lang="en-US" smtClean="0"/>
+              <a:t>7/27/2020</a:t>
+            </a:fld>
+            <a:endParaRPr lang="en-US"/>
+          </a:p>
+        </p:txBody>
+      </p:sp>
+      <p:sp>
+        <p:nvSpPr>
+          <p:cNvPr id="4" name="Slide Image Placeholder 3"/>
+          <p:cNvSpPr>
+            <a:spLocks noGrp="1" noRot="1" noChangeAspect="1"/>
+          </p:cNvSpPr>
+          <p:nvPr>
+            <p:ph type="sldImg" idx="2"/>
+          </p:nvPr>
+        </p:nvSpPr>
+        <p:spPr>
+          <a:xfrm>
+            <a:off x="685800" y="1143000"/>
+            <a:ext cx="5486400" cy="3086100"/>
+          </a:xfrm>
+          <a:prstGeom prst="rect">
+            <a:avLst/>
+          </a:prstGeom>
+          <a:noFill/>
+          <a:ln w="12700">
+            <a:solidFill>
+              <a:prstClr val="black"/>
+            </a:solidFill>
+          </a:ln>
+        </p:spPr>
+        <p:txBody>
+          <a:bodyPr vert="horz" lIns="91440" tIns="45720" rIns="91440" bIns="45720" rtlCol="0" anchor="ctr"/>
+          <a:lstStyle/>
+          <a:p>
+            <a:endParaRPr lang="en-US"/>
+          </a:p>
+        </p:txBody>
+      </p:sp>
+      <p:sp>
+        <p:nvSpPr>
+          <p:cNvPr id="5" name="Notes Placeholder 4"/>
+          <p:cNvSpPr>
+            <a:spLocks noGrp="1"/>
+          </p:cNvSpPr>
+          <p:nvPr>
+            <p:ph type="body" sz="quarter" idx="3"/>
+          </p:nvPr>
+        </p:nvSpPr>
+        <p:spPr>
+          <a:xfrm>
+            <a:off x="685800" y="4400550"/>
+            <a:ext cx="5486400" cy="3600450"/>
+          </a:xfrm>
+          <a:prstGeom prst="rect">
+            <a:avLst/>
+          </a:prstGeom>
+        </p:spPr>
+        <p:txBody>
+          <a:bodyPr vert="horz" lIns="91440" tIns="45720" rIns="91440" bIns="45720" rtlCol="0"/>
+          <a:lstStyle/>
+          <a:p>
+            <a:pPr lvl="0"/>
+            <a:r>
+              <a:rPr lang="en-US"/>
+              <a:t>Click to edit Master text styles</a:t>
+            </a:r>
+          </a:p>
+          <a:p>
+            <a:pPr lvl="1"/>
+            <a:r>
+              <a:rPr lang="en-US"/>
+              <a:t>Second level</a:t>
+            </a:r>
+          </a:p>
+          <a:p>
+            <a:pPr lvl="2"/>
+            <a:r>
+              <a:rPr lang="en-US"/>
+              <a:t>Third level</a:t>
+            </a:r>
+          </a:p>
+          <a:p>
+            <a:pPr lvl="3"/>
+            <a:r>
+              <a:rPr lang="en-US"/>
+              <a:t>Fourth level</a:t>
+            </a:r>
+          </a:p>
+          <a:p>
+            <a:pPr lvl="4"/>
+            <a:r>
+              <a:rPr lang="en-US"/>
+              <a:t>Fifth level</a:t>
+            </a:r>
+          </a:p>
+        </p:txBody>
+      </p:sp>
+      <p:sp>
+        <p:nvSpPr>
+          <p:cNvPr id="6" name="Footer Placeholder 5"/>
+          <p:cNvSpPr>
+            <a:spLocks noGrp="1"/>
+          </p:cNvSpPr>
+          <p:nvPr>
+            <p:ph type="ftr" sz="quarter" idx="4"/>
+          </p:nvPr>
+        </p:nvSpPr>
+        <p:spPr>
+          <a:xfrm>
+            <a:off x="0" y="8685213"/>
+            <a:ext cx="2971800" cy="458787"/>
+          </a:xfrm>
+          <a:prstGeom prst="rect">
+            <a:avLst/>
+          </a:prstGeom>
+        </p:spPr>
+        <p:txBody>
+          <a:bodyPr vert="horz" lIns="91440" tIns="45720" rIns="91440" bIns="45720" rtlCol="0" anchor="b"/>
+          <a:lstStyle>
+            <a:lvl1pPr algn="l">
+              <a:defRPr sz="1200"/>
+            </a:lvl1pPr>
+          </a:lstStyle>
+          <a:p>
+            <a:endParaRPr lang="en-US"/>
+          </a:p>
+        </p:txBody>
+      </p:sp>
+      <p:sp>
+        <p:nvSpPr>
+          <p:cNvPr id="7" name="Slide Number Placeholder 6"/>
+          <p:cNvSpPr>
+            <a:spLocks noGrp="1"/>
+          </p:cNvSpPr>
+          <p:nvPr>
+            <p:ph type="sldNum" sz="quarter" idx="5"/>
+          </p:nvPr>
+        </p:nvSpPr>
+        <p:spPr>
+          <a:xfrm>
+            <a:off x="3884613" y="8685213"/>
+            <a:ext cx="2971800" cy="458787"/>
+          </a:xfrm>
+          <a:prstGeom prst="rect">
+            <a:avLst/>
+          </a:prstGeom>
+        </p:spPr>
+        <p:txBody>
+          <a:bodyPr vert="horz" lIns="91440" tIns="45720" rIns="91440" bIns="45720" rtlCol="0" anchor="b"/>
+          <a:lstStyle>
+            <a:lvl1pPr algn="r">
+              <a:defRPr sz="1200"/>
+            </a:lvl1pPr>
+          </a:lstStyle>
+          <a:p>
+            <a:fld id="{88CA15AA-CDD3-4663-B6BD-35B0FE5211CF}" type="slidenum">
+              <a:rPr lang="en-US" smtClean="0"/>
+              <a:t>‹#›</a:t>
+            </a:fld>
+            <a:endParaRPr lang="en-US"/>
+          </a:p>
+        </p:txBody>
+      </p:sp>
+    </p:spTree>
+    <p:extLst>
+      <p:ext uri="{BB962C8B-B14F-4D97-AF65-F5344CB8AC3E}">
+        <p14:creationId xmlns:p14="http://schemas.microsoft.com/office/powerpoint/2010/main" val="4277221631"/>
+      </p:ext>
+    </p:extLst>
+  </p:cSld>
+  <p:clrMap bg1="lt1" tx1="dk1" bg2="lt2" tx2="dk2" accent1="accent1" accent2="accent2" accent3="accent3" accent4="accent4" accent5="accent5" accent6="accent6" hlink="hlink" folHlink="folHlink"/>
+  <p:notesStyle>
+    <a:lvl1pPr marL="0" algn="l" defTabSz="914400" rtl="0" eaLnBrk="1" latinLnBrk="0" hangingPunct="1">
+      <a:defRPr sz="1200" kern="1200">
+        <a:solidFill>
+          <a:schemeClr val="tx1"/>
+        </a:solidFill>
+        <a:latin typeface="+mn-lt"/>
+        <a:ea typeface="+mn-ea"/>
+        <a:cs typeface="+mn-cs"/>
+      </a:defRPr>
+    </a:lvl1pPr>
+    <a:lvl2pPr marL="457200" algn="l" defTabSz="914400" rtl="0" eaLnBrk="1" latinLnBrk="0" hangingPunct="1">
+      <a:defRPr sz="1200" kern="1200">
+        <a:solidFill>
+          <a:schemeClr val="tx1"/>
+        </a:solidFill>
+        <a:latin typeface="+mn-lt"/>
+        <a:ea typeface="+mn-ea"/>
+        <a:cs typeface="+mn-cs"/>
+      </a:defRPr>
+    </a:lvl2pPr>
+    <a:lvl3pPr marL="914400" algn="l" defTabSz="914400" rtl="0" eaLnBrk="1" latinLnBrk="0" hangingPunct="1">
+      <a:defRPr sz="1200" kern="1200">
+        <a:solidFill>
+          <a:schemeClr val="tx1"/>
+        </a:solidFill>
+        <a:latin typeface="+mn-lt"/>
+        <a:ea typeface="+mn-ea"/>
+        <a:cs typeface="+mn-cs"/>
+      </a:defRPr>
+    </a:lvl3pPr>
+    <a:lvl4pPr marL="1371600" algn="l" defTabSz="914400" rtl="0" eaLnBrk="1" latinLnBrk="0" hangingPunct="1">
+      <a:defRPr sz="1200" kern="1200">
+        <a:solidFill>
+          <a:schemeClr val="tx1"/>
+        </a:solidFill>
+        <a:latin typeface="+mn-lt"/>
+        <a:ea typeface="+mn-ea"/>
+        <a:cs typeface="+mn-cs"/>
+      </a:defRPr>
+    </a:lvl4pPr>
+    <a:lvl5pPr marL="1828800" algn="l" defTabSz="914400" rtl="0" eaLnBrk="1" latinLnBrk="0" hangingPunct="1">
+      <a:defRPr sz="1200" kern="1200">
+        <a:solidFill>
+          <a:schemeClr val="tx1"/>
+        </a:solidFill>
+        <a:latin typeface="+mn-lt"/>
+        <a:ea typeface="+mn-ea"/>
+        <a:cs typeface="+mn-cs"/>
+      </a:defRPr>
+    </a:lvl5pPr>
+    <a:lvl6pPr marL="2286000" algn="l" defTabSz="914400" rtl="0" eaLnBrk="1" latinLnBrk="0" hangingPunct="1">
+      <a:defRPr sz="1200" kern="1200">
+        <a:solidFill>
+          <a:schemeClr val="tx1"/>
+        </a:solidFill>
+        <a:latin typeface="+mn-lt"/>
+        <a:ea typeface="+mn-ea"/>
+        <a:cs typeface="+mn-cs"/>
+      </a:defRPr>
+    </a:lvl6pPr>
+    <a:lvl7pPr marL="2743200" algn="l" defTabSz="914400" rtl="0" eaLnBrk="1" latinLnBrk="0" hangingPunct="1">
+      <a:defRPr sz="1200" kern="1200">
+        <a:solidFill>
+          <a:schemeClr val="tx1"/>
+        </a:solidFill>
+        <a:latin typeface="+mn-lt"/>
+        <a:ea typeface="+mn-ea"/>
+        <a:cs typeface="+mn-cs"/>
+      </a:defRPr>
+    </a:lvl7pPr>
+    <a:lvl8pPr marL="3200400" algn="l" defTabSz="914400" rtl="0" eaLnBrk="1" latinLnBrk="0" hangingPunct="1">
+      <a:defRPr sz="1200" kern="1200">
+        <a:solidFill>
+          <a:schemeClr val="tx1"/>
+        </a:solidFill>
+        <a:latin typeface="+mn-lt"/>
+        <a:ea typeface="+mn-ea"/>
+        <a:cs typeface="+mn-cs"/>
+      </a:defRPr>
+    </a:lvl8pPr>
+    <a:lvl9pPr marL="3657600" algn="l" defTabSz="914400" rtl="0" eaLnBrk="1" latinLnBrk="0" hangingPunct="1">
+      <a:defRPr sz="1200" kern="1200">
+        <a:solidFill>
+          <a:schemeClr val="tx1"/>
+        </a:solidFill>
+        <a:latin typeface="+mn-lt"/>
+        <a:ea typeface="+mn-ea"/>
+        <a:cs typeface="+mn-cs"/>
+      </a:defRPr>
+    </a:lvl9pPr>
+  </p:notesStyle>
+</p:notesMaster>
+</file>
+
+<file path=ppt/notesSlides/notesSlide1.xml><?xml version="1.0" encoding="utf-8"?>
+<p:notes xmlns:a="http://schemas.openxmlformats.org/drawingml/2006/main" xmlns:r="http://schemas.openxmlformats.org/officeDocument/2006/relationships" xmlns:p="http://schemas.openxmlformats.org/presentationml/2006/main">
+  <p:cSld>
+    <p:spTree>
+      <p:nvGrpSpPr>
+        <p:cNvPr id="1" name=""/>
+        <p:cNvGrpSpPr/>
+        <p:nvPr/>
+      </p:nvGrpSpPr>
+      <p:grpSpPr>
+        <a:xfrm>
+          <a:off x="0" y="0"/>
+          <a:ext cx="0" cy="0"/>
+          <a:chOff x="0" y="0"/>
+          <a:chExt cx="0" cy="0"/>
+        </a:xfrm>
+      </p:grpSpPr>
+      <p:sp>
+        <p:nvSpPr>
+          <p:cNvPr id="2" name="Slide Image Placeholder 1"/>
+          <p:cNvSpPr>
+            <a:spLocks noGrp="1" noRot="1" noChangeAspect="1"/>
+          </p:cNvSpPr>
+          <p:nvPr>
+            <p:ph type="sldImg"/>
+          </p:nvPr>
+        </p:nvSpPr>
+        <p:spPr/>
+      </p:sp>
+      <p:sp>
+        <p:nvSpPr>
+          <p:cNvPr id="3" name="Notes Placeholder 2"/>
+          <p:cNvSpPr>
+            <a:spLocks noGrp="1"/>
+          </p:cNvSpPr>
+          <p:nvPr>
+            <p:ph type="body" idx="1"/>
+          </p:nvPr>
+        </p:nvSpPr>
+        <p:spPr/>
+        <p:txBody>
+          <a:bodyPr/>
+          <a:lstStyle/>
+          <a:p>
+            <a:endParaRPr lang="en-US" dirty="0"/>
+          </a:p>
+        </p:txBody>
+      </p:sp>
+      <p:sp>
+        <p:nvSpPr>
+          <p:cNvPr id="4" name="Slide Number Placeholder 3"/>
+          <p:cNvSpPr>
+            <a:spLocks noGrp="1"/>
+          </p:cNvSpPr>
+          <p:nvPr>
+            <p:ph type="sldNum" sz="quarter" idx="5"/>
+          </p:nvPr>
+        </p:nvSpPr>
+        <p:spPr/>
+        <p:txBody>
+          <a:bodyPr/>
+          <a:lstStyle/>
+          <a:p>
+            <a:fld id="{88CA15AA-CDD3-4663-B6BD-35B0FE5211CF}" type="slidenum">
+              <a:rPr lang="en-US" smtClean="0"/>
+              <a:t>3</a:t>
+            </a:fld>
+            <a:endParaRPr lang="en-US"/>
+          </a:p>
+        </p:txBody>
+      </p:sp>
+    </p:spTree>
+    <p:extLst>
+      <p:ext uri="{BB962C8B-B14F-4D97-AF65-F5344CB8AC3E}">
+        <p14:creationId xmlns:p14="http://schemas.microsoft.com/office/powerpoint/2010/main" val="1579378343"/>
+      </p:ext>
+    </p:extLst>
+  </p:cSld>
+  <p:clrMapOvr>
+    <a:masterClrMapping/>
+  </p:clrMapOvr>
+</p:notes>
+</file>
+
 <file path=ppt/slideLayouts/slideLayout1.xml><?xml version="1.0" encoding="utf-8"?>
 <p:sldLayout xmlns:a="http://schemas.openxmlformats.org/drawingml/2006/main" xmlns:r="http://schemas.openxmlformats.org/officeDocument/2006/relationships" xmlns:p="http://schemas.openxmlformats.org/presentationml/2006/main" showMasterSp="0" type="title" preserve="1">
   <p:cSld name="Title Slide">
@@ -164,7 +605,7 @@
           <a:noFill/>
           <a:extLst>
             <a:ext uri="{909E8E84-426E-40dd-AFC4-6F175D3DCCD1}">
-              <a14:hiddenFill xmlns:a14="http://schemas.microsoft.com/office/drawing/2010/main" xmlns="">
+              <a14:hiddenFill xmlns="" xmlns:a14="http://schemas.microsoft.com/office/drawing/2010/main">
                 <a:solidFill>
                   <a:srgbClr val="FFFFFF"/>
                 </a:solidFill>
@@ -224,7 +665,7 @@
             </a:ln>
             <a:extLst>
               <a:ext uri="{91240B29-F687-4f45-9708-019B960494DF}">
-                <a14:hiddenLine xmlns:a14="http://schemas.microsoft.com/office/drawing/2010/main" xmlns="" w="9525">
+                <a14:hiddenLine xmlns="" xmlns:a14="http://schemas.microsoft.com/office/drawing/2010/main" w="9525">
                   <a:solidFill>
                     <a:srgbClr val="000000"/>
                   </a:solidFill>
@@ -314,7 +755,7 @@
             </a:ln>
             <a:extLst>
               <a:ext uri="{91240B29-F687-4f45-9708-019B960494DF}">
-                <a14:hiddenLine xmlns:a14="http://schemas.microsoft.com/office/drawing/2010/main" xmlns="" w="9525">
+                <a14:hiddenLine xmlns="" xmlns:a14="http://schemas.microsoft.com/office/drawing/2010/main" w="9525">
                   <a:solidFill>
                     <a:srgbClr val="000000"/>
                   </a:solidFill>
@@ -404,7 +845,7 @@
             </a:ln>
             <a:extLst>
               <a:ext uri="{91240B29-F687-4f45-9708-019B960494DF}">
-                <a14:hiddenLine xmlns:a14="http://schemas.microsoft.com/office/drawing/2010/main" xmlns="" w="9525">
+                <a14:hiddenLine xmlns="" xmlns:a14="http://schemas.microsoft.com/office/drawing/2010/main" w="9525">
                   <a:solidFill>
                     <a:srgbClr val="000000"/>
                   </a:solidFill>
@@ -438,7 +879,7 @@
             </a:ln>
             <a:extLst>
               <a:ext uri="{91240B29-F687-4f45-9708-019B960494DF}">
-                <a14:hiddenLine xmlns:a14="http://schemas.microsoft.com/office/drawing/2010/main" xmlns="" w="9525">
+                <a14:hiddenLine xmlns="" xmlns:a14="http://schemas.microsoft.com/office/drawing/2010/main" w="9525">
                   <a:solidFill>
                     <a:srgbClr val="000000"/>
                   </a:solidFill>
@@ -528,7 +969,7 @@
             </a:ln>
             <a:extLst>
               <a:ext uri="{91240B29-F687-4f45-9708-019B960494DF}">
-                <a14:hiddenLine xmlns:a14="http://schemas.microsoft.com/office/drawing/2010/main" xmlns="" w="9525">
+                <a14:hiddenLine xmlns="" xmlns:a14="http://schemas.microsoft.com/office/drawing/2010/main" w="9525">
                   <a:solidFill>
                     <a:srgbClr val="000000"/>
                   </a:solidFill>
@@ -590,7 +1031,7 @@
             </a:ln>
             <a:extLst>
               <a:ext uri="{91240B29-F687-4f45-9708-019B960494DF}">
-                <a14:hiddenLine xmlns:a14="http://schemas.microsoft.com/office/drawing/2010/main" xmlns="" w="9525">
+                <a14:hiddenLine xmlns="" xmlns:a14="http://schemas.microsoft.com/office/drawing/2010/main" w="9525">
                   <a:solidFill>
                     <a:srgbClr val="000000"/>
                   </a:solidFill>
@@ -652,7 +1093,7 @@
             </a:ln>
             <a:extLst>
               <a:ext uri="{91240B29-F687-4f45-9708-019B960494DF}">
-                <a14:hiddenLine xmlns:a14="http://schemas.microsoft.com/office/drawing/2010/main" xmlns="" w="9525">
+                <a14:hiddenLine xmlns="" xmlns:a14="http://schemas.microsoft.com/office/drawing/2010/main" w="9525">
                   <a:solidFill>
                     <a:srgbClr val="000000"/>
                   </a:solidFill>
@@ -742,7 +1183,7 @@
             </a:ln>
             <a:extLst>
               <a:ext uri="{91240B29-F687-4f45-9708-019B960494DF}">
-                <a14:hiddenLine xmlns:a14="http://schemas.microsoft.com/office/drawing/2010/main" xmlns="" w="9525">
+                <a14:hiddenLine xmlns="" xmlns:a14="http://schemas.microsoft.com/office/drawing/2010/main" w="9525">
                   <a:solidFill>
                     <a:srgbClr val="000000"/>
                   </a:solidFill>
@@ -804,7 +1245,7 @@
             </a:ln>
             <a:extLst>
               <a:ext uri="{91240B29-F687-4f45-9708-019B960494DF}">
-                <a14:hiddenLine xmlns:a14="http://schemas.microsoft.com/office/drawing/2010/main" xmlns="" w="9525">
+                <a14:hiddenLine xmlns="" xmlns:a14="http://schemas.microsoft.com/office/drawing/2010/main" w="9525">
                   <a:solidFill>
                     <a:srgbClr val="000000"/>
                   </a:solidFill>
@@ -866,7 +1307,7 @@
             </a:ln>
             <a:extLst>
               <a:ext uri="{91240B29-F687-4f45-9708-019B960494DF}">
-                <a14:hiddenLine xmlns:a14="http://schemas.microsoft.com/office/drawing/2010/main" xmlns="" w="9525">
+                <a14:hiddenLine xmlns="" xmlns:a14="http://schemas.microsoft.com/office/drawing/2010/main" w="9525">
                   <a:solidFill>
                     <a:srgbClr val="000000"/>
                   </a:solidFill>
@@ -956,7 +1397,7 @@
             </a:ln>
             <a:extLst>
               <a:ext uri="{91240B29-F687-4f45-9708-019B960494DF}">
-                <a14:hiddenLine xmlns:a14="http://schemas.microsoft.com/office/drawing/2010/main" xmlns="" w="9525">
+                <a14:hiddenLine xmlns="" xmlns:a14="http://schemas.microsoft.com/office/drawing/2010/main" w="9525">
                   <a:solidFill>
                     <a:srgbClr val="000000"/>
                   </a:solidFill>
@@ -1046,7 +1487,7 @@
             </a:ln>
             <a:extLst>
               <a:ext uri="{91240B29-F687-4f45-9708-019B960494DF}">
-                <a14:hiddenLine xmlns:a14="http://schemas.microsoft.com/office/drawing/2010/main" xmlns="" w="9525">
+                <a14:hiddenLine xmlns="" xmlns:a14="http://schemas.microsoft.com/office/drawing/2010/main" w="9525">
                   <a:solidFill>
                     <a:srgbClr val="000000"/>
                   </a:solidFill>
@@ -1108,7 +1549,7 @@
             </a:ln>
             <a:extLst>
               <a:ext uri="{91240B29-F687-4f45-9708-019B960494DF}">
-                <a14:hiddenLine xmlns:a14="http://schemas.microsoft.com/office/drawing/2010/main" xmlns="" w="9525">
+                <a14:hiddenLine xmlns="" xmlns:a14="http://schemas.microsoft.com/office/drawing/2010/main" w="9525">
                   <a:solidFill>
                     <a:srgbClr val="000000"/>
                   </a:solidFill>
@@ -1218,7 +1659,7 @@
             </a:ln>
             <a:extLst>
               <a:ext uri="{91240B29-F687-4f45-9708-019B960494DF}">
-                <a14:hiddenLine xmlns:a14="http://schemas.microsoft.com/office/drawing/2010/main" xmlns="" w="9525">
+                <a14:hiddenLine xmlns="" xmlns:a14="http://schemas.microsoft.com/office/drawing/2010/main" w="9525">
                   <a:solidFill>
                     <a:srgbClr val="000000"/>
                   </a:solidFill>
@@ -1280,7 +1721,7 @@
             </a:ln>
             <a:extLst>
               <a:ext uri="{91240B29-F687-4f45-9708-019B960494DF}">
-                <a14:hiddenLine xmlns:a14="http://schemas.microsoft.com/office/drawing/2010/main" xmlns="" w="9525">
+                <a14:hiddenLine xmlns="" xmlns:a14="http://schemas.microsoft.com/office/drawing/2010/main" w="9525">
                   <a:solidFill>
                     <a:srgbClr val="000000"/>
                   </a:solidFill>
@@ -1370,7 +1811,7 @@
             </a:ln>
             <a:extLst>
               <a:ext uri="{91240B29-F687-4f45-9708-019B960494DF}">
-                <a14:hiddenLine xmlns:a14="http://schemas.microsoft.com/office/drawing/2010/main" xmlns="" w="9525">
+                <a14:hiddenLine xmlns="" xmlns:a14="http://schemas.microsoft.com/office/drawing/2010/main" w="9525">
                   <a:solidFill>
                     <a:srgbClr val="000000"/>
                   </a:solidFill>
@@ -1460,7 +1901,7 @@
             </a:ln>
             <a:extLst>
               <a:ext uri="{91240B29-F687-4f45-9708-019B960494DF}">
-                <a14:hiddenLine xmlns:a14="http://schemas.microsoft.com/office/drawing/2010/main" xmlns="" w="9525">
+                <a14:hiddenLine xmlns="" xmlns:a14="http://schemas.microsoft.com/office/drawing/2010/main" w="9525">
                   <a:solidFill>
                     <a:srgbClr val="000000"/>
                   </a:solidFill>
@@ -1522,7 +1963,7 @@
             </a:ln>
             <a:extLst>
               <a:ext uri="{91240B29-F687-4f45-9708-019B960494DF}">
-                <a14:hiddenLine xmlns:a14="http://schemas.microsoft.com/office/drawing/2010/main" xmlns="" w="9525">
+                <a14:hiddenLine xmlns="" xmlns:a14="http://schemas.microsoft.com/office/drawing/2010/main" w="9525">
                   <a:solidFill>
                     <a:srgbClr val="000000"/>
                   </a:solidFill>
@@ -1612,7 +2053,7 @@
             </a:ln>
             <a:extLst>
               <a:ext uri="{91240B29-F687-4f45-9708-019B960494DF}">
-                <a14:hiddenLine xmlns:a14="http://schemas.microsoft.com/office/drawing/2010/main" xmlns="" w="9525">
+                <a14:hiddenLine xmlns="" xmlns:a14="http://schemas.microsoft.com/office/drawing/2010/main" w="9525">
                   <a:solidFill>
                     <a:srgbClr val="000000"/>
                   </a:solidFill>
@@ -1702,7 +2143,7 @@
             </a:ln>
             <a:extLst>
               <a:ext uri="{91240B29-F687-4f45-9708-019B960494DF}">
-                <a14:hiddenLine xmlns:a14="http://schemas.microsoft.com/office/drawing/2010/main" xmlns="" w="9525">
+                <a14:hiddenLine xmlns="" xmlns:a14="http://schemas.microsoft.com/office/drawing/2010/main" w="9525">
                   <a:solidFill>
                     <a:srgbClr val="000000"/>
                   </a:solidFill>
@@ -1758,7 +2199,7 @@
             </a:ln>
             <a:extLst>
               <a:ext uri="{91240B29-F687-4f45-9708-019B960494DF}">
-                <a14:hiddenLine xmlns:a14="http://schemas.microsoft.com/office/drawing/2010/main" xmlns="" w="9525">
+                <a14:hiddenLine xmlns="" xmlns:a14="http://schemas.microsoft.com/office/drawing/2010/main" w="9525">
                   <a:solidFill>
                     <a:srgbClr val="000000"/>
                   </a:solidFill>
@@ -1848,7 +2289,7 @@
             </a:ln>
             <a:extLst>
               <a:ext uri="{91240B29-F687-4f45-9708-019B960494DF}">
-                <a14:hiddenLine xmlns:a14="http://schemas.microsoft.com/office/drawing/2010/main" xmlns="" w="9525">
+                <a14:hiddenLine xmlns="" xmlns:a14="http://schemas.microsoft.com/office/drawing/2010/main" w="9525">
                   <a:solidFill>
                     <a:srgbClr val="000000"/>
                   </a:solidFill>
@@ -1904,7 +2345,7 @@
             </a:ln>
             <a:extLst>
               <a:ext uri="{91240B29-F687-4f45-9708-019B960494DF}">
-                <a14:hiddenLine xmlns:a14="http://schemas.microsoft.com/office/drawing/2010/main" xmlns="" w="9525">
+                <a14:hiddenLine xmlns="" xmlns:a14="http://schemas.microsoft.com/office/drawing/2010/main" w="9525">
                   <a:solidFill>
                     <a:srgbClr val="000000"/>
                   </a:solidFill>
@@ -1994,7 +2435,7 @@
             </a:ln>
             <a:extLst>
               <a:ext uri="{91240B29-F687-4f45-9708-019B960494DF}">
-                <a14:hiddenLine xmlns:a14="http://schemas.microsoft.com/office/drawing/2010/main" xmlns="" w="9525">
+                <a14:hiddenLine xmlns="" xmlns:a14="http://schemas.microsoft.com/office/drawing/2010/main" w="9525">
                   <a:solidFill>
                     <a:srgbClr val="000000"/>
                   </a:solidFill>
@@ -2062,7 +2503,7 @@
             </a:ln>
             <a:extLst>
               <a:ext uri="{91240B29-F687-4f45-9708-019B960494DF}">
-                <a14:hiddenLine xmlns:a14="http://schemas.microsoft.com/office/drawing/2010/main" xmlns="" w="9525">
+                <a14:hiddenLine xmlns="" xmlns:a14="http://schemas.microsoft.com/office/drawing/2010/main" w="9525">
                   <a:solidFill>
                     <a:srgbClr val="000000"/>
                   </a:solidFill>
@@ -2152,7 +2593,7 @@
             </a:ln>
             <a:extLst>
               <a:ext uri="{91240B29-F687-4f45-9708-019B960494DF}">
-                <a14:hiddenLine xmlns:a14="http://schemas.microsoft.com/office/drawing/2010/main" xmlns="" w="9525">
+                <a14:hiddenLine xmlns="" xmlns:a14="http://schemas.microsoft.com/office/drawing/2010/main" w="9525">
                   <a:solidFill>
                     <a:srgbClr val="000000"/>
                   </a:solidFill>
@@ -2220,7 +2661,7 @@
             </a:ln>
             <a:extLst>
               <a:ext uri="{91240B29-F687-4f45-9708-019B960494DF}">
-                <a14:hiddenLine xmlns:a14="http://schemas.microsoft.com/office/drawing/2010/main" xmlns="" w="9525">
+                <a14:hiddenLine xmlns="" xmlns:a14="http://schemas.microsoft.com/office/drawing/2010/main" w="9525">
                   <a:solidFill>
                     <a:srgbClr val="000000"/>
                   </a:solidFill>
@@ -2310,7 +2751,7 @@
             </a:ln>
             <a:extLst>
               <a:ext uri="{91240B29-F687-4f45-9708-019B960494DF}">
-                <a14:hiddenLine xmlns:a14="http://schemas.microsoft.com/office/drawing/2010/main" xmlns="" w="9525">
+                <a14:hiddenLine xmlns="" xmlns:a14="http://schemas.microsoft.com/office/drawing/2010/main" w="9525">
                   <a:solidFill>
                     <a:srgbClr val="000000"/>
                   </a:solidFill>
@@ -2344,7 +2785,7 @@
             </a:ln>
             <a:extLst>
               <a:ext uri="{91240B29-F687-4f45-9708-019B960494DF}">
-                <a14:hiddenLine xmlns:a14="http://schemas.microsoft.com/office/drawing/2010/main" xmlns="" w="9525">
+                <a14:hiddenLine xmlns="" xmlns:a14="http://schemas.microsoft.com/office/drawing/2010/main" w="9525">
                   <a:solidFill>
                     <a:srgbClr val="000000"/>
                   </a:solidFill>
@@ -2434,7 +2875,7 @@
             </a:ln>
             <a:extLst>
               <a:ext uri="{91240B29-F687-4f45-9708-019B960494DF}">
-                <a14:hiddenLine xmlns:a14="http://schemas.microsoft.com/office/drawing/2010/main" xmlns="" w="9525">
+                <a14:hiddenLine xmlns="" xmlns:a14="http://schemas.microsoft.com/office/drawing/2010/main" w="9525">
                   <a:solidFill>
                     <a:srgbClr val="000000"/>
                   </a:solidFill>
@@ -2496,7 +2937,7 @@
             </a:ln>
             <a:extLst>
               <a:ext uri="{91240B29-F687-4f45-9708-019B960494DF}">
-                <a14:hiddenLine xmlns:a14="http://schemas.microsoft.com/office/drawing/2010/main" xmlns="" w="9525">
+                <a14:hiddenLine xmlns="" xmlns:a14="http://schemas.microsoft.com/office/drawing/2010/main" w="9525">
                   <a:solidFill>
                     <a:srgbClr val="000000"/>
                   </a:solidFill>
@@ -2558,7 +2999,7 @@
             </a:ln>
             <a:extLst>
               <a:ext uri="{91240B29-F687-4f45-9708-019B960494DF}">
-                <a14:hiddenLine xmlns:a14="http://schemas.microsoft.com/office/drawing/2010/main" xmlns="" w="9525">
+                <a14:hiddenLine xmlns="" xmlns:a14="http://schemas.microsoft.com/office/drawing/2010/main" w="9525">
                   <a:solidFill>
                     <a:srgbClr val="000000"/>
                   </a:solidFill>
@@ -2648,7 +3089,7 @@
             </a:ln>
             <a:extLst>
               <a:ext uri="{91240B29-F687-4f45-9708-019B960494DF}">
-                <a14:hiddenLine xmlns:a14="http://schemas.microsoft.com/office/drawing/2010/main" xmlns="" w="9525">
+                <a14:hiddenLine xmlns="" xmlns:a14="http://schemas.microsoft.com/office/drawing/2010/main" w="9525">
                   <a:solidFill>
                     <a:srgbClr val="000000"/>
                   </a:solidFill>
@@ -2716,7 +3157,7 @@
             </a:ln>
             <a:extLst>
               <a:ext uri="{91240B29-F687-4f45-9708-019B960494DF}">
-                <a14:hiddenLine xmlns:a14="http://schemas.microsoft.com/office/drawing/2010/main" xmlns="" w="9525">
+                <a14:hiddenLine xmlns="" xmlns:a14="http://schemas.microsoft.com/office/drawing/2010/main" w="9525">
                   <a:solidFill>
                     <a:srgbClr val="000000"/>
                   </a:solidFill>
@@ -2778,7 +3219,7 @@
             </a:ln>
             <a:extLst>
               <a:ext uri="{91240B29-F687-4f45-9708-019B960494DF}">
-                <a14:hiddenLine xmlns:a14="http://schemas.microsoft.com/office/drawing/2010/main" xmlns="" w="9525">
+                <a14:hiddenLine xmlns="" xmlns:a14="http://schemas.microsoft.com/office/drawing/2010/main" w="9525">
                   <a:solidFill>
                     <a:srgbClr val="000000"/>
                   </a:solidFill>
@@ -2868,7 +3309,7 @@
             </a:ln>
             <a:extLst>
               <a:ext uri="{91240B29-F687-4f45-9708-019B960494DF}">
-                <a14:hiddenLine xmlns:a14="http://schemas.microsoft.com/office/drawing/2010/main" xmlns="" w="9525">
+                <a14:hiddenLine xmlns="" xmlns:a14="http://schemas.microsoft.com/office/drawing/2010/main" w="9525">
                   <a:solidFill>
                     <a:srgbClr val="000000"/>
                   </a:solidFill>
@@ -2930,7 +3371,7 @@
             </a:ln>
             <a:extLst>
               <a:ext uri="{91240B29-F687-4f45-9708-019B960494DF}">
-                <a14:hiddenLine xmlns:a14="http://schemas.microsoft.com/office/drawing/2010/main" xmlns="" w="9525">
+                <a14:hiddenLine xmlns="" xmlns:a14="http://schemas.microsoft.com/office/drawing/2010/main" w="9525">
                   <a:solidFill>
                     <a:srgbClr val="000000"/>
                   </a:solidFill>
@@ -3020,7 +3461,7 @@
             </a:ln>
             <a:extLst>
               <a:ext uri="{91240B29-F687-4f45-9708-019B960494DF}">
-                <a14:hiddenLine xmlns:a14="http://schemas.microsoft.com/office/drawing/2010/main" xmlns="" w="9525">
+                <a14:hiddenLine xmlns="" xmlns:a14="http://schemas.microsoft.com/office/drawing/2010/main" w="9525">
                   <a:solidFill>
                     <a:srgbClr val="000000"/>
                   </a:solidFill>
@@ -3082,7 +3523,7 @@
             </a:ln>
             <a:extLst>
               <a:ext uri="{91240B29-F687-4f45-9708-019B960494DF}">
-                <a14:hiddenLine xmlns:a14="http://schemas.microsoft.com/office/drawing/2010/main" xmlns="" w="9525">
+                <a14:hiddenLine xmlns="" xmlns:a14="http://schemas.microsoft.com/office/drawing/2010/main" w="9525">
                   <a:solidFill>
                     <a:srgbClr val="000000"/>
                   </a:solidFill>
@@ -3172,7 +3613,7 @@
             </a:ln>
             <a:extLst>
               <a:ext uri="{91240B29-F687-4f45-9708-019B960494DF}">
-                <a14:hiddenLine xmlns:a14="http://schemas.microsoft.com/office/drawing/2010/main" xmlns="" w="9525">
+                <a14:hiddenLine xmlns="" xmlns:a14="http://schemas.microsoft.com/office/drawing/2010/main" w="9525">
                   <a:solidFill>
                     <a:srgbClr val="000000"/>
                   </a:solidFill>
@@ -3206,7 +3647,7 @@
             </a:ln>
             <a:extLst>
               <a:ext uri="{91240B29-F687-4f45-9708-019B960494DF}">
-                <a14:hiddenLine xmlns:a14="http://schemas.microsoft.com/office/drawing/2010/main" xmlns="" w="9525">
+                <a14:hiddenLine xmlns="" xmlns:a14="http://schemas.microsoft.com/office/drawing/2010/main" w="9525">
                   <a:solidFill>
                     <a:srgbClr val="000000"/>
                   </a:solidFill>
@@ -3271,7 +3712,7 @@
             </a:ln>
             <a:extLst>
               <a:ext uri="{91240B29-F687-4f45-9708-019B960494DF}">
-                <a14:hiddenLine xmlns:a14="http://schemas.microsoft.com/office/drawing/2010/main" xmlns="" w="9525">
+                <a14:hiddenLine xmlns="" xmlns:a14="http://schemas.microsoft.com/office/drawing/2010/main" w="9525">
                   <a:solidFill>
                     <a:srgbClr val="000000"/>
                   </a:solidFill>
@@ -3361,7 +3802,7 @@
             </a:ln>
             <a:extLst>
               <a:ext uri="{91240B29-F687-4f45-9708-019B960494DF}">
-                <a14:hiddenLine xmlns:a14="http://schemas.microsoft.com/office/drawing/2010/main" xmlns="" w="9525">
+                <a14:hiddenLine xmlns="" xmlns:a14="http://schemas.microsoft.com/office/drawing/2010/main" w="9525">
                   <a:solidFill>
                     <a:srgbClr val="000000"/>
                   </a:solidFill>
@@ -3423,7 +3864,7 @@
             </a:ln>
             <a:extLst>
               <a:ext uri="{91240B29-F687-4f45-9708-019B960494DF}">
-                <a14:hiddenLine xmlns:a14="http://schemas.microsoft.com/office/drawing/2010/main" xmlns="" w="9525">
+                <a14:hiddenLine xmlns="" xmlns:a14="http://schemas.microsoft.com/office/drawing/2010/main" w="9525">
                   <a:solidFill>
                     <a:srgbClr val="000000"/>
                   </a:solidFill>
@@ -3513,7 +3954,7 @@
             </a:ln>
             <a:extLst>
               <a:ext uri="{91240B29-F687-4f45-9708-019B960494DF}">
-                <a14:hiddenLine xmlns:a14="http://schemas.microsoft.com/office/drawing/2010/main" xmlns="" w="9525">
+                <a14:hiddenLine xmlns="" xmlns:a14="http://schemas.microsoft.com/office/drawing/2010/main" w="9525">
                   <a:solidFill>
                     <a:srgbClr val="000000"/>
                   </a:solidFill>
@@ -3603,7 +4044,7 @@
             </a:ln>
             <a:extLst>
               <a:ext uri="{91240B29-F687-4f45-9708-019B960494DF}">
-                <a14:hiddenLine xmlns:a14="http://schemas.microsoft.com/office/drawing/2010/main" xmlns="" w="9525">
+                <a14:hiddenLine xmlns="" xmlns:a14="http://schemas.microsoft.com/office/drawing/2010/main" w="9525">
                   <a:solidFill>
                     <a:srgbClr val="000000"/>
                   </a:solidFill>
@@ -3668,7 +4109,7 @@
             </a:ln>
             <a:extLst>
               <a:ext uri="{91240B29-F687-4f45-9708-019B960494DF}">
-                <a14:hiddenLine xmlns:a14="http://schemas.microsoft.com/office/drawing/2010/main" xmlns="" w="9525">
+                <a14:hiddenLine xmlns="" xmlns:a14="http://schemas.microsoft.com/office/drawing/2010/main" w="9525">
                   <a:solidFill>
                     <a:srgbClr val="000000"/>
                   </a:solidFill>
@@ -3730,7 +4171,7 @@
             </a:ln>
             <a:extLst>
               <a:ext uri="{91240B29-F687-4f45-9708-019B960494DF}">
-                <a14:hiddenLine xmlns:a14="http://schemas.microsoft.com/office/drawing/2010/main" xmlns="" w="9525">
+                <a14:hiddenLine xmlns="" xmlns:a14="http://schemas.microsoft.com/office/drawing/2010/main" w="9525">
                   <a:solidFill>
                     <a:srgbClr val="000000"/>
                   </a:solidFill>
@@ -3820,7 +4261,7 @@
             </a:ln>
             <a:extLst>
               <a:ext uri="{91240B29-F687-4f45-9708-019B960494DF}">
-                <a14:hiddenLine xmlns:a14="http://schemas.microsoft.com/office/drawing/2010/main" xmlns="" w="9525">
+                <a14:hiddenLine xmlns="" xmlns:a14="http://schemas.microsoft.com/office/drawing/2010/main" w="9525">
                   <a:solidFill>
                     <a:srgbClr val="000000"/>
                   </a:solidFill>
@@ -3910,7 +4351,7 @@
             </a:ln>
             <a:extLst>
               <a:ext uri="{91240B29-F687-4f45-9708-019B960494DF}">
-                <a14:hiddenLine xmlns:a14="http://schemas.microsoft.com/office/drawing/2010/main" xmlns="" w="9525">
+                <a14:hiddenLine xmlns="" xmlns:a14="http://schemas.microsoft.com/office/drawing/2010/main" w="9525">
                   <a:solidFill>
                     <a:srgbClr val="000000"/>
                   </a:solidFill>
@@ -3972,7 +4413,7 @@
             </a:ln>
             <a:extLst>
               <a:ext uri="{91240B29-F687-4f45-9708-019B960494DF}">
-                <a14:hiddenLine xmlns:a14="http://schemas.microsoft.com/office/drawing/2010/main" xmlns="" w="9525">
+                <a14:hiddenLine xmlns="" xmlns:a14="http://schemas.microsoft.com/office/drawing/2010/main" w="9525">
                   <a:solidFill>
                     <a:srgbClr val="000000"/>
                   </a:solidFill>
@@ -4092,7 +4533,7 @@
             </a:ln>
             <a:extLst>
               <a:ext uri="{91240B29-F687-4f45-9708-019B960494DF}">
-                <a14:hiddenLine xmlns:a14="http://schemas.microsoft.com/office/drawing/2010/main" xmlns="" w="9525">
+                <a14:hiddenLine xmlns="" xmlns:a14="http://schemas.microsoft.com/office/drawing/2010/main" w="9525">
                   <a:solidFill>
                     <a:srgbClr val="000000"/>
                   </a:solidFill>
@@ -4160,7 +4601,7 @@
             </a:ln>
             <a:extLst>
               <a:ext uri="{91240B29-F687-4f45-9708-019B960494DF}">
-                <a14:hiddenLine xmlns:a14="http://schemas.microsoft.com/office/drawing/2010/main" xmlns="" w="9525">
+                <a14:hiddenLine xmlns="" xmlns:a14="http://schemas.microsoft.com/office/drawing/2010/main" w="9525">
                   <a:solidFill>
                     <a:srgbClr val="000000"/>
                   </a:solidFill>
@@ -4250,7 +4691,7 @@
             </a:ln>
             <a:extLst>
               <a:ext uri="{91240B29-F687-4f45-9708-019B960494DF}">
-                <a14:hiddenLine xmlns:a14="http://schemas.microsoft.com/office/drawing/2010/main" xmlns="" w="9525">
+                <a14:hiddenLine xmlns="" xmlns:a14="http://schemas.microsoft.com/office/drawing/2010/main" w="9525">
                   <a:solidFill>
                     <a:srgbClr val="000000"/>
                   </a:solidFill>
@@ -4390,7 +4831,7 @@
           <a:p>
             <a:fld id="{48A87A34-81AB-432B-8DAE-1953F412C126}" type="datetimeFigureOut">
               <a:rPr lang="en-US" dirty="0"/>
-              <a:t>7/26/2020</a:t>
+              <a:t>7/27/2020</a:t>
             </a:fld>
             <a:endParaRPr lang="en-US" dirty="0"/>
           </a:p>
@@ -4652,7 +5093,7 @@
           <a:p>
             <a:fld id="{48A87A34-81AB-432B-8DAE-1953F412C126}" type="datetimeFigureOut">
               <a:rPr lang="en-US" dirty="0"/>
-              <a:t>7/26/2020</a:t>
+              <a:t>7/27/2020</a:t>
             </a:fld>
             <a:endParaRPr lang="en-US" dirty="0"/>
           </a:p>
@@ -4843,7 +5284,7 @@
           <a:p>
             <a:fld id="{48A87A34-81AB-432B-8DAE-1953F412C126}" type="datetimeFigureOut">
               <a:rPr lang="en-US" dirty="0"/>
-              <a:t>7/26/2020</a:t>
+              <a:t>7/27/2020</a:t>
             </a:fld>
             <a:endParaRPr lang="en-US" dirty="0"/>
           </a:p>
@@ -5101,7 +5542,7 @@
           <a:p>
             <a:fld id="{48A87A34-81AB-432B-8DAE-1953F412C126}" type="datetimeFigureOut">
               <a:rPr lang="en-US" dirty="0"/>
-              <a:t>7/26/2020</a:t>
+              <a:t>7/27/2020</a:t>
             </a:fld>
             <a:endParaRPr lang="en-US" dirty="0"/>
           </a:p>
@@ -5530,7 +5971,7 @@
           <a:p>
             <a:fld id="{48A87A34-81AB-432B-8DAE-1953F412C126}" type="datetimeFigureOut">
               <a:rPr lang="en-US" dirty="0"/>
-              <a:t>7/26/2020</a:t>
+              <a:t>7/27/2020</a:t>
             </a:fld>
             <a:endParaRPr lang="en-US" dirty="0"/>
           </a:p>
@@ -6071,7 +6512,7 @@
           <a:p>
             <a:fld id="{48A87A34-81AB-432B-8DAE-1953F412C126}" type="datetimeFigureOut">
               <a:rPr lang="en-US" dirty="0"/>
-              <a:t>7/26/2020</a:t>
+              <a:t>7/27/2020</a:t>
             </a:fld>
             <a:endParaRPr lang="en-US" dirty="0"/>
           </a:p>
@@ -6786,7 +7227,7 @@
           <a:p>
             <a:fld id="{48A87A34-81AB-432B-8DAE-1953F412C126}" type="datetimeFigureOut">
               <a:rPr lang="en-US" dirty="0"/>
-              <a:t>7/26/2020</a:t>
+              <a:t>7/27/2020</a:t>
             </a:fld>
             <a:endParaRPr lang="en-US" dirty="0"/>
           </a:p>
@@ -6951,7 +7392,7 @@
           <a:p>
             <a:fld id="{48A87A34-81AB-432B-8DAE-1953F412C126}" type="datetimeFigureOut">
               <a:rPr lang="en-US" dirty="0"/>
-              <a:t>7/26/2020</a:t>
+              <a:t>7/27/2020</a:t>
             </a:fld>
             <a:endParaRPr lang="en-US" dirty="0"/>
           </a:p>
@@ -7126,7 +7567,7 @@
           <a:p>
             <a:fld id="{48A87A34-81AB-432B-8DAE-1953F412C126}" type="datetimeFigureOut">
               <a:rPr lang="en-US" dirty="0"/>
-              <a:t>7/26/2020</a:t>
+              <a:t>7/27/2020</a:t>
             </a:fld>
             <a:endParaRPr lang="en-US" dirty="0"/>
           </a:p>
@@ -7291,7 +7732,7 @@
           <a:p>
             <a:fld id="{48A87A34-81AB-432B-8DAE-1953F412C126}" type="datetimeFigureOut">
               <a:rPr lang="en-US" dirty="0"/>
-              <a:t>7/26/2020</a:t>
+              <a:t>7/27/2020</a:t>
             </a:fld>
             <a:endParaRPr lang="en-US" dirty="0"/>
           </a:p>
@@ -7536,7 +7977,7 @@
           <a:p>
             <a:fld id="{48A87A34-81AB-432B-8DAE-1953F412C126}" type="datetimeFigureOut">
               <a:rPr lang="en-US" dirty="0"/>
-              <a:t>7/26/2020</a:t>
+              <a:t>7/27/2020</a:t>
             </a:fld>
             <a:endParaRPr lang="en-US" dirty="0"/>
           </a:p>
@@ -7763,7 +8204,7 @@
           <a:p>
             <a:fld id="{48A87A34-81AB-432B-8DAE-1953F412C126}" type="datetimeFigureOut">
               <a:rPr lang="en-US" dirty="0"/>
-              <a:t>7/26/2020</a:t>
+              <a:t>7/27/2020</a:t>
             </a:fld>
             <a:endParaRPr lang="en-US" dirty="0"/>
           </a:p>
@@ -8139,7 +8580,7 @@
           <a:p>
             <a:fld id="{48A87A34-81AB-432B-8DAE-1953F412C126}" type="datetimeFigureOut">
               <a:rPr lang="en-US" dirty="0"/>
-              <a:t>7/26/2020</a:t>
+              <a:t>7/27/2020</a:t>
             </a:fld>
             <a:endParaRPr lang="en-US" dirty="0"/>
           </a:p>
@@ -8252,7 +8693,7 @@
           <a:p>
             <a:fld id="{48A87A34-81AB-432B-8DAE-1953F412C126}" type="datetimeFigureOut">
               <a:rPr lang="en-US" dirty="0"/>
-              <a:t>7/26/2020</a:t>
+              <a:t>7/27/2020</a:t>
             </a:fld>
             <a:endParaRPr lang="en-US" dirty="0"/>
           </a:p>
@@ -8342,7 +8783,7 @@
           <a:p>
             <a:fld id="{48A87A34-81AB-432B-8DAE-1953F412C126}" type="datetimeFigureOut">
               <a:rPr lang="en-US" dirty="0"/>
-              <a:t>7/26/2020</a:t>
+              <a:t>7/27/2020</a:t>
             </a:fld>
             <a:endParaRPr lang="en-US" dirty="0"/>
           </a:p>
@@ -8586,7 +9027,7 @@
           <a:p>
             <a:fld id="{48A87A34-81AB-432B-8DAE-1953F412C126}" type="datetimeFigureOut">
               <a:rPr lang="en-US" dirty="0"/>
-              <a:t>7/26/2020</a:t>
+              <a:t>7/27/2020</a:t>
             </a:fld>
             <a:endParaRPr lang="en-US" dirty="0"/>
           </a:p>
@@ -8861,7 +9302,7 @@
           <a:p>
             <a:fld id="{48A87A34-81AB-432B-8DAE-1953F412C126}" type="datetimeFigureOut">
               <a:rPr lang="en-US" dirty="0"/>
-              <a:t>7/26/2020</a:t>
+              <a:t>7/27/2020</a:t>
             </a:fld>
             <a:endParaRPr lang="en-US" dirty="0"/>
           </a:p>
@@ -8972,7 +9413,7 @@
           <a:noFill/>
           <a:extLst>
             <a:ext uri="{909E8E84-426E-40dd-AFC4-6F175D3DCCD1}">
-              <a14:hiddenFill xmlns:a14="http://schemas.microsoft.com/office/drawing/2010/main" xmlns="">
+              <a14:hiddenFill xmlns="" xmlns:a14="http://schemas.microsoft.com/office/drawing/2010/main">
                 <a:solidFill>
                   <a:srgbClr val="FFFFFF"/>
                 </a:solidFill>
@@ -9046,7 +9487,7 @@
               </a:ln>
               <a:extLst>
                 <a:ext uri="{91240B29-F687-4f45-9708-019B960494DF}">
-                  <a14:hiddenLine xmlns:a14="http://schemas.microsoft.com/office/drawing/2010/main" xmlns="" w="9525">
+                  <a14:hiddenLine xmlns="" xmlns:a14="http://schemas.microsoft.com/office/drawing/2010/main" w="9525">
                     <a:solidFill>
                       <a:srgbClr val="000000"/>
                     </a:solidFill>
@@ -9136,7 +9577,7 @@
               </a:ln>
               <a:extLst>
                 <a:ext uri="{91240B29-F687-4f45-9708-019B960494DF}">
-                  <a14:hiddenLine xmlns:a14="http://schemas.microsoft.com/office/drawing/2010/main" xmlns="" w="9525">
+                  <a14:hiddenLine xmlns="" xmlns:a14="http://schemas.microsoft.com/office/drawing/2010/main" w="9525">
                     <a:solidFill>
                       <a:srgbClr val="000000"/>
                     </a:solidFill>
@@ -9226,7 +9667,7 @@
               </a:ln>
               <a:extLst>
                 <a:ext uri="{91240B29-F687-4f45-9708-019B960494DF}">
-                  <a14:hiddenLine xmlns:a14="http://schemas.microsoft.com/office/drawing/2010/main" xmlns="" w="9525">
+                  <a14:hiddenLine xmlns="" xmlns:a14="http://schemas.microsoft.com/office/drawing/2010/main" w="9525">
                     <a:solidFill>
                       <a:srgbClr val="000000"/>
                     </a:solidFill>
@@ -9288,7 +9729,7 @@
               </a:ln>
               <a:extLst>
                 <a:ext uri="{91240B29-F687-4f45-9708-019B960494DF}">
-                  <a14:hiddenLine xmlns:a14="http://schemas.microsoft.com/office/drawing/2010/main" xmlns="" w="9525">
+                  <a14:hiddenLine xmlns="" xmlns:a14="http://schemas.microsoft.com/office/drawing/2010/main" w="9525">
                     <a:solidFill>
                       <a:srgbClr val="000000"/>
                     </a:solidFill>
@@ -9378,7 +9819,7 @@
               </a:ln>
               <a:extLst>
                 <a:ext uri="{91240B29-F687-4f45-9708-019B960494DF}">
-                  <a14:hiddenLine xmlns:a14="http://schemas.microsoft.com/office/drawing/2010/main" xmlns="" w="9525">
+                  <a14:hiddenLine xmlns="" xmlns:a14="http://schemas.microsoft.com/office/drawing/2010/main" w="9525">
                     <a:solidFill>
                       <a:srgbClr val="000000"/>
                     </a:solidFill>
@@ -9440,7 +9881,7 @@
               </a:ln>
               <a:extLst>
                 <a:ext uri="{91240B29-F687-4f45-9708-019B960494DF}">
-                  <a14:hiddenLine xmlns:a14="http://schemas.microsoft.com/office/drawing/2010/main" xmlns="" w="9525">
+                  <a14:hiddenLine xmlns="" xmlns:a14="http://schemas.microsoft.com/office/drawing/2010/main" w="9525">
                     <a:solidFill>
                       <a:srgbClr val="000000"/>
                     </a:solidFill>
@@ -9502,7 +9943,7 @@
               </a:ln>
               <a:extLst>
                 <a:ext uri="{91240B29-F687-4f45-9708-019B960494DF}">
-                  <a14:hiddenLine xmlns:a14="http://schemas.microsoft.com/office/drawing/2010/main" xmlns="" w="9525">
+                  <a14:hiddenLine xmlns="" xmlns:a14="http://schemas.microsoft.com/office/drawing/2010/main" w="9525">
                     <a:solidFill>
                       <a:srgbClr val="000000"/>
                     </a:solidFill>
@@ -9592,7 +10033,7 @@
               </a:ln>
               <a:extLst>
                 <a:ext uri="{91240B29-F687-4f45-9708-019B960494DF}">
-                  <a14:hiddenLine xmlns:a14="http://schemas.microsoft.com/office/drawing/2010/main" xmlns="" w="9525">
+                  <a14:hiddenLine xmlns="" xmlns:a14="http://schemas.microsoft.com/office/drawing/2010/main" w="9525">
                     <a:solidFill>
                       <a:srgbClr val="000000"/>
                     </a:solidFill>
@@ -9682,7 +10123,7 @@
               </a:ln>
               <a:extLst>
                 <a:ext uri="{91240B29-F687-4f45-9708-019B960494DF}">
-                  <a14:hiddenLine xmlns:a14="http://schemas.microsoft.com/office/drawing/2010/main" xmlns="" w="9525">
+                  <a14:hiddenLine xmlns="" xmlns:a14="http://schemas.microsoft.com/office/drawing/2010/main" w="9525">
                     <a:solidFill>
                       <a:srgbClr val="000000"/>
                     </a:solidFill>
@@ -9744,7 +10185,7 @@
               </a:ln>
               <a:extLst>
                 <a:ext uri="{91240B29-F687-4f45-9708-019B960494DF}">
-                  <a14:hiddenLine xmlns:a14="http://schemas.microsoft.com/office/drawing/2010/main" xmlns="" w="9525">
+                  <a14:hiddenLine xmlns="" xmlns:a14="http://schemas.microsoft.com/office/drawing/2010/main" w="9525">
                     <a:solidFill>
                       <a:srgbClr val="000000"/>
                     </a:solidFill>
@@ -9854,7 +10295,7 @@
               </a:ln>
               <a:extLst>
                 <a:ext uri="{91240B29-F687-4f45-9708-019B960494DF}">
-                  <a14:hiddenLine xmlns:a14="http://schemas.microsoft.com/office/drawing/2010/main" xmlns="" w="9525">
+                  <a14:hiddenLine xmlns="" xmlns:a14="http://schemas.microsoft.com/office/drawing/2010/main" w="9525">
                     <a:solidFill>
                       <a:srgbClr val="000000"/>
                     </a:solidFill>
@@ -9938,7 +10379,7 @@
               </a:ln>
               <a:extLst>
                 <a:ext uri="{91240B29-F687-4f45-9708-019B960494DF}">
-                  <a14:hiddenLine xmlns:a14="http://schemas.microsoft.com/office/drawing/2010/main" xmlns="" w="9525">
+                  <a14:hiddenLine xmlns="" xmlns:a14="http://schemas.microsoft.com/office/drawing/2010/main" w="9525">
                     <a:solidFill>
                       <a:srgbClr val="000000"/>
                     </a:solidFill>
@@ -10000,7 +10441,7 @@
               </a:ln>
               <a:extLst>
                 <a:ext uri="{91240B29-F687-4f45-9708-019B960494DF}">
-                  <a14:hiddenLine xmlns:a14="http://schemas.microsoft.com/office/drawing/2010/main" xmlns="" w="9525">
+                  <a14:hiddenLine xmlns="" xmlns:a14="http://schemas.microsoft.com/office/drawing/2010/main" w="9525">
                     <a:solidFill>
                       <a:srgbClr val="000000"/>
                     </a:solidFill>
@@ -10062,7 +10503,7 @@
               </a:ln>
               <a:extLst>
                 <a:ext uri="{91240B29-F687-4f45-9708-019B960494DF}">
-                  <a14:hiddenLine xmlns:a14="http://schemas.microsoft.com/office/drawing/2010/main" xmlns="" w="9525">
+                  <a14:hiddenLine xmlns="" xmlns:a14="http://schemas.microsoft.com/office/drawing/2010/main" w="9525">
                     <a:solidFill>
                       <a:srgbClr val="000000"/>
                     </a:solidFill>
@@ -10152,7 +10593,7 @@
               </a:ln>
               <a:extLst>
                 <a:ext uri="{91240B29-F687-4f45-9708-019B960494DF}">
-                  <a14:hiddenLine xmlns:a14="http://schemas.microsoft.com/office/drawing/2010/main" xmlns="" w="9525">
+                  <a14:hiddenLine xmlns="" xmlns:a14="http://schemas.microsoft.com/office/drawing/2010/main" w="9525">
                     <a:solidFill>
                       <a:srgbClr val="000000"/>
                     </a:solidFill>
@@ -10186,7 +10627,7 @@
               </a:ln>
               <a:extLst>
                 <a:ext uri="{91240B29-F687-4f45-9708-019B960494DF}">
-                  <a14:hiddenLine xmlns:a14="http://schemas.microsoft.com/office/drawing/2010/main" xmlns="" w="9525">
+                  <a14:hiddenLine xmlns="" xmlns:a14="http://schemas.microsoft.com/office/drawing/2010/main" w="9525">
                     <a:solidFill>
                       <a:srgbClr val="000000"/>
                     </a:solidFill>
@@ -10251,7 +10692,7 @@
               </a:ln>
               <a:extLst>
                 <a:ext uri="{91240B29-F687-4f45-9708-019B960494DF}">
-                  <a14:hiddenLine xmlns:a14="http://schemas.microsoft.com/office/drawing/2010/main" xmlns="" w="9525">
+                  <a14:hiddenLine xmlns="" xmlns:a14="http://schemas.microsoft.com/office/drawing/2010/main" w="9525">
                     <a:solidFill>
                       <a:srgbClr val="000000"/>
                     </a:solidFill>
@@ -10341,7 +10782,7 @@
               </a:ln>
               <a:extLst>
                 <a:ext uri="{91240B29-F687-4f45-9708-019B960494DF}">
-                  <a14:hiddenLine xmlns:a14="http://schemas.microsoft.com/office/drawing/2010/main" xmlns="" w="9525">
+                  <a14:hiddenLine xmlns="" xmlns:a14="http://schemas.microsoft.com/office/drawing/2010/main" w="9525">
                     <a:solidFill>
                       <a:srgbClr val="000000"/>
                     </a:solidFill>
@@ -10403,7 +10844,7 @@
               </a:ln>
               <a:extLst>
                 <a:ext uri="{91240B29-F687-4f45-9708-019B960494DF}">
-                  <a14:hiddenLine xmlns:a14="http://schemas.microsoft.com/office/drawing/2010/main" xmlns="" w="9525">
+                  <a14:hiddenLine xmlns="" xmlns:a14="http://schemas.microsoft.com/office/drawing/2010/main" w="9525">
                     <a:solidFill>
                       <a:srgbClr val="000000"/>
                     </a:solidFill>
@@ -10493,7 +10934,7 @@
               </a:ln>
               <a:extLst>
                 <a:ext uri="{91240B29-F687-4f45-9708-019B960494DF}">
-                  <a14:hiddenLine xmlns:a14="http://schemas.microsoft.com/office/drawing/2010/main" xmlns="" w="9525">
+                  <a14:hiddenLine xmlns="" xmlns:a14="http://schemas.microsoft.com/office/drawing/2010/main" w="9525">
                     <a:solidFill>
                       <a:srgbClr val="000000"/>
                     </a:solidFill>
@@ -10558,7 +10999,7 @@
               </a:ln>
               <a:extLst>
                 <a:ext uri="{91240B29-F687-4f45-9708-019B960494DF}">
-                  <a14:hiddenLine xmlns:a14="http://schemas.microsoft.com/office/drawing/2010/main" xmlns="" w="9525">
+                  <a14:hiddenLine xmlns="" xmlns:a14="http://schemas.microsoft.com/office/drawing/2010/main" w="9525">
                     <a:solidFill>
                       <a:srgbClr val="000000"/>
                     </a:solidFill>
@@ -10620,7 +11061,7 @@
               </a:ln>
               <a:extLst>
                 <a:ext uri="{91240B29-F687-4f45-9708-019B960494DF}">
-                  <a14:hiddenLine xmlns:a14="http://schemas.microsoft.com/office/drawing/2010/main" xmlns="" w="9525">
+                  <a14:hiddenLine xmlns="" xmlns:a14="http://schemas.microsoft.com/office/drawing/2010/main" w="9525">
                     <a:solidFill>
                       <a:srgbClr val="000000"/>
                     </a:solidFill>
@@ -10710,7 +11151,7 @@
               </a:ln>
               <a:extLst>
                 <a:ext uri="{91240B29-F687-4f45-9708-019B960494DF}">
-                  <a14:hiddenLine xmlns:a14="http://schemas.microsoft.com/office/drawing/2010/main" xmlns="" w="9525">
+                  <a14:hiddenLine xmlns="" xmlns:a14="http://schemas.microsoft.com/office/drawing/2010/main" w="9525">
                     <a:solidFill>
                       <a:srgbClr val="000000"/>
                     </a:solidFill>
@@ -10800,7 +11241,7 @@
               </a:ln>
               <a:extLst>
                 <a:ext uri="{91240B29-F687-4f45-9708-019B960494DF}">
-                  <a14:hiddenLine xmlns:a14="http://schemas.microsoft.com/office/drawing/2010/main" xmlns="" w="9525">
+                  <a14:hiddenLine xmlns="" xmlns:a14="http://schemas.microsoft.com/office/drawing/2010/main" w="9525">
                     <a:solidFill>
                       <a:srgbClr val="000000"/>
                     </a:solidFill>
@@ -10865,7 +11306,7 @@
               </a:ln>
               <a:extLst>
                 <a:ext uri="{91240B29-F687-4f45-9708-019B960494DF}">
-                  <a14:hiddenLine xmlns:a14="http://schemas.microsoft.com/office/drawing/2010/main" xmlns="" w="9525">
+                  <a14:hiddenLine xmlns="" xmlns:a14="http://schemas.microsoft.com/office/drawing/2010/main" w="9525">
                     <a:solidFill>
                       <a:srgbClr val="000000"/>
                     </a:solidFill>
@@ -10985,7 +11426,7 @@
               </a:ln>
               <a:extLst>
                 <a:ext uri="{91240B29-F687-4f45-9708-019B960494DF}">
-                  <a14:hiddenLine xmlns:a14="http://schemas.microsoft.com/office/drawing/2010/main" xmlns="" w="9525">
+                  <a14:hiddenLine xmlns="" xmlns:a14="http://schemas.microsoft.com/office/drawing/2010/main" w="9525">
                     <a:solidFill>
                       <a:srgbClr val="000000"/>
                     </a:solidFill>
@@ -11083,7 +11524,7 @@
               </a:ln>
               <a:extLst>
                 <a:ext uri="{91240B29-F687-4f45-9708-019B960494DF}">
-                  <a14:hiddenLine xmlns:a14="http://schemas.microsoft.com/office/drawing/2010/main" xmlns="" w="9525">
+                  <a14:hiddenLine xmlns="" xmlns:a14="http://schemas.microsoft.com/office/drawing/2010/main" w="9525">
                     <a:solidFill>
                       <a:srgbClr val="000000"/>
                     </a:solidFill>
@@ -11198,7 +11639,7 @@
               </a:ln>
               <a:extLst>
                 <a:ext uri="{91240B29-F687-4f45-9708-019B960494DF}">
-                  <a14:hiddenLine xmlns:a14="http://schemas.microsoft.com/office/drawing/2010/main" xmlns="" w="9525">
+                  <a14:hiddenLine xmlns="" xmlns:a14="http://schemas.microsoft.com/office/drawing/2010/main" w="9525">
                     <a:solidFill>
                       <a:srgbClr val="000000"/>
                     </a:solidFill>
@@ -11288,7 +11729,7 @@
               </a:ln>
               <a:extLst>
                 <a:ext uri="{91240B29-F687-4f45-9708-019B960494DF}">
-                  <a14:hiddenLine xmlns:a14="http://schemas.microsoft.com/office/drawing/2010/main" xmlns="" w="9525">
+                  <a14:hiddenLine xmlns="" xmlns:a14="http://schemas.microsoft.com/office/drawing/2010/main" w="9525">
                     <a:solidFill>
                       <a:srgbClr val="000000"/>
                     </a:solidFill>
@@ -11353,7 +11794,7 @@
               </a:ln>
               <a:extLst>
                 <a:ext uri="{91240B29-F687-4f45-9708-019B960494DF}">
-                  <a14:hiddenLine xmlns:a14="http://schemas.microsoft.com/office/drawing/2010/main" xmlns="" w="9525">
+                  <a14:hiddenLine xmlns="" xmlns:a14="http://schemas.microsoft.com/office/drawing/2010/main" w="9525">
                     <a:solidFill>
                       <a:srgbClr val="000000"/>
                     </a:solidFill>
@@ -11443,7 +11884,7 @@
               </a:ln>
               <a:extLst>
                 <a:ext uri="{91240B29-F687-4f45-9708-019B960494DF}">
-                  <a14:hiddenLine xmlns:a14="http://schemas.microsoft.com/office/drawing/2010/main" xmlns="" w="9525">
+                  <a14:hiddenLine xmlns="" xmlns:a14="http://schemas.microsoft.com/office/drawing/2010/main" w="9525">
                     <a:solidFill>
                       <a:srgbClr val="000000"/>
                     </a:solidFill>
@@ -11511,7 +11952,7 @@
               </a:ln>
               <a:extLst>
                 <a:ext uri="{91240B29-F687-4f45-9708-019B960494DF}">
-                  <a14:hiddenLine xmlns:a14="http://schemas.microsoft.com/office/drawing/2010/main" xmlns="" w="9525">
+                  <a14:hiddenLine xmlns="" xmlns:a14="http://schemas.microsoft.com/office/drawing/2010/main" w="9525">
                     <a:solidFill>
                       <a:srgbClr val="000000"/>
                     </a:solidFill>
@@ -11601,7 +12042,7 @@
               </a:ln>
               <a:extLst>
                 <a:ext uri="{91240B29-F687-4f45-9708-019B960494DF}">
-                  <a14:hiddenLine xmlns:a14="http://schemas.microsoft.com/office/drawing/2010/main" xmlns="" w="9525">
+                  <a14:hiddenLine xmlns="" xmlns:a14="http://schemas.microsoft.com/office/drawing/2010/main" w="9525">
                     <a:solidFill>
                       <a:srgbClr val="000000"/>
                     </a:solidFill>
@@ -11669,7 +12110,7 @@
               </a:ln>
               <a:extLst>
                 <a:ext uri="{91240B29-F687-4f45-9708-019B960494DF}">
-                  <a14:hiddenLine xmlns:a14="http://schemas.microsoft.com/office/drawing/2010/main" xmlns="" w="9525">
+                  <a14:hiddenLine xmlns="" xmlns:a14="http://schemas.microsoft.com/office/drawing/2010/main" w="9525">
                     <a:solidFill>
                       <a:srgbClr val="000000"/>
                     </a:solidFill>
@@ -11759,7 +12200,7 @@
               </a:ln>
               <a:extLst>
                 <a:ext uri="{91240B29-F687-4f45-9708-019B960494DF}">
-                  <a14:hiddenLine xmlns:a14="http://schemas.microsoft.com/office/drawing/2010/main" xmlns="" w="9525">
+                  <a14:hiddenLine xmlns="" xmlns:a14="http://schemas.microsoft.com/office/drawing/2010/main" w="9525">
                     <a:solidFill>
                       <a:srgbClr val="000000"/>
                     </a:solidFill>
@@ -11793,7 +12234,7 @@
               </a:ln>
               <a:extLst>
                 <a:ext uri="{91240B29-F687-4f45-9708-019B960494DF}">
-                  <a14:hiddenLine xmlns:a14="http://schemas.microsoft.com/office/drawing/2010/main" xmlns="" w="9525">
+                  <a14:hiddenLine xmlns="" xmlns:a14="http://schemas.microsoft.com/office/drawing/2010/main" w="9525">
                     <a:solidFill>
                       <a:srgbClr val="000000"/>
                     </a:solidFill>
@@ -11934,7 +12375,7 @@
             <a:fld id="{48A87A34-81AB-432B-8DAE-1953F412C126}" type="datetimeFigureOut">
               <a:rPr lang="en-US" dirty="0"/>
               <a:pPr/>
-              <a:t>7/26/2020</a:t>
+              <a:t>7/27/2020</a:t>
             </a:fld>
             <a:endParaRPr lang="en-US" dirty="0"/>
           </a:p>
@@ -12519,6 +12960,952 @@
           <a:chExt cx="0" cy="0"/>
         </a:xfrm>
       </p:grpSpPr>
+      <p:sp>
+        <p:nvSpPr>
+          <p:cNvPr id="2" name="Title 1">
+            <a:extLst>
+              <a:ext uri="{FF2B5EF4-FFF2-40B4-BE49-F238E27FC236}">
+                <a16:creationId xmlns:a16="http://schemas.microsoft.com/office/drawing/2014/main" id="{1F581BB3-5FCD-4EF5-8FCC-3265A083D1AD}"/>
+              </a:ext>
+            </a:extLst>
+          </p:cNvPr>
+          <p:cNvSpPr>
+            <a:spLocks noGrp="1"/>
+          </p:cNvSpPr>
+          <p:nvPr>
+            <p:ph type="title"/>
+          </p:nvPr>
+        </p:nvSpPr>
+        <p:spPr/>
+        <p:txBody>
+          <a:bodyPr/>
+          <a:lstStyle/>
+          <a:p>
+            <a:endParaRPr lang="en-US"/>
+          </a:p>
+        </p:txBody>
+      </p:sp>
+      <p:sp>
+        <p:nvSpPr>
+          <p:cNvPr id="3" name="Content Placeholder 2">
+            <a:extLst>
+              <a:ext uri="{FF2B5EF4-FFF2-40B4-BE49-F238E27FC236}">
+                <a16:creationId xmlns:a16="http://schemas.microsoft.com/office/drawing/2014/main" id="{159B5CA5-8106-4969-B3B6-6A7DFDF6E246}"/>
+              </a:ext>
+            </a:extLst>
+          </p:cNvPr>
+          <p:cNvSpPr>
+            <a:spLocks noGrp="1"/>
+          </p:cNvSpPr>
+          <p:nvPr>
+            <p:ph idx="1"/>
+          </p:nvPr>
+        </p:nvSpPr>
+        <p:spPr/>
+        <p:txBody>
+          <a:bodyPr/>
+          <a:lstStyle/>
+          <a:p>
+            <a:endParaRPr lang="en-US"/>
+          </a:p>
+        </p:txBody>
+      </p:sp>
+    </p:spTree>
+    <p:extLst>
+      <p:ext uri="{BB962C8B-B14F-4D97-AF65-F5344CB8AC3E}">
+        <p14:creationId xmlns:p14="http://schemas.microsoft.com/office/powerpoint/2010/main" val="2848478821"/>
+      </p:ext>
+    </p:extLst>
+  </p:cSld>
+  <p:clrMapOvr>
+    <a:masterClrMapping/>
+  </p:clrMapOvr>
+</p:sld>
+</file>
+
+<file path=ppt/slides/slide3.xml><?xml version="1.0" encoding="utf-8"?>
+<p:sld xmlns:a="http://schemas.openxmlformats.org/drawingml/2006/main" xmlns:r="http://schemas.openxmlformats.org/officeDocument/2006/relationships" xmlns:p="http://schemas.openxmlformats.org/presentationml/2006/main">
+  <p:cSld>
+    <p:spTree>
+      <p:nvGrpSpPr>
+        <p:cNvPr id="1" name=""/>
+        <p:cNvGrpSpPr/>
+        <p:nvPr/>
+      </p:nvGrpSpPr>
+      <p:grpSpPr>
+        <a:xfrm>
+          <a:off x="0" y="0"/>
+          <a:ext cx="0" cy="0"/>
+          <a:chOff x="0" y="0"/>
+          <a:chExt cx="0" cy="0"/>
+        </a:xfrm>
+      </p:grpSpPr>
+      <p:sp>
+        <p:nvSpPr>
+          <p:cNvPr id="2" name="Title 1">
+            <a:extLst>
+              <a:ext uri="{FF2B5EF4-FFF2-40B4-BE49-F238E27FC236}">
+                <a16:creationId xmlns:a16="http://schemas.microsoft.com/office/drawing/2014/main" id="{14280CB9-4868-4674-A0B9-DA288029D394}"/>
+              </a:ext>
+            </a:extLst>
+          </p:cNvPr>
+          <p:cNvSpPr>
+            <a:spLocks noGrp="1"/>
+          </p:cNvSpPr>
+          <p:nvPr>
+            <p:ph type="title"/>
+          </p:nvPr>
+        </p:nvSpPr>
+        <p:spPr>
+          <a:xfrm>
+            <a:off x="5545862" y="219933"/>
+            <a:ext cx="6415882" cy="1074295"/>
+          </a:xfrm>
+        </p:spPr>
+        <p:txBody>
+          <a:bodyPr>
+            <a:normAutofit/>
+          </a:bodyPr>
+          <a:lstStyle/>
+          <a:p>
+            <a:r>
+              <a:rPr lang="en-US" b="1" dirty="0">
+                <a:solidFill>
+                  <a:schemeClr val="bg2">
+                    <a:lumMod val="50000"/>
+                  </a:schemeClr>
+                </a:solidFill>
+              </a:rPr>
+              <a:t>Does Income Impact Cases?</a:t>
+            </a:r>
+          </a:p>
+        </p:txBody>
+      </p:sp>
+      <p:pic>
+        <p:nvPicPr>
+          <p:cNvPr id="8" name="Picture 7">
+            <a:extLst>
+              <a:ext uri="{FF2B5EF4-FFF2-40B4-BE49-F238E27FC236}">
+                <a16:creationId xmlns:a16="http://schemas.microsoft.com/office/drawing/2014/main" id="{E1678B7E-F8D4-46AE-8119-A5E0D4F00A69}"/>
+              </a:ext>
+            </a:extLst>
+          </p:cNvPr>
+          <p:cNvPicPr>
+            <a:picLocks noChangeAspect="1"/>
+          </p:cNvPicPr>
+          <p:nvPr/>
+        </p:nvPicPr>
+        <p:blipFill>
+          <a:blip r:embed="rId3"/>
+          <a:stretch>
+            <a:fillRect/>
+          </a:stretch>
+        </p:blipFill>
+        <p:spPr>
+          <a:xfrm>
+            <a:off x="230256" y="3536770"/>
+            <a:ext cx="5126816" cy="3080302"/>
+          </a:xfrm>
+          <a:prstGeom prst="rect">
+            <a:avLst/>
+          </a:prstGeom>
+        </p:spPr>
+      </p:pic>
+      <p:pic>
+        <p:nvPicPr>
+          <p:cNvPr id="9" name="Picture 8">
+            <a:extLst>
+              <a:ext uri="{FF2B5EF4-FFF2-40B4-BE49-F238E27FC236}">
+                <a16:creationId xmlns:a16="http://schemas.microsoft.com/office/drawing/2014/main" id="{02034CB9-7BAA-4EE6-BE63-527F8BF4680A}"/>
+              </a:ext>
+            </a:extLst>
+          </p:cNvPr>
+          <p:cNvPicPr>
+            <a:picLocks noChangeAspect="1"/>
+          </p:cNvPicPr>
+          <p:nvPr/>
+        </p:nvPicPr>
+        <p:blipFill>
+          <a:blip r:embed="rId4"/>
+          <a:stretch>
+            <a:fillRect/>
+          </a:stretch>
+        </p:blipFill>
+        <p:spPr>
+          <a:xfrm>
+            <a:off x="5545862" y="1490870"/>
+            <a:ext cx="6415882" cy="3876260"/>
+          </a:xfrm>
+          <a:prstGeom prst="rect">
+            <a:avLst/>
+          </a:prstGeom>
+        </p:spPr>
+      </p:pic>
+      <p:sp>
+        <p:nvSpPr>
+          <p:cNvPr id="11" name="Content Placeholder 10">
+            <a:extLst>
+              <a:ext uri="{FF2B5EF4-FFF2-40B4-BE49-F238E27FC236}">
+                <a16:creationId xmlns:a16="http://schemas.microsoft.com/office/drawing/2014/main" id="{EDBA6B38-0547-491F-8299-D320A82B5812}"/>
+              </a:ext>
+            </a:extLst>
+          </p:cNvPr>
+          <p:cNvSpPr>
+            <a:spLocks noGrp="1"/>
+          </p:cNvSpPr>
+          <p:nvPr>
+            <p:ph idx="1"/>
+          </p:nvPr>
+        </p:nvSpPr>
+        <p:spPr>
+          <a:xfrm>
+            <a:off x="5545862" y="5563772"/>
+            <a:ext cx="5501549" cy="424071"/>
+          </a:xfrm>
+        </p:spPr>
+        <p:txBody>
+          <a:bodyPr>
+            <a:normAutofit fontScale="85000" lnSpcReduction="10000"/>
+          </a:bodyPr>
+          <a:lstStyle/>
+          <a:p>
+            <a:endParaRPr lang="en-US"/>
+          </a:p>
+        </p:txBody>
+      </p:sp>
+      <p:pic>
+        <p:nvPicPr>
+          <p:cNvPr id="13" name="Picture 12">
+            <a:extLst>
+              <a:ext uri="{FF2B5EF4-FFF2-40B4-BE49-F238E27FC236}">
+                <a16:creationId xmlns:a16="http://schemas.microsoft.com/office/drawing/2014/main" id="{475E97ED-5C25-4F36-94B4-92D286C2BA1F}"/>
+              </a:ext>
+            </a:extLst>
+          </p:cNvPr>
+          <p:cNvPicPr>
+            <a:picLocks noChangeAspect="1"/>
+          </p:cNvPicPr>
+          <p:nvPr/>
+        </p:nvPicPr>
+        <p:blipFill>
+          <a:blip r:embed="rId5"/>
+          <a:stretch>
+            <a:fillRect/>
+          </a:stretch>
+        </p:blipFill>
+        <p:spPr>
+          <a:xfrm>
+            <a:off x="230256" y="297588"/>
+            <a:ext cx="5126816" cy="3080303"/>
+          </a:xfrm>
+          <a:prstGeom prst="rect">
+            <a:avLst/>
+          </a:prstGeom>
+        </p:spPr>
+      </p:pic>
+    </p:spTree>
+    <p:extLst>
+      <p:ext uri="{BB962C8B-B14F-4D97-AF65-F5344CB8AC3E}">
+        <p14:creationId xmlns:p14="http://schemas.microsoft.com/office/powerpoint/2010/main" val="1886031763"/>
+      </p:ext>
+    </p:extLst>
+  </p:cSld>
+  <p:clrMapOvr>
+    <a:masterClrMapping/>
+  </p:clrMapOvr>
+  <p:timing>
+    <p:tnLst>
+      <p:par>
+        <p:cTn id="1" dur="indefinite" restart="never" nodeType="tmRoot">
+          <p:childTnLst>
+            <p:seq concurrent="1" nextAc="seek">
+              <p:cTn id="2" dur="indefinite" nodeType="mainSeq">
+                <p:childTnLst>
+                  <p:par>
+                    <p:cTn id="3" fill="hold">
+                      <p:stCondLst>
+                        <p:cond delay="indefinite"/>
+                      </p:stCondLst>
+                      <p:childTnLst>
+                        <p:par>
+                          <p:cTn id="4" fill="hold">
+                            <p:stCondLst>
+                              <p:cond delay="0"/>
+                            </p:stCondLst>
+                            <p:childTnLst>
+                              <p:par>
+                                <p:cTn id="5" presetID="2" presetClass="entr" presetSubtype="4" fill="hold" nodeType="clickEffect">
+                                  <p:stCondLst>
+                                    <p:cond delay="0"/>
+                                  </p:stCondLst>
+                                  <p:childTnLst>
+                                    <p:set>
+                                      <p:cBhvr>
+                                        <p:cTn id="6" dur="1" fill="hold">
+                                          <p:stCondLst>
+                                            <p:cond delay="0"/>
+                                          </p:stCondLst>
+                                        </p:cTn>
+                                        <p:tgtEl>
+                                          <p:spTgt spid="8"/>
+                                        </p:tgtEl>
+                                        <p:attrNameLst>
+                                          <p:attrName>style.visibility</p:attrName>
+                                        </p:attrNameLst>
+                                      </p:cBhvr>
+                                      <p:to>
+                                        <p:strVal val="visible"/>
+                                      </p:to>
+                                    </p:set>
+                                    <p:anim calcmode="lin" valueType="num">
+                                      <p:cBhvr additive="base">
+                                        <p:cTn id="7" dur="500" fill="hold"/>
+                                        <p:tgtEl>
+                                          <p:spTgt spid="8"/>
+                                        </p:tgtEl>
+                                        <p:attrNameLst>
+                                          <p:attrName>ppt_x</p:attrName>
+                                        </p:attrNameLst>
+                                      </p:cBhvr>
+                                      <p:tavLst>
+                                        <p:tav tm="0">
+                                          <p:val>
+                                            <p:strVal val="#ppt_x"/>
+                                          </p:val>
+                                        </p:tav>
+                                        <p:tav tm="100000">
+                                          <p:val>
+                                            <p:strVal val="#ppt_x"/>
+                                          </p:val>
+                                        </p:tav>
+                                      </p:tavLst>
+                                    </p:anim>
+                                    <p:anim calcmode="lin" valueType="num">
+                                      <p:cBhvr additive="base">
+                                        <p:cTn id="8" dur="500" fill="hold"/>
+                                        <p:tgtEl>
+                                          <p:spTgt spid="8"/>
+                                        </p:tgtEl>
+                                        <p:attrNameLst>
+                                          <p:attrName>ppt_y</p:attrName>
+                                        </p:attrNameLst>
+                                      </p:cBhvr>
+                                      <p:tavLst>
+                                        <p:tav tm="0">
+                                          <p:val>
+                                            <p:strVal val="1+#ppt_h/2"/>
+                                          </p:val>
+                                        </p:tav>
+                                        <p:tav tm="100000">
+                                          <p:val>
+                                            <p:strVal val="#ppt_y"/>
+                                          </p:val>
+                                        </p:tav>
+                                      </p:tavLst>
+                                    </p:anim>
+                                  </p:childTnLst>
+                                </p:cTn>
+                              </p:par>
+                            </p:childTnLst>
+                          </p:cTn>
+                        </p:par>
+                      </p:childTnLst>
+                    </p:cTn>
+                  </p:par>
+                  <p:par>
+                    <p:cTn id="9" fill="hold">
+                      <p:stCondLst>
+                        <p:cond delay="indefinite"/>
+                      </p:stCondLst>
+                      <p:childTnLst>
+                        <p:par>
+                          <p:cTn id="10" fill="hold">
+                            <p:stCondLst>
+                              <p:cond delay="0"/>
+                            </p:stCondLst>
+                            <p:childTnLst>
+                              <p:par>
+                                <p:cTn id="11" presetID="2" presetClass="entr" presetSubtype="4" fill="hold" nodeType="clickEffect">
+                                  <p:stCondLst>
+                                    <p:cond delay="0"/>
+                                  </p:stCondLst>
+                                  <p:childTnLst>
+                                    <p:set>
+                                      <p:cBhvr>
+                                        <p:cTn id="12" dur="1" fill="hold">
+                                          <p:stCondLst>
+                                            <p:cond delay="0"/>
+                                          </p:stCondLst>
+                                        </p:cTn>
+                                        <p:tgtEl>
+                                          <p:spTgt spid="9"/>
+                                        </p:tgtEl>
+                                        <p:attrNameLst>
+                                          <p:attrName>style.visibility</p:attrName>
+                                        </p:attrNameLst>
+                                      </p:cBhvr>
+                                      <p:to>
+                                        <p:strVal val="visible"/>
+                                      </p:to>
+                                    </p:set>
+                                    <p:anim calcmode="lin" valueType="num">
+                                      <p:cBhvr additive="base">
+                                        <p:cTn id="13" dur="500" fill="hold"/>
+                                        <p:tgtEl>
+                                          <p:spTgt spid="9"/>
+                                        </p:tgtEl>
+                                        <p:attrNameLst>
+                                          <p:attrName>ppt_x</p:attrName>
+                                        </p:attrNameLst>
+                                      </p:cBhvr>
+                                      <p:tavLst>
+                                        <p:tav tm="0">
+                                          <p:val>
+                                            <p:strVal val="#ppt_x"/>
+                                          </p:val>
+                                        </p:tav>
+                                        <p:tav tm="100000">
+                                          <p:val>
+                                            <p:strVal val="#ppt_x"/>
+                                          </p:val>
+                                        </p:tav>
+                                      </p:tavLst>
+                                    </p:anim>
+                                    <p:anim calcmode="lin" valueType="num">
+                                      <p:cBhvr additive="base">
+                                        <p:cTn id="14" dur="500" fill="hold"/>
+                                        <p:tgtEl>
+                                          <p:spTgt spid="9"/>
+                                        </p:tgtEl>
+                                        <p:attrNameLst>
+                                          <p:attrName>ppt_y</p:attrName>
+                                        </p:attrNameLst>
+                                      </p:cBhvr>
+                                      <p:tavLst>
+                                        <p:tav tm="0">
+                                          <p:val>
+                                            <p:strVal val="1+#ppt_h/2"/>
+                                          </p:val>
+                                        </p:tav>
+                                        <p:tav tm="100000">
+                                          <p:val>
+                                            <p:strVal val="#ppt_y"/>
+                                          </p:val>
+                                        </p:tav>
+                                      </p:tavLst>
+                                    </p:anim>
+                                  </p:childTnLst>
+                                </p:cTn>
+                              </p:par>
+                            </p:childTnLst>
+                          </p:cTn>
+                        </p:par>
+                      </p:childTnLst>
+                    </p:cTn>
+                  </p:par>
+                </p:childTnLst>
+              </p:cTn>
+              <p:prevCondLst>
+                <p:cond evt="onPrev" delay="0">
+                  <p:tgtEl>
+                    <p:sldTgt/>
+                  </p:tgtEl>
+                </p:cond>
+              </p:prevCondLst>
+              <p:nextCondLst>
+                <p:cond evt="onNext" delay="0">
+                  <p:tgtEl>
+                    <p:sldTgt/>
+                  </p:tgtEl>
+                </p:cond>
+              </p:nextCondLst>
+            </p:seq>
+          </p:childTnLst>
+        </p:cTn>
+      </p:par>
+    </p:tnLst>
+  </p:timing>
+</p:sld>
+</file>
+
+<file path=ppt/slides/slide4.xml><?xml version="1.0" encoding="utf-8"?>
+<p:sld xmlns:a="http://schemas.openxmlformats.org/drawingml/2006/main" xmlns:r="http://schemas.openxmlformats.org/officeDocument/2006/relationships" xmlns:p="http://schemas.openxmlformats.org/presentationml/2006/main">
+  <p:cSld>
+    <p:spTree>
+      <p:nvGrpSpPr>
+        <p:cNvPr id="1" name=""/>
+        <p:cNvGrpSpPr/>
+        <p:nvPr/>
+      </p:nvGrpSpPr>
+      <p:grpSpPr>
+        <a:xfrm>
+          <a:off x="0" y="0"/>
+          <a:ext cx="0" cy="0"/>
+          <a:chOff x="0" y="0"/>
+          <a:chExt cx="0" cy="0"/>
+        </a:xfrm>
+      </p:grpSpPr>
+      <p:sp>
+        <p:nvSpPr>
+          <p:cNvPr id="2" name="Title 1">
+            <a:extLst>
+              <a:ext uri="{FF2B5EF4-FFF2-40B4-BE49-F238E27FC236}">
+                <a16:creationId xmlns:a16="http://schemas.microsoft.com/office/drawing/2014/main" id="{5A5BDE1A-5B7B-4888-B46C-B02853F94093}"/>
+              </a:ext>
+            </a:extLst>
+          </p:cNvPr>
+          <p:cNvSpPr>
+            <a:spLocks noGrp="1"/>
+          </p:cNvSpPr>
+          <p:nvPr>
+            <p:ph type="title"/>
+          </p:nvPr>
+        </p:nvSpPr>
+        <p:spPr>
+          <a:xfrm>
+            <a:off x="782344" y="481818"/>
+            <a:ext cx="5265589" cy="1478570"/>
+          </a:xfrm>
+        </p:spPr>
+        <p:txBody>
+          <a:bodyPr/>
+          <a:lstStyle/>
+          <a:p>
+            <a:endParaRPr lang="en-US" dirty="0">
+              <a:solidFill>
+                <a:schemeClr val="bg2">
+                  <a:lumMod val="50000"/>
+                </a:schemeClr>
+              </a:solidFill>
+            </a:endParaRPr>
+          </a:p>
+        </p:txBody>
+      </p:sp>
+      <p:pic>
+        <p:nvPicPr>
+          <p:cNvPr id="5" name="Content Placeholder 4">
+            <a:extLst>
+              <a:ext uri="{FF2B5EF4-FFF2-40B4-BE49-F238E27FC236}">
+                <a16:creationId xmlns:a16="http://schemas.microsoft.com/office/drawing/2014/main" id="{FE868BC9-F2A4-45AF-85A9-8174AD8910DE}"/>
+              </a:ext>
+            </a:extLst>
+          </p:cNvPr>
+          <p:cNvPicPr>
+            <a:picLocks noGrp="1" noChangeAspect="1"/>
+          </p:cNvPicPr>
+          <p:nvPr>
+            <p:ph idx="1"/>
+          </p:nvPr>
+        </p:nvPicPr>
+        <p:blipFill>
+          <a:blip r:embed="rId2"/>
+          <a:stretch>
+            <a:fillRect/>
+          </a:stretch>
+        </p:blipFill>
+        <p:spPr>
+          <a:xfrm>
+            <a:off x="6385558" y="481818"/>
+            <a:ext cx="4733363" cy="2743200"/>
+          </a:xfrm>
+          <a:prstGeom prst="rect">
+            <a:avLst/>
+          </a:prstGeom>
+        </p:spPr>
+      </p:pic>
+      <p:pic>
+        <p:nvPicPr>
+          <p:cNvPr id="7" name="Picture 6">
+            <a:extLst>
+              <a:ext uri="{FF2B5EF4-FFF2-40B4-BE49-F238E27FC236}">
+                <a16:creationId xmlns:a16="http://schemas.microsoft.com/office/drawing/2014/main" id="{84912B56-3B5A-4376-9CBB-FFD68389A54E}"/>
+              </a:ext>
+            </a:extLst>
+          </p:cNvPr>
+          <p:cNvPicPr>
+            <a:picLocks noChangeAspect="1"/>
+          </p:cNvPicPr>
+          <p:nvPr/>
+        </p:nvPicPr>
+        <p:blipFill>
+          <a:blip r:embed="rId3"/>
+          <a:stretch>
+            <a:fillRect/>
+          </a:stretch>
+        </p:blipFill>
+        <p:spPr>
+          <a:xfrm>
+            <a:off x="6385558" y="3632983"/>
+            <a:ext cx="4733363" cy="2743200"/>
+          </a:xfrm>
+          <a:prstGeom prst="rect">
+            <a:avLst/>
+          </a:prstGeom>
+        </p:spPr>
+      </p:pic>
+      <p:pic>
+        <p:nvPicPr>
+          <p:cNvPr id="9" name="Picture 8">
+            <a:extLst>
+              <a:ext uri="{FF2B5EF4-FFF2-40B4-BE49-F238E27FC236}">
+                <a16:creationId xmlns:a16="http://schemas.microsoft.com/office/drawing/2014/main" id="{287F6797-9FF3-40DB-A39F-5A555862130F}"/>
+              </a:ext>
+            </a:extLst>
+          </p:cNvPr>
+          <p:cNvPicPr>
+            <a:picLocks noChangeAspect="1"/>
+          </p:cNvPicPr>
+          <p:nvPr/>
+        </p:nvPicPr>
+        <p:blipFill>
+          <a:blip r:embed="rId4"/>
+          <a:stretch>
+            <a:fillRect/>
+          </a:stretch>
+        </p:blipFill>
+        <p:spPr>
+          <a:xfrm>
+            <a:off x="142335" y="2157336"/>
+            <a:ext cx="6001734" cy="3930017"/>
+          </a:xfrm>
+          <a:prstGeom prst="rect">
+            <a:avLst/>
+          </a:prstGeom>
+        </p:spPr>
+      </p:pic>
+    </p:spTree>
+    <p:extLst>
+      <p:ext uri="{BB962C8B-B14F-4D97-AF65-F5344CB8AC3E}">
+        <p14:creationId xmlns:p14="http://schemas.microsoft.com/office/powerpoint/2010/main" val="1364476167"/>
+      </p:ext>
+    </p:extLst>
+  </p:cSld>
+  <p:clrMapOvr>
+    <a:masterClrMapping/>
+  </p:clrMapOvr>
+  <p:timing>
+    <p:tnLst>
+      <p:par>
+        <p:cTn id="1" dur="indefinite" restart="never" nodeType="tmRoot">
+          <p:childTnLst>
+            <p:seq concurrent="1" nextAc="seek">
+              <p:cTn id="2" dur="indefinite" nodeType="mainSeq">
+                <p:childTnLst>
+                  <p:par>
+                    <p:cTn id="3" fill="hold">
+                      <p:stCondLst>
+                        <p:cond delay="indefinite"/>
+                      </p:stCondLst>
+                      <p:childTnLst>
+                        <p:par>
+                          <p:cTn id="4" fill="hold">
+                            <p:stCondLst>
+                              <p:cond delay="0"/>
+                            </p:stCondLst>
+                            <p:childTnLst>
+                              <p:par>
+                                <p:cTn id="5" presetID="2" presetClass="entr" presetSubtype="4" fill="hold" nodeType="clickEffect">
+                                  <p:stCondLst>
+                                    <p:cond delay="0"/>
+                                  </p:stCondLst>
+                                  <p:childTnLst>
+                                    <p:set>
+                                      <p:cBhvr>
+                                        <p:cTn id="6" dur="1" fill="hold">
+                                          <p:stCondLst>
+                                            <p:cond delay="0"/>
+                                          </p:stCondLst>
+                                        </p:cTn>
+                                        <p:tgtEl>
+                                          <p:spTgt spid="5"/>
+                                        </p:tgtEl>
+                                        <p:attrNameLst>
+                                          <p:attrName>style.visibility</p:attrName>
+                                        </p:attrNameLst>
+                                      </p:cBhvr>
+                                      <p:to>
+                                        <p:strVal val="visible"/>
+                                      </p:to>
+                                    </p:set>
+                                    <p:anim calcmode="lin" valueType="num">
+                                      <p:cBhvr additive="base">
+                                        <p:cTn id="7" dur="500" fill="hold"/>
+                                        <p:tgtEl>
+                                          <p:spTgt spid="5"/>
+                                        </p:tgtEl>
+                                        <p:attrNameLst>
+                                          <p:attrName>ppt_x</p:attrName>
+                                        </p:attrNameLst>
+                                      </p:cBhvr>
+                                      <p:tavLst>
+                                        <p:tav tm="0">
+                                          <p:val>
+                                            <p:strVal val="#ppt_x"/>
+                                          </p:val>
+                                        </p:tav>
+                                        <p:tav tm="100000">
+                                          <p:val>
+                                            <p:strVal val="#ppt_x"/>
+                                          </p:val>
+                                        </p:tav>
+                                      </p:tavLst>
+                                    </p:anim>
+                                    <p:anim calcmode="lin" valueType="num">
+                                      <p:cBhvr additive="base">
+                                        <p:cTn id="8" dur="500" fill="hold"/>
+                                        <p:tgtEl>
+                                          <p:spTgt spid="5"/>
+                                        </p:tgtEl>
+                                        <p:attrNameLst>
+                                          <p:attrName>ppt_y</p:attrName>
+                                        </p:attrNameLst>
+                                      </p:cBhvr>
+                                      <p:tavLst>
+                                        <p:tav tm="0">
+                                          <p:val>
+                                            <p:strVal val="1+#ppt_h/2"/>
+                                          </p:val>
+                                        </p:tav>
+                                        <p:tav tm="100000">
+                                          <p:val>
+                                            <p:strVal val="#ppt_y"/>
+                                          </p:val>
+                                        </p:tav>
+                                      </p:tavLst>
+                                    </p:anim>
+                                  </p:childTnLst>
+                                </p:cTn>
+                              </p:par>
+                            </p:childTnLst>
+                          </p:cTn>
+                        </p:par>
+                      </p:childTnLst>
+                    </p:cTn>
+                  </p:par>
+                  <p:par>
+                    <p:cTn id="9" fill="hold">
+                      <p:stCondLst>
+                        <p:cond delay="indefinite"/>
+                      </p:stCondLst>
+                      <p:childTnLst>
+                        <p:par>
+                          <p:cTn id="10" fill="hold">
+                            <p:stCondLst>
+                              <p:cond delay="0"/>
+                            </p:stCondLst>
+                            <p:childTnLst>
+                              <p:par>
+                                <p:cTn id="11" presetID="2" presetClass="entr" presetSubtype="4" fill="hold" nodeType="clickEffect">
+                                  <p:stCondLst>
+                                    <p:cond delay="0"/>
+                                  </p:stCondLst>
+                                  <p:childTnLst>
+                                    <p:set>
+                                      <p:cBhvr>
+                                        <p:cTn id="12" dur="1" fill="hold">
+                                          <p:stCondLst>
+                                            <p:cond delay="0"/>
+                                          </p:stCondLst>
+                                        </p:cTn>
+                                        <p:tgtEl>
+                                          <p:spTgt spid="7"/>
+                                        </p:tgtEl>
+                                        <p:attrNameLst>
+                                          <p:attrName>style.visibility</p:attrName>
+                                        </p:attrNameLst>
+                                      </p:cBhvr>
+                                      <p:to>
+                                        <p:strVal val="visible"/>
+                                      </p:to>
+                                    </p:set>
+                                    <p:anim calcmode="lin" valueType="num">
+                                      <p:cBhvr additive="base">
+                                        <p:cTn id="13" dur="500" fill="hold"/>
+                                        <p:tgtEl>
+                                          <p:spTgt spid="7"/>
+                                        </p:tgtEl>
+                                        <p:attrNameLst>
+                                          <p:attrName>ppt_x</p:attrName>
+                                        </p:attrNameLst>
+                                      </p:cBhvr>
+                                      <p:tavLst>
+                                        <p:tav tm="0">
+                                          <p:val>
+                                            <p:strVal val="#ppt_x"/>
+                                          </p:val>
+                                        </p:tav>
+                                        <p:tav tm="100000">
+                                          <p:val>
+                                            <p:strVal val="#ppt_x"/>
+                                          </p:val>
+                                        </p:tav>
+                                      </p:tavLst>
+                                    </p:anim>
+                                    <p:anim calcmode="lin" valueType="num">
+                                      <p:cBhvr additive="base">
+                                        <p:cTn id="14" dur="500" fill="hold"/>
+                                        <p:tgtEl>
+                                          <p:spTgt spid="7"/>
+                                        </p:tgtEl>
+                                        <p:attrNameLst>
+                                          <p:attrName>ppt_y</p:attrName>
+                                        </p:attrNameLst>
+                                      </p:cBhvr>
+                                      <p:tavLst>
+                                        <p:tav tm="0">
+                                          <p:val>
+                                            <p:strVal val="1+#ppt_h/2"/>
+                                          </p:val>
+                                        </p:tav>
+                                        <p:tav tm="100000">
+                                          <p:val>
+                                            <p:strVal val="#ppt_y"/>
+                                          </p:val>
+                                        </p:tav>
+                                      </p:tavLst>
+                                    </p:anim>
+                                  </p:childTnLst>
+                                </p:cTn>
+                              </p:par>
+                            </p:childTnLst>
+                          </p:cTn>
+                        </p:par>
+                      </p:childTnLst>
+                    </p:cTn>
+                  </p:par>
+                  <p:par>
+                    <p:cTn id="15" fill="hold">
+                      <p:stCondLst>
+                        <p:cond delay="indefinite"/>
+                      </p:stCondLst>
+                      <p:childTnLst>
+                        <p:par>
+                          <p:cTn id="16" fill="hold">
+                            <p:stCondLst>
+                              <p:cond delay="0"/>
+                            </p:stCondLst>
+                            <p:childTnLst>
+                              <p:par>
+                                <p:cTn id="17" presetID="2" presetClass="entr" presetSubtype="4" fill="hold" nodeType="clickEffect">
+                                  <p:stCondLst>
+                                    <p:cond delay="0"/>
+                                  </p:stCondLst>
+                                  <p:childTnLst>
+                                    <p:set>
+                                      <p:cBhvr>
+                                        <p:cTn id="18" dur="1" fill="hold">
+                                          <p:stCondLst>
+                                            <p:cond delay="0"/>
+                                          </p:stCondLst>
+                                        </p:cTn>
+                                        <p:tgtEl>
+                                          <p:spTgt spid="9"/>
+                                        </p:tgtEl>
+                                        <p:attrNameLst>
+                                          <p:attrName>style.visibility</p:attrName>
+                                        </p:attrNameLst>
+                                      </p:cBhvr>
+                                      <p:to>
+                                        <p:strVal val="visible"/>
+                                      </p:to>
+                                    </p:set>
+                                    <p:anim calcmode="lin" valueType="num">
+                                      <p:cBhvr additive="base">
+                                        <p:cTn id="19" dur="500" fill="hold"/>
+                                        <p:tgtEl>
+                                          <p:spTgt spid="9"/>
+                                        </p:tgtEl>
+                                        <p:attrNameLst>
+                                          <p:attrName>ppt_x</p:attrName>
+                                        </p:attrNameLst>
+                                      </p:cBhvr>
+                                      <p:tavLst>
+                                        <p:tav tm="0">
+                                          <p:val>
+                                            <p:strVal val="#ppt_x"/>
+                                          </p:val>
+                                        </p:tav>
+                                        <p:tav tm="100000">
+                                          <p:val>
+                                            <p:strVal val="#ppt_x"/>
+                                          </p:val>
+                                        </p:tav>
+                                      </p:tavLst>
+                                    </p:anim>
+                                    <p:anim calcmode="lin" valueType="num">
+                                      <p:cBhvr additive="base">
+                                        <p:cTn id="20" dur="500" fill="hold"/>
+                                        <p:tgtEl>
+                                          <p:spTgt spid="9"/>
+                                        </p:tgtEl>
+                                        <p:attrNameLst>
+                                          <p:attrName>ppt_y</p:attrName>
+                                        </p:attrNameLst>
+                                      </p:cBhvr>
+                                      <p:tavLst>
+                                        <p:tav tm="0">
+                                          <p:val>
+                                            <p:strVal val="1+#ppt_h/2"/>
+                                          </p:val>
+                                        </p:tav>
+                                        <p:tav tm="100000">
+                                          <p:val>
+                                            <p:strVal val="#ppt_y"/>
+                                          </p:val>
+                                        </p:tav>
+                                      </p:tavLst>
+                                    </p:anim>
+                                  </p:childTnLst>
+                                </p:cTn>
+                              </p:par>
+                            </p:childTnLst>
+                          </p:cTn>
+                        </p:par>
+                      </p:childTnLst>
+                    </p:cTn>
+                  </p:par>
+                </p:childTnLst>
+              </p:cTn>
+              <p:prevCondLst>
+                <p:cond evt="onPrev" delay="0">
+                  <p:tgtEl>
+                    <p:sldTgt/>
+                  </p:tgtEl>
+                </p:cond>
+              </p:prevCondLst>
+              <p:nextCondLst>
+                <p:cond evt="onNext" delay="0">
+                  <p:tgtEl>
+                    <p:sldTgt/>
+                  </p:tgtEl>
+                </p:cond>
+              </p:nextCondLst>
+            </p:seq>
+          </p:childTnLst>
+        </p:cTn>
+      </p:par>
+    </p:tnLst>
+  </p:timing>
+</p:sld>
+</file>
+
+<file path=ppt/slides/slide5.xml><?xml version="1.0" encoding="utf-8"?>
+<p:sld xmlns:a="http://schemas.openxmlformats.org/drawingml/2006/main" xmlns:r="http://schemas.openxmlformats.org/officeDocument/2006/relationships" xmlns:p="http://schemas.openxmlformats.org/presentationml/2006/main">
+  <p:cSld>
+    <p:spTree>
+      <p:nvGrpSpPr>
+        <p:cNvPr id="1" name=""/>
+        <p:cNvGrpSpPr/>
+        <p:nvPr/>
+      </p:nvGrpSpPr>
+      <p:grpSpPr>
+        <a:xfrm>
+          <a:off x="0" y="0"/>
+          <a:ext cx="0" cy="0"/>
+          <a:chOff x="0" y="0"/>
+          <a:chExt cx="0" cy="0"/>
+        </a:xfrm>
+      </p:grpSpPr>
       <p:pic>
         <p:nvPicPr>
           <p:cNvPr id="5" name="Content Placeholder 4" descr="A screenshot of a cell phone&#10;&#10;Description automatically generated">
@@ -12600,7 +13987,7 @@
         </p:blipFill>
         <p:spPr>
           <a:xfrm>
-            <a:off x="812064" y="3428998"/>
+            <a:off x="699522" y="3565569"/>
             <a:ext cx="4969758" cy="3089030"/>
           </a:xfrm>
           <a:prstGeom prst="rect">
@@ -12630,7 +14017,7 @@
         </p:blipFill>
         <p:spPr>
           <a:xfrm>
-            <a:off x="812061" y="138915"/>
+            <a:off x="699522" y="203402"/>
             <a:ext cx="4969761" cy="3089029"/>
           </a:xfrm>
           <a:prstGeom prst="rect">
@@ -12648,10 +14035,404 @@
   <p:clrMapOvr>
     <a:masterClrMapping/>
   </p:clrMapOvr>
+  <p:timing>
+    <p:tnLst>
+      <p:par>
+        <p:cTn id="1" dur="indefinite" restart="never" nodeType="tmRoot">
+          <p:childTnLst>
+            <p:seq concurrent="1" nextAc="seek">
+              <p:cTn id="2" dur="indefinite" nodeType="mainSeq">
+                <p:childTnLst>
+                  <p:par>
+                    <p:cTn id="3" fill="hold">
+                      <p:stCondLst>
+                        <p:cond delay="indefinite"/>
+                      </p:stCondLst>
+                      <p:childTnLst>
+                        <p:par>
+                          <p:cTn id="4" fill="hold">
+                            <p:stCondLst>
+                              <p:cond delay="0"/>
+                            </p:stCondLst>
+                            <p:childTnLst>
+                              <p:par>
+                                <p:cTn id="5" presetID="2" presetClass="entr" presetSubtype="4" fill="hold" nodeType="clickEffect">
+                                  <p:stCondLst>
+                                    <p:cond delay="0"/>
+                                  </p:stCondLst>
+                                  <p:childTnLst>
+                                    <p:set>
+                                      <p:cBhvr>
+                                        <p:cTn id="6" dur="1" fill="hold">
+                                          <p:stCondLst>
+                                            <p:cond delay="0"/>
+                                          </p:stCondLst>
+                                        </p:cTn>
+                                        <p:tgtEl>
+                                          <p:spTgt spid="15"/>
+                                        </p:tgtEl>
+                                        <p:attrNameLst>
+                                          <p:attrName>style.visibility</p:attrName>
+                                        </p:attrNameLst>
+                                      </p:cBhvr>
+                                      <p:to>
+                                        <p:strVal val="visible"/>
+                                      </p:to>
+                                    </p:set>
+                                    <p:anim calcmode="lin" valueType="num">
+                                      <p:cBhvr additive="base">
+                                        <p:cTn id="7" dur="500" fill="hold"/>
+                                        <p:tgtEl>
+                                          <p:spTgt spid="15"/>
+                                        </p:tgtEl>
+                                        <p:attrNameLst>
+                                          <p:attrName>ppt_x</p:attrName>
+                                        </p:attrNameLst>
+                                      </p:cBhvr>
+                                      <p:tavLst>
+                                        <p:tav tm="0">
+                                          <p:val>
+                                            <p:strVal val="#ppt_x"/>
+                                          </p:val>
+                                        </p:tav>
+                                        <p:tav tm="100000">
+                                          <p:val>
+                                            <p:strVal val="#ppt_x"/>
+                                          </p:val>
+                                        </p:tav>
+                                      </p:tavLst>
+                                    </p:anim>
+                                    <p:anim calcmode="lin" valueType="num">
+                                      <p:cBhvr additive="base">
+                                        <p:cTn id="8" dur="500" fill="hold"/>
+                                        <p:tgtEl>
+                                          <p:spTgt spid="15"/>
+                                        </p:tgtEl>
+                                        <p:attrNameLst>
+                                          <p:attrName>ppt_y</p:attrName>
+                                        </p:attrNameLst>
+                                      </p:cBhvr>
+                                      <p:tavLst>
+                                        <p:tav tm="0">
+                                          <p:val>
+                                            <p:strVal val="1+#ppt_h/2"/>
+                                          </p:val>
+                                        </p:tav>
+                                        <p:tav tm="100000">
+                                          <p:val>
+                                            <p:strVal val="#ppt_y"/>
+                                          </p:val>
+                                        </p:tav>
+                                      </p:tavLst>
+                                    </p:anim>
+                                  </p:childTnLst>
+                                </p:cTn>
+                              </p:par>
+                            </p:childTnLst>
+                          </p:cTn>
+                        </p:par>
+                      </p:childTnLst>
+                    </p:cTn>
+                  </p:par>
+                  <p:par>
+                    <p:cTn id="9" fill="hold">
+                      <p:stCondLst>
+                        <p:cond delay="indefinite"/>
+                      </p:stCondLst>
+                      <p:childTnLst>
+                        <p:par>
+                          <p:cTn id="10" fill="hold">
+                            <p:stCondLst>
+                              <p:cond delay="0"/>
+                            </p:stCondLst>
+                            <p:childTnLst>
+                              <p:par>
+                                <p:cTn id="11" presetID="2" presetClass="entr" presetSubtype="4" fill="hold" nodeType="clickEffect">
+                                  <p:stCondLst>
+                                    <p:cond delay="0"/>
+                                  </p:stCondLst>
+                                  <p:childTnLst>
+                                    <p:set>
+                                      <p:cBhvr>
+                                        <p:cTn id="12" dur="1" fill="hold">
+                                          <p:stCondLst>
+                                            <p:cond delay="0"/>
+                                          </p:stCondLst>
+                                        </p:cTn>
+                                        <p:tgtEl>
+                                          <p:spTgt spid="5"/>
+                                        </p:tgtEl>
+                                        <p:attrNameLst>
+                                          <p:attrName>style.visibility</p:attrName>
+                                        </p:attrNameLst>
+                                      </p:cBhvr>
+                                      <p:to>
+                                        <p:strVal val="visible"/>
+                                      </p:to>
+                                    </p:set>
+                                    <p:anim calcmode="lin" valueType="num">
+                                      <p:cBhvr additive="base">
+                                        <p:cTn id="13" dur="500" fill="hold"/>
+                                        <p:tgtEl>
+                                          <p:spTgt spid="5"/>
+                                        </p:tgtEl>
+                                        <p:attrNameLst>
+                                          <p:attrName>ppt_x</p:attrName>
+                                        </p:attrNameLst>
+                                      </p:cBhvr>
+                                      <p:tavLst>
+                                        <p:tav tm="0">
+                                          <p:val>
+                                            <p:strVal val="#ppt_x"/>
+                                          </p:val>
+                                        </p:tav>
+                                        <p:tav tm="100000">
+                                          <p:val>
+                                            <p:strVal val="#ppt_x"/>
+                                          </p:val>
+                                        </p:tav>
+                                      </p:tavLst>
+                                    </p:anim>
+                                    <p:anim calcmode="lin" valueType="num">
+                                      <p:cBhvr additive="base">
+                                        <p:cTn id="14" dur="500" fill="hold"/>
+                                        <p:tgtEl>
+                                          <p:spTgt spid="5"/>
+                                        </p:tgtEl>
+                                        <p:attrNameLst>
+                                          <p:attrName>ppt_y</p:attrName>
+                                        </p:attrNameLst>
+                                      </p:cBhvr>
+                                      <p:tavLst>
+                                        <p:tav tm="0">
+                                          <p:val>
+                                            <p:strVal val="1+#ppt_h/2"/>
+                                          </p:val>
+                                        </p:tav>
+                                        <p:tav tm="100000">
+                                          <p:val>
+                                            <p:strVal val="#ppt_y"/>
+                                          </p:val>
+                                        </p:tav>
+                                      </p:tavLst>
+                                    </p:anim>
+                                  </p:childTnLst>
+                                </p:cTn>
+                              </p:par>
+                            </p:childTnLst>
+                          </p:cTn>
+                        </p:par>
+                      </p:childTnLst>
+                    </p:cTn>
+                  </p:par>
+                  <p:par>
+                    <p:cTn id="15" fill="hold">
+                      <p:stCondLst>
+                        <p:cond delay="indefinite"/>
+                      </p:stCondLst>
+                      <p:childTnLst>
+                        <p:par>
+                          <p:cTn id="16" fill="hold">
+                            <p:stCondLst>
+                              <p:cond delay="0"/>
+                            </p:stCondLst>
+                            <p:childTnLst>
+                              <p:par>
+                                <p:cTn id="17" presetID="2" presetClass="entr" presetSubtype="4" fill="hold" nodeType="clickEffect">
+                                  <p:stCondLst>
+                                    <p:cond delay="0"/>
+                                  </p:stCondLst>
+                                  <p:childTnLst>
+                                    <p:set>
+                                      <p:cBhvr>
+                                        <p:cTn id="18" dur="1" fill="hold">
+                                          <p:stCondLst>
+                                            <p:cond delay="0"/>
+                                          </p:stCondLst>
+                                        </p:cTn>
+                                        <p:tgtEl>
+                                          <p:spTgt spid="13"/>
+                                        </p:tgtEl>
+                                        <p:attrNameLst>
+                                          <p:attrName>style.visibility</p:attrName>
+                                        </p:attrNameLst>
+                                      </p:cBhvr>
+                                      <p:to>
+                                        <p:strVal val="visible"/>
+                                      </p:to>
+                                    </p:set>
+                                    <p:anim calcmode="lin" valueType="num">
+                                      <p:cBhvr additive="base">
+                                        <p:cTn id="19" dur="500" fill="hold"/>
+                                        <p:tgtEl>
+                                          <p:spTgt spid="13"/>
+                                        </p:tgtEl>
+                                        <p:attrNameLst>
+                                          <p:attrName>ppt_x</p:attrName>
+                                        </p:attrNameLst>
+                                      </p:cBhvr>
+                                      <p:tavLst>
+                                        <p:tav tm="0">
+                                          <p:val>
+                                            <p:strVal val="#ppt_x"/>
+                                          </p:val>
+                                        </p:tav>
+                                        <p:tav tm="100000">
+                                          <p:val>
+                                            <p:strVal val="#ppt_x"/>
+                                          </p:val>
+                                        </p:tav>
+                                      </p:tavLst>
+                                    </p:anim>
+                                    <p:anim calcmode="lin" valueType="num">
+                                      <p:cBhvr additive="base">
+                                        <p:cTn id="20" dur="500" fill="hold"/>
+                                        <p:tgtEl>
+                                          <p:spTgt spid="13"/>
+                                        </p:tgtEl>
+                                        <p:attrNameLst>
+                                          <p:attrName>ppt_y</p:attrName>
+                                        </p:attrNameLst>
+                                      </p:cBhvr>
+                                      <p:tavLst>
+                                        <p:tav tm="0">
+                                          <p:val>
+                                            <p:strVal val="1+#ppt_h/2"/>
+                                          </p:val>
+                                        </p:tav>
+                                        <p:tav tm="100000">
+                                          <p:val>
+                                            <p:strVal val="#ppt_y"/>
+                                          </p:val>
+                                        </p:tav>
+                                      </p:tavLst>
+                                    </p:anim>
+                                  </p:childTnLst>
+                                </p:cTn>
+                              </p:par>
+                            </p:childTnLst>
+                          </p:cTn>
+                        </p:par>
+                      </p:childTnLst>
+                    </p:cTn>
+                  </p:par>
+                  <p:par>
+                    <p:cTn id="21" fill="hold">
+                      <p:stCondLst>
+                        <p:cond delay="indefinite"/>
+                      </p:stCondLst>
+                      <p:childTnLst>
+                        <p:par>
+                          <p:cTn id="22" fill="hold">
+                            <p:stCondLst>
+                              <p:cond delay="0"/>
+                            </p:stCondLst>
+                            <p:childTnLst>
+                              <p:par>
+                                <p:cTn id="23" presetID="2" presetClass="entr" presetSubtype="4" fill="hold" nodeType="clickEffect">
+                                  <p:stCondLst>
+                                    <p:cond delay="0"/>
+                                  </p:stCondLst>
+                                  <p:childTnLst>
+                                    <p:set>
+                                      <p:cBhvr>
+                                        <p:cTn id="24" dur="1" fill="hold">
+                                          <p:stCondLst>
+                                            <p:cond delay="0"/>
+                                          </p:stCondLst>
+                                        </p:cTn>
+                                        <p:tgtEl>
+                                          <p:spTgt spid="11"/>
+                                        </p:tgtEl>
+                                        <p:attrNameLst>
+                                          <p:attrName>style.visibility</p:attrName>
+                                        </p:attrNameLst>
+                                      </p:cBhvr>
+                                      <p:to>
+                                        <p:strVal val="visible"/>
+                                      </p:to>
+                                    </p:set>
+                                    <p:anim calcmode="lin" valueType="num">
+                                      <p:cBhvr additive="base">
+                                        <p:cTn id="25" dur="500" fill="hold"/>
+                                        <p:tgtEl>
+                                          <p:spTgt spid="11"/>
+                                        </p:tgtEl>
+                                        <p:attrNameLst>
+                                          <p:attrName>ppt_x</p:attrName>
+                                        </p:attrNameLst>
+                                      </p:cBhvr>
+                                      <p:tavLst>
+                                        <p:tav tm="0">
+                                          <p:val>
+                                            <p:strVal val="#ppt_x"/>
+                                          </p:val>
+                                        </p:tav>
+                                        <p:tav tm="100000">
+                                          <p:val>
+                                            <p:strVal val="#ppt_x"/>
+                                          </p:val>
+                                        </p:tav>
+                                      </p:tavLst>
+                                    </p:anim>
+                                    <p:anim calcmode="lin" valueType="num">
+                                      <p:cBhvr additive="base">
+                                        <p:cTn id="26" dur="500" fill="hold"/>
+                                        <p:tgtEl>
+                                          <p:spTgt spid="11"/>
+                                        </p:tgtEl>
+                                        <p:attrNameLst>
+                                          <p:attrName>ppt_y</p:attrName>
+                                        </p:attrNameLst>
+                                      </p:cBhvr>
+                                      <p:tavLst>
+                                        <p:tav tm="0">
+                                          <p:val>
+                                            <p:strVal val="1+#ppt_h/2"/>
+                                          </p:val>
+                                        </p:tav>
+                                        <p:tav tm="100000">
+                                          <p:val>
+                                            <p:strVal val="#ppt_y"/>
+                                          </p:val>
+                                        </p:tav>
+                                      </p:tavLst>
+                                    </p:anim>
+                                  </p:childTnLst>
+                                </p:cTn>
+                              </p:par>
+                            </p:childTnLst>
+                          </p:cTn>
+                        </p:par>
+                      </p:childTnLst>
+                    </p:cTn>
+                  </p:par>
+                </p:childTnLst>
+              </p:cTn>
+              <p:prevCondLst>
+                <p:cond evt="onPrev" delay="0">
+                  <p:tgtEl>
+                    <p:sldTgt/>
+                  </p:tgtEl>
+                </p:cond>
+              </p:prevCondLst>
+              <p:nextCondLst>
+                <p:cond evt="onNext" delay="0">
+                  <p:tgtEl>
+                    <p:sldTgt/>
+                  </p:tgtEl>
+                </p:cond>
+              </p:nextCondLst>
+            </p:seq>
+          </p:childTnLst>
+        </p:cTn>
+      </p:par>
+    </p:tnLst>
+  </p:timing>
 </p:sld>
 </file>
 
-<file path=ppt/slides/slide3.xml><?xml version="1.0" encoding="utf-8"?>
+<file path=ppt/slides/slide6.xml><?xml version="1.0" encoding="utf-8"?>
 <p:sld xmlns:a="http://schemas.openxmlformats.org/drawingml/2006/main" xmlns:r="http://schemas.openxmlformats.org/officeDocument/2006/relationships" xmlns:p="http://schemas.openxmlformats.org/presentationml/2006/main">
   <p:cSld>
     <p:spTree>
@@ -12689,7 +14470,512 @@
           <a:bodyPr/>
           <a:lstStyle/>
           <a:p>
-            <a:endParaRPr lang="en-US"/>
+            <a:pPr algn="ctr"/>
+            <a:r>
+              <a:rPr lang="en-US" dirty="0">
+                <a:solidFill>
+                  <a:schemeClr val="accent5">
+                    <a:lumMod val="50000"/>
+                  </a:schemeClr>
+                </a:solidFill>
+              </a:rPr>
+              <a:t>Percentage of Deaths by Age group vs. </a:t>
+            </a:r>
+            <a:br>
+              <a:rPr lang="en-US" dirty="0">
+                <a:solidFill>
+                  <a:schemeClr val="accent5">
+                    <a:lumMod val="50000"/>
+                  </a:schemeClr>
+                </a:solidFill>
+              </a:rPr>
+            </a:br>
+            <a:r>
+              <a:rPr lang="en-US" dirty="0">
+                <a:solidFill>
+                  <a:schemeClr val="accent5">
+                    <a:lumMod val="50000"/>
+                  </a:schemeClr>
+                </a:solidFill>
+              </a:rPr>
+              <a:t>the General Population</a:t>
+            </a:r>
+          </a:p>
+        </p:txBody>
+      </p:sp>
+      <p:pic>
+        <p:nvPicPr>
+          <p:cNvPr id="4" name="Content Placeholder 10">
+            <a:extLst>
+              <a:ext uri="{FF2B5EF4-FFF2-40B4-BE49-F238E27FC236}">
+                <a16:creationId xmlns:a16="http://schemas.microsoft.com/office/drawing/2014/main" id="{EC9473DF-3858-4F21-84FC-5FC5A6852D18}"/>
+              </a:ext>
+            </a:extLst>
+          </p:cNvPr>
+          <p:cNvPicPr>
+            <a:picLocks noGrp="1" noChangeAspect="1"/>
+          </p:cNvPicPr>
+          <p:nvPr>
+            <p:ph idx="1"/>
+          </p:nvPr>
+        </p:nvPicPr>
+        <p:blipFill>
+          <a:blip r:embed="rId2"/>
+          <a:stretch>
+            <a:fillRect/>
+          </a:stretch>
+        </p:blipFill>
+        <p:spPr>
+          <a:xfrm>
+            <a:off x="873316" y="2097087"/>
+            <a:ext cx="4976786" cy="2663825"/>
+          </a:xfrm>
+        </p:spPr>
+      </p:pic>
+      <p:pic>
+        <p:nvPicPr>
+          <p:cNvPr id="5" name="Picture 4">
+            <a:extLst>
+              <a:ext uri="{FF2B5EF4-FFF2-40B4-BE49-F238E27FC236}">
+                <a16:creationId xmlns:a16="http://schemas.microsoft.com/office/drawing/2014/main" id="{D124CDF8-4DD3-4252-BFE7-B9B702E0771B}"/>
+              </a:ext>
+            </a:extLst>
+          </p:cNvPr>
+          <p:cNvPicPr>
+            <a:picLocks noChangeAspect="1"/>
+          </p:cNvPicPr>
+          <p:nvPr/>
+        </p:nvPicPr>
+        <p:blipFill>
+          <a:blip r:embed="rId3"/>
+          <a:stretch>
+            <a:fillRect/>
+          </a:stretch>
+        </p:blipFill>
+        <p:spPr>
+          <a:xfrm>
+            <a:off x="6315128" y="2095957"/>
+            <a:ext cx="4976786" cy="2663824"/>
+          </a:xfrm>
+          <a:prstGeom prst="rect">
+            <a:avLst/>
+          </a:prstGeom>
+        </p:spPr>
+      </p:pic>
+      <p:sp>
+        <p:nvSpPr>
+          <p:cNvPr id="6" name="TextBox 5">
+            <a:extLst>
+              <a:ext uri="{FF2B5EF4-FFF2-40B4-BE49-F238E27FC236}">
+                <a16:creationId xmlns:a16="http://schemas.microsoft.com/office/drawing/2014/main" id="{6610C02F-41B9-4D32-B785-3201507EA12C}"/>
+              </a:ext>
+            </a:extLst>
+          </p:cNvPr>
+          <p:cNvSpPr txBox="1"/>
+          <p:nvPr/>
+        </p:nvSpPr>
+        <p:spPr>
+          <a:xfrm>
+            <a:off x="3132551" y="4890947"/>
+            <a:ext cx="5923722" cy="1477328"/>
+          </a:xfrm>
+          <a:prstGeom prst="rect">
+            <a:avLst/>
+          </a:prstGeom>
+          <a:noFill/>
+        </p:spPr>
+        <p:txBody>
+          <a:bodyPr wrap="square" rtlCol="0">
+            <a:spAutoFit/>
+          </a:bodyPr>
+          <a:lstStyle/>
+          <a:p>
+            <a:r>
+              <a:rPr lang="en-US" dirty="0">
+                <a:solidFill>
+                  <a:schemeClr val="bg2">
+                    <a:lumMod val="50000"/>
+                  </a:schemeClr>
+                </a:solidFill>
+              </a:rPr>
+              <a:t>This shows that over </a:t>
+            </a:r>
+            <a:r>
+              <a:rPr lang="en-US" b="1" dirty="0">
+                <a:solidFill>
+                  <a:schemeClr val="accent3">
+                    <a:lumMod val="40000"/>
+                    <a:lumOff val="60000"/>
+                  </a:schemeClr>
+                </a:solidFill>
+              </a:rPr>
+              <a:t>59%</a:t>
+            </a:r>
+            <a:r>
+              <a:rPr lang="en-US" dirty="0">
+                <a:solidFill>
+                  <a:schemeClr val="accent3">
+                    <a:lumMod val="40000"/>
+                    <a:lumOff val="60000"/>
+                  </a:schemeClr>
+                </a:solidFill>
+              </a:rPr>
+              <a:t> </a:t>
+            </a:r>
+            <a:r>
+              <a:rPr lang="en-US" dirty="0">
+                <a:solidFill>
+                  <a:schemeClr val="bg2">
+                    <a:lumMod val="50000"/>
+                  </a:schemeClr>
+                </a:solidFill>
+              </a:rPr>
+              <a:t>of all deaths in the United Sates from Covid-19 were people aged 75 or older compared to the general population that represents only 6.4% of the total. Therefore, age plays a big factor in rates of death.</a:t>
+            </a:r>
+          </a:p>
+          <a:p>
+            <a:endParaRPr lang="en-US" dirty="0"/>
+          </a:p>
+        </p:txBody>
+      </p:sp>
+    </p:spTree>
+    <p:extLst>
+      <p:ext uri="{BB962C8B-B14F-4D97-AF65-F5344CB8AC3E}">
+        <p14:creationId xmlns:p14="http://schemas.microsoft.com/office/powerpoint/2010/main" val="3696446417"/>
+      </p:ext>
+    </p:extLst>
+  </p:cSld>
+  <p:clrMapOvr>
+    <a:masterClrMapping/>
+  </p:clrMapOvr>
+</p:sld>
+</file>
+
+<file path=ppt/slides/slide7.xml><?xml version="1.0" encoding="utf-8"?>
+<p:sld xmlns:a="http://schemas.openxmlformats.org/drawingml/2006/main" xmlns:r="http://schemas.openxmlformats.org/officeDocument/2006/relationships" xmlns:p="http://schemas.openxmlformats.org/presentationml/2006/main">
+  <p:cSld>
+    <p:spTree>
+      <p:nvGrpSpPr>
+        <p:cNvPr id="1" name=""/>
+        <p:cNvGrpSpPr/>
+        <p:nvPr/>
+      </p:nvGrpSpPr>
+      <p:grpSpPr>
+        <a:xfrm>
+          <a:off x="0" y="0"/>
+          <a:ext cx="0" cy="0"/>
+          <a:chOff x="0" y="0"/>
+          <a:chExt cx="0" cy="0"/>
+        </a:xfrm>
+      </p:grpSpPr>
+      <p:sp>
+        <p:nvSpPr>
+          <p:cNvPr id="2" name="Title 1">
+            <a:extLst>
+              <a:ext uri="{FF2B5EF4-FFF2-40B4-BE49-F238E27FC236}">
+                <a16:creationId xmlns:a16="http://schemas.microsoft.com/office/drawing/2014/main" id="{5E23501D-86E7-4B85-B473-F7A9604B3939}"/>
+              </a:ext>
+            </a:extLst>
+          </p:cNvPr>
+          <p:cNvSpPr>
+            <a:spLocks noGrp="1"/>
+          </p:cNvSpPr>
+          <p:nvPr>
+            <p:ph type="title"/>
+          </p:nvPr>
+        </p:nvSpPr>
+        <p:spPr/>
+        <p:txBody>
+          <a:bodyPr/>
+          <a:lstStyle/>
+          <a:p>
+            <a:pPr algn="ctr"/>
+            <a:r>
+              <a:rPr lang="en-US" dirty="0">
+                <a:solidFill>
+                  <a:schemeClr val="bg2">
+                    <a:lumMod val="50000"/>
+                  </a:schemeClr>
+                </a:solidFill>
+              </a:rPr>
+              <a:t>Percentage of Deaths by Age Group:</a:t>
+            </a:r>
+            <a:br>
+              <a:rPr lang="en-US" dirty="0">
+                <a:solidFill>
+                  <a:schemeClr val="bg2">
+                    <a:lumMod val="50000"/>
+                  </a:schemeClr>
+                </a:solidFill>
+              </a:rPr>
+            </a:br>
+            <a:r>
+              <a:rPr lang="en-US" dirty="0">
+                <a:solidFill>
+                  <a:schemeClr val="bg2">
+                    <a:lumMod val="50000"/>
+                  </a:schemeClr>
+                </a:solidFill>
+              </a:rPr>
+              <a:t> Five Highest States</a:t>
+            </a:r>
+          </a:p>
+        </p:txBody>
+      </p:sp>
+      <p:pic>
+        <p:nvPicPr>
+          <p:cNvPr id="4" name="Content Placeholder 4">
+            <a:extLst>
+              <a:ext uri="{FF2B5EF4-FFF2-40B4-BE49-F238E27FC236}">
+                <a16:creationId xmlns:a16="http://schemas.microsoft.com/office/drawing/2014/main" id="{74730F1E-A2E4-4389-BA28-9407D6F6E967}"/>
+              </a:ext>
+            </a:extLst>
+          </p:cNvPr>
+          <p:cNvPicPr>
+            <a:picLocks noChangeAspect="1"/>
+          </p:cNvPicPr>
+          <p:nvPr/>
+        </p:nvPicPr>
+        <p:blipFill>
+          <a:blip r:embed="rId2"/>
+          <a:stretch>
+            <a:fillRect/>
+          </a:stretch>
+        </p:blipFill>
+        <p:spPr>
+          <a:xfrm>
+            <a:off x="861634" y="1877952"/>
+            <a:ext cx="3193800" cy="1716229"/>
+          </a:xfrm>
+          <a:prstGeom prst="rect">
+            <a:avLst/>
+          </a:prstGeom>
+        </p:spPr>
+      </p:pic>
+      <p:pic>
+        <p:nvPicPr>
+          <p:cNvPr id="5" name="Picture 4">
+            <a:extLst>
+              <a:ext uri="{FF2B5EF4-FFF2-40B4-BE49-F238E27FC236}">
+                <a16:creationId xmlns:a16="http://schemas.microsoft.com/office/drawing/2014/main" id="{AAEFAE58-EE53-4EF4-9221-B5D94EFBA560}"/>
+              </a:ext>
+            </a:extLst>
+          </p:cNvPr>
+          <p:cNvPicPr>
+            <a:picLocks noChangeAspect="1"/>
+          </p:cNvPicPr>
+          <p:nvPr/>
+        </p:nvPicPr>
+        <p:blipFill>
+          <a:blip r:embed="rId3"/>
+          <a:stretch>
+            <a:fillRect/>
+          </a:stretch>
+        </p:blipFill>
+        <p:spPr>
+          <a:xfrm>
+            <a:off x="4163460" y="1869501"/>
+            <a:ext cx="3193800" cy="1740632"/>
+          </a:xfrm>
+          <a:prstGeom prst="rect">
+            <a:avLst/>
+          </a:prstGeom>
+        </p:spPr>
+      </p:pic>
+      <p:pic>
+        <p:nvPicPr>
+          <p:cNvPr id="6" name="Picture 5">
+            <a:extLst>
+              <a:ext uri="{FF2B5EF4-FFF2-40B4-BE49-F238E27FC236}">
+                <a16:creationId xmlns:a16="http://schemas.microsoft.com/office/drawing/2014/main" id="{C6563420-AF37-4553-B8BA-3ABA5DDF8BA9}"/>
+              </a:ext>
+            </a:extLst>
+          </p:cNvPr>
+          <p:cNvPicPr>
+            <a:picLocks noChangeAspect="1"/>
+          </p:cNvPicPr>
+          <p:nvPr/>
+        </p:nvPicPr>
+        <p:blipFill>
+          <a:blip r:embed="rId4"/>
+          <a:stretch>
+            <a:fillRect/>
+          </a:stretch>
+        </p:blipFill>
+        <p:spPr>
+          <a:xfrm>
+            <a:off x="7465286" y="1850976"/>
+            <a:ext cx="3193800" cy="1743205"/>
+          </a:xfrm>
+          <a:prstGeom prst="rect">
+            <a:avLst/>
+          </a:prstGeom>
+        </p:spPr>
+      </p:pic>
+      <p:pic>
+        <p:nvPicPr>
+          <p:cNvPr id="7" name="Picture 6">
+            <a:extLst>
+              <a:ext uri="{FF2B5EF4-FFF2-40B4-BE49-F238E27FC236}">
+                <a16:creationId xmlns:a16="http://schemas.microsoft.com/office/drawing/2014/main" id="{B4FED841-C786-44EC-A8CD-CA211901B7A3}"/>
+              </a:ext>
+            </a:extLst>
+          </p:cNvPr>
+          <p:cNvPicPr>
+            <a:picLocks noChangeAspect="1"/>
+          </p:cNvPicPr>
+          <p:nvPr/>
+        </p:nvPicPr>
+        <p:blipFill>
+          <a:blip r:embed="rId5"/>
+          <a:stretch>
+            <a:fillRect/>
+          </a:stretch>
+        </p:blipFill>
+        <p:spPr>
+          <a:xfrm>
+            <a:off x="2701986" y="3762532"/>
+            <a:ext cx="3193800" cy="1767649"/>
+          </a:xfrm>
+          <a:prstGeom prst="rect">
+            <a:avLst/>
+          </a:prstGeom>
+        </p:spPr>
+      </p:pic>
+      <p:pic>
+        <p:nvPicPr>
+          <p:cNvPr id="8" name="Picture 7">
+            <a:extLst>
+              <a:ext uri="{FF2B5EF4-FFF2-40B4-BE49-F238E27FC236}">
+                <a16:creationId xmlns:a16="http://schemas.microsoft.com/office/drawing/2014/main" id="{944306F9-3843-466C-8965-187546AE1DD7}"/>
+              </a:ext>
+            </a:extLst>
+          </p:cNvPr>
+          <p:cNvPicPr>
+            <a:picLocks noChangeAspect="1"/>
+          </p:cNvPicPr>
+          <p:nvPr/>
+        </p:nvPicPr>
+        <p:blipFill>
+          <a:blip r:embed="rId6"/>
+          <a:stretch>
+            <a:fillRect/>
+          </a:stretch>
+        </p:blipFill>
+        <p:spPr>
+          <a:xfrm>
+            <a:off x="6035675" y="3762532"/>
+            <a:ext cx="3193800" cy="1767649"/>
+          </a:xfrm>
+          <a:prstGeom prst="rect">
+            <a:avLst/>
+          </a:prstGeom>
+        </p:spPr>
+      </p:pic>
+      <p:sp>
+        <p:nvSpPr>
+          <p:cNvPr id="9" name="TextBox 8">
+            <a:extLst>
+              <a:ext uri="{FF2B5EF4-FFF2-40B4-BE49-F238E27FC236}">
+                <a16:creationId xmlns:a16="http://schemas.microsoft.com/office/drawing/2014/main" id="{7CA8E78F-66A9-4F9D-8409-872B1DE39D6E}"/>
+              </a:ext>
+            </a:extLst>
+          </p:cNvPr>
+          <p:cNvSpPr txBox="1"/>
+          <p:nvPr/>
+        </p:nvSpPr>
+        <p:spPr>
+          <a:xfrm>
+            <a:off x="2701986" y="5698532"/>
+            <a:ext cx="6381837" cy="369332"/>
+          </a:xfrm>
+          <a:prstGeom prst="rect">
+            <a:avLst/>
+          </a:prstGeom>
+          <a:noFill/>
+        </p:spPr>
+        <p:txBody>
+          <a:bodyPr wrap="square" rtlCol="0">
+            <a:spAutoFit/>
+          </a:bodyPr>
+          <a:lstStyle/>
+          <a:p>
+            <a:r>
+              <a:rPr lang="en-US" dirty="0">
+                <a:solidFill>
+                  <a:schemeClr val="bg2">
+                    <a:lumMod val="20000"/>
+                    <a:lumOff val="80000"/>
+                  </a:schemeClr>
+                </a:solidFill>
+              </a:rPr>
+              <a:t>We see that the trend is consistent. Death rates increase with age.</a:t>
+            </a:r>
+          </a:p>
+        </p:txBody>
+      </p:sp>
+    </p:spTree>
+    <p:extLst>
+      <p:ext uri="{BB962C8B-B14F-4D97-AF65-F5344CB8AC3E}">
+        <p14:creationId xmlns:p14="http://schemas.microsoft.com/office/powerpoint/2010/main" val="2919724070"/>
+      </p:ext>
+    </p:extLst>
+  </p:cSld>
+  <p:clrMapOvr>
+    <a:masterClrMapping/>
+  </p:clrMapOvr>
+</p:sld>
+</file>
+
+<file path=ppt/slides/slide8.xml><?xml version="1.0" encoding="utf-8"?>
+<p:sld xmlns:a="http://schemas.openxmlformats.org/drawingml/2006/main" xmlns:r="http://schemas.openxmlformats.org/officeDocument/2006/relationships" xmlns:p="http://schemas.openxmlformats.org/presentationml/2006/main">
+  <p:cSld>
+    <p:spTree>
+      <p:nvGrpSpPr>
+        <p:cNvPr id="1" name=""/>
+        <p:cNvGrpSpPr/>
+        <p:nvPr/>
+      </p:nvGrpSpPr>
+      <p:grpSpPr>
+        <a:xfrm>
+          <a:off x="0" y="0"/>
+          <a:ext cx="0" cy="0"/>
+          <a:chOff x="0" y="0"/>
+          <a:chExt cx="0" cy="0"/>
+        </a:xfrm>
+      </p:grpSpPr>
+      <p:sp>
+        <p:nvSpPr>
+          <p:cNvPr id="2" name="Title 1">
+            <a:extLst>
+              <a:ext uri="{FF2B5EF4-FFF2-40B4-BE49-F238E27FC236}">
+                <a16:creationId xmlns:a16="http://schemas.microsoft.com/office/drawing/2014/main" id="{67D053DA-79BB-4CE0-9AF2-AB6FB4752C60}"/>
+              </a:ext>
+            </a:extLst>
+          </p:cNvPr>
+          <p:cNvSpPr>
+            <a:spLocks noGrp="1"/>
+          </p:cNvSpPr>
+          <p:nvPr>
+            <p:ph type="title"/>
+          </p:nvPr>
+        </p:nvSpPr>
+        <p:spPr/>
+        <p:txBody>
+          <a:bodyPr/>
+          <a:lstStyle/>
+          <a:p>
+            <a:pPr algn="ctr"/>
+            <a:r>
+              <a:rPr lang="en-US" dirty="0">
+                <a:solidFill>
+                  <a:schemeClr val="bg2">
+                    <a:lumMod val="50000"/>
+                  </a:schemeClr>
+                </a:solidFill>
+              </a:rPr>
+              <a:t>Data Sources</a:t>
+            </a:r>
           </a:p>
         </p:txBody>
       </p:sp>
@@ -12698,7 +14984,7 @@
           <p:cNvPr id="3" name="Content Placeholder 2">
             <a:extLst>
               <a:ext uri="{FF2B5EF4-FFF2-40B4-BE49-F238E27FC236}">
-                <a16:creationId xmlns:a16="http://schemas.microsoft.com/office/drawing/2014/main" id="{55B43595-1EBB-4DA7-ADBC-269AEB9241E4}"/>
+                <a16:creationId xmlns:a16="http://schemas.microsoft.com/office/drawing/2014/main" id="{29DF8514-04F9-48A7-8EFC-A3A75C3A796A}"/>
               </a:ext>
             </a:extLst>
           </p:cNvPr>
@@ -12711,17 +14997,253 @@
         </p:nvSpPr>
         <p:spPr/>
         <p:txBody>
-          <a:bodyPr/>
+          <a:bodyPr>
+            <a:normAutofit fontScale="92500" lnSpcReduction="20000"/>
+          </a:bodyPr>
           <a:lstStyle/>
           <a:p>
-            <a:endParaRPr lang="en-US"/>
+            <a:r>
+              <a:rPr lang="en-US" dirty="0">
+                <a:solidFill>
+                  <a:schemeClr val="tx2">
+                    <a:lumMod val="75000"/>
+                  </a:schemeClr>
+                </a:solidFill>
+                <a:hlinkClick r:id="rId2">
+                  <a:extLst>
+                    <a:ext uri="{A12FA001-AC4F-418D-AE19-62706E023703}">
+                      <ahyp:hlinkClr xmlns:ahyp="http://schemas.microsoft.com/office/drawing/2018/hyperlinkcolor" val="tx"/>
+                    </a:ext>
+                  </a:extLst>
+                </a:hlinkClick>
+              </a:rPr>
+              <a:t>www.census.gov</a:t>
+            </a:r>
+            <a:r>
+              <a:rPr lang="en-US" dirty="0">
+                <a:solidFill>
+                  <a:schemeClr val="tx2">
+                    <a:lumMod val="75000"/>
+                  </a:schemeClr>
+                </a:solidFill>
+              </a:rPr>
+              <a:t> </a:t>
+            </a:r>
+            <a:r>
+              <a:rPr lang="en-US" dirty="0">
+                <a:solidFill>
+                  <a:schemeClr val="bg2">
+                    <a:lumMod val="50000"/>
+                  </a:schemeClr>
+                </a:solidFill>
+              </a:rPr>
+              <a:t>(U.S. Census Bureau)</a:t>
+            </a:r>
+          </a:p>
+          <a:p>
+            <a:r>
+              <a:rPr lang="en-US" dirty="0">
+                <a:solidFill>
+                  <a:schemeClr val="tx2">
+                    <a:lumMod val="75000"/>
+                  </a:schemeClr>
+                </a:solidFill>
+                <a:hlinkClick r:id="rId3">
+                  <a:extLst>
+                    <a:ext uri="{A12FA001-AC4F-418D-AE19-62706E023703}">
+                      <ahyp:hlinkClr xmlns:ahyp="http://schemas.microsoft.com/office/drawing/2018/hyperlinkcolor" val="tx"/>
+                    </a:ext>
+                  </a:extLst>
+                </a:hlinkClick>
+              </a:rPr>
+              <a:t>https://data.cdc.gov/NCHS/</a:t>
+            </a:r>
+            <a:r>
+              <a:rPr lang="en-US" dirty="0">
+                <a:solidFill>
+                  <a:schemeClr val="tx2">
+                    <a:lumMod val="75000"/>
+                  </a:schemeClr>
+                </a:solidFill>
+              </a:rPr>
+              <a:t> </a:t>
+            </a:r>
+            <a:r>
+              <a:rPr lang="en-US" dirty="0">
+                <a:solidFill>
+                  <a:schemeClr val="bg2">
+                    <a:lumMod val="50000"/>
+                  </a:schemeClr>
+                </a:solidFill>
+              </a:rPr>
+              <a:t>(Center for Disease Control and Prevention)</a:t>
+            </a:r>
+          </a:p>
+          <a:p>
+            <a:r>
+              <a:rPr lang="en-US" dirty="0">
+                <a:solidFill>
+                  <a:schemeClr val="tx2">
+                    <a:lumMod val="75000"/>
+                  </a:schemeClr>
+                </a:solidFill>
+                <a:hlinkClick r:id="rId4">
+                  <a:extLst>
+                    <a:ext uri="{A12FA001-AC4F-418D-AE19-62706E023703}">
+                      <ahyp:hlinkClr xmlns:ahyp="http://schemas.microsoft.com/office/drawing/2018/hyperlinkcolor" val="tx"/>
+                    </a:ext>
+                  </a:extLst>
+                </a:hlinkClick>
+              </a:rPr>
+              <a:t>https://pypi.org/project/uszipcode/</a:t>
+            </a:r>
+            <a:r>
+              <a:rPr lang="en-US" dirty="0">
+                <a:solidFill>
+                  <a:schemeClr val="tx2">
+                    <a:lumMod val="75000"/>
+                  </a:schemeClr>
+                </a:solidFill>
+              </a:rPr>
+              <a:t> </a:t>
+            </a:r>
+            <a:r>
+              <a:rPr lang="en-US" dirty="0">
+                <a:solidFill>
+                  <a:schemeClr val="bg2">
+                    <a:lumMod val="50000"/>
+                  </a:schemeClr>
+                </a:solidFill>
+              </a:rPr>
+              <a:t> (Used to convert Zip Codes from Census to County and State)  </a:t>
+            </a:r>
+          </a:p>
+          <a:p>
+            <a:r>
+              <a:rPr lang="en-US" dirty="0">
+                <a:solidFill>
+                  <a:schemeClr val="tx2">
+                    <a:lumMod val="75000"/>
+                  </a:schemeClr>
+                </a:solidFill>
+                <a:hlinkClick r:id="rId5">
+                  <a:extLst>
+                    <a:ext uri="{A12FA001-AC4F-418D-AE19-62706E023703}">
+                      <ahyp:hlinkClr xmlns:ahyp="http://schemas.microsoft.com/office/drawing/2018/hyperlinkcolor" val="tx"/>
+                    </a:ext>
+                  </a:extLst>
+                </a:hlinkClick>
+              </a:rPr>
+              <a:t>https://pypi.org/project/us/</a:t>
+            </a:r>
+            <a:r>
+              <a:rPr lang="en-US" dirty="0">
+                <a:solidFill>
+                  <a:schemeClr val="tx2">
+                    <a:lumMod val="75000"/>
+                  </a:schemeClr>
+                </a:solidFill>
+              </a:rPr>
+              <a:t> </a:t>
+            </a:r>
+            <a:r>
+              <a:rPr lang="en-US" dirty="0">
+                <a:solidFill>
+                  <a:schemeClr val="bg2">
+                    <a:lumMod val="50000"/>
+                  </a:schemeClr>
+                </a:solidFill>
+              </a:rPr>
+              <a:t>(Used to clean up junk state data from cases on cruise ships)</a:t>
+            </a:r>
+          </a:p>
+          <a:p>
+            <a:r>
+              <a:rPr lang="en-US" dirty="0">
+                <a:solidFill>
+                  <a:schemeClr val="tx2">
+                    <a:lumMod val="75000"/>
+                  </a:schemeClr>
+                </a:solidFill>
+                <a:hlinkClick r:id="rId6">
+                  <a:extLst>
+                    <a:ext uri="{A12FA001-AC4F-418D-AE19-62706E023703}">
+                      <ahyp:hlinkClr xmlns:ahyp="http://schemas.microsoft.com/office/drawing/2018/hyperlinkcolor" val="tx"/>
+                    </a:ext>
+                  </a:extLst>
+                </a:hlinkClick>
+              </a:rPr>
+              <a:t>https://covid-api.com</a:t>
+            </a:r>
+            <a:r>
+              <a:rPr lang="en-US" dirty="0">
+                <a:solidFill>
+                  <a:schemeClr val="tx2">
+                    <a:lumMod val="75000"/>
+                  </a:schemeClr>
+                </a:solidFill>
+              </a:rPr>
+              <a:t> </a:t>
+            </a:r>
+            <a:r>
+              <a:rPr lang="en-US" dirty="0">
+                <a:solidFill>
+                  <a:schemeClr val="bg2">
+                    <a:lumMod val="50000"/>
+                  </a:schemeClr>
+                </a:solidFill>
+              </a:rPr>
+              <a:t>&amp; </a:t>
+            </a:r>
+            <a:r>
+              <a:rPr lang="en-US" dirty="0">
+                <a:solidFill>
+                  <a:schemeClr val="tx2">
+                    <a:lumMod val="75000"/>
+                  </a:schemeClr>
+                </a:solidFill>
+                <a:hlinkClick r:id="rId7">
+                  <a:extLst>
+                    <a:ext uri="{A12FA001-AC4F-418D-AE19-62706E023703}">
+                      <ahyp:hlinkClr xmlns:ahyp="http://schemas.microsoft.com/office/drawing/2018/hyperlinkcolor" val="tx"/>
+                    </a:ext>
+                  </a:extLst>
+                </a:hlinkClick>
+              </a:rPr>
+              <a:t>https://rapidapi.com/search/covid</a:t>
+            </a:r>
+            <a:endParaRPr lang="en-US" dirty="0">
+              <a:solidFill>
+                <a:schemeClr val="tx2">
+                  <a:lumMod val="75000"/>
+                </a:schemeClr>
+              </a:solidFill>
+            </a:endParaRPr>
+          </a:p>
+          <a:p>
+            <a:pPr marL="0" indent="0">
+              <a:buNone/>
+            </a:pPr>
+            <a:r>
+              <a:rPr lang="en-US" dirty="0">
+                <a:solidFill>
+                  <a:schemeClr val="bg2">
+                    <a:lumMod val="50000"/>
+                  </a:schemeClr>
+                </a:solidFill>
+              </a:rPr>
+              <a:t>   (Based on public data by Johns Hopkins CSSE)</a:t>
+            </a:r>
+          </a:p>
+          <a:p>
+            <a:endParaRPr lang="en-US" dirty="0"/>
           </a:p>
         </p:txBody>
       </p:sp>
     </p:spTree>
     <p:extLst>
       <p:ext uri="{BB962C8B-B14F-4D97-AF65-F5344CB8AC3E}">
-        <p14:creationId xmlns:p14="http://schemas.microsoft.com/office/powerpoint/2010/main" val="3696446417"/>
+        <p14:creationId xmlns:p14="http://schemas.microsoft.com/office/powerpoint/2010/main" val="3684321604"/>
       </p:ext>
     </p:extLst>
   </p:cSld>
@@ -12980,4 +15502,299 @@
     </a:ext>
   </a:extLst>
 </a:theme>
+</file>
+
+<file path=ppt/theme/theme2.xml><?xml version="1.0" encoding="utf-8"?>
+<a:theme xmlns:a="http://schemas.openxmlformats.org/drawingml/2006/main" name="Office Theme">
+  <a:themeElements>
+    <a:clrScheme name="Office">
+      <a:dk1>
+        <a:sysClr val="windowText" lastClr="000000"/>
+      </a:dk1>
+      <a:lt1>
+        <a:sysClr val="window" lastClr="FFFFFF"/>
+      </a:lt1>
+      <a:dk2>
+        <a:srgbClr val="44546A"/>
+      </a:dk2>
+      <a:lt2>
+        <a:srgbClr val="E7E6E6"/>
+      </a:lt2>
+      <a:accent1>
+        <a:srgbClr val="4472C4"/>
+      </a:accent1>
+      <a:accent2>
+        <a:srgbClr val="ED7D31"/>
+      </a:accent2>
+      <a:accent3>
+        <a:srgbClr val="A5A5A5"/>
+      </a:accent3>
+      <a:accent4>
+        <a:srgbClr val="FFC000"/>
+      </a:accent4>
+      <a:accent5>
+        <a:srgbClr val="5B9BD5"/>
+      </a:accent5>
+      <a:accent6>
+        <a:srgbClr val="70AD47"/>
+      </a:accent6>
+      <a:hlink>
+        <a:srgbClr val="0563C1"/>
+      </a:hlink>
+      <a:folHlink>
+        <a:srgbClr val="954F72"/>
+      </a:folHlink>
+    </a:clrScheme>
+    <a:fontScheme name="Office">
+      <a:majorFont>
+        <a:latin typeface="Calibri Light" panose="020F0302020204030204"/>
+        <a:ea typeface=""/>
+        <a:cs typeface=""/>
+        <a:font script="Jpan" typeface="游ゴシック Light"/>
+        <a:font script="Hang" typeface="맑은 고딕"/>
+        <a:font script="Hans" typeface="等线 Light"/>
+        <a:font script="Hant" typeface="新細明體"/>
+        <a:font script="Arab" typeface="Times New Roman"/>
+        <a:font script="Hebr" typeface="Times New Roman"/>
+        <a:font script="Thai" typeface="Angsana New"/>
+        <a:font script="Ethi" typeface="Nyala"/>
+        <a:font script="Beng" typeface="Vrinda"/>
+        <a:font script="Gujr" typeface="Shruti"/>
+        <a:font script="Khmr" typeface="MoolBoran"/>
+        <a:font script="Knda" typeface="Tunga"/>
+        <a:font script="Guru" typeface="Raavi"/>
+        <a:font script="Cans" typeface="Euphemia"/>
+        <a:font script="Cher" typeface="Plantagenet Cherokee"/>
+        <a:font script="Yiii" typeface="Microsoft Yi Baiti"/>
+        <a:font script="Tibt" typeface="Microsoft Himalaya"/>
+        <a:font script="Thaa" typeface="MV Boli"/>
+        <a:font script="Deva" typeface="Mangal"/>
+        <a:font script="Telu" typeface="Gautami"/>
+        <a:font script="Taml" typeface="Latha"/>
+        <a:font script="Syrc" typeface="Estrangelo Edessa"/>
+        <a:font script="Orya" typeface="Kalinga"/>
+        <a:font script="Mlym" typeface="Kartika"/>
+        <a:font script="Laoo" typeface="DokChampa"/>
+        <a:font script="Sinh" typeface="Iskoola Pota"/>
+        <a:font script="Mong" typeface="Mongolian Baiti"/>
+        <a:font script="Viet" typeface="Times New Roman"/>
+        <a:font script="Uigh" typeface="Microsoft Uighur"/>
+        <a:font script="Geor" typeface="Sylfaen"/>
+        <a:font script="Armn" typeface="Arial"/>
+        <a:font script="Bugi" typeface="Leelawadee UI"/>
+        <a:font script="Bopo" typeface="Microsoft JhengHei"/>
+        <a:font script="Java" typeface="Javanese Text"/>
+        <a:font script="Lisu" typeface="Segoe UI"/>
+        <a:font script="Mymr" typeface="Myanmar Text"/>
+        <a:font script="Nkoo" typeface="Ebrima"/>
+        <a:font script="Olck" typeface="Nirmala UI"/>
+        <a:font script="Osma" typeface="Ebrima"/>
+        <a:font script="Phag" typeface="Phagspa"/>
+        <a:font script="Syrn" typeface="Estrangelo Edessa"/>
+        <a:font script="Syrj" typeface="Estrangelo Edessa"/>
+        <a:font script="Syre" typeface="Estrangelo Edessa"/>
+        <a:font script="Sora" typeface="Nirmala UI"/>
+        <a:font script="Tale" typeface="Microsoft Tai Le"/>
+        <a:font script="Talu" typeface="Microsoft New Tai Lue"/>
+        <a:font script="Tfng" typeface="Ebrima"/>
+      </a:majorFont>
+      <a:minorFont>
+        <a:latin typeface="Calibri" panose="020F0502020204030204"/>
+        <a:ea typeface=""/>
+        <a:cs typeface=""/>
+        <a:font script="Jpan" typeface="游ゴシック"/>
+        <a:font script="Hang" typeface="맑은 고딕"/>
+        <a:font script="Hans" typeface="等线"/>
+        <a:font script="Hant" typeface="新細明體"/>
+        <a:font script="Arab" typeface="Arial"/>
+        <a:font script="Hebr" typeface="Arial"/>
+        <a:font script="Thai" typeface="Cordia New"/>
+        <a:font script="Ethi" typeface="Nyala"/>
+        <a:font script="Beng" typeface="Vrinda"/>
+        <a:font script="Gujr" typeface="Shruti"/>
+        <a:font script="Khmr" typeface="DaunPenh"/>
+        <a:font script="Knda" typeface="Tunga"/>
+        <a:font script="Guru" typeface="Raavi"/>
+        <a:font script="Cans" typeface="Euphemia"/>
+        <a:font script="Cher" typeface="Plantagenet Cherokee"/>
+        <a:font script="Yiii" typeface="Microsoft Yi Baiti"/>
+        <a:font script="Tibt" typeface="Microsoft Himalaya"/>
+        <a:font script="Thaa" typeface="MV Boli"/>
+        <a:font script="Deva" typeface="Mangal"/>
+        <a:font script="Telu" typeface="Gautami"/>
+        <a:font script="Taml" typeface="Latha"/>
+        <a:font script="Syrc" typeface="Estrangelo Edessa"/>
+        <a:font script="Orya" typeface="Kalinga"/>
+        <a:font script="Mlym" typeface="Kartika"/>
+        <a:font script="Laoo" typeface="DokChampa"/>
+        <a:font script="Sinh" typeface="Iskoola Pota"/>
+        <a:font script="Mong" typeface="Mongolian Baiti"/>
+        <a:font script="Viet" typeface="Arial"/>
+        <a:font script="Uigh" typeface="Microsoft Uighur"/>
+        <a:font script="Geor" typeface="Sylfaen"/>
+        <a:font script="Armn" typeface="Arial"/>
+        <a:font script="Bugi" typeface="Leelawadee UI"/>
+        <a:font script="Bopo" typeface="Microsoft JhengHei"/>
+        <a:font script="Java" typeface="Javanese Text"/>
+        <a:font script="Lisu" typeface="Segoe UI"/>
+        <a:font script="Mymr" typeface="Myanmar Text"/>
+        <a:font script="Nkoo" typeface="Ebrima"/>
+        <a:font script="Olck" typeface="Nirmala UI"/>
+        <a:font script="Osma" typeface="Ebrima"/>
+        <a:font script="Phag" typeface="Phagspa"/>
+        <a:font script="Syrn" typeface="Estrangelo Edessa"/>
+        <a:font script="Syrj" typeface="Estrangelo Edessa"/>
+        <a:font script="Syre" typeface="Estrangelo Edessa"/>
+        <a:font script="Sora" typeface="Nirmala UI"/>
+        <a:font script="Tale" typeface="Microsoft Tai Le"/>
+        <a:font script="Talu" typeface="Microsoft New Tai Lue"/>
+        <a:font script="Tfng" typeface="Ebrima"/>
+      </a:minorFont>
+    </a:fontScheme>
+    <a:fmtScheme name="Office">
+      <a:fillStyleLst>
+        <a:solidFill>
+          <a:schemeClr val="phClr"/>
+        </a:solidFill>
+        <a:gradFill rotWithShape="1">
+          <a:gsLst>
+            <a:gs pos="0">
+              <a:schemeClr val="phClr">
+                <a:lumMod val="110000"/>
+                <a:satMod val="105000"/>
+                <a:tint val="67000"/>
+              </a:schemeClr>
+            </a:gs>
+            <a:gs pos="50000">
+              <a:schemeClr val="phClr">
+                <a:lumMod val="105000"/>
+                <a:satMod val="103000"/>
+                <a:tint val="73000"/>
+              </a:schemeClr>
+            </a:gs>
+            <a:gs pos="100000">
+              <a:schemeClr val="phClr">
+                <a:lumMod val="105000"/>
+                <a:satMod val="109000"/>
+                <a:tint val="81000"/>
+              </a:schemeClr>
+            </a:gs>
+          </a:gsLst>
+          <a:lin ang="5400000" scaled="0"/>
+        </a:gradFill>
+        <a:gradFill rotWithShape="1">
+          <a:gsLst>
+            <a:gs pos="0">
+              <a:schemeClr val="phClr">
+                <a:satMod val="103000"/>
+                <a:lumMod val="102000"/>
+                <a:tint val="94000"/>
+              </a:schemeClr>
+            </a:gs>
+            <a:gs pos="50000">
+              <a:schemeClr val="phClr">
+                <a:satMod val="110000"/>
+                <a:lumMod val="100000"/>
+                <a:shade val="100000"/>
+              </a:schemeClr>
+            </a:gs>
+            <a:gs pos="100000">
+              <a:schemeClr val="phClr">
+                <a:lumMod val="99000"/>
+                <a:satMod val="120000"/>
+                <a:shade val="78000"/>
+              </a:schemeClr>
+            </a:gs>
+          </a:gsLst>
+          <a:lin ang="5400000" scaled="0"/>
+        </a:gradFill>
+      </a:fillStyleLst>
+      <a:lnStyleLst>
+        <a:ln w="6350" cap="flat" cmpd="sng" algn="ctr">
+          <a:solidFill>
+            <a:schemeClr val="phClr"/>
+          </a:solidFill>
+          <a:prstDash val="solid"/>
+          <a:miter lim="800000"/>
+        </a:ln>
+        <a:ln w="12700" cap="flat" cmpd="sng" algn="ctr">
+          <a:solidFill>
+            <a:schemeClr val="phClr"/>
+          </a:solidFill>
+          <a:prstDash val="solid"/>
+          <a:miter lim="800000"/>
+        </a:ln>
+        <a:ln w="19050" cap="flat" cmpd="sng" algn="ctr">
+          <a:solidFill>
+            <a:schemeClr val="phClr"/>
+          </a:solidFill>
+          <a:prstDash val="solid"/>
+          <a:miter lim="800000"/>
+        </a:ln>
+      </a:lnStyleLst>
+      <a:effectStyleLst>
+        <a:effectStyle>
+          <a:effectLst/>
+        </a:effectStyle>
+        <a:effectStyle>
+          <a:effectLst/>
+        </a:effectStyle>
+        <a:effectStyle>
+          <a:effectLst>
+            <a:outerShdw blurRad="57150" dist="19050" dir="5400000" algn="ctr" rotWithShape="0">
+              <a:srgbClr val="000000">
+                <a:alpha val="63000"/>
+              </a:srgbClr>
+            </a:outerShdw>
+          </a:effectLst>
+        </a:effectStyle>
+      </a:effectStyleLst>
+      <a:bgFillStyleLst>
+        <a:solidFill>
+          <a:schemeClr val="phClr"/>
+        </a:solidFill>
+        <a:solidFill>
+          <a:schemeClr val="phClr">
+            <a:tint val="95000"/>
+            <a:satMod val="170000"/>
+          </a:schemeClr>
+        </a:solidFill>
+        <a:gradFill rotWithShape="1">
+          <a:gsLst>
+            <a:gs pos="0">
+              <a:schemeClr val="phClr">
+                <a:tint val="93000"/>
+                <a:satMod val="150000"/>
+                <a:shade val="98000"/>
+                <a:lumMod val="102000"/>
+              </a:schemeClr>
+            </a:gs>
+            <a:gs pos="50000">
+              <a:schemeClr val="phClr">
+                <a:tint val="98000"/>
+                <a:satMod val="130000"/>
+                <a:shade val="90000"/>
+                <a:lumMod val="103000"/>
+              </a:schemeClr>
+            </a:gs>
+            <a:gs pos="100000">
+              <a:schemeClr val="phClr">
+                <a:shade val="63000"/>
+                <a:satMod val="120000"/>
+              </a:schemeClr>
+            </a:gs>
+          </a:gsLst>
+          <a:lin ang="5400000" scaled="0"/>
+        </a:gradFill>
+      </a:bgFillStyleLst>
+    </a:fmtScheme>
+  </a:themeElements>
+  <a:objectDefaults/>
+  <a:extraClrSchemeLst/>
+  <a:extLst>
+    <a:ext uri="{05A4C25C-085E-4340-85A3-A5531E510DB2}">
+      <thm15:themeFamily xmlns:thm15="http://schemas.microsoft.com/office/thememl/2012/main" name="Office Theme" id="{62F939B6-93AF-4DB8-9C6B-D6C7DFDC589F}" vid="{4A3C46E8-61CC-4603-A589-7422A47A8E4A}"/>
+    </a:ext>
+  </a:extLst>
+</a:theme>
 </file>
--- a/PowerPoint/COVID_19 API Interactions.pptx
+++ b/PowerPoint/COVID_19 API Interactions.pptx
@@ -605,7 +605,7 @@
           <a:noFill/>
           <a:extLst>
             <a:ext uri="{909E8E84-426E-40dd-AFC4-6F175D3DCCD1}">
-              <a14:hiddenFill xmlns="" xmlns:a14="http://schemas.microsoft.com/office/drawing/2010/main">
+              <a14:hiddenFill xmlns:a14="http://schemas.microsoft.com/office/drawing/2010/main" xmlns="">
                 <a:solidFill>
                   <a:srgbClr val="FFFFFF"/>
                 </a:solidFill>
@@ -665,7 +665,7 @@
             </a:ln>
             <a:extLst>
               <a:ext uri="{91240B29-F687-4f45-9708-019B960494DF}">
-                <a14:hiddenLine xmlns="" xmlns:a14="http://schemas.microsoft.com/office/drawing/2010/main" w="9525">
+                <a14:hiddenLine xmlns:a14="http://schemas.microsoft.com/office/drawing/2010/main" xmlns="" w="9525">
                   <a:solidFill>
                     <a:srgbClr val="000000"/>
                   </a:solidFill>
@@ -755,7 +755,7 @@
             </a:ln>
             <a:extLst>
               <a:ext uri="{91240B29-F687-4f45-9708-019B960494DF}">
-                <a14:hiddenLine xmlns="" xmlns:a14="http://schemas.microsoft.com/office/drawing/2010/main" w="9525">
+                <a14:hiddenLine xmlns:a14="http://schemas.microsoft.com/office/drawing/2010/main" xmlns="" w="9525">
                   <a:solidFill>
                     <a:srgbClr val="000000"/>
                   </a:solidFill>
@@ -845,7 +845,7 @@
             </a:ln>
             <a:extLst>
               <a:ext uri="{91240B29-F687-4f45-9708-019B960494DF}">
-                <a14:hiddenLine xmlns="" xmlns:a14="http://schemas.microsoft.com/office/drawing/2010/main" w="9525">
+                <a14:hiddenLine xmlns:a14="http://schemas.microsoft.com/office/drawing/2010/main" xmlns="" w="9525">
                   <a:solidFill>
                     <a:srgbClr val="000000"/>
                   </a:solidFill>
@@ -879,7 +879,7 @@
             </a:ln>
             <a:extLst>
               <a:ext uri="{91240B29-F687-4f45-9708-019B960494DF}">
-                <a14:hiddenLine xmlns="" xmlns:a14="http://schemas.microsoft.com/office/drawing/2010/main" w="9525">
+                <a14:hiddenLine xmlns:a14="http://schemas.microsoft.com/office/drawing/2010/main" xmlns="" w="9525">
                   <a:solidFill>
                     <a:srgbClr val="000000"/>
                   </a:solidFill>
@@ -969,7 +969,7 @@
             </a:ln>
             <a:extLst>
               <a:ext uri="{91240B29-F687-4f45-9708-019B960494DF}">
-                <a14:hiddenLine xmlns="" xmlns:a14="http://schemas.microsoft.com/office/drawing/2010/main" w="9525">
+                <a14:hiddenLine xmlns:a14="http://schemas.microsoft.com/office/drawing/2010/main" xmlns="" w="9525">
                   <a:solidFill>
                     <a:srgbClr val="000000"/>
                   </a:solidFill>
@@ -1031,7 +1031,7 @@
             </a:ln>
             <a:extLst>
               <a:ext uri="{91240B29-F687-4f45-9708-019B960494DF}">
-                <a14:hiddenLine xmlns="" xmlns:a14="http://schemas.microsoft.com/office/drawing/2010/main" w="9525">
+                <a14:hiddenLine xmlns:a14="http://schemas.microsoft.com/office/drawing/2010/main" xmlns="" w="9525">
                   <a:solidFill>
                     <a:srgbClr val="000000"/>
                   </a:solidFill>
@@ -1093,7 +1093,7 @@
             </a:ln>
             <a:extLst>
               <a:ext uri="{91240B29-F687-4f45-9708-019B960494DF}">
-                <a14:hiddenLine xmlns="" xmlns:a14="http://schemas.microsoft.com/office/drawing/2010/main" w="9525">
+                <a14:hiddenLine xmlns:a14="http://schemas.microsoft.com/office/drawing/2010/main" xmlns="" w="9525">
                   <a:solidFill>
                     <a:srgbClr val="000000"/>
                   </a:solidFill>
@@ -1183,7 +1183,7 @@
             </a:ln>
             <a:extLst>
               <a:ext uri="{91240B29-F687-4f45-9708-019B960494DF}">
-                <a14:hiddenLine xmlns="" xmlns:a14="http://schemas.microsoft.com/office/drawing/2010/main" w="9525">
+                <a14:hiddenLine xmlns:a14="http://schemas.microsoft.com/office/drawing/2010/main" xmlns="" w="9525">
                   <a:solidFill>
                     <a:srgbClr val="000000"/>
                   </a:solidFill>
@@ -1245,7 +1245,7 @@
             </a:ln>
             <a:extLst>
               <a:ext uri="{91240B29-F687-4f45-9708-019B960494DF}">
-                <a14:hiddenLine xmlns="" xmlns:a14="http://schemas.microsoft.com/office/drawing/2010/main" w="9525">
+                <a14:hiddenLine xmlns:a14="http://schemas.microsoft.com/office/drawing/2010/main" xmlns="" w="9525">
                   <a:solidFill>
                     <a:srgbClr val="000000"/>
                   </a:solidFill>
@@ -1307,7 +1307,7 @@
             </a:ln>
             <a:extLst>
               <a:ext uri="{91240B29-F687-4f45-9708-019B960494DF}">
-                <a14:hiddenLine xmlns="" xmlns:a14="http://schemas.microsoft.com/office/drawing/2010/main" w="9525">
+                <a14:hiddenLine xmlns:a14="http://schemas.microsoft.com/office/drawing/2010/main" xmlns="" w="9525">
                   <a:solidFill>
                     <a:srgbClr val="000000"/>
                   </a:solidFill>
@@ -1397,7 +1397,7 @@
             </a:ln>
             <a:extLst>
               <a:ext uri="{91240B29-F687-4f45-9708-019B960494DF}">
-                <a14:hiddenLine xmlns="" xmlns:a14="http://schemas.microsoft.com/office/drawing/2010/main" w="9525">
+                <a14:hiddenLine xmlns:a14="http://schemas.microsoft.com/office/drawing/2010/main" xmlns="" w="9525">
                   <a:solidFill>
                     <a:srgbClr val="000000"/>
                   </a:solidFill>
@@ -1487,7 +1487,7 @@
             </a:ln>
             <a:extLst>
               <a:ext uri="{91240B29-F687-4f45-9708-019B960494DF}">
-                <a14:hiddenLine xmlns="" xmlns:a14="http://schemas.microsoft.com/office/drawing/2010/main" w="9525">
+                <a14:hiddenLine xmlns:a14="http://schemas.microsoft.com/office/drawing/2010/main" xmlns="" w="9525">
                   <a:solidFill>
                     <a:srgbClr val="000000"/>
                   </a:solidFill>
@@ -1549,7 +1549,7 @@
             </a:ln>
             <a:extLst>
               <a:ext uri="{91240B29-F687-4f45-9708-019B960494DF}">
-                <a14:hiddenLine xmlns="" xmlns:a14="http://schemas.microsoft.com/office/drawing/2010/main" w="9525">
+                <a14:hiddenLine xmlns:a14="http://schemas.microsoft.com/office/drawing/2010/main" xmlns="" w="9525">
                   <a:solidFill>
                     <a:srgbClr val="000000"/>
                   </a:solidFill>
@@ -1659,7 +1659,7 @@
             </a:ln>
             <a:extLst>
               <a:ext uri="{91240B29-F687-4f45-9708-019B960494DF}">
-                <a14:hiddenLine xmlns="" xmlns:a14="http://schemas.microsoft.com/office/drawing/2010/main" w="9525">
+                <a14:hiddenLine xmlns:a14="http://schemas.microsoft.com/office/drawing/2010/main" xmlns="" w="9525">
                   <a:solidFill>
                     <a:srgbClr val="000000"/>
                   </a:solidFill>
@@ -1721,7 +1721,7 @@
             </a:ln>
             <a:extLst>
               <a:ext uri="{91240B29-F687-4f45-9708-019B960494DF}">
-                <a14:hiddenLine xmlns="" xmlns:a14="http://schemas.microsoft.com/office/drawing/2010/main" w="9525">
+                <a14:hiddenLine xmlns:a14="http://schemas.microsoft.com/office/drawing/2010/main" xmlns="" w="9525">
                   <a:solidFill>
                     <a:srgbClr val="000000"/>
                   </a:solidFill>
@@ -1811,7 +1811,7 @@
             </a:ln>
             <a:extLst>
               <a:ext uri="{91240B29-F687-4f45-9708-019B960494DF}">
-                <a14:hiddenLine xmlns="" xmlns:a14="http://schemas.microsoft.com/office/drawing/2010/main" w="9525">
+                <a14:hiddenLine xmlns:a14="http://schemas.microsoft.com/office/drawing/2010/main" xmlns="" w="9525">
                   <a:solidFill>
                     <a:srgbClr val="000000"/>
                   </a:solidFill>
@@ -1901,7 +1901,7 @@
             </a:ln>
             <a:extLst>
               <a:ext uri="{91240B29-F687-4f45-9708-019B960494DF}">
-                <a14:hiddenLine xmlns="" xmlns:a14="http://schemas.microsoft.com/office/drawing/2010/main" w="9525">
+                <a14:hiddenLine xmlns:a14="http://schemas.microsoft.com/office/drawing/2010/main" xmlns="" w="9525">
                   <a:solidFill>
                     <a:srgbClr val="000000"/>
                   </a:solidFill>
@@ -1963,7 +1963,7 @@
             </a:ln>
             <a:extLst>
               <a:ext uri="{91240B29-F687-4f45-9708-019B960494DF}">
-                <a14:hiddenLine xmlns="" xmlns:a14="http://schemas.microsoft.com/office/drawing/2010/main" w="9525">
+                <a14:hiddenLine xmlns:a14="http://schemas.microsoft.com/office/drawing/2010/main" xmlns="" w="9525">
                   <a:solidFill>
                     <a:srgbClr val="000000"/>
                   </a:solidFill>
@@ -2053,7 +2053,7 @@
             </a:ln>
             <a:extLst>
               <a:ext uri="{91240B29-F687-4f45-9708-019B960494DF}">
-                <a14:hiddenLine xmlns="" xmlns:a14="http://schemas.microsoft.com/office/drawing/2010/main" w="9525">
+                <a14:hiddenLine xmlns:a14="http://schemas.microsoft.com/office/drawing/2010/main" xmlns="" w="9525">
                   <a:solidFill>
                     <a:srgbClr val="000000"/>
                   </a:solidFill>
@@ -2143,7 +2143,7 @@
             </a:ln>
             <a:extLst>
               <a:ext uri="{91240B29-F687-4f45-9708-019B960494DF}">
-                <a14:hiddenLine xmlns="" xmlns:a14="http://schemas.microsoft.com/office/drawing/2010/main" w="9525">
+                <a14:hiddenLine xmlns:a14="http://schemas.microsoft.com/office/drawing/2010/main" xmlns="" w="9525">
                   <a:solidFill>
                     <a:srgbClr val="000000"/>
                   </a:solidFill>
@@ -2199,7 +2199,7 @@
             </a:ln>
             <a:extLst>
               <a:ext uri="{91240B29-F687-4f45-9708-019B960494DF}">
-                <a14:hiddenLine xmlns="" xmlns:a14="http://schemas.microsoft.com/office/drawing/2010/main" w="9525">
+                <a14:hiddenLine xmlns:a14="http://schemas.microsoft.com/office/drawing/2010/main" xmlns="" w="9525">
                   <a:solidFill>
                     <a:srgbClr val="000000"/>
                   </a:solidFill>
@@ -2289,7 +2289,7 @@
             </a:ln>
             <a:extLst>
               <a:ext uri="{91240B29-F687-4f45-9708-019B960494DF}">
-                <a14:hiddenLine xmlns="" xmlns:a14="http://schemas.microsoft.com/office/drawing/2010/main" w="9525">
+                <a14:hiddenLine xmlns:a14="http://schemas.microsoft.com/office/drawing/2010/main" xmlns="" w="9525">
                   <a:solidFill>
                     <a:srgbClr val="000000"/>
                   </a:solidFill>
@@ -2345,7 +2345,7 @@
             </a:ln>
             <a:extLst>
               <a:ext uri="{91240B29-F687-4f45-9708-019B960494DF}">
-                <a14:hiddenLine xmlns="" xmlns:a14="http://schemas.microsoft.com/office/drawing/2010/main" w="9525">
+                <a14:hiddenLine xmlns:a14="http://schemas.microsoft.com/office/drawing/2010/main" xmlns="" w="9525">
                   <a:solidFill>
                     <a:srgbClr val="000000"/>
                   </a:solidFill>
@@ -2435,7 +2435,7 @@
             </a:ln>
             <a:extLst>
               <a:ext uri="{91240B29-F687-4f45-9708-019B960494DF}">
-                <a14:hiddenLine xmlns="" xmlns:a14="http://schemas.microsoft.com/office/drawing/2010/main" w="9525">
+                <a14:hiddenLine xmlns:a14="http://schemas.microsoft.com/office/drawing/2010/main" xmlns="" w="9525">
                   <a:solidFill>
                     <a:srgbClr val="000000"/>
                   </a:solidFill>
@@ -2503,7 +2503,7 @@
             </a:ln>
             <a:extLst>
               <a:ext uri="{91240B29-F687-4f45-9708-019B960494DF}">
-                <a14:hiddenLine xmlns="" xmlns:a14="http://schemas.microsoft.com/office/drawing/2010/main" w="9525">
+                <a14:hiddenLine xmlns:a14="http://schemas.microsoft.com/office/drawing/2010/main" xmlns="" w="9525">
                   <a:solidFill>
                     <a:srgbClr val="000000"/>
                   </a:solidFill>
@@ -2593,7 +2593,7 @@
             </a:ln>
             <a:extLst>
               <a:ext uri="{91240B29-F687-4f45-9708-019B960494DF}">
-                <a14:hiddenLine xmlns="" xmlns:a14="http://schemas.microsoft.com/office/drawing/2010/main" w="9525">
+                <a14:hiddenLine xmlns:a14="http://schemas.microsoft.com/office/drawing/2010/main" xmlns="" w="9525">
                   <a:solidFill>
                     <a:srgbClr val="000000"/>
                   </a:solidFill>
@@ -2661,7 +2661,7 @@
             </a:ln>
             <a:extLst>
               <a:ext uri="{91240B29-F687-4f45-9708-019B960494DF}">
-                <a14:hiddenLine xmlns="" xmlns:a14="http://schemas.microsoft.com/office/drawing/2010/main" w="9525">
+                <a14:hiddenLine xmlns:a14="http://schemas.microsoft.com/office/drawing/2010/main" xmlns="" w="9525">
                   <a:solidFill>
                     <a:srgbClr val="000000"/>
                   </a:solidFill>
@@ -2751,7 +2751,7 @@
             </a:ln>
             <a:extLst>
               <a:ext uri="{91240B29-F687-4f45-9708-019B960494DF}">
-                <a14:hiddenLine xmlns="" xmlns:a14="http://schemas.microsoft.com/office/drawing/2010/main" w="9525">
+                <a14:hiddenLine xmlns:a14="http://schemas.microsoft.com/office/drawing/2010/main" xmlns="" w="9525">
                   <a:solidFill>
                     <a:srgbClr val="000000"/>
                   </a:solidFill>
@@ -2785,7 +2785,7 @@
             </a:ln>
             <a:extLst>
               <a:ext uri="{91240B29-F687-4f45-9708-019B960494DF}">
-                <a14:hiddenLine xmlns="" xmlns:a14="http://schemas.microsoft.com/office/drawing/2010/main" w="9525">
+                <a14:hiddenLine xmlns:a14="http://schemas.microsoft.com/office/drawing/2010/main" xmlns="" w="9525">
                   <a:solidFill>
                     <a:srgbClr val="000000"/>
                   </a:solidFill>
@@ -2875,7 +2875,7 @@
             </a:ln>
             <a:extLst>
               <a:ext uri="{91240B29-F687-4f45-9708-019B960494DF}">
-                <a14:hiddenLine xmlns="" xmlns:a14="http://schemas.microsoft.com/office/drawing/2010/main" w="9525">
+                <a14:hiddenLine xmlns:a14="http://schemas.microsoft.com/office/drawing/2010/main" xmlns="" w="9525">
                   <a:solidFill>
                     <a:srgbClr val="000000"/>
                   </a:solidFill>
@@ -2937,7 +2937,7 @@
             </a:ln>
             <a:extLst>
               <a:ext uri="{91240B29-F687-4f45-9708-019B960494DF}">
-                <a14:hiddenLine xmlns="" xmlns:a14="http://schemas.microsoft.com/office/drawing/2010/main" w="9525">
+                <a14:hiddenLine xmlns:a14="http://schemas.microsoft.com/office/drawing/2010/main" xmlns="" w="9525">
                   <a:solidFill>
                     <a:srgbClr val="000000"/>
                   </a:solidFill>
@@ -2999,7 +2999,7 @@
             </a:ln>
             <a:extLst>
               <a:ext uri="{91240B29-F687-4f45-9708-019B960494DF}">
-                <a14:hiddenLine xmlns="" xmlns:a14="http://schemas.microsoft.com/office/drawing/2010/main" w="9525">
+                <a14:hiddenLine xmlns:a14="http://schemas.microsoft.com/office/drawing/2010/main" xmlns="" w="9525">
                   <a:solidFill>
                     <a:srgbClr val="000000"/>
                   </a:solidFill>
@@ -3089,7 +3089,7 @@
             </a:ln>
             <a:extLst>
               <a:ext uri="{91240B29-F687-4f45-9708-019B960494DF}">
-                <a14:hiddenLine xmlns="" xmlns:a14="http://schemas.microsoft.com/office/drawing/2010/main" w="9525">
+                <a14:hiddenLine xmlns:a14="http://schemas.microsoft.com/office/drawing/2010/main" xmlns="" w="9525">
                   <a:solidFill>
                     <a:srgbClr val="000000"/>
                   </a:solidFill>
@@ -3157,7 +3157,7 @@
             </a:ln>
             <a:extLst>
               <a:ext uri="{91240B29-F687-4f45-9708-019B960494DF}">
-                <a14:hiddenLine xmlns="" xmlns:a14="http://schemas.microsoft.com/office/drawing/2010/main" w="9525">
+                <a14:hiddenLine xmlns:a14="http://schemas.microsoft.com/office/drawing/2010/main" xmlns="" w="9525">
                   <a:solidFill>
                     <a:srgbClr val="000000"/>
                   </a:solidFill>
@@ -3219,7 +3219,7 @@
             </a:ln>
             <a:extLst>
               <a:ext uri="{91240B29-F687-4f45-9708-019B960494DF}">
-                <a14:hiddenLine xmlns="" xmlns:a14="http://schemas.microsoft.com/office/drawing/2010/main" w="9525">
+                <a14:hiddenLine xmlns:a14="http://schemas.microsoft.com/office/drawing/2010/main" xmlns="" w="9525">
                   <a:solidFill>
                     <a:srgbClr val="000000"/>
                   </a:solidFill>
@@ -3309,7 +3309,7 @@
             </a:ln>
             <a:extLst>
               <a:ext uri="{91240B29-F687-4f45-9708-019B960494DF}">
-                <a14:hiddenLine xmlns="" xmlns:a14="http://schemas.microsoft.com/office/drawing/2010/main" w="9525">
+                <a14:hiddenLine xmlns:a14="http://schemas.microsoft.com/office/drawing/2010/main" xmlns="" w="9525">
                   <a:solidFill>
                     <a:srgbClr val="000000"/>
                   </a:solidFill>
@@ -3371,7 +3371,7 @@
             </a:ln>
             <a:extLst>
               <a:ext uri="{91240B29-F687-4f45-9708-019B960494DF}">
-                <a14:hiddenLine xmlns="" xmlns:a14="http://schemas.microsoft.com/office/drawing/2010/main" w="9525">
+                <a14:hiddenLine xmlns:a14="http://schemas.microsoft.com/office/drawing/2010/main" xmlns="" w="9525">
                   <a:solidFill>
                     <a:srgbClr val="000000"/>
                   </a:solidFill>
@@ -3461,7 +3461,7 @@
             </a:ln>
             <a:extLst>
               <a:ext uri="{91240B29-F687-4f45-9708-019B960494DF}">
-                <a14:hiddenLine xmlns="" xmlns:a14="http://schemas.microsoft.com/office/drawing/2010/main" w="9525">
+                <a14:hiddenLine xmlns:a14="http://schemas.microsoft.com/office/drawing/2010/main" xmlns="" w="9525">
                   <a:solidFill>
                     <a:srgbClr val="000000"/>
                   </a:solidFill>
@@ -3523,7 +3523,7 @@
             </a:ln>
             <a:extLst>
               <a:ext uri="{91240B29-F687-4f45-9708-019B960494DF}">
-                <a14:hiddenLine xmlns="" xmlns:a14="http://schemas.microsoft.com/office/drawing/2010/main" w="9525">
+                <a14:hiddenLine xmlns:a14="http://schemas.microsoft.com/office/drawing/2010/main" xmlns="" w="9525">
                   <a:solidFill>
                     <a:srgbClr val="000000"/>
                   </a:solidFill>
@@ -3613,7 +3613,7 @@
             </a:ln>
             <a:extLst>
               <a:ext uri="{91240B29-F687-4f45-9708-019B960494DF}">
-                <a14:hiddenLine xmlns="" xmlns:a14="http://schemas.microsoft.com/office/drawing/2010/main" w="9525">
+                <a14:hiddenLine xmlns:a14="http://schemas.microsoft.com/office/drawing/2010/main" xmlns="" w="9525">
                   <a:solidFill>
                     <a:srgbClr val="000000"/>
                   </a:solidFill>
@@ -3647,7 +3647,7 @@
             </a:ln>
             <a:extLst>
               <a:ext uri="{91240B29-F687-4f45-9708-019B960494DF}">
-                <a14:hiddenLine xmlns="" xmlns:a14="http://schemas.microsoft.com/office/drawing/2010/main" w="9525">
+                <a14:hiddenLine xmlns:a14="http://schemas.microsoft.com/office/drawing/2010/main" xmlns="" w="9525">
                   <a:solidFill>
                     <a:srgbClr val="000000"/>
                   </a:solidFill>
@@ -3712,7 +3712,7 @@
             </a:ln>
             <a:extLst>
               <a:ext uri="{91240B29-F687-4f45-9708-019B960494DF}">
-                <a14:hiddenLine xmlns="" xmlns:a14="http://schemas.microsoft.com/office/drawing/2010/main" w="9525">
+                <a14:hiddenLine xmlns:a14="http://schemas.microsoft.com/office/drawing/2010/main" xmlns="" w="9525">
                   <a:solidFill>
                     <a:srgbClr val="000000"/>
                   </a:solidFill>
@@ -3802,7 +3802,7 @@
             </a:ln>
             <a:extLst>
               <a:ext uri="{91240B29-F687-4f45-9708-019B960494DF}">
-                <a14:hiddenLine xmlns="" xmlns:a14="http://schemas.microsoft.com/office/drawing/2010/main" w="9525">
+                <a14:hiddenLine xmlns:a14="http://schemas.microsoft.com/office/drawing/2010/main" xmlns="" w="9525">
                   <a:solidFill>
                     <a:srgbClr val="000000"/>
                   </a:solidFill>
@@ -3864,7 +3864,7 @@
             </a:ln>
             <a:extLst>
               <a:ext uri="{91240B29-F687-4f45-9708-019B960494DF}">
-                <a14:hiddenLine xmlns="" xmlns:a14="http://schemas.microsoft.com/office/drawing/2010/main" w="9525">
+                <a14:hiddenLine xmlns:a14="http://schemas.microsoft.com/office/drawing/2010/main" xmlns="" w="9525">
                   <a:solidFill>
                     <a:srgbClr val="000000"/>
                   </a:solidFill>
@@ -3954,7 +3954,7 @@
             </a:ln>
             <a:extLst>
               <a:ext uri="{91240B29-F687-4f45-9708-019B960494DF}">
-                <a14:hiddenLine xmlns="" xmlns:a14="http://schemas.microsoft.com/office/drawing/2010/main" w="9525">
+                <a14:hiddenLine xmlns:a14="http://schemas.microsoft.com/office/drawing/2010/main" xmlns="" w="9525">
                   <a:solidFill>
                     <a:srgbClr val="000000"/>
                   </a:solidFill>
@@ -4044,7 +4044,7 @@
             </a:ln>
             <a:extLst>
               <a:ext uri="{91240B29-F687-4f45-9708-019B960494DF}">
-                <a14:hiddenLine xmlns="" xmlns:a14="http://schemas.microsoft.com/office/drawing/2010/main" w="9525">
+                <a14:hiddenLine xmlns:a14="http://schemas.microsoft.com/office/drawing/2010/main" xmlns="" w="9525">
                   <a:solidFill>
                     <a:srgbClr val="000000"/>
                   </a:solidFill>
@@ -4109,7 +4109,7 @@
             </a:ln>
             <a:extLst>
               <a:ext uri="{91240B29-F687-4f45-9708-019B960494DF}">
-                <a14:hiddenLine xmlns="" xmlns:a14="http://schemas.microsoft.com/office/drawing/2010/main" w="9525">
+                <a14:hiddenLine xmlns:a14="http://schemas.microsoft.com/office/drawing/2010/main" xmlns="" w="9525">
                   <a:solidFill>
                     <a:srgbClr val="000000"/>
                   </a:solidFill>
@@ -4171,7 +4171,7 @@
             </a:ln>
             <a:extLst>
               <a:ext uri="{91240B29-F687-4f45-9708-019B960494DF}">
-                <a14:hiddenLine xmlns="" xmlns:a14="http://schemas.microsoft.com/office/drawing/2010/main" w="9525">
+                <a14:hiddenLine xmlns:a14="http://schemas.microsoft.com/office/drawing/2010/main" xmlns="" w="9525">
                   <a:solidFill>
                     <a:srgbClr val="000000"/>
                   </a:solidFill>
@@ -4261,7 +4261,7 @@
             </a:ln>
             <a:extLst>
               <a:ext uri="{91240B29-F687-4f45-9708-019B960494DF}">
-                <a14:hiddenLine xmlns="" xmlns:a14="http://schemas.microsoft.com/office/drawing/2010/main" w="9525">
+                <a14:hiddenLine xmlns:a14="http://schemas.microsoft.com/office/drawing/2010/main" xmlns="" w="9525">
                   <a:solidFill>
                     <a:srgbClr val="000000"/>
                   </a:solidFill>
@@ -4351,7 +4351,7 @@
             </a:ln>
             <a:extLst>
               <a:ext uri="{91240B29-F687-4f45-9708-019B960494DF}">
-                <a14:hiddenLine xmlns="" xmlns:a14="http://schemas.microsoft.com/office/drawing/2010/main" w="9525">
+                <a14:hiddenLine xmlns:a14="http://schemas.microsoft.com/office/drawing/2010/main" xmlns="" w="9525">
                   <a:solidFill>
                     <a:srgbClr val="000000"/>
                   </a:solidFill>
@@ -4413,7 +4413,7 @@
             </a:ln>
             <a:extLst>
               <a:ext uri="{91240B29-F687-4f45-9708-019B960494DF}">
-                <a14:hiddenLine xmlns="" xmlns:a14="http://schemas.microsoft.com/office/drawing/2010/main" w="9525">
+                <a14:hiddenLine xmlns:a14="http://schemas.microsoft.com/office/drawing/2010/main" xmlns="" w="9525">
                   <a:solidFill>
                     <a:srgbClr val="000000"/>
                   </a:solidFill>
@@ -4533,7 +4533,7 @@
             </a:ln>
             <a:extLst>
               <a:ext uri="{91240B29-F687-4f45-9708-019B960494DF}">
-                <a14:hiddenLine xmlns="" xmlns:a14="http://schemas.microsoft.com/office/drawing/2010/main" w="9525">
+                <a14:hiddenLine xmlns:a14="http://schemas.microsoft.com/office/drawing/2010/main" xmlns="" w="9525">
                   <a:solidFill>
                     <a:srgbClr val="000000"/>
                   </a:solidFill>
@@ -4601,7 +4601,7 @@
             </a:ln>
             <a:extLst>
               <a:ext uri="{91240B29-F687-4f45-9708-019B960494DF}">
-                <a14:hiddenLine xmlns="" xmlns:a14="http://schemas.microsoft.com/office/drawing/2010/main" w="9525">
+                <a14:hiddenLine xmlns:a14="http://schemas.microsoft.com/office/drawing/2010/main" xmlns="" w="9525">
                   <a:solidFill>
                     <a:srgbClr val="000000"/>
                   </a:solidFill>
@@ -4691,7 +4691,7 @@
             </a:ln>
             <a:extLst>
               <a:ext uri="{91240B29-F687-4f45-9708-019B960494DF}">
-                <a14:hiddenLine xmlns="" xmlns:a14="http://schemas.microsoft.com/office/drawing/2010/main" w="9525">
+                <a14:hiddenLine xmlns:a14="http://schemas.microsoft.com/office/drawing/2010/main" xmlns="" w="9525">
                   <a:solidFill>
                     <a:srgbClr val="000000"/>
                   </a:solidFill>
@@ -9413,7 +9413,7 @@
           <a:noFill/>
           <a:extLst>
             <a:ext uri="{909E8E84-426E-40dd-AFC4-6F175D3DCCD1}">
-              <a14:hiddenFill xmlns="" xmlns:a14="http://schemas.microsoft.com/office/drawing/2010/main">
+              <a14:hiddenFill xmlns:a14="http://schemas.microsoft.com/office/drawing/2010/main" xmlns="">
                 <a:solidFill>
                   <a:srgbClr val="FFFFFF"/>
                 </a:solidFill>
@@ -9487,7 +9487,7 @@
               </a:ln>
               <a:extLst>
                 <a:ext uri="{91240B29-F687-4f45-9708-019B960494DF}">
-                  <a14:hiddenLine xmlns="" xmlns:a14="http://schemas.microsoft.com/office/drawing/2010/main" w="9525">
+                  <a14:hiddenLine xmlns:a14="http://schemas.microsoft.com/office/drawing/2010/main" xmlns="" w="9525">
                     <a:solidFill>
                       <a:srgbClr val="000000"/>
                     </a:solidFill>
@@ -9577,7 +9577,7 @@
               </a:ln>
               <a:extLst>
                 <a:ext uri="{91240B29-F687-4f45-9708-019B960494DF}">
-                  <a14:hiddenLine xmlns="" xmlns:a14="http://schemas.microsoft.com/office/drawing/2010/main" w="9525">
+                  <a14:hiddenLine xmlns:a14="http://schemas.microsoft.com/office/drawing/2010/main" xmlns="" w="9525">
                     <a:solidFill>
                       <a:srgbClr val="000000"/>
                     </a:solidFill>
@@ -9667,7 +9667,7 @@
               </a:ln>
               <a:extLst>
                 <a:ext uri="{91240B29-F687-4f45-9708-019B960494DF}">
-                  <a14:hiddenLine xmlns="" xmlns:a14="http://schemas.microsoft.com/office/drawing/2010/main" w="9525">
+                  <a14:hiddenLine xmlns:a14="http://schemas.microsoft.com/office/drawing/2010/main" xmlns="" w="9525">
                     <a:solidFill>
                       <a:srgbClr val="000000"/>
                     </a:solidFill>
@@ -9729,7 +9729,7 @@
               </a:ln>
               <a:extLst>
                 <a:ext uri="{91240B29-F687-4f45-9708-019B960494DF}">
-                  <a14:hiddenLine xmlns="" xmlns:a14="http://schemas.microsoft.com/office/drawing/2010/main" w="9525">
+                  <a14:hiddenLine xmlns:a14="http://schemas.microsoft.com/office/drawing/2010/main" xmlns="" w="9525">
                     <a:solidFill>
                       <a:srgbClr val="000000"/>
                     </a:solidFill>
@@ -9819,7 +9819,7 @@
               </a:ln>
               <a:extLst>
                 <a:ext uri="{91240B29-F687-4f45-9708-019B960494DF}">
-                  <a14:hiddenLine xmlns="" xmlns:a14="http://schemas.microsoft.com/office/drawing/2010/main" w="9525">
+                  <a14:hiddenLine xmlns:a14="http://schemas.microsoft.com/office/drawing/2010/main" xmlns="" w="9525">
                     <a:solidFill>
                       <a:srgbClr val="000000"/>
                     </a:solidFill>
@@ -9881,7 +9881,7 @@
               </a:ln>
               <a:extLst>
                 <a:ext uri="{91240B29-F687-4f45-9708-019B960494DF}">
-                  <a14:hiddenLine xmlns="" xmlns:a14="http://schemas.microsoft.com/office/drawing/2010/main" w="9525">
+                  <a14:hiddenLine xmlns:a14="http://schemas.microsoft.com/office/drawing/2010/main" xmlns="" w="9525">
                     <a:solidFill>
                       <a:srgbClr val="000000"/>
                     </a:solidFill>
@@ -9943,7 +9943,7 @@
               </a:ln>
               <a:extLst>
                 <a:ext uri="{91240B29-F687-4f45-9708-019B960494DF}">
-                  <a14:hiddenLine xmlns="" xmlns:a14="http://schemas.microsoft.com/office/drawing/2010/main" w="9525">
+                  <a14:hiddenLine xmlns:a14="http://schemas.microsoft.com/office/drawing/2010/main" xmlns="" w="9525">
                     <a:solidFill>
                       <a:srgbClr val="000000"/>
                     </a:solidFill>
@@ -10033,7 +10033,7 @@
               </a:ln>
               <a:extLst>
                 <a:ext uri="{91240B29-F687-4f45-9708-019B960494DF}">
-                  <a14:hiddenLine xmlns="" xmlns:a14="http://schemas.microsoft.com/office/drawing/2010/main" w="9525">
+                  <a14:hiddenLine xmlns:a14="http://schemas.microsoft.com/office/drawing/2010/main" xmlns="" w="9525">
                     <a:solidFill>
                       <a:srgbClr val="000000"/>
                     </a:solidFill>
@@ -10123,7 +10123,7 @@
               </a:ln>
               <a:extLst>
                 <a:ext uri="{91240B29-F687-4f45-9708-019B960494DF}">
-                  <a14:hiddenLine xmlns="" xmlns:a14="http://schemas.microsoft.com/office/drawing/2010/main" w="9525">
+                  <a14:hiddenLine xmlns:a14="http://schemas.microsoft.com/office/drawing/2010/main" xmlns="" w="9525">
                     <a:solidFill>
                       <a:srgbClr val="000000"/>
                     </a:solidFill>
@@ -10185,7 +10185,7 @@
               </a:ln>
               <a:extLst>
                 <a:ext uri="{91240B29-F687-4f45-9708-019B960494DF}">
-                  <a14:hiddenLine xmlns="" xmlns:a14="http://schemas.microsoft.com/office/drawing/2010/main" w="9525">
+                  <a14:hiddenLine xmlns:a14="http://schemas.microsoft.com/office/drawing/2010/main" xmlns="" w="9525">
                     <a:solidFill>
                       <a:srgbClr val="000000"/>
                     </a:solidFill>
@@ -10295,7 +10295,7 @@
               </a:ln>
               <a:extLst>
                 <a:ext uri="{91240B29-F687-4f45-9708-019B960494DF}">
-                  <a14:hiddenLine xmlns="" xmlns:a14="http://schemas.microsoft.com/office/drawing/2010/main" w="9525">
+                  <a14:hiddenLine xmlns:a14="http://schemas.microsoft.com/office/drawing/2010/main" xmlns="" w="9525">
                     <a:solidFill>
                       <a:srgbClr val="000000"/>
                     </a:solidFill>
@@ -10379,7 +10379,7 @@
               </a:ln>
               <a:extLst>
                 <a:ext uri="{91240B29-F687-4f45-9708-019B960494DF}">
-                  <a14:hiddenLine xmlns="" xmlns:a14="http://schemas.microsoft.com/office/drawing/2010/main" w="9525">
+                  <a14:hiddenLine xmlns:a14="http://schemas.microsoft.com/office/drawing/2010/main" xmlns="" w="9525">
                     <a:solidFill>
                       <a:srgbClr val="000000"/>
                     </a:solidFill>
@@ -10441,7 +10441,7 @@
               </a:ln>
               <a:extLst>
                 <a:ext uri="{91240B29-F687-4f45-9708-019B960494DF}">
-                  <a14:hiddenLine xmlns="" xmlns:a14="http://schemas.microsoft.com/office/drawing/2010/main" w="9525">
+                  <a14:hiddenLine xmlns:a14="http://schemas.microsoft.com/office/drawing/2010/main" xmlns="" w="9525">
                     <a:solidFill>
                       <a:srgbClr val="000000"/>
                     </a:solidFill>
@@ -10503,7 +10503,7 @@
               </a:ln>
               <a:extLst>
                 <a:ext uri="{91240B29-F687-4f45-9708-019B960494DF}">
-                  <a14:hiddenLine xmlns="" xmlns:a14="http://schemas.microsoft.com/office/drawing/2010/main" w="9525">
+                  <a14:hiddenLine xmlns:a14="http://schemas.microsoft.com/office/drawing/2010/main" xmlns="" w="9525">
                     <a:solidFill>
                       <a:srgbClr val="000000"/>
                     </a:solidFill>
@@ -10593,7 +10593,7 @@
               </a:ln>
               <a:extLst>
                 <a:ext uri="{91240B29-F687-4f45-9708-019B960494DF}">
-                  <a14:hiddenLine xmlns="" xmlns:a14="http://schemas.microsoft.com/office/drawing/2010/main" w="9525">
+                  <a14:hiddenLine xmlns:a14="http://schemas.microsoft.com/office/drawing/2010/main" xmlns="" w="9525">
                     <a:solidFill>
                       <a:srgbClr val="000000"/>
                     </a:solidFill>
@@ -10627,7 +10627,7 @@
               </a:ln>
               <a:extLst>
                 <a:ext uri="{91240B29-F687-4f45-9708-019B960494DF}">
-                  <a14:hiddenLine xmlns="" xmlns:a14="http://schemas.microsoft.com/office/drawing/2010/main" w="9525">
+                  <a14:hiddenLine xmlns:a14="http://schemas.microsoft.com/office/drawing/2010/main" xmlns="" w="9525">
                     <a:solidFill>
                       <a:srgbClr val="000000"/>
                     </a:solidFill>
@@ -10692,7 +10692,7 @@
               </a:ln>
               <a:extLst>
                 <a:ext uri="{91240B29-F687-4f45-9708-019B960494DF}">
-                  <a14:hiddenLine xmlns="" xmlns:a14="http://schemas.microsoft.com/office/drawing/2010/main" w="9525">
+                  <a14:hiddenLine xmlns:a14="http://schemas.microsoft.com/office/drawing/2010/main" xmlns="" w="9525">
                     <a:solidFill>
                       <a:srgbClr val="000000"/>
                     </a:solidFill>
@@ -10782,7 +10782,7 @@
               </a:ln>
               <a:extLst>
                 <a:ext uri="{91240B29-F687-4f45-9708-019B960494DF}">
-                  <a14:hiddenLine xmlns="" xmlns:a14="http://schemas.microsoft.com/office/drawing/2010/main" w="9525">
+                  <a14:hiddenLine xmlns:a14="http://schemas.microsoft.com/office/drawing/2010/main" xmlns="" w="9525">
                     <a:solidFill>
                       <a:srgbClr val="000000"/>
                     </a:solidFill>
@@ -10844,7 +10844,7 @@
               </a:ln>
               <a:extLst>
                 <a:ext uri="{91240B29-F687-4f45-9708-019B960494DF}">
-                  <a14:hiddenLine xmlns="" xmlns:a14="http://schemas.microsoft.com/office/drawing/2010/main" w="9525">
+                  <a14:hiddenLine xmlns:a14="http://schemas.microsoft.com/office/drawing/2010/main" xmlns="" w="9525">
                     <a:solidFill>
                       <a:srgbClr val="000000"/>
                     </a:solidFill>
@@ -10934,7 +10934,7 @@
               </a:ln>
               <a:extLst>
                 <a:ext uri="{91240B29-F687-4f45-9708-019B960494DF}">
-                  <a14:hiddenLine xmlns="" xmlns:a14="http://schemas.microsoft.com/office/drawing/2010/main" w="9525">
+                  <a14:hiddenLine xmlns:a14="http://schemas.microsoft.com/office/drawing/2010/main" xmlns="" w="9525">
                     <a:solidFill>
                       <a:srgbClr val="000000"/>
                     </a:solidFill>
@@ -10999,7 +10999,7 @@
               </a:ln>
               <a:extLst>
                 <a:ext uri="{91240B29-F687-4f45-9708-019B960494DF}">
-                  <a14:hiddenLine xmlns="" xmlns:a14="http://schemas.microsoft.com/office/drawing/2010/main" w="9525">
+                  <a14:hiddenLine xmlns:a14="http://schemas.microsoft.com/office/drawing/2010/main" xmlns="" w="9525">
                     <a:solidFill>
                       <a:srgbClr val="000000"/>
                     </a:solidFill>
@@ -11061,7 +11061,7 @@
               </a:ln>
               <a:extLst>
                 <a:ext uri="{91240B29-F687-4f45-9708-019B960494DF}">
-                  <a14:hiddenLine xmlns="" xmlns:a14="http://schemas.microsoft.com/office/drawing/2010/main" w="9525">
+                  <a14:hiddenLine xmlns:a14="http://schemas.microsoft.com/office/drawing/2010/main" xmlns="" w="9525">
                     <a:solidFill>
                       <a:srgbClr val="000000"/>
                     </a:solidFill>
@@ -11151,7 +11151,7 @@
               </a:ln>
               <a:extLst>
                 <a:ext uri="{91240B29-F687-4f45-9708-019B960494DF}">
-                  <a14:hiddenLine xmlns="" xmlns:a14="http://schemas.microsoft.com/office/drawing/2010/main" w="9525">
+                  <a14:hiddenLine xmlns:a14="http://schemas.microsoft.com/office/drawing/2010/main" xmlns="" w="9525">
                     <a:solidFill>
                       <a:srgbClr val="000000"/>
                     </a:solidFill>
@@ -11241,7 +11241,7 @@
               </a:ln>
               <a:extLst>
                 <a:ext uri="{91240B29-F687-4f45-9708-019B960494DF}">
-                  <a14:hiddenLine xmlns="" xmlns:a14="http://schemas.microsoft.com/office/drawing/2010/main" w="9525">
+                  <a14:hiddenLine xmlns:a14="http://schemas.microsoft.com/office/drawing/2010/main" xmlns="" w="9525">
                     <a:solidFill>
                       <a:srgbClr val="000000"/>
                     </a:solidFill>
@@ -11306,7 +11306,7 @@
               </a:ln>
               <a:extLst>
                 <a:ext uri="{91240B29-F687-4f45-9708-019B960494DF}">
-                  <a14:hiddenLine xmlns="" xmlns:a14="http://schemas.microsoft.com/office/drawing/2010/main" w="9525">
+                  <a14:hiddenLine xmlns:a14="http://schemas.microsoft.com/office/drawing/2010/main" xmlns="" w="9525">
                     <a:solidFill>
                       <a:srgbClr val="000000"/>
                     </a:solidFill>
@@ -11426,7 +11426,7 @@
               </a:ln>
               <a:extLst>
                 <a:ext uri="{91240B29-F687-4f45-9708-019B960494DF}">
-                  <a14:hiddenLine xmlns="" xmlns:a14="http://schemas.microsoft.com/office/drawing/2010/main" w="9525">
+                  <a14:hiddenLine xmlns:a14="http://schemas.microsoft.com/office/drawing/2010/main" xmlns="" w="9525">
                     <a:solidFill>
                       <a:srgbClr val="000000"/>
                     </a:solidFill>
@@ -11524,7 +11524,7 @@
               </a:ln>
               <a:extLst>
                 <a:ext uri="{91240B29-F687-4f45-9708-019B960494DF}">
-                  <a14:hiddenLine xmlns="" xmlns:a14="http://schemas.microsoft.com/office/drawing/2010/main" w="9525">
+                  <a14:hiddenLine xmlns:a14="http://schemas.microsoft.com/office/drawing/2010/main" xmlns="" w="9525">
                     <a:solidFill>
                       <a:srgbClr val="000000"/>
                     </a:solidFill>
@@ -11639,7 +11639,7 @@
               </a:ln>
               <a:extLst>
                 <a:ext uri="{91240B29-F687-4f45-9708-019B960494DF}">
-                  <a14:hiddenLine xmlns="" xmlns:a14="http://schemas.microsoft.com/office/drawing/2010/main" w="9525">
+                  <a14:hiddenLine xmlns:a14="http://schemas.microsoft.com/office/drawing/2010/main" xmlns="" w="9525">
                     <a:solidFill>
                       <a:srgbClr val="000000"/>
                     </a:solidFill>
@@ -11729,7 +11729,7 @@
               </a:ln>
               <a:extLst>
                 <a:ext uri="{91240B29-F687-4f45-9708-019B960494DF}">
-                  <a14:hiddenLine xmlns="" xmlns:a14="http://schemas.microsoft.com/office/drawing/2010/main" w="9525">
+                  <a14:hiddenLine xmlns:a14="http://schemas.microsoft.com/office/drawing/2010/main" xmlns="" w="9525">
                     <a:solidFill>
                       <a:srgbClr val="000000"/>
                     </a:solidFill>
@@ -11794,7 +11794,7 @@
               </a:ln>
               <a:extLst>
                 <a:ext uri="{91240B29-F687-4f45-9708-019B960494DF}">
-                  <a14:hiddenLine xmlns="" xmlns:a14="http://schemas.microsoft.com/office/drawing/2010/main" w="9525">
+                  <a14:hiddenLine xmlns:a14="http://schemas.microsoft.com/office/drawing/2010/main" xmlns="" w="9525">
                     <a:solidFill>
                       <a:srgbClr val="000000"/>
                     </a:solidFill>
@@ -11884,7 +11884,7 @@
               </a:ln>
               <a:extLst>
                 <a:ext uri="{91240B29-F687-4f45-9708-019B960494DF}">
-                  <a14:hiddenLine xmlns="" xmlns:a14="http://schemas.microsoft.com/office/drawing/2010/main" w="9525">
+                  <a14:hiddenLine xmlns:a14="http://schemas.microsoft.com/office/drawing/2010/main" xmlns="" w="9525">
                     <a:solidFill>
                       <a:srgbClr val="000000"/>
                     </a:solidFill>
@@ -11952,7 +11952,7 @@
               </a:ln>
               <a:extLst>
                 <a:ext uri="{91240B29-F687-4f45-9708-019B960494DF}">
-                  <a14:hiddenLine xmlns="" xmlns:a14="http://schemas.microsoft.com/office/drawing/2010/main" w="9525">
+                  <a14:hiddenLine xmlns:a14="http://schemas.microsoft.com/office/drawing/2010/main" xmlns="" w="9525">
                     <a:solidFill>
                       <a:srgbClr val="000000"/>
                     </a:solidFill>
@@ -12042,7 +12042,7 @@
               </a:ln>
               <a:extLst>
                 <a:ext uri="{91240B29-F687-4f45-9708-019B960494DF}">
-                  <a14:hiddenLine xmlns="" xmlns:a14="http://schemas.microsoft.com/office/drawing/2010/main" w="9525">
+                  <a14:hiddenLine xmlns:a14="http://schemas.microsoft.com/office/drawing/2010/main" xmlns="" w="9525">
                     <a:solidFill>
                       <a:srgbClr val="000000"/>
                     </a:solidFill>
@@ -12110,7 +12110,7 @@
               </a:ln>
               <a:extLst>
                 <a:ext uri="{91240B29-F687-4f45-9708-019B960494DF}">
-                  <a14:hiddenLine xmlns="" xmlns:a14="http://schemas.microsoft.com/office/drawing/2010/main" w="9525">
+                  <a14:hiddenLine xmlns:a14="http://schemas.microsoft.com/office/drawing/2010/main" xmlns="" w="9525">
                     <a:solidFill>
                       <a:srgbClr val="000000"/>
                     </a:solidFill>
@@ -12200,7 +12200,7 @@
               </a:ln>
               <a:extLst>
                 <a:ext uri="{91240B29-F687-4f45-9708-019B960494DF}">
-                  <a14:hiddenLine xmlns="" xmlns:a14="http://schemas.microsoft.com/office/drawing/2010/main" w="9525">
+                  <a14:hiddenLine xmlns:a14="http://schemas.microsoft.com/office/drawing/2010/main" xmlns="" w="9525">
                     <a:solidFill>
                       <a:srgbClr val="000000"/>
                     </a:solidFill>
@@ -12234,7 +12234,7 @@
               </a:ln>
               <a:extLst>
                 <a:ext uri="{91240B29-F687-4f45-9708-019B960494DF}">
-                  <a14:hiddenLine xmlns="" xmlns:a14="http://schemas.microsoft.com/office/drawing/2010/main" w="9525">
+                  <a14:hiddenLine xmlns:a14="http://schemas.microsoft.com/office/drawing/2010/main" xmlns="" w="9525">
                     <a:solidFill>
                       <a:srgbClr val="000000"/>
                     </a:solidFill>
@@ -13133,7 +13133,7 @@
         </p:blipFill>
         <p:spPr>
           <a:xfrm>
-            <a:off x="5545862" y="1490870"/>
+            <a:off x="5545862" y="1200661"/>
             <a:ext cx="6415882" cy="3876260"/>
           </a:xfrm>
           <a:prstGeom prst="rect">
@@ -13159,17 +13159,26 @@
         </p:nvSpPr>
         <p:spPr>
           <a:xfrm>
-            <a:off x="5545862" y="5563772"/>
-            <a:ext cx="5501549" cy="424071"/>
+            <a:off x="5545861" y="5367130"/>
+            <a:ext cx="6074053" cy="1249942"/>
           </a:xfrm>
         </p:spPr>
         <p:txBody>
           <a:bodyPr>
-            <a:normAutofit fontScale="85000" lnSpcReduction="10000"/>
+            <a:normAutofit/>
           </a:bodyPr>
           <a:lstStyle/>
           <a:p>
-            <a:endParaRPr lang="en-US"/>
+            <a:r>
+              <a:rPr lang="en-US" sz="1400" dirty="0"/>
+              <a:t>There doesn't seem to be any persistent relationship between cases and income.</a:t>
+            </a:r>
+          </a:p>
+          <a:p>
+            <a:r>
+              <a:rPr lang="en-US" sz="1400" dirty="0"/>
+              <a:t>Poorer states show a lower total case count than wealthier states, but that might also be attributed to total population.</a:t>
+            </a:r>
           </a:p>
         </p:txBody>
       </p:sp>
@@ -13543,36 +13552,6 @@
           </a:prstGeom>
         </p:spPr>
       </p:pic>
-      <p:pic>
-        <p:nvPicPr>
-          <p:cNvPr id="9" name="Picture 8">
-            <a:extLst>
-              <a:ext uri="{FF2B5EF4-FFF2-40B4-BE49-F238E27FC236}">
-                <a16:creationId xmlns:a16="http://schemas.microsoft.com/office/drawing/2014/main" id="{287F6797-9FF3-40DB-A39F-5A555862130F}"/>
-              </a:ext>
-            </a:extLst>
-          </p:cNvPr>
-          <p:cNvPicPr>
-            <a:picLocks noChangeAspect="1"/>
-          </p:cNvPicPr>
-          <p:nvPr/>
-        </p:nvPicPr>
-        <p:blipFill>
-          <a:blip r:embed="rId4"/>
-          <a:stretch>
-            <a:fillRect/>
-          </a:stretch>
-        </p:blipFill>
-        <p:spPr>
-          <a:xfrm>
-            <a:off x="142335" y="2157336"/>
-            <a:ext cx="6001734" cy="3930017"/>
-          </a:xfrm>
-          <a:prstGeom prst="rect">
-            <a:avLst/>
-          </a:prstGeom>
-        </p:spPr>
-      </p:pic>
     </p:spTree>
     <p:extLst>
       <p:ext uri="{BB962C8B-B14F-4D97-AF65-F5344CB8AC3E}">
@@ -13746,97 +13725,6 @@
                                         <p:cTn id="14" dur="500" fill="hold"/>
                                         <p:tgtEl>
                                           <p:spTgt spid="7"/>
-                                        </p:tgtEl>
-                                        <p:attrNameLst>
-                                          <p:attrName>ppt_y</p:attrName>
-                                        </p:attrNameLst>
-                                      </p:cBhvr>
-                                      <p:tavLst>
-                                        <p:tav tm="0">
-                                          <p:val>
-                                            <p:strVal val="1+#ppt_h/2"/>
-                                          </p:val>
-                                        </p:tav>
-                                        <p:tav tm="100000">
-                                          <p:val>
-                                            <p:strVal val="#ppt_y"/>
-                                          </p:val>
-                                        </p:tav>
-                                      </p:tavLst>
-                                    </p:anim>
-                                  </p:childTnLst>
-                                </p:cTn>
-                              </p:par>
-                            </p:childTnLst>
-                          </p:cTn>
-                        </p:par>
-                      </p:childTnLst>
-                    </p:cTn>
-                  </p:par>
-                  <p:par>
-                    <p:cTn id="15" fill="hold">
-                      <p:stCondLst>
-                        <p:cond delay="indefinite"/>
-                      </p:stCondLst>
-                      <p:childTnLst>
-                        <p:par>
-                          <p:cTn id="16" fill="hold">
-                            <p:stCondLst>
-                              <p:cond delay="0"/>
-                            </p:stCondLst>
-                            <p:childTnLst>
-                              <p:par>
-                                <p:cTn id="17" presetID="2" presetClass="entr" presetSubtype="4" fill="hold" nodeType="clickEffect">
-                                  <p:stCondLst>
-                                    <p:cond delay="0"/>
-                                  </p:stCondLst>
-                                  <p:childTnLst>
-                                    <p:set>
-                                      <p:cBhvr>
-                                        <p:cTn id="18" dur="1" fill="hold">
-                                          <p:stCondLst>
-                                            <p:cond delay="0"/>
-                                          </p:stCondLst>
-                                        </p:cTn>
-                                        <p:tgtEl>
-                                          <p:spTgt spid="9"/>
-                                        </p:tgtEl>
-                                        <p:attrNameLst>
-                                          <p:attrName>style.visibility</p:attrName>
-                                        </p:attrNameLst>
-                                      </p:cBhvr>
-                                      <p:to>
-                                        <p:strVal val="visible"/>
-                                      </p:to>
-                                    </p:set>
-                                    <p:anim calcmode="lin" valueType="num">
-                                      <p:cBhvr additive="base">
-                                        <p:cTn id="19" dur="500" fill="hold"/>
-                                        <p:tgtEl>
-                                          <p:spTgt spid="9"/>
-                                        </p:tgtEl>
-                                        <p:attrNameLst>
-                                          <p:attrName>ppt_x</p:attrName>
-                                        </p:attrNameLst>
-                                      </p:cBhvr>
-                                      <p:tavLst>
-                                        <p:tav tm="0">
-                                          <p:val>
-                                            <p:strVal val="#ppt_x"/>
-                                          </p:val>
-                                        </p:tav>
-                                        <p:tav tm="100000">
-                                          <p:val>
-                                            <p:strVal val="#ppt_x"/>
-                                          </p:val>
-                                        </p:tav>
-                                      </p:tavLst>
-                                    </p:anim>
-                                    <p:anim calcmode="lin" valueType="num">
-                                      <p:cBhvr additive="base">
-                                        <p:cTn id="20" dur="500" fill="hold"/>
-                                        <p:tgtEl>
-                                          <p:spTgt spid="9"/>
                                         </p:tgtEl>
                                         <p:attrNameLst>
                                           <p:attrName>ppt_y</p:attrName>

--- a/PowerPoint/COVID_19 API Interactions.pptx
+++ b/PowerPoint/COVID_19 API Interactions.pptx
@@ -605,7 +605,7 @@
           <a:noFill/>
           <a:extLst>
             <a:ext uri="{909E8E84-426E-40dd-AFC4-6F175D3DCCD1}">
-              <a14:hiddenFill xmlns:a14="http://schemas.microsoft.com/office/drawing/2010/main" xmlns="">
+              <a14:hiddenFill xmlns="" xmlns:a14="http://schemas.microsoft.com/office/drawing/2010/main">
                 <a:solidFill>
                   <a:srgbClr val="FFFFFF"/>
                 </a:solidFill>
@@ -665,7 +665,7 @@
             </a:ln>
             <a:extLst>
               <a:ext uri="{91240B29-F687-4f45-9708-019B960494DF}">
-                <a14:hiddenLine xmlns:a14="http://schemas.microsoft.com/office/drawing/2010/main" xmlns="" w="9525">
+                <a14:hiddenLine xmlns="" xmlns:a14="http://schemas.microsoft.com/office/drawing/2010/main" w="9525">
                   <a:solidFill>
                     <a:srgbClr val="000000"/>
                   </a:solidFill>
@@ -755,7 +755,7 @@
             </a:ln>
             <a:extLst>
               <a:ext uri="{91240B29-F687-4f45-9708-019B960494DF}">
-                <a14:hiddenLine xmlns:a14="http://schemas.microsoft.com/office/drawing/2010/main" xmlns="" w="9525">
+                <a14:hiddenLine xmlns="" xmlns:a14="http://schemas.microsoft.com/office/drawing/2010/main" w="9525">
                   <a:solidFill>
                     <a:srgbClr val="000000"/>
                   </a:solidFill>
@@ -845,7 +845,7 @@
             </a:ln>
             <a:extLst>
               <a:ext uri="{91240B29-F687-4f45-9708-019B960494DF}">
-                <a14:hiddenLine xmlns:a14="http://schemas.microsoft.com/office/drawing/2010/main" xmlns="" w="9525">
+                <a14:hiddenLine xmlns="" xmlns:a14="http://schemas.microsoft.com/office/drawing/2010/main" w="9525">
                   <a:solidFill>
                     <a:srgbClr val="000000"/>
                   </a:solidFill>
@@ -879,7 +879,7 @@
             </a:ln>
             <a:extLst>
               <a:ext uri="{91240B29-F687-4f45-9708-019B960494DF}">
-                <a14:hiddenLine xmlns:a14="http://schemas.microsoft.com/office/drawing/2010/main" xmlns="" w="9525">
+                <a14:hiddenLine xmlns="" xmlns:a14="http://schemas.microsoft.com/office/drawing/2010/main" w="9525">
                   <a:solidFill>
                     <a:srgbClr val="000000"/>
                   </a:solidFill>
@@ -969,7 +969,7 @@
             </a:ln>
             <a:extLst>
               <a:ext uri="{91240B29-F687-4f45-9708-019B960494DF}">
-                <a14:hiddenLine xmlns:a14="http://schemas.microsoft.com/office/drawing/2010/main" xmlns="" w="9525">
+                <a14:hiddenLine xmlns="" xmlns:a14="http://schemas.microsoft.com/office/drawing/2010/main" w="9525">
                   <a:solidFill>
                     <a:srgbClr val="000000"/>
                   </a:solidFill>
@@ -1031,7 +1031,7 @@
             </a:ln>
             <a:extLst>
               <a:ext uri="{91240B29-F687-4f45-9708-019B960494DF}">
-                <a14:hiddenLine xmlns:a14="http://schemas.microsoft.com/office/drawing/2010/main" xmlns="" w="9525">
+                <a14:hiddenLine xmlns="" xmlns:a14="http://schemas.microsoft.com/office/drawing/2010/main" w="9525">
                   <a:solidFill>
                     <a:srgbClr val="000000"/>
                   </a:solidFill>
@@ -1093,7 +1093,7 @@
             </a:ln>
             <a:extLst>
               <a:ext uri="{91240B29-F687-4f45-9708-019B960494DF}">
-                <a14:hiddenLine xmlns:a14="http://schemas.microsoft.com/office/drawing/2010/main" xmlns="" w="9525">
+                <a14:hiddenLine xmlns="" xmlns:a14="http://schemas.microsoft.com/office/drawing/2010/main" w="9525">
                   <a:solidFill>
                     <a:srgbClr val="000000"/>
                   </a:solidFill>
@@ -1183,7 +1183,7 @@
             </a:ln>
             <a:extLst>
               <a:ext uri="{91240B29-F687-4f45-9708-019B960494DF}">
-                <a14:hiddenLine xmlns:a14="http://schemas.microsoft.com/office/drawing/2010/main" xmlns="" w="9525">
+                <a14:hiddenLine xmlns="" xmlns:a14="http://schemas.microsoft.com/office/drawing/2010/main" w="9525">
                   <a:solidFill>
                     <a:srgbClr val="000000"/>
                   </a:solidFill>
@@ -1245,7 +1245,7 @@
             </a:ln>
             <a:extLst>
               <a:ext uri="{91240B29-F687-4f45-9708-019B960494DF}">
-                <a14:hiddenLine xmlns:a14="http://schemas.microsoft.com/office/drawing/2010/main" xmlns="" w="9525">
+                <a14:hiddenLine xmlns="" xmlns:a14="http://schemas.microsoft.com/office/drawing/2010/main" w="9525">
                   <a:solidFill>
                     <a:srgbClr val="000000"/>
                   </a:solidFill>
@@ -1307,7 +1307,7 @@
             </a:ln>
             <a:extLst>
               <a:ext uri="{91240B29-F687-4f45-9708-019B960494DF}">
-                <a14:hiddenLine xmlns:a14="http://schemas.microsoft.com/office/drawing/2010/main" xmlns="" w="9525">
+                <a14:hiddenLine xmlns="" xmlns:a14="http://schemas.microsoft.com/office/drawing/2010/main" w="9525">
                   <a:solidFill>
                     <a:srgbClr val="000000"/>
                   </a:solidFill>
@@ -1397,7 +1397,7 @@
             </a:ln>
             <a:extLst>
               <a:ext uri="{91240B29-F687-4f45-9708-019B960494DF}">
-                <a14:hiddenLine xmlns:a14="http://schemas.microsoft.com/office/drawing/2010/main" xmlns="" w="9525">
+                <a14:hiddenLine xmlns="" xmlns:a14="http://schemas.microsoft.com/office/drawing/2010/main" w="9525">
                   <a:solidFill>
                     <a:srgbClr val="000000"/>
                   </a:solidFill>
@@ -1487,7 +1487,7 @@
             </a:ln>
             <a:extLst>
               <a:ext uri="{91240B29-F687-4f45-9708-019B960494DF}">
-                <a14:hiddenLine xmlns:a14="http://schemas.microsoft.com/office/drawing/2010/main" xmlns="" w="9525">
+                <a14:hiddenLine xmlns="" xmlns:a14="http://schemas.microsoft.com/office/drawing/2010/main" w="9525">
                   <a:solidFill>
                     <a:srgbClr val="000000"/>
                   </a:solidFill>
@@ -1549,7 +1549,7 @@
             </a:ln>
             <a:extLst>
               <a:ext uri="{91240B29-F687-4f45-9708-019B960494DF}">
-                <a14:hiddenLine xmlns:a14="http://schemas.microsoft.com/office/drawing/2010/main" xmlns="" w="9525">
+                <a14:hiddenLine xmlns="" xmlns:a14="http://schemas.microsoft.com/office/drawing/2010/main" w="9525">
                   <a:solidFill>
                     <a:srgbClr val="000000"/>
                   </a:solidFill>
@@ -1659,7 +1659,7 @@
             </a:ln>
             <a:extLst>
               <a:ext uri="{91240B29-F687-4f45-9708-019B960494DF}">
-                <a14:hiddenLine xmlns:a14="http://schemas.microsoft.com/office/drawing/2010/main" xmlns="" w="9525">
+                <a14:hiddenLine xmlns="" xmlns:a14="http://schemas.microsoft.com/office/drawing/2010/main" w="9525">
                   <a:solidFill>
                     <a:srgbClr val="000000"/>
                   </a:solidFill>
@@ -1721,7 +1721,7 @@
             </a:ln>
             <a:extLst>
               <a:ext uri="{91240B29-F687-4f45-9708-019B960494DF}">
-                <a14:hiddenLine xmlns:a14="http://schemas.microsoft.com/office/drawing/2010/main" xmlns="" w="9525">
+                <a14:hiddenLine xmlns="" xmlns:a14="http://schemas.microsoft.com/office/drawing/2010/main" w="9525">
                   <a:solidFill>
                     <a:srgbClr val="000000"/>
                   </a:solidFill>
@@ -1811,7 +1811,7 @@
             </a:ln>
             <a:extLst>
               <a:ext uri="{91240B29-F687-4f45-9708-019B960494DF}">
-                <a14:hiddenLine xmlns:a14="http://schemas.microsoft.com/office/drawing/2010/main" xmlns="" w="9525">
+                <a14:hiddenLine xmlns="" xmlns:a14="http://schemas.microsoft.com/office/drawing/2010/main" w="9525">
                   <a:solidFill>
                     <a:srgbClr val="000000"/>
                   </a:solidFill>
@@ -1901,7 +1901,7 @@
             </a:ln>
             <a:extLst>
               <a:ext uri="{91240B29-F687-4f45-9708-019B960494DF}">
-                <a14:hiddenLine xmlns:a14="http://schemas.microsoft.com/office/drawing/2010/main" xmlns="" w="9525">
+                <a14:hiddenLine xmlns="" xmlns:a14="http://schemas.microsoft.com/office/drawing/2010/main" w="9525">
                   <a:solidFill>
                     <a:srgbClr val="000000"/>
                   </a:solidFill>
@@ -1963,7 +1963,7 @@
             </a:ln>
             <a:extLst>
               <a:ext uri="{91240B29-F687-4f45-9708-019B960494DF}">
-                <a14:hiddenLine xmlns:a14="http://schemas.microsoft.com/office/drawing/2010/main" xmlns="" w="9525">
+                <a14:hiddenLine xmlns="" xmlns:a14="http://schemas.microsoft.com/office/drawing/2010/main" w="9525">
                   <a:solidFill>
                     <a:srgbClr val="000000"/>
                   </a:solidFill>
@@ -2053,7 +2053,7 @@
             </a:ln>
             <a:extLst>
               <a:ext uri="{91240B29-F687-4f45-9708-019B960494DF}">
-                <a14:hiddenLine xmlns:a14="http://schemas.microsoft.com/office/drawing/2010/main" xmlns="" w="9525">
+                <a14:hiddenLine xmlns="" xmlns:a14="http://schemas.microsoft.com/office/drawing/2010/main" w="9525">
                   <a:solidFill>
                     <a:srgbClr val="000000"/>
                   </a:solidFill>
@@ -2143,7 +2143,7 @@
             </a:ln>
             <a:extLst>
               <a:ext uri="{91240B29-F687-4f45-9708-019B960494DF}">
-                <a14:hiddenLine xmlns:a14="http://schemas.microsoft.com/office/drawing/2010/main" xmlns="" w="9525">
+                <a14:hiddenLine xmlns="" xmlns:a14="http://schemas.microsoft.com/office/drawing/2010/main" w="9525">
                   <a:solidFill>
                     <a:srgbClr val="000000"/>
                   </a:solidFill>
@@ -2199,7 +2199,7 @@
             </a:ln>
             <a:extLst>
               <a:ext uri="{91240B29-F687-4f45-9708-019B960494DF}">
-                <a14:hiddenLine xmlns:a14="http://schemas.microsoft.com/office/drawing/2010/main" xmlns="" w="9525">
+                <a14:hiddenLine xmlns="" xmlns:a14="http://schemas.microsoft.com/office/drawing/2010/main" w="9525">
                   <a:solidFill>
                     <a:srgbClr val="000000"/>
                   </a:solidFill>
@@ -2289,7 +2289,7 @@
             </a:ln>
             <a:extLst>
               <a:ext uri="{91240B29-F687-4f45-9708-019B960494DF}">
-                <a14:hiddenLine xmlns:a14="http://schemas.microsoft.com/office/drawing/2010/main" xmlns="" w="9525">
+                <a14:hiddenLine xmlns="" xmlns:a14="http://schemas.microsoft.com/office/drawing/2010/main" w="9525">
                   <a:solidFill>
                     <a:srgbClr val="000000"/>
                   </a:solidFill>
@@ -2345,7 +2345,7 @@
             </a:ln>
             <a:extLst>
               <a:ext uri="{91240B29-F687-4f45-9708-019B960494DF}">
-                <a14:hiddenLine xmlns:a14="http://schemas.microsoft.com/office/drawing/2010/main" xmlns="" w="9525">
+                <a14:hiddenLine xmlns="" xmlns:a14="http://schemas.microsoft.com/office/drawing/2010/main" w="9525">
                   <a:solidFill>
                     <a:srgbClr val="000000"/>
                   </a:solidFill>
@@ -2435,7 +2435,7 @@
             </a:ln>
             <a:extLst>
               <a:ext uri="{91240B29-F687-4f45-9708-019B960494DF}">
-                <a14:hiddenLine xmlns:a14="http://schemas.microsoft.com/office/drawing/2010/main" xmlns="" w="9525">
+                <a14:hiddenLine xmlns="" xmlns:a14="http://schemas.microsoft.com/office/drawing/2010/main" w="9525">
                   <a:solidFill>
                     <a:srgbClr val="000000"/>
                   </a:solidFill>
@@ -2503,7 +2503,7 @@
             </a:ln>
             <a:extLst>
               <a:ext uri="{91240B29-F687-4f45-9708-019B960494DF}">
-                <a14:hiddenLine xmlns:a14="http://schemas.microsoft.com/office/drawing/2010/main" xmlns="" w="9525">
+                <a14:hiddenLine xmlns="" xmlns:a14="http://schemas.microsoft.com/office/drawing/2010/main" w="9525">
                   <a:solidFill>
                     <a:srgbClr val="000000"/>
                   </a:solidFill>
@@ -2593,7 +2593,7 @@
             </a:ln>
             <a:extLst>
               <a:ext uri="{91240B29-F687-4f45-9708-019B960494DF}">
-                <a14:hiddenLine xmlns:a14="http://schemas.microsoft.com/office/drawing/2010/main" xmlns="" w="9525">
+                <a14:hiddenLine xmlns="" xmlns:a14="http://schemas.microsoft.com/office/drawing/2010/main" w="9525">
                   <a:solidFill>
                     <a:srgbClr val="000000"/>
                   </a:solidFill>
@@ -2661,7 +2661,7 @@
             </a:ln>
             <a:extLst>
               <a:ext uri="{91240B29-F687-4f45-9708-019B960494DF}">
-                <a14:hiddenLine xmlns:a14="http://schemas.microsoft.com/office/drawing/2010/main" xmlns="" w="9525">
+                <a14:hiddenLine xmlns="" xmlns:a14="http://schemas.microsoft.com/office/drawing/2010/main" w="9525">
                   <a:solidFill>
                     <a:srgbClr val="000000"/>
                   </a:solidFill>
@@ -2751,7 +2751,7 @@
             </a:ln>
             <a:extLst>
               <a:ext uri="{91240B29-F687-4f45-9708-019B960494DF}">
-                <a14:hiddenLine xmlns:a14="http://schemas.microsoft.com/office/drawing/2010/main" xmlns="" w="9525">
+                <a14:hiddenLine xmlns="" xmlns:a14="http://schemas.microsoft.com/office/drawing/2010/main" w="9525">
                   <a:solidFill>
                     <a:srgbClr val="000000"/>
                   </a:solidFill>
@@ -2785,7 +2785,7 @@
             </a:ln>
             <a:extLst>
               <a:ext uri="{91240B29-F687-4f45-9708-019B960494DF}">
-                <a14:hiddenLine xmlns:a14="http://schemas.microsoft.com/office/drawing/2010/main" xmlns="" w="9525">
+                <a14:hiddenLine xmlns="" xmlns:a14="http://schemas.microsoft.com/office/drawing/2010/main" w="9525">
                   <a:solidFill>
                     <a:srgbClr val="000000"/>
                   </a:solidFill>
@@ -2875,7 +2875,7 @@
             </a:ln>
             <a:extLst>
               <a:ext uri="{91240B29-F687-4f45-9708-019B960494DF}">
-                <a14:hiddenLine xmlns:a14="http://schemas.microsoft.com/office/drawing/2010/main" xmlns="" w="9525">
+                <a14:hiddenLine xmlns="" xmlns:a14="http://schemas.microsoft.com/office/drawing/2010/main" w="9525">
                   <a:solidFill>
                     <a:srgbClr val="000000"/>
                   </a:solidFill>
@@ -2937,7 +2937,7 @@
             </a:ln>
             <a:extLst>
               <a:ext uri="{91240B29-F687-4f45-9708-019B960494DF}">
-                <a14:hiddenLine xmlns:a14="http://schemas.microsoft.com/office/drawing/2010/main" xmlns="" w="9525">
+                <a14:hiddenLine xmlns="" xmlns:a14="http://schemas.microsoft.com/office/drawing/2010/main" w="9525">
                   <a:solidFill>
                     <a:srgbClr val="000000"/>
                   </a:solidFill>
@@ -2999,7 +2999,7 @@
             </a:ln>
             <a:extLst>
               <a:ext uri="{91240B29-F687-4f45-9708-019B960494DF}">
-                <a14:hiddenLine xmlns:a14="http://schemas.microsoft.com/office/drawing/2010/main" xmlns="" w="9525">
+                <a14:hiddenLine xmlns="" xmlns:a14="http://schemas.microsoft.com/office/drawing/2010/main" w="9525">
                   <a:solidFill>
                     <a:srgbClr val="000000"/>
                   </a:solidFill>
@@ -3089,7 +3089,7 @@
             </a:ln>
             <a:extLst>
               <a:ext uri="{91240B29-F687-4f45-9708-019B960494DF}">
-                <a14:hiddenLine xmlns:a14="http://schemas.microsoft.com/office/drawing/2010/main" xmlns="" w="9525">
+                <a14:hiddenLine xmlns="" xmlns:a14="http://schemas.microsoft.com/office/drawing/2010/main" w="9525">
                   <a:solidFill>
                     <a:srgbClr val="000000"/>
                   </a:solidFill>
@@ -3157,7 +3157,7 @@
             </a:ln>
             <a:extLst>
               <a:ext uri="{91240B29-F687-4f45-9708-019B960494DF}">
-                <a14:hiddenLine xmlns:a14="http://schemas.microsoft.com/office/drawing/2010/main" xmlns="" w="9525">
+                <a14:hiddenLine xmlns="" xmlns:a14="http://schemas.microsoft.com/office/drawing/2010/main" w="9525">
                   <a:solidFill>
                     <a:srgbClr val="000000"/>
                   </a:solidFill>
@@ -3219,7 +3219,7 @@
             </a:ln>
             <a:extLst>
               <a:ext uri="{91240B29-F687-4f45-9708-019B960494DF}">
-                <a14:hiddenLine xmlns:a14="http://schemas.microsoft.com/office/drawing/2010/main" xmlns="" w="9525">
+                <a14:hiddenLine xmlns="" xmlns:a14="http://schemas.microsoft.com/office/drawing/2010/main" w="9525">
                   <a:solidFill>
                     <a:srgbClr val="000000"/>
                   </a:solidFill>
@@ -3309,7 +3309,7 @@
             </a:ln>
             <a:extLst>
               <a:ext uri="{91240B29-F687-4f45-9708-019B960494DF}">
-                <a14:hiddenLine xmlns:a14="http://schemas.microsoft.com/office/drawing/2010/main" xmlns="" w="9525">
+                <a14:hiddenLine xmlns="" xmlns:a14="http://schemas.microsoft.com/office/drawing/2010/main" w="9525">
                   <a:solidFill>
                     <a:srgbClr val="000000"/>
                   </a:solidFill>
@@ -3371,7 +3371,7 @@
             </a:ln>
             <a:extLst>
               <a:ext uri="{91240B29-F687-4f45-9708-019B960494DF}">
-                <a14:hiddenLine xmlns:a14="http://schemas.microsoft.com/office/drawing/2010/main" xmlns="" w="9525">
+                <a14:hiddenLine xmlns="" xmlns:a14="http://schemas.microsoft.com/office/drawing/2010/main" w="9525">
                   <a:solidFill>
                     <a:srgbClr val="000000"/>
                   </a:solidFill>
@@ -3461,7 +3461,7 @@
             </a:ln>
             <a:extLst>
               <a:ext uri="{91240B29-F687-4f45-9708-019B960494DF}">
-                <a14:hiddenLine xmlns:a14="http://schemas.microsoft.com/office/drawing/2010/main" xmlns="" w="9525">
+                <a14:hiddenLine xmlns="" xmlns:a14="http://schemas.microsoft.com/office/drawing/2010/main" w="9525">
                   <a:solidFill>
                     <a:srgbClr val="000000"/>
                   </a:solidFill>
@@ -3523,7 +3523,7 @@
             </a:ln>
             <a:extLst>
               <a:ext uri="{91240B29-F687-4f45-9708-019B960494DF}">
-                <a14:hiddenLine xmlns:a14="http://schemas.microsoft.com/office/drawing/2010/main" xmlns="" w="9525">
+                <a14:hiddenLine xmlns="" xmlns:a14="http://schemas.microsoft.com/office/drawing/2010/main" w="9525">
                   <a:solidFill>
                     <a:srgbClr val="000000"/>
                   </a:solidFill>
@@ -3613,7 +3613,7 @@
             </a:ln>
             <a:extLst>
               <a:ext uri="{91240B29-F687-4f45-9708-019B960494DF}">
-                <a14:hiddenLine xmlns:a14="http://schemas.microsoft.com/office/drawing/2010/main" xmlns="" w="9525">
+                <a14:hiddenLine xmlns="" xmlns:a14="http://schemas.microsoft.com/office/drawing/2010/main" w="9525">
                   <a:solidFill>
                     <a:srgbClr val="000000"/>
                   </a:solidFill>
@@ -3647,7 +3647,7 @@
             </a:ln>
             <a:extLst>
               <a:ext uri="{91240B29-F687-4f45-9708-019B960494DF}">
-                <a14:hiddenLine xmlns:a14="http://schemas.microsoft.com/office/drawing/2010/main" xmlns="" w="9525">
+                <a14:hiddenLine xmlns="" xmlns:a14="http://schemas.microsoft.com/office/drawing/2010/main" w="9525">
                   <a:solidFill>
                     <a:srgbClr val="000000"/>
                   </a:solidFill>
@@ -3712,7 +3712,7 @@
             </a:ln>
             <a:extLst>
               <a:ext uri="{91240B29-F687-4f45-9708-019B960494DF}">
-                <a14:hiddenLine xmlns:a14="http://schemas.microsoft.com/office/drawing/2010/main" xmlns="" w="9525">
+                <a14:hiddenLine xmlns="" xmlns:a14="http://schemas.microsoft.com/office/drawing/2010/main" w="9525">
                   <a:solidFill>
                     <a:srgbClr val="000000"/>
                   </a:solidFill>
@@ -3802,7 +3802,7 @@
             </a:ln>
             <a:extLst>
               <a:ext uri="{91240B29-F687-4f45-9708-019B960494DF}">
-                <a14:hiddenLine xmlns:a14="http://schemas.microsoft.com/office/drawing/2010/main" xmlns="" w="9525">
+                <a14:hiddenLine xmlns="" xmlns:a14="http://schemas.microsoft.com/office/drawing/2010/main" w="9525">
                   <a:solidFill>
                     <a:srgbClr val="000000"/>
                   </a:solidFill>
@@ -3864,7 +3864,7 @@
             </a:ln>
             <a:extLst>
               <a:ext uri="{91240B29-F687-4f45-9708-019B960494DF}">
-                <a14:hiddenLine xmlns:a14="http://schemas.microsoft.com/office/drawing/2010/main" xmlns="" w="9525">
+                <a14:hiddenLine xmlns="" xmlns:a14="http://schemas.microsoft.com/office/drawing/2010/main" w="9525">
                   <a:solidFill>
                     <a:srgbClr val="000000"/>
                   </a:solidFill>
@@ -3954,7 +3954,7 @@
             </a:ln>
             <a:extLst>
               <a:ext uri="{91240B29-F687-4f45-9708-019B960494DF}">
-                <a14:hiddenLine xmlns:a14="http://schemas.microsoft.com/office/drawing/2010/main" xmlns="" w="9525">
+                <a14:hiddenLine xmlns="" xmlns:a14="http://schemas.microsoft.com/office/drawing/2010/main" w="9525">
                   <a:solidFill>
                     <a:srgbClr val="000000"/>
                   </a:solidFill>
@@ -4044,7 +4044,7 @@
             </a:ln>
             <a:extLst>
               <a:ext uri="{91240B29-F687-4f45-9708-019B960494DF}">
-                <a14:hiddenLine xmlns:a14="http://schemas.microsoft.com/office/drawing/2010/main" xmlns="" w="9525">
+                <a14:hiddenLine xmlns="" xmlns:a14="http://schemas.microsoft.com/office/drawing/2010/main" w="9525">
                   <a:solidFill>
                     <a:srgbClr val="000000"/>
                   </a:solidFill>
@@ -4109,7 +4109,7 @@
             </a:ln>
             <a:extLst>
               <a:ext uri="{91240B29-F687-4f45-9708-019B960494DF}">
-                <a14:hiddenLine xmlns:a14="http://schemas.microsoft.com/office/drawing/2010/main" xmlns="" w="9525">
+                <a14:hiddenLine xmlns="" xmlns:a14="http://schemas.microsoft.com/office/drawing/2010/main" w="9525">
                   <a:solidFill>
                     <a:srgbClr val="000000"/>
                   </a:solidFill>
@@ -4171,7 +4171,7 @@
             </a:ln>
             <a:extLst>
               <a:ext uri="{91240B29-F687-4f45-9708-019B960494DF}">
-                <a14:hiddenLine xmlns:a14="http://schemas.microsoft.com/office/drawing/2010/main" xmlns="" w="9525">
+                <a14:hiddenLine xmlns="" xmlns:a14="http://schemas.microsoft.com/office/drawing/2010/main" w="9525">
                   <a:solidFill>
                     <a:srgbClr val="000000"/>
                   </a:solidFill>
@@ -4261,7 +4261,7 @@
             </a:ln>
             <a:extLst>
               <a:ext uri="{91240B29-F687-4f45-9708-019B960494DF}">
-                <a14:hiddenLine xmlns:a14="http://schemas.microsoft.com/office/drawing/2010/main" xmlns="" w="9525">
+                <a14:hiddenLine xmlns="" xmlns:a14="http://schemas.microsoft.com/office/drawing/2010/main" w="9525">
                   <a:solidFill>
                     <a:srgbClr val="000000"/>
                   </a:solidFill>
@@ -4351,7 +4351,7 @@
             </a:ln>
             <a:extLst>
               <a:ext uri="{91240B29-F687-4f45-9708-019B960494DF}">
-                <a14:hiddenLine xmlns:a14="http://schemas.microsoft.com/office/drawing/2010/main" xmlns="" w="9525">
+                <a14:hiddenLine xmlns="" xmlns:a14="http://schemas.microsoft.com/office/drawing/2010/main" w="9525">
                   <a:solidFill>
                     <a:srgbClr val="000000"/>
                   </a:solidFill>
@@ -4413,7 +4413,7 @@
             </a:ln>
             <a:extLst>
               <a:ext uri="{91240B29-F687-4f45-9708-019B960494DF}">
-                <a14:hiddenLine xmlns:a14="http://schemas.microsoft.com/office/drawing/2010/main" xmlns="" w="9525">
+                <a14:hiddenLine xmlns="" xmlns:a14="http://schemas.microsoft.com/office/drawing/2010/main" w="9525">
                   <a:solidFill>
                     <a:srgbClr val="000000"/>
                   </a:solidFill>
@@ -4533,7 +4533,7 @@
             </a:ln>
             <a:extLst>
               <a:ext uri="{91240B29-F687-4f45-9708-019B960494DF}">
-                <a14:hiddenLine xmlns:a14="http://schemas.microsoft.com/office/drawing/2010/main" xmlns="" w="9525">
+                <a14:hiddenLine xmlns="" xmlns:a14="http://schemas.microsoft.com/office/drawing/2010/main" w="9525">
                   <a:solidFill>
                     <a:srgbClr val="000000"/>
                   </a:solidFill>
@@ -4601,7 +4601,7 @@
             </a:ln>
             <a:extLst>
               <a:ext uri="{91240B29-F687-4f45-9708-019B960494DF}">
-                <a14:hiddenLine xmlns:a14="http://schemas.microsoft.com/office/drawing/2010/main" xmlns="" w="9525">
+                <a14:hiddenLine xmlns="" xmlns:a14="http://schemas.microsoft.com/office/drawing/2010/main" w="9525">
                   <a:solidFill>
                     <a:srgbClr val="000000"/>
                   </a:solidFill>
@@ -4691,7 +4691,7 @@
             </a:ln>
             <a:extLst>
               <a:ext uri="{91240B29-F687-4f45-9708-019B960494DF}">
-                <a14:hiddenLine xmlns:a14="http://schemas.microsoft.com/office/drawing/2010/main" xmlns="" w="9525">
+                <a14:hiddenLine xmlns="" xmlns:a14="http://schemas.microsoft.com/office/drawing/2010/main" w="9525">
                   <a:solidFill>
                     <a:srgbClr val="000000"/>
                   </a:solidFill>
@@ -9413,7 +9413,7 @@
           <a:noFill/>
           <a:extLst>
             <a:ext uri="{909E8E84-426E-40dd-AFC4-6F175D3DCCD1}">
-              <a14:hiddenFill xmlns:a14="http://schemas.microsoft.com/office/drawing/2010/main" xmlns="">
+              <a14:hiddenFill xmlns="" xmlns:a14="http://schemas.microsoft.com/office/drawing/2010/main">
                 <a:solidFill>
                   <a:srgbClr val="FFFFFF"/>
                 </a:solidFill>
@@ -9487,7 +9487,7 @@
               </a:ln>
               <a:extLst>
                 <a:ext uri="{91240B29-F687-4f45-9708-019B960494DF}">
-                  <a14:hiddenLine xmlns:a14="http://schemas.microsoft.com/office/drawing/2010/main" xmlns="" w="9525">
+                  <a14:hiddenLine xmlns="" xmlns:a14="http://schemas.microsoft.com/office/drawing/2010/main" w="9525">
                     <a:solidFill>
                       <a:srgbClr val="000000"/>
                     </a:solidFill>
@@ -9577,7 +9577,7 @@
               </a:ln>
               <a:extLst>
                 <a:ext uri="{91240B29-F687-4f45-9708-019B960494DF}">
-                  <a14:hiddenLine xmlns:a14="http://schemas.microsoft.com/office/drawing/2010/main" xmlns="" w="9525">
+                  <a14:hiddenLine xmlns="" xmlns:a14="http://schemas.microsoft.com/office/drawing/2010/main" w="9525">
                     <a:solidFill>
                       <a:srgbClr val="000000"/>
                     </a:solidFill>
@@ -9667,7 +9667,7 @@
               </a:ln>
               <a:extLst>
                 <a:ext uri="{91240B29-F687-4f45-9708-019B960494DF}">
-                  <a14:hiddenLine xmlns:a14="http://schemas.microsoft.com/office/drawing/2010/main" xmlns="" w="9525">
+                  <a14:hiddenLine xmlns="" xmlns:a14="http://schemas.microsoft.com/office/drawing/2010/main" w="9525">
                     <a:solidFill>
                       <a:srgbClr val="000000"/>
                     </a:solidFill>
@@ -9729,7 +9729,7 @@
               </a:ln>
               <a:extLst>
                 <a:ext uri="{91240B29-F687-4f45-9708-019B960494DF}">
-                  <a14:hiddenLine xmlns:a14="http://schemas.microsoft.com/office/drawing/2010/main" xmlns="" w="9525">
+                  <a14:hiddenLine xmlns="" xmlns:a14="http://schemas.microsoft.com/office/drawing/2010/main" w="9525">
                     <a:solidFill>
                       <a:srgbClr val="000000"/>
                     </a:solidFill>
@@ -9819,7 +9819,7 @@
               </a:ln>
               <a:extLst>
                 <a:ext uri="{91240B29-F687-4f45-9708-019B960494DF}">
-                  <a14:hiddenLine xmlns:a14="http://schemas.microsoft.com/office/drawing/2010/main" xmlns="" w="9525">
+                  <a14:hiddenLine xmlns="" xmlns:a14="http://schemas.microsoft.com/office/drawing/2010/main" w="9525">
                     <a:solidFill>
                       <a:srgbClr val="000000"/>
                     </a:solidFill>
@@ -9881,7 +9881,7 @@
               </a:ln>
               <a:extLst>
                 <a:ext uri="{91240B29-F687-4f45-9708-019B960494DF}">
-                  <a14:hiddenLine xmlns:a14="http://schemas.microsoft.com/office/drawing/2010/main" xmlns="" w="9525">
+                  <a14:hiddenLine xmlns="" xmlns:a14="http://schemas.microsoft.com/office/drawing/2010/main" w="9525">
                     <a:solidFill>
                       <a:srgbClr val="000000"/>
                     </a:solidFill>
@@ -9943,7 +9943,7 @@
               </a:ln>
               <a:extLst>
                 <a:ext uri="{91240B29-F687-4f45-9708-019B960494DF}">
-                  <a14:hiddenLine xmlns:a14="http://schemas.microsoft.com/office/drawing/2010/main" xmlns="" w="9525">
+                  <a14:hiddenLine xmlns="" xmlns:a14="http://schemas.microsoft.com/office/drawing/2010/main" w="9525">
                     <a:solidFill>
                       <a:srgbClr val="000000"/>
                     </a:solidFill>
@@ -10033,7 +10033,7 @@
               </a:ln>
               <a:extLst>
                 <a:ext uri="{91240B29-F687-4f45-9708-019B960494DF}">
-                  <a14:hiddenLine xmlns:a14="http://schemas.microsoft.com/office/drawing/2010/main" xmlns="" w="9525">
+                  <a14:hiddenLine xmlns="" xmlns:a14="http://schemas.microsoft.com/office/drawing/2010/main" w="9525">
                     <a:solidFill>
                       <a:srgbClr val="000000"/>
                     </a:solidFill>
@@ -10123,7 +10123,7 @@
               </a:ln>
               <a:extLst>
                 <a:ext uri="{91240B29-F687-4f45-9708-019B960494DF}">
-                  <a14:hiddenLine xmlns:a14="http://schemas.microsoft.com/office/drawing/2010/main" xmlns="" w="9525">
+                  <a14:hiddenLine xmlns="" xmlns:a14="http://schemas.microsoft.com/office/drawing/2010/main" w="9525">
                     <a:solidFill>
                       <a:srgbClr val="000000"/>
                     </a:solidFill>
@@ -10185,7 +10185,7 @@
               </a:ln>
               <a:extLst>
                 <a:ext uri="{91240B29-F687-4f45-9708-019B960494DF}">
-                  <a14:hiddenLine xmlns:a14="http://schemas.microsoft.com/office/drawing/2010/main" xmlns="" w="9525">
+                  <a14:hiddenLine xmlns="" xmlns:a14="http://schemas.microsoft.com/office/drawing/2010/main" w="9525">
                     <a:solidFill>
                       <a:srgbClr val="000000"/>
                     </a:solidFill>
@@ -10295,7 +10295,7 @@
               </a:ln>
               <a:extLst>
                 <a:ext uri="{91240B29-F687-4f45-9708-019B960494DF}">
-                  <a14:hiddenLine xmlns:a14="http://schemas.microsoft.com/office/drawing/2010/main" xmlns="" w="9525">
+                  <a14:hiddenLine xmlns="" xmlns:a14="http://schemas.microsoft.com/office/drawing/2010/main" w="9525">
                     <a:solidFill>
                       <a:srgbClr val="000000"/>
                     </a:solidFill>
@@ -10379,7 +10379,7 @@
               </a:ln>
               <a:extLst>
                 <a:ext uri="{91240B29-F687-4f45-9708-019B960494DF}">
-                  <a14:hiddenLine xmlns:a14="http://schemas.microsoft.com/office/drawing/2010/main" xmlns="" w="9525">
+                  <a14:hiddenLine xmlns="" xmlns:a14="http://schemas.microsoft.com/office/drawing/2010/main" w="9525">
                     <a:solidFill>
                       <a:srgbClr val="000000"/>
                     </a:solidFill>
@@ -10441,7 +10441,7 @@
               </a:ln>
               <a:extLst>
                 <a:ext uri="{91240B29-F687-4f45-9708-019B960494DF}">
-                  <a14:hiddenLine xmlns:a14="http://schemas.microsoft.com/office/drawing/2010/main" xmlns="" w="9525">
+                  <a14:hiddenLine xmlns="" xmlns:a14="http://schemas.microsoft.com/office/drawing/2010/main" w="9525">
                     <a:solidFill>
                       <a:srgbClr val="000000"/>
                     </a:solidFill>
@@ -10503,7 +10503,7 @@
               </a:ln>
               <a:extLst>
                 <a:ext uri="{91240B29-F687-4f45-9708-019B960494DF}">
-                  <a14:hiddenLine xmlns:a14="http://schemas.microsoft.com/office/drawing/2010/main" xmlns="" w="9525">
+                  <a14:hiddenLine xmlns="" xmlns:a14="http://schemas.microsoft.com/office/drawing/2010/main" w="9525">
                     <a:solidFill>
                       <a:srgbClr val="000000"/>
                     </a:solidFill>
@@ -10593,7 +10593,7 @@
               </a:ln>
               <a:extLst>
                 <a:ext uri="{91240B29-F687-4f45-9708-019B960494DF}">
-                  <a14:hiddenLine xmlns:a14="http://schemas.microsoft.com/office/drawing/2010/main" xmlns="" w="9525">
+                  <a14:hiddenLine xmlns="" xmlns:a14="http://schemas.microsoft.com/office/drawing/2010/main" w="9525">
                     <a:solidFill>
                       <a:srgbClr val="000000"/>
                     </a:solidFill>
@@ -10627,7 +10627,7 @@
               </a:ln>
               <a:extLst>
                 <a:ext uri="{91240B29-F687-4f45-9708-019B960494DF}">
-                  <a14:hiddenLine xmlns:a14="http://schemas.microsoft.com/office/drawing/2010/main" xmlns="" w="9525">
+                  <a14:hiddenLine xmlns="" xmlns:a14="http://schemas.microsoft.com/office/drawing/2010/main" w="9525">
                     <a:solidFill>
                       <a:srgbClr val="000000"/>
                     </a:solidFill>
@@ -10692,7 +10692,7 @@
               </a:ln>
               <a:extLst>
                 <a:ext uri="{91240B29-F687-4f45-9708-019B960494DF}">
-                  <a14:hiddenLine xmlns:a14="http://schemas.microsoft.com/office/drawing/2010/main" xmlns="" w="9525">
+                  <a14:hiddenLine xmlns="" xmlns:a14="http://schemas.microsoft.com/office/drawing/2010/main" w="9525">
                     <a:solidFill>
                       <a:srgbClr val="000000"/>
                     </a:solidFill>
@@ -10782,7 +10782,7 @@
               </a:ln>
               <a:extLst>
                 <a:ext uri="{91240B29-F687-4f45-9708-019B960494DF}">
-                  <a14:hiddenLine xmlns:a14="http://schemas.microsoft.com/office/drawing/2010/main" xmlns="" w="9525">
+                  <a14:hiddenLine xmlns="" xmlns:a14="http://schemas.microsoft.com/office/drawing/2010/main" w="9525">
                     <a:solidFill>
                       <a:srgbClr val="000000"/>
                     </a:solidFill>
@@ -10844,7 +10844,7 @@
               </a:ln>
               <a:extLst>
                 <a:ext uri="{91240B29-F687-4f45-9708-019B960494DF}">
-                  <a14:hiddenLine xmlns:a14="http://schemas.microsoft.com/office/drawing/2010/main" xmlns="" w="9525">
+                  <a14:hiddenLine xmlns="" xmlns:a14="http://schemas.microsoft.com/office/drawing/2010/main" w="9525">
                     <a:solidFill>
                       <a:srgbClr val="000000"/>
                     </a:solidFill>
@@ -10934,7 +10934,7 @@
               </a:ln>
               <a:extLst>
                 <a:ext uri="{91240B29-F687-4f45-9708-019B960494DF}">
-                  <a14:hiddenLine xmlns:a14="http://schemas.microsoft.com/office/drawing/2010/main" xmlns="" w="9525">
+                  <a14:hiddenLine xmlns="" xmlns:a14="http://schemas.microsoft.com/office/drawing/2010/main" w="9525">
                     <a:solidFill>
                       <a:srgbClr val="000000"/>
                     </a:solidFill>
@@ -10999,7 +10999,7 @@
               </a:ln>
               <a:extLst>
                 <a:ext uri="{91240B29-F687-4f45-9708-019B960494DF}">
-                  <a14:hiddenLine xmlns:a14="http://schemas.microsoft.com/office/drawing/2010/main" xmlns="" w="9525">
+                  <a14:hiddenLine xmlns="" xmlns:a14="http://schemas.microsoft.com/office/drawing/2010/main" w="9525">
                     <a:solidFill>
                       <a:srgbClr val="000000"/>
                     </a:solidFill>
@@ -11061,7 +11061,7 @@
               </a:ln>
               <a:extLst>
                 <a:ext uri="{91240B29-F687-4f45-9708-019B960494DF}">
-                  <a14:hiddenLine xmlns:a14="http://schemas.microsoft.com/office/drawing/2010/main" xmlns="" w="9525">
+                  <a14:hiddenLine xmlns="" xmlns:a14="http://schemas.microsoft.com/office/drawing/2010/main" w="9525">
                     <a:solidFill>
                       <a:srgbClr val="000000"/>
                     </a:solidFill>
@@ -11151,7 +11151,7 @@
               </a:ln>
               <a:extLst>
                 <a:ext uri="{91240B29-F687-4f45-9708-019B960494DF}">
-                  <a14:hiddenLine xmlns:a14="http://schemas.microsoft.com/office/drawing/2010/main" xmlns="" w="9525">
+                  <a14:hiddenLine xmlns="" xmlns:a14="http://schemas.microsoft.com/office/drawing/2010/main" w="9525">
                     <a:solidFill>
                       <a:srgbClr val="000000"/>
                     </a:solidFill>
@@ -11241,7 +11241,7 @@
               </a:ln>
               <a:extLst>
                 <a:ext uri="{91240B29-F687-4f45-9708-019B960494DF}">
-                  <a14:hiddenLine xmlns:a14="http://schemas.microsoft.com/office/drawing/2010/main" xmlns="" w="9525">
+                  <a14:hiddenLine xmlns="" xmlns:a14="http://schemas.microsoft.com/office/drawing/2010/main" w="9525">
                     <a:solidFill>
                       <a:srgbClr val="000000"/>
                     </a:solidFill>
@@ -11306,7 +11306,7 @@
               </a:ln>
               <a:extLst>
                 <a:ext uri="{91240B29-F687-4f45-9708-019B960494DF}">
-                  <a14:hiddenLine xmlns:a14="http://schemas.microsoft.com/office/drawing/2010/main" xmlns="" w="9525">
+                  <a14:hiddenLine xmlns="" xmlns:a14="http://schemas.microsoft.com/office/drawing/2010/main" w="9525">
                     <a:solidFill>
                       <a:srgbClr val="000000"/>
                     </a:solidFill>
@@ -11426,7 +11426,7 @@
               </a:ln>
               <a:extLst>
                 <a:ext uri="{91240B29-F687-4f45-9708-019B960494DF}">
-                  <a14:hiddenLine xmlns:a14="http://schemas.microsoft.com/office/drawing/2010/main" xmlns="" w="9525">
+                  <a14:hiddenLine xmlns="" xmlns:a14="http://schemas.microsoft.com/office/drawing/2010/main" w="9525">
                     <a:solidFill>
                       <a:srgbClr val="000000"/>
                     </a:solidFill>
@@ -11524,7 +11524,7 @@
               </a:ln>
               <a:extLst>
                 <a:ext uri="{91240B29-F687-4f45-9708-019B960494DF}">
-                  <a14:hiddenLine xmlns:a14="http://schemas.microsoft.com/office/drawing/2010/main" xmlns="" w="9525">
+                  <a14:hiddenLine xmlns="" xmlns:a14="http://schemas.microsoft.com/office/drawing/2010/main" w="9525">
                     <a:solidFill>
                       <a:srgbClr val="000000"/>
                     </a:solidFill>
@@ -11639,7 +11639,7 @@
               </a:ln>
               <a:extLst>
                 <a:ext uri="{91240B29-F687-4f45-9708-019B960494DF}">
-                  <a14:hiddenLine xmlns:a14="http://schemas.microsoft.com/office/drawing/2010/main" xmlns="" w="9525">
+                  <a14:hiddenLine xmlns="" xmlns:a14="http://schemas.microsoft.com/office/drawing/2010/main" w="9525">
                     <a:solidFill>
                       <a:srgbClr val="000000"/>
                     </a:solidFill>
@@ -11729,7 +11729,7 @@
               </a:ln>
               <a:extLst>
                 <a:ext uri="{91240B29-F687-4f45-9708-019B960494DF}">
-                  <a14:hiddenLine xmlns:a14="http://schemas.microsoft.com/office/drawing/2010/main" xmlns="" w="9525">
+                  <a14:hiddenLine xmlns="" xmlns:a14="http://schemas.microsoft.com/office/drawing/2010/main" w="9525">
                     <a:solidFill>
                       <a:srgbClr val="000000"/>
                     </a:solidFill>
@@ -11794,7 +11794,7 @@
               </a:ln>
               <a:extLst>
                 <a:ext uri="{91240B29-F687-4f45-9708-019B960494DF}">
-                  <a14:hiddenLine xmlns:a14="http://schemas.microsoft.com/office/drawing/2010/main" xmlns="" w="9525">
+                  <a14:hiddenLine xmlns="" xmlns:a14="http://schemas.microsoft.com/office/drawing/2010/main" w="9525">
                     <a:solidFill>
                       <a:srgbClr val="000000"/>
                     </a:solidFill>
@@ -11884,7 +11884,7 @@
               </a:ln>
               <a:extLst>
                 <a:ext uri="{91240B29-F687-4f45-9708-019B960494DF}">
-                  <a14:hiddenLine xmlns:a14="http://schemas.microsoft.com/office/drawing/2010/main" xmlns="" w="9525">
+                  <a14:hiddenLine xmlns="" xmlns:a14="http://schemas.microsoft.com/office/drawing/2010/main" w="9525">
                     <a:solidFill>
                       <a:srgbClr val="000000"/>
                     </a:solidFill>
@@ -11952,7 +11952,7 @@
               </a:ln>
               <a:extLst>
                 <a:ext uri="{91240B29-F687-4f45-9708-019B960494DF}">
-                  <a14:hiddenLine xmlns:a14="http://schemas.microsoft.com/office/drawing/2010/main" xmlns="" w="9525">
+                  <a14:hiddenLine xmlns="" xmlns:a14="http://schemas.microsoft.com/office/drawing/2010/main" w="9525">
                     <a:solidFill>
                       <a:srgbClr val="000000"/>
                     </a:solidFill>
@@ -12042,7 +12042,7 @@
               </a:ln>
               <a:extLst>
                 <a:ext uri="{91240B29-F687-4f45-9708-019B960494DF}">
-                  <a14:hiddenLine xmlns:a14="http://schemas.microsoft.com/office/drawing/2010/main" xmlns="" w="9525">
+                  <a14:hiddenLine xmlns="" xmlns:a14="http://schemas.microsoft.com/office/drawing/2010/main" w="9525">
                     <a:solidFill>
                       <a:srgbClr val="000000"/>
                     </a:solidFill>
@@ -12110,7 +12110,7 @@
               </a:ln>
               <a:extLst>
                 <a:ext uri="{91240B29-F687-4f45-9708-019B960494DF}">
-                  <a14:hiddenLine xmlns:a14="http://schemas.microsoft.com/office/drawing/2010/main" xmlns="" w="9525">
+                  <a14:hiddenLine xmlns="" xmlns:a14="http://schemas.microsoft.com/office/drawing/2010/main" w="9525">
                     <a:solidFill>
                       <a:srgbClr val="000000"/>
                     </a:solidFill>
@@ -12200,7 +12200,7 @@
               </a:ln>
               <a:extLst>
                 <a:ext uri="{91240B29-F687-4f45-9708-019B960494DF}">
-                  <a14:hiddenLine xmlns:a14="http://schemas.microsoft.com/office/drawing/2010/main" xmlns="" w="9525">
+                  <a14:hiddenLine xmlns="" xmlns:a14="http://schemas.microsoft.com/office/drawing/2010/main" w="9525">
                     <a:solidFill>
                       <a:srgbClr val="000000"/>
                     </a:solidFill>
@@ -12234,7 +12234,7 @@
               </a:ln>
               <a:extLst>
                 <a:ext uri="{91240B29-F687-4f45-9708-019B960494DF}">
-                  <a14:hiddenLine xmlns:a14="http://schemas.microsoft.com/office/drawing/2010/main" xmlns="" w="9525">
+                  <a14:hiddenLine xmlns="" xmlns:a14="http://schemas.microsoft.com/office/drawing/2010/main" w="9525">
                     <a:solidFill>
                       <a:srgbClr val="000000"/>
                     </a:solidFill>
@@ -13133,7 +13133,7 @@
         </p:blipFill>
         <p:spPr>
           <a:xfrm>
-            <a:off x="5545862" y="1200661"/>
+            <a:off x="5545862" y="1490870"/>
             <a:ext cx="6415882" cy="3876260"/>
           </a:xfrm>
           <a:prstGeom prst="rect">
@@ -13159,26 +13159,17 @@
         </p:nvSpPr>
         <p:spPr>
           <a:xfrm>
-            <a:off x="5545861" y="5367130"/>
-            <a:ext cx="6074053" cy="1249942"/>
+            <a:off x="5545862" y="5563772"/>
+            <a:ext cx="5501549" cy="424071"/>
           </a:xfrm>
         </p:spPr>
         <p:txBody>
           <a:bodyPr>
-            <a:normAutofit/>
+            <a:normAutofit fontScale="85000" lnSpcReduction="10000"/>
           </a:bodyPr>
           <a:lstStyle/>
           <a:p>
-            <a:r>
-              <a:rPr lang="en-US" sz="1400" dirty="0"/>
-              <a:t>There doesn't seem to be any persistent relationship between cases and income.</a:t>
-            </a:r>
-          </a:p>
-          <a:p>
-            <a:r>
-              <a:rPr lang="en-US" sz="1400" dirty="0"/>
-              <a:t>Poorer states show a lower total case count than wealthier states, but that might also be attributed to total population.</a:t>
-            </a:r>
+            <a:endParaRPr lang="en-US"/>
           </a:p>
         </p:txBody>
       </p:sp>
@@ -13552,6 +13543,36 @@
           </a:prstGeom>
         </p:spPr>
       </p:pic>
+      <p:pic>
+        <p:nvPicPr>
+          <p:cNvPr id="9" name="Picture 8">
+            <a:extLst>
+              <a:ext uri="{FF2B5EF4-FFF2-40B4-BE49-F238E27FC236}">
+                <a16:creationId xmlns:a16="http://schemas.microsoft.com/office/drawing/2014/main" id="{287F6797-9FF3-40DB-A39F-5A555862130F}"/>
+              </a:ext>
+            </a:extLst>
+          </p:cNvPr>
+          <p:cNvPicPr>
+            <a:picLocks noChangeAspect="1"/>
+          </p:cNvPicPr>
+          <p:nvPr/>
+        </p:nvPicPr>
+        <p:blipFill>
+          <a:blip r:embed="rId4"/>
+          <a:stretch>
+            <a:fillRect/>
+          </a:stretch>
+        </p:blipFill>
+        <p:spPr>
+          <a:xfrm>
+            <a:off x="142335" y="2157336"/>
+            <a:ext cx="6001734" cy="3930017"/>
+          </a:xfrm>
+          <a:prstGeom prst="rect">
+            <a:avLst/>
+          </a:prstGeom>
+        </p:spPr>
+      </p:pic>
     </p:spTree>
     <p:extLst>
       <p:ext uri="{BB962C8B-B14F-4D97-AF65-F5344CB8AC3E}">
@@ -13725,6 +13746,97 @@
                                         <p:cTn id="14" dur="500" fill="hold"/>
                                         <p:tgtEl>
                                           <p:spTgt spid="7"/>
+                                        </p:tgtEl>
+                                        <p:attrNameLst>
+                                          <p:attrName>ppt_y</p:attrName>
+                                        </p:attrNameLst>
+                                      </p:cBhvr>
+                                      <p:tavLst>
+                                        <p:tav tm="0">
+                                          <p:val>
+                                            <p:strVal val="1+#ppt_h/2"/>
+                                          </p:val>
+                                        </p:tav>
+                                        <p:tav tm="100000">
+                                          <p:val>
+                                            <p:strVal val="#ppt_y"/>
+                                          </p:val>
+                                        </p:tav>
+                                      </p:tavLst>
+                                    </p:anim>
+                                  </p:childTnLst>
+                                </p:cTn>
+                              </p:par>
+                            </p:childTnLst>
+                          </p:cTn>
+                        </p:par>
+                      </p:childTnLst>
+                    </p:cTn>
+                  </p:par>
+                  <p:par>
+                    <p:cTn id="15" fill="hold">
+                      <p:stCondLst>
+                        <p:cond delay="indefinite"/>
+                      </p:stCondLst>
+                      <p:childTnLst>
+                        <p:par>
+                          <p:cTn id="16" fill="hold">
+                            <p:stCondLst>
+                              <p:cond delay="0"/>
+                            </p:stCondLst>
+                            <p:childTnLst>
+                              <p:par>
+                                <p:cTn id="17" presetID="2" presetClass="entr" presetSubtype="4" fill="hold" nodeType="clickEffect">
+                                  <p:stCondLst>
+                                    <p:cond delay="0"/>
+                                  </p:stCondLst>
+                                  <p:childTnLst>
+                                    <p:set>
+                                      <p:cBhvr>
+                                        <p:cTn id="18" dur="1" fill="hold">
+                                          <p:stCondLst>
+                                            <p:cond delay="0"/>
+                                          </p:stCondLst>
+                                        </p:cTn>
+                                        <p:tgtEl>
+                                          <p:spTgt spid="9"/>
+                                        </p:tgtEl>
+                                        <p:attrNameLst>
+                                          <p:attrName>style.visibility</p:attrName>
+                                        </p:attrNameLst>
+                                      </p:cBhvr>
+                                      <p:to>
+                                        <p:strVal val="visible"/>
+                                      </p:to>
+                                    </p:set>
+                                    <p:anim calcmode="lin" valueType="num">
+                                      <p:cBhvr additive="base">
+                                        <p:cTn id="19" dur="500" fill="hold"/>
+                                        <p:tgtEl>
+                                          <p:spTgt spid="9"/>
+                                        </p:tgtEl>
+                                        <p:attrNameLst>
+                                          <p:attrName>ppt_x</p:attrName>
+                                        </p:attrNameLst>
+                                      </p:cBhvr>
+                                      <p:tavLst>
+                                        <p:tav tm="0">
+                                          <p:val>
+                                            <p:strVal val="#ppt_x"/>
+                                          </p:val>
+                                        </p:tav>
+                                        <p:tav tm="100000">
+                                          <p:val>
+                                            <p:strVal val="#ppt_x"/>
+                                          </p:val>
+                                        </p:tav>
+                                      </p:tavLst>
+                                    </p:anim>
+                                    <p:anim calcmode="lin" valueType="num">
+                                      <p:cBhvr additive="base">
+                                        <p:cTn id="20" dur="500" fill="hold"/>
+                                        <p:tgtEl>
+                                          <p:spTgt spid="9"/>
                                         </p:tgtEl>
                                         <p:attrNameLst>
                                           <p:attrName>ppt_y</p:attrName>

--- a/PowerPoint/COVID_19 API Interactions.pptx
+++ b/PowerPoint/COVID_19 API Interactions.pptx
@@ -5,17 +5,19 @@
     <p:sldMasterId id="2147483648" r:id="rId1"/>
   </p:sldMasterIdLst>
   <p:notesMasterIdLst>
-    <p:notesMasterId r:id="rId10"/>
+    <p:notesMasterId r:id="rId12"/>
   </p:notesMasterIdLst>
   <p:sldIdLst>
     <p:sldId id="256" r:id="rId2"/>
     <p:sldId id="264" r:id="rId3"/>
-    <p:sldId id="262" r:id="rId4"/>
-    <p:sldId id="263" r:id="rId5"/>
+    <p:sldId id="265" r:id="rId4"/>
+    <p:sldId id="262" r:id="rId5"/>
     <p:sldId id="257" r:id="rId6"/>
-    <p:sldId id="258" r:id="rId7"/>
-    <p:sldId id="260" r:id="rId8"/>
-    <p:sldId id="261" r:id="rId9"/>
+    <p:sldId id="263" r:id="rId7"/>
+    <p:sldId id="258" r:id="rId8"/>
+    <p:sldId id="260" r:id="rId9"/>
+    <p:sldId id="266" r:id="rId10"/>
+    <p:sldId id="261" r:id="rId11"/>
   </p:sldIdLst>
   <p:sldSz cx="12192000" cy="6858000"/>
   <p:notesSz cx="6858000" cy="9144000"/>
@@ -204,7 +206,7 @@
           <a:p>
             <a:fld id="{E9CA57BD-8450-4EA6-89C6-AC7B3B8497F9}" type="datetimeFigureOut">
               <a:rPr lang="en-US" smtClean="0"/>
-              <a:t>7/27/2020</a:t>
+              <a:t>7/28/2020</a:t>
             </a:fld>
             <a:endParaRPr lang="en-US"/>
           </a:p>
@@ -536,7 +538,7 @@
           <a:p>
             <a:fld id="{88CA15AA-CDD3-4663-B6BD-35B0FE5211CF}" type="slidenum">
               <a:rPr lang="en-US" smtClean="0"/>
-              <a:t>3</a:t>
+              <a:t>4</a:t>
             </a:fld>
             <a:endParaRPr lang="en-US"/>
           </a:p>
@@ -605,7 +607,7 @@
           <a:noFill/>
           <a:extLst>
             <a:ext uri="{909E8E84-426E-40dd-AFC4-6F175D3DCCD1}">
-              <a14:hiddenFill xmlns="" xmlns:a14="http://schemas.microsoft.com/office/drawing/2010/main">
+              <a14:hiddenFill xmlns:a14="http://schemas.microsoft.com/office/drawing/2010/main" xmlns="">
                 <a:solidFill>
                   <a:srgbClr val="FFFFFF"/>
                 </a:solidFill>
@@ -665,7 +667,7 @@
             </a:ln>
             <a:extLst>
               <a:ext uri="{91240B29-F687-4f45-9708-019B960494DF}">
-                <a14:hiddenLine xmlns="" xmlns:a14="http://schemas.microsoft.com/office/drawing/2010/main" w="9525">
+                <a14:hiddenLine xmlns:a14="http://schemas.microsoft.com/office/drawing/2010/main" xmlns="" w="9525">
                   <a:solidFill>
                     <a:srgbClr val="000000"/>
                   </a:solidFill>
@@ -755,7 +757,7 @@
             </a:ln>
             <a:extLst>
               <a:ext uri="{91240B29-F687-4f45-9708-019B960494DF}">
-                <a14:hiddenLine xmlns="" xmlns:a14="http://schemas.microsoft.com/office/drawing/2010/main" w="9525">
+                <a14:hiddenLine xmlns:a14="http://schemas.microsoft.com/office/drawing/2010/main" xmlns="" w="9525">
                   <a:solidFill>
                     <a:srgbClr val="000000"/>
                   </a:solidFill>
@@ -845,7 +847,7 @@
             </a:ln>
             <a:extLst>
               <a:ext uri="{91240B29-F687-4f45-9708-019B960494DF}">
-                <a14:hiddenLine xmlns="" xmlns:a14="http://schemas.microsoft.com/office/drawing/2010/main" w="9525">
+                <a14:hiddenLine xmlns:a14="http://schemas.microsoft.com/office/drawing/2010/main" xmlns="" w="9525">
                   <a:solidFill>
                     <a:srgbClr val="000000"/>
                   </a:solidFill>
@@ -879,7 +881,7 @@
             </a:ln>
             <a:extLst>
               <a:ext uri="{91240B29-F687-4f45-9708-019B960494DF}">
-                <a14:hiddenLine xmlns="" xmlns:a14="http://schemas.microsoft.com/office/drawing/2010/main" w="9525">
+                <a14:hiddenLine xmlns:a14="http://schemas.microsoft.com/office/drawing/2010/main" xmlns="" w="9525">
                   <a:solidFill>
                     <a:srgbClr val="000000"/>
                   </a:solidFill>
@@ -969,7 +971,7 @@
             </a:ln>
             <a:extLst>
               <a:ext uri="{91240B29-F687-4f45-9708-019B960494DF}">
-                <a14:hiddenLine xmlns="" xmlns:a14="http://schemas.microsoft.com/office/drawing/2010/main" w="9525">
+                <a14:hiddenLine xmlns:a14="http://schemas.microsoft.com/office/drawing/2010/main" xmlns="" w="9525">
                   <a:solidFill>
                     <a:srgbClr val="000000"/>
                   </a:solidFill>
@@ -1031,7 +1033,7 @@
             </a:ln>
             <a:extLst>
               <a:ext uri="{91240B29-F687-4f45-9708-019B960494DF}">
-                <a14:hiddenLine xmlns="" xmlns:a14="http://schemas.microsoft.com/office/drawing/2010/main" w="9525">
+                <a14:hiddenLine xmlns:a14="http://schemas.microsoft.com/office/drawing/2010/main" xmlns="" w="9525">
                   <a:solidFill>
                     <a:srgbClr val="000000"/>
                   </a:solidFill>
@@ -1093,7 +1095,7 @@
             </a:ln>
             <a:extLst>
               <a:ext uri="{91240B29-F687-4f45-9708-019B960494DF}">
-                <a14:hiddenLine xmlns="" xmlns:a14="http://schemas.microsoft.com/office/drawing/2010/main" w="9525">
+                <a14:hiddenLine xmlns:a14="http://schemas.microsoft.com/office/drawing/2010/main" xmlns="" w="9525">
                   <a:solidFill>
                     <a:srgbClr val="000000"/>
                   </a:solidFill>
@@ -1183,7 +1185,7 @@
             </a:ln>
             <a:extLst>
               <a:ext uri="{91240B29-F687-4f45-9708-019B960494DF}">
-                <a14:hiddenLine xmlns="" xmlns:a14="http://schemas.microsoft.com/office/drawing/2010/main" w="9525">
+                <a14:hiddenLine xmlns:a14="http://schemas.microsoft.com/office/drawing/2010/main" xmlns="" w="9525">
                   <a:solidFill>
                     <a:srgbClr val="000000"/>
                   </a:solidFill>
@@ -1245,7 +1247,7 @@
             </a:ln>
             <a:extLst>
               <a:ext uri="{91240B29-F687-4f45-9708-019B960494DF}">
-                <a14:hiddenLine xmlns="" xmlns:a14="http://schemas.microsoft.com/office/drawing/2010/main" w="9525">
+                <a14:hiddenLine xmlns:a14="http://schemas.microsoft.com/office/drawing/2010/main" xmlns="" w="9525">
                   <a:solidFill>
                     <a:srgbClr val="000000"/>
                   </a:solidFill>
@@ -1307,7 +1309,7 @@
             </a:ln>
             <a:extLst>
               <a:ext uri="{91240B29-F687-4f45-9708-019B960494DF}">
-                <a14:hiddenLine xmlns="" xmlns:a14="http://schemas.microsoft.com/office/drawing/2010/main" w="9525">
+                <a14:hiddenLine xmlns:a14="http://schemas.microsoft.com/office/drawing/2010/main" xmlns="" w="9525">
                   <a:solidFill>
                     <a:srgbClr val="000000"/>
                   </a:solidFill>
@@ -1397,7 +1399,7 @@
             </a:ln>
             <a:extLst>
               <a:ext uri="{91240B29-F687-4f45-9708-019B960494DF}">
-                <a14:hiddenLine xmlns="" xmlns:a14="http://schemas.microsoft.com/office/drawing/2010/main" w="9525">
+                <a14:hiddenLine xmlns:a14="http://schemas.microsoft.com/office/drawing/2010/main" xmlns="" w="9525">
                   <a:solidFill>
                     <a:srgbClr val="000000"/>
                   </a:solidFill>
@@ -1487,7 +1489,7 @@
             </a:ln>
             <a:extLst>
               <a:ext uri="{91240B29-F687-4f45-9708-019B960494DF}">
-                <a14:hiddenLine xmlns="" xmlns:a14="http://schemas.microsoft.com/office/drawing/2010/main" w="9525">
+                <a14:hiddenLine xmlns:a14="http://schemas.microsoft.com/office/drawing/2010/main" xmlns="" w="9525">
                   <a:solidFill>
                     <a:srgbClr val="000000"/>
                   </a:solidFill>
@@ -1549,7 +1551,7 @@
             </a:ln>
             <a:extLst>
               <a:ext uri="{91240B29-F687-4f45-9708-019B960494DF}">
-                <a14:hiddenLine xmlns="" xmlns:a14="http://schemas.microsoft.com/office/drawing/2010/main" w="9525">
+                <a14:hiddenLine xmlns:a14="http://schemas.microsoft.com/office/drawing/2010/main" xmlns="" w="9525">
                   <a:solidFill>
                     <a:srgbClr val="000000"/>
                   </a:solidFill>
@@ -1659,7 +1661,7 @@
             </a:ln>
             <a:extLst>
               <a:ext uri="{91240B29-F687-4f45-9708-019B960494DF}">
-                <a14:hiddenLine xmlns="" xmlns:a14="http://schemas.microsoft.com/office/drawing/2010/main" w="9525">
+                <a14:hiddenLine xmlns:a14="http://schemas.microsoft.com/office/drawing/2010/main" xmlns="" w="9525">
                   <a:solidFill>
                     <a:srgbClr val="000000"/>
                   </a:solidFill>
@@ -1721,7 +1723,7 @@
             </a:ln>
             <a:extLst>
               <a:ext uri="{91240B29-F687-4f45-9708-019B960494DF}">
-                <a14:hiddenLine xmlns="" xmlns:a14="http://schemas.microsoft.com/office/drawing/2010/main" w="9525">
+                <a14:hiddenLine xmlns:a14="http://schemas.microsoft.com/office/drawing/2010/main" xmlns="" w="9525">
                   <a:solidFill>
                     <a:srgbClr val="000000"/>
                   </a:solidFill>
@@ -1811,7 +1813,7 @@
             </a:ln>
             <a:extLst>
               <a:ext uri="{91240B29-F687-4f45-9708-019B960494DF}">
-                <a14:hiddenLine xmlns="" xmlns:a14="http://schemas.microsoft.com/office/drawing/2010/main" w="9525">
+                <a14:hiddenLine xmlns:a14="http://schemas.microsoft.com/office/drawing/2010/main" xmlns="" w="9525">
                   <a:solidFill>
                     <a:srgbClr val="000000"/>
                   </a:solidFill>
@@ -1901,7 +1903,7 @@
             </a:ln>
             <a:extLst>
               <a:ext uri="{91240B29-F687-4f45-9708-019B960494DF}">
-                <a14:hiddenLine xmlns="" xmlns:a14="http://schemas.microsoft.com/office/drawing/2010/main" w="9525">
+                <a14:hiddenLine xmlns:a14="http://schemas.microsoft.com/office/drawing/2010/main" xmlns="" w="9525">
                   <a:solidFill>
                     <a:srgbClr val="000000"/>
                   </a:solidFill>
@@ -1963,7 +1965,7 @@
             </a:ln>
             <a:extLst>
               <a:ext uri="{91240B29-F687-4f45-9708-019B960494DF}">
-                <a14:hiddenLine xmlns="" xmlns:a14="http://schemas.microsoft.com/office/drawing/2010/main" w="9525">
+                <a14:hiddenLine xmlns:a14="http://schemas.microsoft.com/office/drawing/2010/main" xmlns="" w="9525">
                   <a:solidFill>
                     <a:srgbClr val="000000"/>
                   </a:solidFill>
@@ -2053,7 +2055,7 @@
             </a:ln>
             <a:extLst>
               <a:ext uri="{91240B29-F687-4f45-9708-019B960494DF}">
-                <a14:hiddenLine xmlns="" xmlns:a14="http://schemas.microsoft.com/office/drawing/2010/main" w="9525">
+                <a14:hiddenLine xmlns:a14="http://schemas.microsoft.com/office/drawing/2010/main" xmlns="" w="9525">
                   <a:solidFill>
                     <a:srgbClr val="000000"/>
                   </a:solidFill>
@@ -2143,7 +2145,7 @@
             </a:ln>
             <a:extLst>
               <a:ext uri="{91240B29-F687-4f45-9708-019B960494DF}">
-                <a14:hiddenLine xmlns="" xmlns:a14="http://schemas.microsoft.com/office/drawing/2010/main" w="9525">
+                <a14:hiddenLine xmlns:a14="http://schemas.microsoft.com/office/drawing/2010/main" xmlns="" w="9525">
                   <a:solidFill>
                     <a:srgbClr val="000000"/>
                   </a:solidFill>
@@ -2199,7 +2201,7 @@
             </a:ln>
             <a:extLst>
               <a:ext uri="{91240B29-F687-4f45-9708-019B960494DF}">
-                <a14:hiddenLine xmlns="" xmlns:a14="http://schemas.microsoft.com/office/drawing/2010/main" w="9525">
+                <a14:hiddenLine xmlns:a14="http://schemas.microsoft.com/office/drawing/2010/main" xmlns="" w="9525">
                   <a:solidFill>
                     <a:srgbClr val="000000"/>
                   </a:solidFill>
@@ -2289,7 +2291,7 @@
             </a:ln>
             <a:extLst>
               <a:ext uri="{91240B29-F687-4f45-9708-019B960494DF}">
-                <a14:hiddenLine xmlns="" xmlns:a14="http://schemas.microsoft.com/office/drawing/2010/main" w="9525">
+                <a14:hiddenLine xmlns:a14="http://schemas.microsoft.com/office/drawing/2010/main" xmlns="" w="9525">
                   <a:solidFill>
                     <a:srgbClr val="000000"/>
                   </a:solidFill>
@@ -2345,7 +2347,7 @@
             </a:ln>
             <a:extLst>
               <a:ext uri="{91240B29-F687-4f45-9708-019B960494DF}">
-                <a14:hiddenLine xmlns="" xmlns:a14="http://schemas.microsoft.com/office/drawing/2010/main" w="9525">
+                <a14:hiddenLine xmlns:a14="http://schemas.microsoft.com/office/drawing/2010/main" xmlns="" w="9525">
                   <a:solidFill>
                     <a:srgbClr val="000000"/>
                   </a:solidFill>
@@ -2435,7 +2437,7 @@
             </a:ln>
             <a:extLst>
               <a:ext uri="{91240B29-F687-4f45-9708-019B960494DF}">
-                <a14:hiddenLine xmlns="" xmlns:a14="http://schemas.microsoft.com/office/drawing/2010/main" w="9525">
+                <a14:hiddenLine xmlns:a14="http://schemas.microsoft.com/office/drawing/2010/main" xmlns="" w="9525">
                   <a:solidFill>
                     <a:srgbClr val="000000"/>
                   </a:solidFill>
@@ -2503,7 +2505,7 @@
             </a:ln>
             <a:extLst>
               <a:ext uri="{91240B29-F687-4f45-9708-019B960494DF}">
-                <a14:hiddenLine xmlns="" xmlns:a14="http://schemas.microsoft.com/office/drawing/2010/main" w="9525">
+                <a14:hiddenLine xmlns:a14="http://schemas.microsoft.com/office/drawing/2010/main" xmlns="" w="9525">
                   <a:solidFill>
                     <a:srgbClr val="000000"/>
                   </a:solidFill>
@@ -2593,7 +2595,7 @@
             </a:ln>
             <a:extLst>
               <a:ext uri="{91240B29-F687-4f45-9708-019B960494DF}">
-                <a14:hiddenLine xmlns="" xmlns:a14="http://schemas.microsoft.com/office/drawing/2010/main" w="9525">
+                <a14:hiddenLine xmlns:a14="http://schemas.microsoft.com/office/drawing/2010/main" xmlns="" w="9525">
                   <a:solidFill>
                     <a:srgbClr val="000000"/>
                   </a:solidFill>
@@ -2661,7 +2663,7 @@
             </a:ln>
             <a:extLst>
               <a:ext uri="{91240B29-F687-4f45-9708-019B960494DF}">
-                <a14:hiddenLine xmlns="" xmlns:a14="http://schemas.microsoft.com/office/drawing/2010/main" w="9525">
+                <a14:hiddenLine xmlns:a14="http://schemas.microsoft.com/office/drawing/2010/main" xmlns="" w="9525">
                   <a:solidFill>
                     <a:srgbClr val="000000"/>
                   </a:solidFill>
@@ -2751,7 +2753,7 @@
             </a:ln>
             <a:extLst>
               <a:ext uri="{91240B29-F687-4f45-9708-019B960494DF}">
-                <a14:hiddenLine xmlns="" xmlns:a14="http://schemas.microsoft.com/office/drawing/2010/main" w="9525">
+                <a14:hiddenLine xmlns:a14="http://schemas.microsoft.com/office/drawing/2010/main" xmlns="" w="9525">
                   <a:solidFill>
                     <a:srgbClr val="000000"/>
                   </a:solidFill>
@@ -2785,7 +2787,7 @@
             </a:ln>
             <a:extLst>
               <a:ext uri="{91240B29-F687-4f45-9708-019B960494DF}">
-                <a14:hiddenLine xmlns="" xmlns:a14="http://schemas.microsoft.com/office/drawing/2010/main" w="9525">
+                <a14:hiddenLine xmlns:a14="http://schemas.microsoft.com/office/drawing/2010/main" xmlns="" w="9525">
                   <a:solidFill>
                     <a:srgbClr val="000000"/>
                   </a:solidFill>
@@ -2875,7 +2877,7 @@
             </a:ln>
             <a:extLst>
               <a:ext uri="{91240B29-F687-4f45-9708-019B960494DF}">
-                <a14:hiddenLine xmlns="" xmlns:a14="http://schemas.microsoft.com/office/drawing/2010/main" w="9525">
+                <a14:hiddenLine xmlns:a14="http://schemas.microsoft.com/office/drawing/2010/main" xmlns="" w="9525">
                   <a:solidFill>
                     <a:srgbClr val="000000"/>
                   </a:solidFill>
@@ -2937,7 +2939,7 @@
             </a:ln>
             <a:extLst>
               <a:ext uri="{91240B29-F687-4f45-9708-019B960494DF}">
-                <a14:hiddenLine xmlns="" xmlns:a14="http://schemas.microsoft.com/office/drawing/2010/main" w="9525">
+                <a14:hiddenLine xmlns:a14="http://schemas.microsoft.com/office/drawing/2010/main" xmlns="" w="9525">
                   <a:solidFill>
                     <a:srgbClr val="000000"/>
                   </a:solidFill>
@@ -2999,7 +3001,7 @@
             </a:ln>
             <a:extLst>
               <a:ext uri="{91240B29-F687-4f45-9708-019B960494DF}">
-                <a14:hiddenLine xmlns="" xmlns:a14="http://schemas.microsoft.com/office/drawing/2010/main" w="9525">
+                <a14:hiddenLine xmlns:a14="http://schemas.microsoft.com/office/drawing/2010/main" xmlns="" w="9525">
                   <a:solidFill>
                     <a:srgbClr val="000000"/>
                   </a:solidFill>
@@ -3089,7 +3091,7 @@
             </a:ln>
             <a:extLst>
               <a:ext uri="{91240B29-F687-4f45-9708-019B960494DF}">
-                <a14:hiddenLine xmlns="" xmlns:a14="http://schemas.microsoft.com/office/drawing/2010/main" w="9525">
+                <a14:hiddenLine xmlns:a14="http://schemas.microsoft.com/office/drawing/2010/main" xmlns="" w="9525">
                   <a:solidFill>
                     <a:srgbClr val="000000"/>
                   </a:solidFill>
@@ -3157,7 +3159,7 @@
             </a:ln>
             <a:extLst>
               <a:ext uri="{91240B29-F687-4f45-9708-019B960494DF}">
-                <a14:hiddenLine xmlns="" xmlns:a14="http://schemas.microsoft.com/office/drawing/2010/main" w="9525">
+                <a14:hiddenLine xmlns:a14="http://schemas.microsoft.com/office/drawing/2010/main" xmlns="" w="9525">
                   <a:solidFill>
                     <a:srgbClr val="000000"/>
                   </a:solidFill>
@@ -3219,7 +3221,7 @@
             </a:ln>
             <a:extLst>
               <a:ext uri="{91240B29-F687-4f45-9708-019B960494DF}">
-                <a14:hiddenLine xmlns="" xmlns:a14="http://schemas.microsoft.com/office/drawing/2010/main" w="9525">
+                <a14:hiddenLine xmlns:a14="http://schemas.microsoft.com/office/drawing/2010/main" xmlns="" w="9525">
                   <a:solidFill>
                     <a:srgbClr val="000000"/>
                   </a:solidFill>
@@ -3309,7 +3311,7 @@
             </a:ln>
             <a:extLst>
               <a:ext uri="{91240B29-F687-4f45-9708-019B960494DF}">
-                <a14:hiddenLine xmlns="" xmlns:a14="http://schemas.microsoft.com/office/drawing/2010/main" w="9525">
+                <a14:hiddenLine xmlns:a14="http://schemas.microsoft.com/office/drawing/2010/main" xmlns="" w="9525">
                   <a:solidFill>
                     <a:srgbClr val="000000"/>
                   </a:solidFill>
@@ -3371,7 +3373,7 @@
             </a:ln>
             <a:extLst>
               <a:ext uri="{91240B29-F687-4f45-9708-019B960494DF}">
-                <a14:hiddenLine xmlns="" xmlns:a14="http://schemas.microsoft.com/office/drawing/2010/main" w="9525">
+                <a14:hiddenLine xmlns:a14="http://schemas.microsoft.com/office/drawing/2010/main" xmlns="" w="9525">
                   <a:solidFill>
                     <a:srgbClr val="000000"/>
                   </a:solidFill>
@@ -3461,7 +3463,7 @@
             </a:ln>
             <a:extLst>
               <a:ext uri="{91240B29-F687-4f45-9708-019B960494DF}">
-                <a14:hiddenLine xmlns="" xmlns:a14="http://schemas.microsoft.com/office/drawing/2010/main" w="9525">
+                <a14:hiddenLine xmlns:a14="http://schemas.microsoft.com/office/drawing/2010/main" xmlns="" w="9525">
                   <a:solidFill>
                     <a:srgbClr val="000000"/>
                   </a:solidFill>
@@ -3523,7 +3525,7 @@
             </a:ln>
             <a:extLst>
               <a:ext uri="{91240B29-F687-4f45-9708-019B960494DF}">
-                <a14:hiddenLine xmlns="" xmlns:a14="http://schemas.microsoft.com/office/drawing/2010/main" w="9525">
+                <a14:hiddenLine xmlns:a14="http://schemas.microsoft.com/office/drawing/2010/main" xmlns="" w="9525">
                   <a:solidFill>
                     <a:srgbClr val="000000"/>
                   </a:solidFill>
@@ -3613,7 +3615,7 @@
             </a:ln>
             <a:extLst>
               <a:ext uri="{91240B29-F687-4f45-9708-019B960494DF}">
-                <a14:hiddenLine xmlns="" xmlns:a14="http://schemas.microsoft.com/office/drawing/2010/main" w="9525">
+                <a14:hiddenLine xmlns:a14="http://schemas.microsoft.com/office/drawing/2010/main" xmlns="" w="9525">
                   <a:solidFill>
                     <a:srgbClr val="000000"/>
                   </a:solidFill>
@@ -3647,7 +3649,7 @@
             </a:ln>
             <a:extLst>
               <a:ext uri="{91240B29-F687-4f45-9708-019B960494DF}">
-                <a14:hiddenLine xmlns="" xmlns:a14="http://schemas.microsoft.com/office/drawing/2010/main" w="9525">
+                <a14:hiddenLine xmlns:a14="http://schemas.microsoft.com/office/drawing/2010/main" xmlns="" w="9525">
                   <a:solidFill>
                     <a:srgbClr val="000000"/>
                   </a:solidFill>
@@ -3712,7 +3714,7 @@
             </a:ln>
             <a:extLst>
               <a:ext uri="{91240B29-F687-4f45-9708-019B960494DF}">
-                <a14:hiddenLine xmlns="" xmlns:a14="http://schemas.microsoft.com/office/drawing/2010/main" w="9525">
+                <a14:hiddenLine xmlns:a14="http://schemas.microsoft.com/office/drawing/2010/main" xmlns="" w="9525">
                   <a:solidFill>
                     <a:srgbClr val="000000"/>
                   </a:solidFill>
@@ -3802,7 +3804,7 @@
             </a:ln>
             <a:extLst>
               <a:ext uri="{91240B29-F687-4f45-9708-019B960494DF}">
-                <a14:hiddenLine xmlns="" xmlns:a14="http://schemas.microsoft.com/office/drawing/2010/main" w="9525">
+                <a14:hiddenLine xmlns:a14="http://schemas.microsoft.com/office/drawing/2010/main" xmlns="" w="9525">
                   <a:solidFill>
                     <a:srgbClr val="000000"/>
                   </a:solidFill>
@@ -3864,7 +3866,7 @@
             </a:ln>
             <a:extLst>
               <a:ext uri="{91240B29-F687-4f45-9708-019B960494DF}">
-                <a14:hiddenLine xmlns="" xmlns:a14="http://schemas.microsoft.com/office/drawing/2010/main" w="9525">
+                <a14:hiddenLine xmlns:a14="http://schemas.microsoft.com/office/drawing/2010/main" xmlns="" w="9525">
                   <a:solidFill>
                     <a:srgbClr val="000000"/>
                   </a:solidFill>
@@ -3954,7 +3956,7 @@
             </a:ln>
             <a:extLst>
               <a:ext uri="{91240B29-F687-4f45-9708-019B960494DF}">
-                <a14:hiddenLine xmlns="" xmlns:a14="http://schemas.microsoft.com/office/drawing/2010/main" w="9525">
+                <a14:hiddenLine xmlns:a14="http://schemas.microsoft.com/office/drawing/2010/main" xmlns="" w="9525">
                   <a:solidFill>
                     <a:srgbClr val="000000"/>
                   </a:solidFill>
@@ -4044,7 +4046,7 @@
             </a:ln>
             <a:extLst>
               <a:ext uri="{91240B29-F687-4f45-9708-019B960494DF}">
-                <a14:hiddenLine xmlns="" xmlns:a14="http://schemas.microsoft.com/office/drawing/2010/main" w="9525">
+                <a14:hiddenLine xmlns:a14="http://schemas.microsoft.com/office/drawing/2010/main" xmlns="" w="9525">
                   <a:solidFill>
                     <a:srgbClr val="000000"/>
                   </a:solidFill>
@@ -4109,7 +4111,7 @@
             </a:ln>
             <a:extLst>
               <a:ext uri="{91240B29-F687-4f45-9708-019B960494DF}">
-                <a14:hiddenLine xmlns="" xmlns:a14="http://schemas.microsoft.com/office/drawing/2010/main" w="9525">
+                <a14:hiddenLine xmlns:a14="http://schemas.microsoft.com/office/drawing/2010/main" xmlns="" w="9525">
                   <a:solidFill>
                     <a:srgbClr val="000000"/>
                   </a:solidFill>
@@ -4171,7 +4173,7 @@
             </a:ln>
             <a:extLst>
               <a:ext uri="{91240B29-F687-4f45-9708-019B960494DF}">
-                <a14:hiddenLine xmlns="" xmlns:a14="http://schemas.microsoft.com/office/drawing/2010/main" w="9525">
+                <a14:hiddenLine xmlns:a14="http://schemas.microsoft.com/office/drawing/2010/main" xmlns="" w="9525">
                   <a:solidFill>
                     <a:srgbClr val="000000"/>
                   </a:solidFill>
@@ -4261,7 +4263,7 @@
             </a:ln>
             <a:extLst>
               <a:ext uri="{91240B29-F687-4f45-9708-019B960494DF}">
-                <a14:hiddenLine xmlns="" xmlns:a14="http://schemas.microsoft.com/office/drawing/2010/main" w="9525">
+                <a14:hiddenLine xmlns:a14="http://schemas.microsoft.com/office/drawing/2010/main" xmlns="" w="9525">
                   <a:solidFill>
                     <a:srgbClr val="000000"/>
                   </a:solidFill>
@@ -4351,7 +4353,7 @@
             </a:ln>
             <a:extLst>
               <a:ext uri="{91240B29-F687-4f45-9708-019B960494DF}">
-                <a14:hiddenLine xmlns="" xmlns:a14="http://schemas.microsoft.com/office/drawing/2010/main" w="9525">
+                <a14:hiddenLine xmlns:a14="http://schemas.microsoft.com/office/drawing/2010/main" xmlns="" w="9525">
                   <a:solidFill>
                     <a:srgbClr val="000000"/>
                   </a:solidFill>
@@ -4413,7 +4415,7 @@
             </a:ln>
             <a:extLst>
               <a:ext uri="{91240B29-F687-4f45-9708-019B960494DF}">
-                <a14:hiddenLine xmlns="" xmlns:a14="http://schemas.microsoft.com/office/drawing/2010/main" w="9525">
+                <a14:hiddenLine xmlns:a14="http://schemas.microsoft.com/office/drawing/2010/main" xmlns="" w="9525">
                   <a:solidFill>
                     <a:srgbClr val="000000"/>
                   </a:solidFill>
@@ -4533,7 +4535,7 @@
             </a:ln>
             <a:extLst>
               <a:ext uri="{91240B29-F687-4f45-9708-019B960494DF}">
-                <a14:hiddenLine xmlns="" xmlns:a14="http://schemas.microsoft.com/office/drawing/2010/main" w="9525">
+                <a14:hiddenLine xmlns:a14="http://schemas.microsoft.com/office/drawing/2010/main" xmlns="" w="9525">
                   <a:solidFill>
                     <a:srgbClr val="000000"/>
                   </a:solidFill>
@@ -4601,7 +4603,7 @@
             </a:ln>
             <a:extLst>
               <a:ext uri="{91240B29-F687-4f45-9708-019B960494DF}">
-                <a14:hiddenLine xmlns="" xmlns:a14="http://schemas.microsoft.com/office/drawing/2010/main" w="9525">
+                <a14:hiddenLine xmlns:a14="http://schemas.microsoft.com/office/drawing/2010/main" xmlns="" w="9525">
                   <a:solidFill>
                     <a:srgbClr val="000000"/>
                   </a:solidFill>
@@ -4691,7 +4693,7 @@
             </a:ln>
             <a:extLst>
               <a:ext uri="{91240B29-F687-4f45-9708-019B960494DF}">
-                <a14:hiddenLine xmlns="" xmlns:a14="http://schemas.microsoft.com/office/drawing/2010/main" w="9525">
+                <a14:hiddenLine xmlns:a14="http://schemas.microsoft.com/office/drawing/2010/main" xmlns="" w="9525">
                   <a:solidFill>
                     <a:srgbClr val="000000"/>
                   </a:solidFill>
@@ -4831,7 +4833,7 @@
           <a:p>
             <a:fld id="{48A87A34-81AB-432B-8DAE-1953F412C126}" type="datetimeFigureOut">
               <a:rPr lang="en-US" dirty="0"/>
-              <a:t>7/27/2020</a:t>
+              <a:t>7/28/2020</a:t>
             </a:fld>
             <a:endParaRPr lang="en-US" dirty="0"/>
           </a:p>
@@ -5093,7 +5095,7 @@
           <a:p>
             <a:fld id="{48A87A34-81AB-432B-8DAE-1953F412C126}" type="datetimeFigureOut">
               <a:rPr lang="en-US" dirty="0"/>
-              <a:t>7/27/2020</a:t>
+              <a:t>7/28/2020</a:t>
             </a:fld>
             <a:endParaRPr lang="en-US" dirty="0"/>
           </a:p>
@@ -5284,7 +5286,7 @@
           <a:p>
             <a:fld id="{48A87A34-81AB-432B-8DAE-1953F412C126}" type="datetimeFigureOut">
               <a:rPr lang="en-US" dirty="0"/>
-              <a:t>7/27/2020</a:t>
+              <a:t>7/28/2020</a:t>
             </a:fld>
             <a:endParaRPr lang="en-US" dirty="0"/>
           </a:p>
@@ -5542,7 +5544,7 @@
           <a:p>
             <a:fld id="{48A87A34-81AB-432B-8DAE-1953F412C126}" type="datetimeFigureOut">
               <a:rPr lang="en-US" dirty="0"/>
-              <a:t>7/27/2020</a:t>
+              <a:t>7/28/2020</a:t>
             </a:fld>
             <a:endParaRPr lang="en-US" dirty="0"/>
           </a:p>
@@ -5971,7 +5973,7 @@
           <a:p>
             <a:fld id="{48A87A34-81AB-432B-8DAE-1953F412C126}" type="datetimeFigureOut">
               <a:rPr lang="en-US" dirty="0"/>
-              <a:t>7/27/2020</a:t>
+              <a:t>7/28/2020</a:t>
             </a:fld>
             <a:endParaRPr lang="en-US" dirty="0"/>
           </a:p>
@@ -6512,7 +6514,7 @@
           <a:p>
             <a:fld id="{48A87A34-81AB-432B-8DAE-1953F412C126}" type="datetimeFigureOut">
               <a:rPr lang="en-US" dirty="0"/>
-              <a:t>7/27/2020</a:t>
+              <a:t>7/28/2020</a:t>
             </a:fld>
             <a:endParaRPr lang="en-US" dirty="0"/>
           </a:p>
@@ -7227,7 +7229,7 @@
           <a:p>
             <a:fld id="{48A87A34-81AB-432B-8DAE-1953F412C126}" type="datetimeFigureOut">
               <a:rPr lang="en-US" dirty="0"/>
-              <a:t>7/27/2020</a:t>
+              <a:t>7/28/2020</a:t>
             </a:fld>
             <a:endParaRPr lang="en-US" dirty="0"/>
           </a:p>
@@ -7392,7 +7394,7 @@
           <a:p>
             <a:fld id="{48A87A34-81AB-432B-8DAE-1953F412C126}" type="datetimeFigureOut">
               <a:rPr lang="en-US" dirty="0"/>
-              <a:t>7/27/2020</a:t>
+              <a:t>7/28/2020</a:t>
             </a:fld>
             <a:endParaRPr lang="en-US" dirty="0"/>
           </a:p>
@@ -7567,7 +7569,7 @@
           <a:p>
             <a:fld id="{48A87A34-81AB-432B-8DAE-1953F412C126}" type="datetimeFigureOut">
               <a:rPr lang="en-US" dirty="0"/>
-              <a:t>7/27/2020</a:t>
+              <a:t>7/28/2020</a:t>
             </a:fld>
             <a:endParaRPr lang="en-US" dirty="0"/>
           </a:p>
@@ -7732,7 +7734,7 @@
           <a:p>
             <a:fld id="{48A87A34-81AB-432B-8DAE-1953F412C126}" type="datetimeFigureOut">
               <a:rPr lang="en-US" dirty="0"/>
-              <a:t>7/27/2020</a:t>
+              <a:t>7/28/2020</a:t>
             </a:fld>
             <a:endParaRPr lang="en-US" dirty="0"/>
           </a:p>
@@ -7977,7 +7979,7 @@
           <a:p>
             <a:fld id="{48A87A34-81AB-432B-8DAE-1953F412C126}" type="datetimeFigureOut">
               <a:rPr lang="en-US" dirty="0"/>
-              <a:t>7/27/2020</a:t>
+              <a:t>7/28/2020</a:t>
             </a:fld>
             <a:endParaRPr lang="en-US" dirty="0"/>
           </a:p>
@@ -8204,7 +8206,7 @@
           <a:p>
             <a:fld id="{48A87A34-81AB-432B-8DAE-1953F412C126}" type="datetimeFigureOut">
               <a:rPr lang="en-US" dirty="0"/>
-              <a:t>7/27/2020</a:t>
+              <a:t>7/28/2020</a:t>
             </a:fld>
             <a:endParaRPr lang="en-US" dirty="0"/>
           </a:p>
@@ -8580,7 +8582,7 @@
           <a:p>
             <a:fld id="{48A87A34-81AB-432B-8DAE-1953F412C126}" type="datetimeFigureOut">
               <a:rPr lang="en-US" dirty="0"/>
-              <a:t>7/27/2020</a:t>
+              <a:t>7/28/2020</a:t>
             </a:fld>
             <a:endParaRPr lang="en-US" dirty="0"/>
           </a:p>
@@ -8693,7 +8695,7 @@
           <a:p>
             <a:fld id="{48A87A34-81AB-432B-8DAE-1953F412C126}" type="datetimeFigureOut">
               <a:rPr lang="en-US" dirty="0"/>
-              <a:t>7/27/2020</a:t>
+              <a:t>7/28/2020</a:t>
             </a:fld>
             <a:endParaRPr lang="en-US" dirty="0"/>
           </a:p>
@@ -8783,7 +8785,7 @@
           <a:p>
             <a:fld id="{48A87A34-81AB-432B-8DAE-1953F412C126}" type="datetimeFigureOut">
               <a:rPr lang="en-US" dirty="0"/>
-              <a:t>7/27/2020</a:t>
+              <a:t>7/28/2020</a:t>
             </a:fld>
             <a:endParaRPr lang="en-US" dirty="0"/>
           </a:p>
@@ -9027,7 +9029,7 @@
           <a:p>
             <a:fld id="{48A87A34-81AB-432B-8DAE-1953F412C126}" type="datetimeFigureOut">
               <a:rPr lang="en-US" dirty="0"/>
-              <a:t>7/27/2020</a:t>
+              <a:t>7/28/2020</a:t>
             </a:fld>
             <a:endParaRPr lang="en-US" dirty="0"/>
           </a:p>
@@ -9302,7 +9304,7 @@
           <a:p>
             <a:fld id="{48A87A34-81AB-432B-8DAE-1953F412C126}" type="datetimeFigureOut">
               <a:rPr lang="en-US" dirty="0"/>
-              <a:t>7/27/2020</a:t>
+              <a:t>7/28/2020</a:t>
             </a:fld>
             <a:endParaRPr lang="en-US" dirty="0"/>
           </a:p>
@@ -9413,7 +9415,7 @@
           <a:noFill/>
           <a:extLst>
             <a:ext uri="{909E8E84-426E-40dd-AFC4-6F175D3DCCD1}">
-              <a14:hiddenFill xmlns="" xmlns:a14="http://schemas.microsoft.com/office/drawing/2010/main">
+              <a14:hiddenFill xmlns:a14="http://schemas.microsoft.com/office/drawing/2010/main" xmlns="">
                 <a:solidFill>
                   <a:srgbClr val="FFFFFF"/>
                 </a:solidFill>
@@ -9487,7 +9489,7 @@
               </a:ln>
               <a:extLst>
                 <a:ext uri="{91240B29-F687-4f45-9708-019B960494DF}">
-                  <a14:hiddenLine xmlns="" xmlns:a14="http://schemas.microsoft.com/office/drawing/2010/main" w="9525">
+                  <a14:hiddenLine xmlns:a14="http://schemas.microsoft.com/office/drawing/2010/main" xmlns="" w="9525">
                     <a:solidFill>
                       <a:srgbClr val="000000"/>
                     </a:solidFill>
@@ -9577,7 +9579,7 @@
               </a:ln>
               <a:extLst>
                 <a:ext uri="{91240B29-F687-4f45-9708-019B960494DF}">
-                  <a14:hiddenLine xmlns="" xmlns:a14="http://schemas.microsoft.com/office/drawing/2010/main" w="9525">
+                  <a14:hiddenLine xmlns:a14="http://schemas.microsoft.com/office/drawing/2010/main" xmlns="" w="9525">
                     <a:solidFill>
                       <a:srgbClr val="000000"/>
                     </a:solidFill>
@@ -9667,7 +9669,7 @@
               </a:ln>
               <a:extLst>
                 <a:ext uri="{91240B29-F687-4f45-9708-019B960494DF}">
-                  <a14:hiddenLine xmlns="" xmlns:a14="http://schemas.microsoft.com/office/drawing/2010/main" w="9525">
+                  <a14:hiddenLine xmlns:a14="http://schemas.microsoft.com/office/drawing/2010/main" xmlns="" w="9525">
                     <a:solidFill>
                       <a:srgbClr val="000000"/>
                     </a:solidFill>
@@ -9729,7 +9731,7 @@
               </a:ln>
               <a:extLst>
                 <a:ext uri="{91240B29-F687-4f45-9708-019B960494DF}">
-                  <a14:hiddenLine xmlns="" xmlns:a14="http://schemas.microsoft.com/office/drawing/2010/main" w="9525">
+                  <a14:hiddenLine xmlns:a14="http://schemas.microsoft.com/office/drawing/2010/main" xmlns="" w="9525">
                     <a:solidFill>
                       <a:srgbClr val="000000"/>
                     </a:solidFill>
@@ -9819,7 +9821,7 @@
               </a:ln>
               <a:extLst>
                 <a:ext uri="{91240B29-F687-4f45-9708-019B960494DF}">
-                  <a14:hiddenLine xmlns="" xmlns:a14="http://schemas.microsoft.com/office/drawing/2010/main" w="9525">
+                  <a14:hiddenLine xmlns:a14="http://schemas.microsoft.com/office/drawing/2010/main" xmlns="" w="9525">
                     <a:solidFill>
                       <a:srgbClr val="000000"/>
                     </a:solidFill>
@@ -9881,7 +9883,7 @@
               </a:ln>
               <a:extLst>
                 <a:ext uri="{91240B29-F687-4f45-9708-019B960494DF}">
-                  <a14:hiddenLine xmlns="" xmlns:a14="http://schemas.microsoft.com/office/drawing/2010/main" w="9525">
+                  <a14:hiddenLine xmlns:a14="http://schemas.microsoft.com/office/drawing/2010/main" xmlns="" w="9525">
                     <a:solidFill>
                       <a:srgbClr val="000000"/>
                     </a:solidFill>
@@ -9943,7 +9945,7 @@
               </a:ln>
               <a:extLst>
                 <a:ext uri="{91240B29-F687-4f45-9708-019B960494DF}">
-                  <a14:hiddenLine xmlns="" xmlns:a14="http://schemas.microsoft.com/office/drawing/2010/main" w="9525">
+                  <a14:hiddenLine xmlns:a14="http://schemas.microsoft.com/office/drawing/2010/main" xmlns="" w="9525">
                     <a:solidFill>
                       <a:srgbClr val="000000"/>
                     </a:solidFill>
@@ -10033,7 +10035,7 @@
               </a:ln>
               <a:extLst>
                 <a:ext uri="{91240B29-F687-4f45-9708-019B960494DF}">
-                  <a14:hiddenLine xmlns="" xmlns:a14="http://schemas.microsoft.com/office/drawing/2010/main" w="9525">
+                  <a14:hiddenLine xmlns:a14="http://schemas.microsoft.com/office/drawing/2010/main" xmlns="" w="9525">
                     <a:solidFill>
                       <a:srgbClr val="000000"/>
                     </a:solidFill>
@@ -10123,7 +10125,7 @@
               </a:ln>
               <a:extLst>
                 <a:ext uri="{91240B29-F687-4f45-9708-019B960494DF}">
-                  <a14:hiddenLine xmlns="" xmlns:a14="http://schemas.microsoft.com/office/drawing/2010/main" w="9525">
+                  <a14:hiddenLine xmlns:a14="http://schemas.microsoft.com/office/drawing/2010/main" xmlns="" w="9525">
                     <a:solidFill>
                       <a:srgbClr val="000000"/>
                     </a:solidFill>
@@ -10185,7 +10187,7 @@
               </a:ln>
               <a:extLst>
                 <a:ext uri="{91240B29-F687-4f45-9708-019B960494DF}">
-                  <a14:hiddenLine xmlns="" xmlns:a14="http://schemas.microsoft.com/office/drawing/2010/main" w="9525">
+                  <a14:hiddenLine xmlns:a14="http://schemas.microsoft.com/office/drawing/2010/main" xmlns="" w="9525">
                     <a:solidFill>
                       <a:srgbClr val="000000"/>
                     </a:solidFill>
@@ -10295,7 +10297,7 @@
               </a:ln>
               <a:extLst>
                 <a:ext uri="{91240B29-F687-4f45-9708-019B960494DF}">
-                  <a14:hiddenLine xmlns="" xmlns:a14="http://schemas.microsoft.com/office/drawing/2010/main" w="9525">
+                  <a14:hiddenLine xmlns:a14="http://schemas.microsoft.com/office/drawing/2010/main" xmlns="" w="9525">
                     <a:solidFill>
                       <a:srgbClr val="000000"/>
                     </a:solidFill>
@@ -10379,7 +10381,7 @@
               </a:ln>
               <a:extLst>
                 <a:ext uri="{91240B29-F687-4f45-9708-019B960494DF}">
-                  <a14:hiddenLine xmlns="" xmlns:a14="http://schemas.microsoft.com/office/drawing/2010/main" w="9525">
+                  <a14:hiddenLine xmlns:a14="http://schemas.microsoft.com/office/drawing/2010/main" xmlns="" w="9525">
                     <a:solidFill>
                       <a:srgbClr val="000000"/>
                     </a:solidFill>
@@ -10441,7 +10443,7 @@
               </a:ln>
               <a:extLst>
                 <a:ext uri="{91240B29-F687-4f45-9708-019B960494DF}">
-                  <a14:hiddenLine xmlns="" xmlns:a14="http://schemas.microsoft.com/office/drawing/2010/main" w="9525">
+                  <a14:hiddenLine xmlns:a14="http://schemas.microsoft.com/office/drawing/2010/main" xmlns="" w="9525">
                     <a:solidFill>
                       <a:srgbClr val="000000"/>
                     </a:solidFill>
@@ -10503,7 +10505,7 @@
               </a:ln>
               <a:extLst>
                 <a:ext uri="{91240B29-F687-4f45-9708-019B960494DF}">
-                  <a14:hiddenLine xmlns="" xmlns:a14="http://schemas.microsoft.com/office/drawing/2010/main" w="9525">
+                  <a14:hiddenLine xmlns:a14="http://schemas.microsoft.com/office/drawing/2010/main" xmlns="" w="9525">
                     <a:solidFill>
                       <a:srgbClr val="000000"/>
                     </a:solidFill>
@@ -10593,7 +10595,7 @@
               </a:ln>
               <a:extLst>
                 <a:ext uri="{91240B29-F687-4f45-9708-019B960494DF}">
-                  <a14:hiddenLine xmlns="" xmlns:a14="http://schemas.microsoft.com/office/drawing/2010/main" w="9525">
+                  <a14:hiddenLine xmlns:a14="http://schemas.microsoft.com/office/drawing/2010/main" xmlns="" w="9525">
                     <a:solidFill>
                       <a:srgbClr val="000000"/>
                     </a:solidFill>
@@ -10627,7 +10629,7 @@
               </a:ln>
               <a:extLst>
                 <a:ext uri="{91240B29-F687-4f45-9708-019B960494DF}">
-                  <a14:hiddenLine xmlns="" xmlns:a14="http://schemas.microsoft.com/office/drawing/2010/main" w="9525">
+                  <a14:hiddenLine xmlns:a14="http://schemas.microsoft.com/office/drawing/2010/main" xmlns="" w="9525">
                     <a:solidFill>
                       <a:srgbClr val="000000"/>
                     </a:solidFill>
@@ -10692,7 +10694,7 @@
               </a:ln>
               <a:extLst>
                 <a:ext uri="{91240B29-F687-4f45-9708-019B960494DF}">
-                  <a14:hiddenLine xmlns="" xmlns:a14="http://schemas.microsoft.com/office/drawing/2010/main" w="9525">
+                  <a14:hiddenLine xmlns:a14="http://schemas.microsoft.com/office/drawing/2010/main" xmlns="" w="9525">
                     <a:solidFill>
                       <a:srgbClr val="000000"/>
                     </a:solidFill>
@@ -10782,7 +10784,7 @@
               </a:ln>
               <a:extLst>
                 <a:ext uri="{91240B29-F687-4f45-9708-019B960494DF}">
-                  <a14:hiddenLine xmlns="" xmlns:a14="http://schemas.microsoft.com/office/drawing/2010/main" w="9525">
+                  <a14:hiddenLine xmlns:a14="http://schemas.microsoft.com/office/drawing/2010/main" xmlns="" w="9525">
                     <a:solidFill>
                       <a:srgbClr val="000000"/>
                     </a:solidFill>
@@ -10844,7 +10846,7 @@
               </a:ln>
               <a:extLst>
                 <a:ext uri="{91240B29-F687-4f45-9708-019B960494DF}">
-                  <a14:hiddenLine xmlns="" xmlns:a14="http://schemas.microsoft.com/office/drawing/2010/main" w="9525">
+                  <a14:hiddenLine xmlns:a14="http://schemas.microsoft.com/office/drawing/2010/main" xmlns="" w="9525">
                     <a:solidFill>
                       <a:srgbClr val="000000"/>
                     </a:solidFill>
@@ -10934,7 +10936,7 @@
               </a:ln>
               <a:extLst>
                 <a:ext uri="{91240B29-F687-4f45-9708-019B960494DF}">
-                  <a14:hiddenLine xmlns="" xmlns:a14="http://schemas.microsoft.com/office/drawing/2010/main" w="9525">
+                  <a14:hiddenLine xmlns:a14="http://schemas.microsoft.com/office/drawing/2010/main" xmlns="" w="9525">
                     <a:solidFill>
                       <a:srgbClr val="000000"/>
                     </a:solidFill>
@@ -10999,7 +11001,7 @@
               </a:ln>
               <a:extLst>
                 <a:ext uri="{91240B29-F687-4f45-9708-019B960494DF}">
-                  <a14:hiddenLine xmlns="" xmlns:a14="http://schemas.microsoft.com/office/drawing/2010/main" w="9525">
+                  <a14:hiddenLine xmlns:a14="http://schemas.microsoft.com/office/drawing/2010/main" xmlns="" w="9525">
                     <a:solidFill>
                       <a:srgbClr val="000000"/>
                     </a:solidFill>
@@ -11061,7 +11063,7 @@
               </a:ln>
               <a:extLst>
                 <a:ext uri="{91240B29-F687-4f45-9708-019B960494DF}">
-                  <a14:hiddenLine xmlns="" xmlns:a14="http://schemas.microsoft.com/office/drawing/2010/main" w="9525">
+                  <a14:hiddenLine xmlns:a14="http://schemas.microsoft.com/office/drawing/2010/main" xmlns="" w="9525">
                     <a:solidFill>
                       <a:srgbClr val="000000"/>
                     </a:solidFill>
@@ -11151,7 +11153,7 @@
               </a:ln>
               <a:extLst>
                 <a:ext uri="{91240B29-F687-4f45-9708-019B960494DF}">
-                  <a14:hiddenLine xmlns="" xmlns:a14="http://schemas.microsoft.com/office/drawing/2010/main" w="9525">
+                  <a14:hiddenLine xmlns:a14="http://schemas.microsoft.com/office/drawing/2010/main" xmlns="" w="9525">
                     <a:solidFill>
                       <a:srgbClr val="000000"/>
                     </a:solidFill>
@@ -11241,7 +11243,7 @@
               </a:ln>
               <a:extLst>
                 <a:ext uri="{91240B29-F687-4f45-9708-019B960494DF}">
-                  <a14:hiddenLine xmlns="" xmlns:a14="http://schemas.microsoft.com/office/drawing/2010/main" w="9525">
+                  <a14:hiddenLine xmlns:a14="http://schemas.microsoft.com/office/drawing/2010/main" xmlns="" w="9525">
                     <a:solidFill>
                       <a:srgbClr val="000000"/>
                     </a:solidFill>
@@ -11306,7 +11308,7 @@
               </a:ln>
               <a:extLst>
                 <a:ext uri="{91240B29-F687-4f45-9708-019B960494DF}">
-                  <a14:hiddenLine xmlns="" xmlns:a14="http://schemas.microsoft.com/office/drawing/2010/main" w="9525">
+                  <a14:hiddenLine xmlns:a14="http://schemas.microsoft.com/office/drawing/2010/main" xmlns="" w="9525">
                     <a:solidFill>
                       <a:srgbClr val="000000"/>
                     </a:solidFill>
@@ -11426,7 +11428,7 @@
               </a:ln>
               <a:extLst>
                 <a:ext uri="{91240B29-F687-4f45-9708-019B960494DF}">
-                  <a14:hiddenLine xmlns="" xmlns:a14="http://schemas.microsoft.com/office/drawing/2010/main" w="9525">
+                  <a14:hiddenLine xmlns:a14="http://schemas.microsoft.com/office/drawing/2010/main" xmlns="" w="9525">
                     <a:solidFill>
                       <a:srgbClr val="000000"/>
                     </a:solidFill>
@@ -11524,7 +11526,7 @@
               </a:ln>
               <a:extLst>
                 <a:ext uri="{91240B29-F687-4f45-9708-019B960494DF}">
-                  <a14:hiddenLine xmlns="" xmlns:a14="http://schemas.microsoft.com/office/drawing/2010/main" w="9525">
+                  <a14:hiddenLine xmlns:a14="http://schemas.microsoft.com/office/drawing/2010/main" xmlns="" w="9525">
                     <a:solidFill>
                       <a:srgbClr val="000000"/>
                     </a:solidFill>
@@ -11639,7 +11641,7 @@
               </a:ln>
               <a:extLst>
                 <a:ext uri="{91240B29-F687-4f45-9708-019B960494DF}">
-                  <a14:hiddenLine xmlns="" xmlns:a14="http://schemas.microsoft.com/office/drawing/2010/main" w="9525">
+                  <a14:hiddenLine xmlns:a14="http://schemas.microsoft.com/office/drawing/2010/main" xmlns="" w="9525">
                     <a:solidFill>
                       <a:srgbClr val="000000"/>
                     </a:solidFill>
@@ -11729,7 +11731,7 @@
               </a:ln>
               <a:extLst>
                 <a:ext uri="{91240B29-F687-4f45-9708-019B960494DF}">
-                  <a14:hiddenLine xmlns="" xmlns:a14="http://schemas.microsoft.com/office/drawing/2010/main" w="9525">
+                  <a14:hiddenLine xmlns:a14="http://schemas.microsoft.com/office/drawing/2010/main" xmlns="" w="9525">
                     <a:solidFill>
                       <a:srgbClr val="000000"/>
                     </a:solidFill>
@@ -11794,7 +11796,7 @@
               </a:ln>
               <a:extLst>
                 <a:ext uri="{91240B29-F687-4f45-9708-019B960494DF}">
-                  <a14:hiddenLine xmlns="" xmlns:a14="http://schemas.microsoft.com/office/drawing/2010/main" w="9525">
+                  <a14:hiddenLine xmlns:a14="http://schemas.microsoft.com/office/drawing/2010/main" xmlns="" w="9525">
                     <a:solidFill>
                       <a:srgbClr val="000000"/>
                     </a:solidFill>
@@ -11884,7 +11886,7 @@
               </a:ln>
               <a:extLst>
                 <a:ext uri="{91240B29-F687-4f45-9708-019B960494DF}">
-                  <a14:hiddenLine xmlns="" xmlns:a14="http://schemas.microsoft.com/office/drawing/2010/main" w="9525">
+                  <a14:hiddenLine xmlns:a14="http://schemas.microsoft.com/office/drawing/2010/main" xmlns="" w="9525">
                     <a:solidFill>
                       <a:srgbClr val="000000"/>
                     </a:solidFill>
@@ -11952,7 +11954,7 @@
               </a:ln>
               <a:extLst>
                 <a:ext uri="{91240B29-F687-4f45-9708-019B960494DF}">
-                  <a14:hiddenLine xmlns="" xmlns:a14="http://schemas.microsoft.com/office/drawing/2010/main" w="9525">
+                  <a14:hiddenLine xmlns:a14="http://schemas.microsoft.com/office/drawing/2010/main" xmlns="" w="9525">
                     <a:solidFill>
                       <a:srgbClr val="000000"/>
                     </a:solidFill>
@@ -12042,7 +12044,7 @@
               </a:ln>
               <a:extLst>
                 <a:ext uri="{91240B29-F687-4f45-9708-019B960494DF}">
-                  <a14:hiddenLine xmlns="" xmlns:a14="http://schemas.microsoft.com/office/drawing/2010/main" w="9525">
+                  <a14:hiddenLine xmlns:a14="http://schemas.microsoft.com/office/drawing/2010/main" xmlns="" w="9525">
                     <a:solidFill>
                       <a:srgbClr val="000000"/>
                     </a:solidFill>
@@ -12110,7 +12112,7 @@
               </a:ln>
               <a:extLst>
                 <a:ext uri="{91240B29-F687-4f45-9708-019B960494DF}">
-                  <a14:hiddenLine xmlns="" xmlns:a14="http://schemas.microsoft.com/office/drawing/2010/main" w="9525">
+                  <a14:hiddenLine xmlns:a14="http://schemas.microsoft.com/office/drawing/2010/main" xmlns="" w="9525">
                     <a:solidFill>
                       <a:srgbClr val="000000"/>
                     </a:solidFill>
@@ -12200,7 +12202,7 @@
               </a:ln>
               <a:extLst>
                 <a:ext uri="{91240B29-F687-4f45-9708-019B960494DF}">
-                  <a14:hiddenLine xmlns="" xmlns:a14="http://schemas.microsoft.com/office/drawing/2010/main" w="9525">
+                  <a14:hiddenLine xmlns:a14="http://schemas.microsoft.com/office/drawing/2010/main" xmlns="" w="9525">
                     <a:solidFill>
                       <a:srgbClr val="000000"/>
                     </a:solidFill>
@@ -12234,7 +12236,7 @@
               </a:ln>
               <a:extLst>
                 <a:ext uri="{91240B29-F687-4f45-9708-019B960494DF}">
-                  <a14:hiddenLine xmlns="" xmlns:a14="http://schemas.microsoft.com/office/drawing/2010/main" w="9525">
+                  <a14:hiddenLine xmlns:a14="http://schemas.microsoft.com/office/drawing/2010/main" xmlns="" w="9525">
                     <a:solidFill>
                       <a:srgbClr val="000000"/>
                     </a:solidFill>
@@ -12375,7 +12377,7 @@
             <a:fld id="{48A87A34-81AB-432B-8DAE-1953F412C126}" type="datetimeFigureOut">
               <a:rPr lang="en-US" dirty="0"/>
               <a:pPr/>
-              <a:t>7/27/2020</a:t>
+              <a:t>7/28/2020</a:t>
             </a:fld>
             <a:endParaRPr lang="en-US" dirty="0"/>
           </a:p>
@@ -12827,25 +12829,18 @@
                   </a:schemeClr>
                 </a:solidFill>
               </a:rPr>
-              <a:t>COVID_19: </a:t>
+              <a:t>COVID-19: </a:t>
             </a:r>
             <a:r>
-              <a:rPr lang="en-US" sz="6000" dirty="0" err="1">
+              <a:rPr lang="en-US" sz="6000" dirty="0">
                 <a:solidFill>
                   <a:schemeClr val="bg2">
                     <a:lumMod val="50000"/>
                   </a:schemeClr>
                 </a:solidFill>
               </a:rPr>
-              <a:t>API_Interaction</a:t>
+              <a:t>API Interaction</a:t>
             </a:r>
-            <a:endParaRPr lang="en-US" sz="6000" dirty="0">
-              <a:solidFill>
-                <a:schemeClr val="bg2">
-                  <a:lumMod val="50000"/>
-                </a:schemeClr>
-              </a:solidFill>
-            </a:endParaRPr>
           </a:p>
         </p:txBody>
       </p:sp>
@@ -12943,6 +12938,508 @@
 </p:sld>
 </file>
 
+<file path=ppt/slides/slide10.xml><?xml version="1.0" encoding="utf-8"?>
+<p:sld xmlns:a="http://schemas.openxmlformats.org/drawingml/2006/main" xmlns:r="http://schemas.openxmlformats.org/officeDocument/2006/relationships" xmlns:p="http://schemas.openxmlformats.org/presentationml/2006/main">
+  <p:cSld>
+    <p:spTree>
+      <p:nvGrpSpPr>
+        <p:cNvPr id="1" name=""/>
+        <p:cNvGrpSpPr/>
+        <p:nvPr/>
+      </p:nvGrpSpPr>
+      <p:grpSpPr>
+        <a:xfrm>
+          <a:off x="0" y="0"/>
+          <a:ext cx="0" cy="0"/>
+          <a:chOff x="0" y="0"/>
+          <a:chExt cx="0" cy="0"/>
+        </a:xfrm>
+      </p:grpSpPr>
+      <p:sp>
+        <p:nvSpPr>
+          <p:cNvPr id="2" name="Title 1">
+            <a:extLst>
+              <a:ext uri="{FF2B5EF4-FFF2-40B4-BE49-F238E27FC236}">
+                <a16:creationId xmlns:a16="http://schemas.microsoft.com/office/drawing/2014/main" id="{67D053DA-79BB-4CE0-9AF2-AB6FB4752C60}"/>
+              </a:ext>
+            </a:extLst>
+          </p:cNvPr>
+          <p:cNvSpPr>
+            <a:spLocks noGrp="1"/>
+          </p:cNvSpPr>
+          <p:nvPr>
+            <p:ph type="title"/>
+          </p:nvPr>
+        </p:nvSpPr>
+        <p:spPr>
+          <a:xfrm>
+            <a:off x="1141413" y="210555"/>
+            <a:ext cx="9905998" cy="1478570"/>
+          </a:xfrm>
+        </p:spPr>
+        <p:txBody>
+          <a:bodyPr/>
+          <a:lstStyle/>
+          <a:p>
+            <a:pPr algn="ctr"/>
+            <a:r>
+              <a:rPr lang="en-US" dirty="0">
+                <a:solidFill>
+                  <a:schemeClr val="bg2">
+                    <a:lumMod val="50000"/>
+                  </a:schemeClr>
+                </a:solidFill>
+              </a:rPr>
+              <a:t>Data Sources</a:t>
+            </a:r>
+          </a:p>
+        </p:txBody>
+      </p:sp>
+      <p:sp>
+        <p:nvSpPr>
+          <p:cNvPr id="3" name="Content Placeholder 2">
+            <a:extLst>
+              <a:ext uri="{FF2B5EF4-FFF2-40B4-BE49-F238E27FC236}">
+                <a16:creationId xmlns:a16="http://schemas.microsoft.com/office/drawing/2014/main" id="{29DF8514-04F9-48A7-8EFC-A3A75C3A796A}"/>
+              </a:ext>
+            </a:extLst>
+          </p:cNvPr>
+          <p:cNvSpPr>
+            <a:spLocks noGrp="1"/>
+          </p:cNvSpPr>
+          <p:nvPr>
+            <p:ph idx="1"/>
+          </p:nvPr>
+        </p:nvSpPr>
+        <p:spPr>
+          <a:xfrm>
+            <a:off x="1141413" y="1591653"/>
+            <a:ext cx="9905999" cy="3541714"/>
+          </a:xfrm>
+        </p:spPr>
+        <p:txBody>
+          <a:bodyPr>
+            <a:normAutofit fontScale="92500" lnSpcReduction="20000"/>
+          </a:bodyPr>
+          <a:lstStyle/>
+          <a:p>
+            <a:r>
+              <a:rPr lang="en-US" dirty="0">
+                <a:solidFill>
+                  <a:schemeClr val="tx2">
+                    <a:lumMod val="75000"/>
+                  </a:schemeClr>
+                </a:solidFill>
+                <a:hlinkClick r:id="rId2">
+                  <a:extLst>
+                    <a:ext uri="{A12FA001-AC4F-418D-AE19-62706E023703}">
+                      <ahyp:hlinkClr xmlns:ahyp="http://schemas.microsoft.com/office/drawing/2018/hyperlinkcolor" val="tx"/>
+                    </a:ext>
+                  </a:extLst>
+                </a:hlinkClick>
+              </a:rPr>
+              <a:t>www.census.gov</a:t>
+            </a:r>
+            <a:r>
+              <a:rPr lang="en-US" dirty="0">
+                <a:solidFill>
+                  <a:schemeClr val="tx2">
+                    <a:lumMod val="75000"/>
+                  </a:schemeClr>
+                </a:solidFill>
+              </a:rPr>
+              <a:t> </a:t>
+            </a:r>
+            <a:r>
+              <a:rPr lang="en-US" dirty="0">
+                <a:solidFill>
+                  <a:schemeClr val="bg2">
+                    <a:lumMod val="50000"/>
+                  </a:schemeClr>
+                </a:solidFill>
+              </a:rPr>
+              <a:t>(U.S. Census Bureau)</a:t>
+            </a:r>
+          </a:p>
+          <a:p>
+            <a:r>
+              <a:rPr lang="en-US" dirty="0">
+                <a:solidFill>
+                  <a:schemeClr val="tx2">
+                    <a:lumMod val="75000"/>
+                  </a:schemeClr>
+                </a:solidFill>
+                <a:hlinkClick r:id="rId3">
+                  <a:extLst>
+                    <a:ext uri="{A12FA001-AC4F-418D-AE19-62706E023703}">
+                      <ahyp:hlinkClr xmlns:ahyp="http://schemas.microsoft.com/office/drawing/2018/hyperlinkcolor" val="tx"/>
+                    </a:ext>
+                  </a:extLst>
+                </a:hlinkClick>
+              </a:rPr>
+              <a:t>https://data.cdc.gov/NCHS/</a:t>
+            </a:r>
+            <a:r>
+              <a:rPr lang="en-US" dirty="0">
+                <a:solidFill>
+                  <a:schemeClr val="tx2">
+                    <a:lumMod val="75000"/>
+                  </a:schemeClr>
+                </a:solidFill>
+              </a:rPr>
+              <a:t> </a:t>
+            </a:r>
+            <a:r>
+              <a:rPr lang="en-US" dirty="0">
+                <a:solidFill>
+                  <a:schemeClr val="bg2">
+                    <a:lumMod val="50000"/>
+                  </a:schemeClr>
+                </a:solidFill>
+              </a:rPr>
+              <a:t>(Center for Disease Control and Prevention)</a:t>
+            </a:r>
+          </a:p>
+          <a:p>
+            <a:r>
+              <a:rPr lang="en-US" dirty="0">
+                <a:solidFill>
+                  <a:schemeClr val="tx2">
+                    <a:lumMod val="75000"/>
+                  </a:schemeClr>
+                </a:solidFill>
+                <a:hlinkClick r:id="rId4">
+                  <a:extLst>
+                    <a:ext uri="{A12FA001-AC4F-418D-AE19-62706E023703}">
+                      <ahyp:hlinkClr xmlns:ahyp="http://schemas.microsoft.com/office/drawing/2018/hyperlinkcolor" val="tx"/>
+                    </a:ext>
+                  </a:extLst>
+                </a:hlinkClick>
+              </a:rPr>
+              <a:t>https://pypi.org/project/uszipcode/</a:t>
+            </a:r>
+            <a:r>
+              <a:rPr lang="en-US" dirty="0">
+                <a:solidFill>
+                  <a:schemeClr val="tx2">
+                    <a:lumMod val="75000"/>
+                  </a:schemeClr>
+                </a:solidFill>
+              </a:rPr>
+              <a:t> </a:t>
+            </a:r>
+            <a:r>
+              <a:rPr lang="en-US" dirty="0">
+                <a:solidFill>
+                  <a:schemeClr val="bg2">
+                    <a:lumMod val="50000"/>
+                  </a:schemeClr>
+                </a:solidFill>
+              </a:rPr>
+              <a:t> (Used to convert Zip Codes from Census to County and State)  </a:t>
+            </a:r>
+          </a:p>
+          <a:p>
+            <a:r>
+              <a:rPr lang="en-US" dirty="0">
+                <a:solidFill>
+                  <a:schemeClr val="tx2">
+                    <a:lumMod val="75000"/>
+                  </a:schemeClr>
+                </a:solidFill>
+                <a:hlinkClick r:id="rId5">
+                  <a:extLst>
+                    <a:ext uri="{A12FA001-AC4F-418D-AE19-62706E023703}">
+                      <ahyp:hlinkClr xmlns:ahyp="http://schemas.microsoft.com/office/drawing/2018/hyperlinkcolor" val="tx"/>
+                    </a:ext>
+                  </a:extLst>
+                </a:hlinkClick>
+              </a:rPr>
+              <a:t>https://pypi.org/project/us/</a:t>
+            </a:r>
+            <a:r>
+              <a:rPr lang="en-US" dirty="0">
+                <a:solidFill>
+                  <a:schemeClr val="tx2">
+                    <a:lumMod val="75000"/>
+                  </a:schemeClr>
+                </a:solidFill>
+              </a:rPr>
+              <a:t> </a:t>
+            </a:r>
+            <a:r>
+              <a:rPr lang="en-US" dirty="0">
+                <a:solidFill>
+                  <a:schemeClr val="bg2">
+                    <a:lumMod val="50000"/>
+                  </a:schemeClr>
+                </a:solidFill>
+              </a:rPr>
+              <a:t>(Used to clean up junk state data from cases on cruise ships)</a:t>
+            </a:r>
+          </a:p>
+          <a:p>
+            <a:r>
+              <a:rPr lang="en-US" dirty="0">
+                <a:solidFill>
+                  <a:schemeClr val="tx2">
+                    <a:lumMod val="75000"/>
+                  </a:schemeClr>
+                </a:solidFill>
+                <a:hlinkClick r:id="rId6">
+                  <a:extLst>
+                    <a:ext uri="{A12FA001-AC4F-418D-AE19-62706E023703}">
+                      <ahyp:hlinkClr xmlns:ahyp="http://schemas.microsoft.com/office/drawing/2018/hyperlinkcolor" val="tx"/>
+                    </a:ext>
+                  </a:extLst>
+                </a:hlinkClick>
+              </a:rPr>
+              <a:t>https://covid-api.com</a:t>
+            </a:r>
+            <a:r>
+              <a:rPr lang="en-US" dirty="0">
+                <a:solidFill>
+                  <a:schemeClr val="tx2">
+                    <a:lumMod val="75000"/>
+                  </a:schemeClr>
+                </a:solidFill>
+              </a:rPr>
+              <a:t> </a:t>
+            </a:r>
+            <a:r>
+              <a:rPr lang="en-US" dirty="0">
+                <a:solidFill>
+                  <a:schemeClr val="bg2">
+                    <a:lumMod val="50000"/>
+                  </a:schemeClr>
+                </a:solidFill>
+              </a:rPr>
+              <a:t>&amp; </a:t>
+            </a:r>
+            <a:r>
+              <a:rPr lang="en-US" dirty="0">
+                <a:solidFill>
+                  <a:schemeClr val="tx2">
+                    <a:lumMod val="75000"/>
+                  </a:schemeClr>
+                </a:solidFill>
+                <a:hlinkClick r:id="rId7">
+                  <a:extLst>
+                    <a:ext uri="{A12FA001-AC4F-418D-AE19-62706E023703}">
+                      <ahyp:hlinkClr xmlns:ahyp="http://schemas.microsoft.com/office/drawing/2018/hyperlinkcolor" val="tx"/>
+                    </a:ext>
+                  </a:extLst>
+                </a:hlinkClick>
+              </a:rPr>
+              <a:t>https://rapidapi.com/search/covid</a:t>
+            </a:r>
+            <a:endParaRPr lang="en-US" dirty="0">
+              <a:solidFill>
+                <a:schemeClr val="tx2">
+                  <a:lumMod val="75000"/>
+                </a:schemeClr>
+              </a:solidFill>
+            </a:endParaRPr>
+          </a:p>
+          <a:p>
+            <a:pPr marL="0" indent="0">
+              <a:buNone/>
+            </a:pPr>
+            <a:r>
+              <a:rPr lang="en-US" dirty="0">
+                <a:solidFill>
+                  <a:schemeClr val="bg2">
+                    <a:lumMod val="50000"/>
+                  </a:schemeClr>
+                </a:solidFill>
+              </a:rPr>
+              <a:t>   (Based on public data by Johns Hopkins CSSE)</a:t>
+            </a:r>
+          </a:p>
+          <a:p>
+            <a:endParaRPr lang="en-US" dirty="0"/>
+          </a:p>
+        </p:txBody>
+      </p:sp>
+      <p:sp>
+        <p:nvSpPr>
+          <p:cNvPr id="4" name="TextBox 3">
+            <a:extLst>
+              <a:ext uri="{FF2B5EF4-FFF2-40B4-BE49-F238E27FC236}">
+                <a16:creationId xmlns:a16="http://schemas.microsoft.com/office/drawing/2014/main" id="{FBF561AE-77E8-467C-9B83-D7908D798C12}"/>
+              </a:ext>
+            </a:extLst>
+          </p:cNvPr>
+          <p:cNvSpPr txBox="1"/>
+          <p:nvPr/>
+        </p:nvSpPr>
+        <p:spPr>
+          <a:xfrm>
+            <a:off x="3328560" y="5409028"/>
+            <a:ext cx="5531703" cy="830997"/>
+          </a:xfrm>
+          <a:prstGeom prst="rect">
+            <a:avLst/>
+          </a:prstGeom>
+          <a:noFill/>
+        </p:spPr>
+        <p:txBody>
+          <a:bodyPr wrap="square" rtlCol="0">
+            <a:spAutoFit/>
+          </a:bodyPr>
+          <a:lstStyle/>
+          <a:p>
+            <a:pPr algn="ctr"/>
+            <a:r>
+              <a:rPr lang="en-US" sz="4800" b="1" dirty="0">
+                <a:solidFill>
+                  <a:schemeClr val="tx2">
+                    <a:lumMod val="50000"/>
+                  </a:schemeClr>
+                </a:solidFill>
+              </a:rPr>
+              <a:t>THANK YOU</a:t>
+            </a:r>
+          </a:p>
+        </p:txBody>
+      </p:sp>
+    </p:spTree>
+    <p:extLst>
+      <p:ext uri="{BB962C8B-B14F-4D97-AF65-F5344CB8AC3E}">
+        <p14:creationId xmlns:p14="http://schemas.microsoft.com/office/powerpoint/2010/main" val="3684321604"/>
+      </p:ext>
+    </p:extLst>
+  </p:cSld>
+  <p:clrMapOvr>
+    <a:masterClrMapping/>
+  </p:clrMapOvr>
+  <p:timing>
+    <p:tnLst>
+      <p:par>
+        <p:cTn id="1" dur="indefinite" restart="never" nodeType="tmRoot">
+          <p:childTnLst>
+            <p:seq concurrent="1" nextAc="seek">
+              <p:cTn id="2" dur="indefinite" nodeType="mainSeq">
+                <p:childTnLst>
+                  <p:par>
+                    <p:cTn id="3" fill="hold">
+                      <p:stCondLst>
+                        <p:cond delay="indefinite"/>
+                      </p:stCondLst>
+                      <p:childTnLst>
+                        <p:par>
+                          <p:cTn id="4" fill="hold">
+                            <p:stCondLst>
+                              <p:cond delay="0"/>
+                            </p:stCondLst>
+                            <p:childTnLst>
+                              <p:par>
+                                <p:cTn id="5" presetID="2" presetClass="entr" presetSubtype="2" fill="hold" grpId="0" nodeType="clickEffect">
+                                  <p:stCondLst>
+                                    <p:cond delay="0"/>
+                                  </p:stCondLst>
+                                  <p:childTnLst>
+                                    <p:set>
+                                      <p:cBhvr>
+                                        <p:cTn id="6" dur="1" fill="hold">
+                                          <p:stCondLst>
+                                            <p:cond delay="0"/>
+                                          </p:stCondLst>
+                                        </p:cTn>
+                                        <p:tgtEl>
+                                          <p:spTgt spid="4"/>
+                                        </p:tgtEl>
+                                        <p:attrNameLst>
+                                          <p:attrName>style.visibility</p:attrName>
+                                        </p:attrNameLst>
+                                      </p:cBhvr>
+                                      <p:to>
+                                        <p:strVal val="visible"/>
+                                      </p:to>
+                                    </p:set>
+                                    <p:anim calcmode="lin" valueType="num">
+                                      <p:cBhvr additive="base">
+                                        <p:cTn id="7" dur="500" fill="hold"/>
+                                        <p:tgtEl>
+                                          <p:spTgt spid="4"/>
+                                        </p:tgtEl>
+                                        <p:attrNameLst>
+                                          <p:attrName>ppt_x</p:attrName>
+                                        </p:attrNameLst>
+                                      </p:cBhvr>
+                                      <p:tavLst>
+                                        <p:tav tm="0">
+                                          <p:val>
+                                            <p:strVal val="1+#ppt_w/2"/>
+                                          </p:val>
+                                        </p:tav>
+                                        <p:tav tm="100000">
+                                          <p:val>
+                                            <p:strVal val="#ppt_x"/>
+                                          </p:val>
+                                        </p:tav>
+                                      </p:tavLst>
+                                    </p:anim>
+                                    <p:anim calcmode="lin" valueType="num">
+                                      <p:cBhvr additive="base">
+                                        <p:cTn id="8" dur="500" fill="hold"/>
+                                        <p:tgtEl>
+                                          <p:spTgt spid="4"/>
+                                        </p:tgtEl>
+                                        <p:attrNameLst>
+                                          <p:attrName>ppt_y</p:attrName>
+                                        </p:attrNameLst>
+                                      </p:cBhvr>
+                                      <p:tavLst>
+                                        <p:tav tm="0">
+                                          <p:val>
+                                            <p:strVal val="#ppt_y"/>
+                                          </p:val>
+                                        </p:tav>
+                                        <p:tav tm="100000">
+                                          <p:val>
+                                            <p:strVal val="#ppt_y"/>
+                                          </p:val>
+                                        </p:tav>
+                                      </p:tavLst>
+                                    </p:anim>
+                                  </p:childTnLst>
+                                </p:cTn>
+                              </p:par>
+                            </p:childTnLst>
+                          </p:cTn>
+                        </p:par>
+                      </p:childTnLst>
+                    </p:cTn>
+                  </p:par>
+                </p:childTnLst>
+              </p:cTn>
+              <p:prevCondLst>
+                <p:cond evt="onPrev" delay="0">
+                  <p:tgtEl>
+                    <p:sldTgt/>
+                  </p:tgtEl>
+                </p:cond>
+              </p:prevCondLst>
+              <p:nextCondLst>
+                <p:cond evt="onNext" delay="0">
+                  <p:tgtEl>
+                    <p:sldTgt/>
+                  </p:tgtEl>
+                </p:cond>
+              </p:nextCondLst>
+            </p:seq>
+          </p:childTnLst>
+        </p:cTn>
+      </p:par>
+    </p:tnLst>
+    <p:bldLst>
+      <p:bldP spid="4" grpId="0"/>
+    </p:bldLst>
+  </p:timing>
+</p:sld>
+</file>
+
 <file path=ppt/slides/slide2.xml><?xml version="1.0" encoding="utf-8"?>
 <p:sld xmlns:a="http://schemas.openxmlformats.org/drawingml/2006/main" xmlns:r="http://schemas.openxmlformats.org/officeDocument/2006/relationships" xmlns:p="http://schemas.openxmlformats.org/presentationml/2006/main">
   <p:cSld>
@@ -12976,37 +13473,135 @@
             <p:ph type="title"/>
           </p:nvPr>
         </p:nvSpPr>
-        <p:spPr/>
+        <p:spPr>
+          <a:xfrm>
+            <a:off x="1143001" y="1335970"/>
+            <a:ext cx="9905998" cy="1478570"/>
+          </a:xfrm>
+        </p:spPr>
         <p:txBody>
-          <a:bodyPr/>
+          <a:bodyPr>
+            <a:normAutofit fontScale="90000"/>
+          </a:bodyPr>
           <a:lstStyle/>
           <a:p>
-            <a:endParaRPr lang="en-US"/>
+            <a:r>
+              <a:rPr lang="en-US" sz="4400" dirty="0">
+                <a:solidFill>
+                  <a:schemeClr val="bg2">
+                    <a:lumMod val="50000"/>
+                  </a:schemeClr>
+                </a:solidFill>
+              </a:rPr>
+              <a:t>Do the following demographic factors have any effect on the spread of Covid-19 and the rates of death caused by the virus?</a:t>
+            </a:r>
+            <a:br>
+              <a:rPr lang="en-US" dirty="0"/>
+            </a:br>
+            <a:endParaRPr lang="en-US" dirty="0"/>
           </a:p>
         </p:txBody>
       </p:sp>
       <p:sp>
         <p:nvSpPr>
-          <p:cNvPr id="3" name="Content Placeholder 2">
+          <p:cNvPr id="3" name="TextBox 2">
             <a:extLst>
               <a:ext uri="{FF2B5EF4-FFF2-40B4-BE49-F238E27FC236}">
-                <a16:creationId xmlns:a16="http://schemas.microsoft.com/office/drawing/2014/main" id="{159B5CA5-8106-4969-B3B6-6A7DFDF6E246}"/>
+                <a16:creationId xmlns:a16="http://schemas.microsoft.com/office/drawing/2014/main" id="{37EEC5B3-9DF3-4612-B088-ED0FFFEC874D}"/>
               </a:ext>
             </a:extLst>
           </p:cNvPr>
-          <p:cNvSpPr>
-            <a:spLocks noGrp="1"/>
-          </p:cNvSpPr>
-          <p:nvPr>
-            <p:ph idx="1"/>
-          </p:nvPr>
+          <p:cNvSpPr txBox="1"/>
+          <p:nvPr/>
         </p:nvSpPr>
-        <p:spPr/>
+        <p:spPr>
+          <a:xfrm>
+            <a:off x="1143001" y="3429000"/>
+            <a:ext cx="9725048" cy="2862322"/>
+          </a:xfrm>
+          <a:prstGeom prst="rect">
+            <a:avLst/>
+          </a:prstGeom>
+          <a:noFill/>
+        </p:spPr>
         <p:txBody>
-          <a:bodyPr/>
+          <a:bodyPr wrap="square" rtlCol="0">
+            <a:spAutoFit/>
+          </a:bodyPr>
           <a:lstStyle/>
           <a:p>
-            <a:endParaRPr lang="en-US"/>
+            <a:pPr marL="285750" indent="-285750">
+              <a:buFont typeface="Arial" panose="020B0604020202020204" pitchFamily="34" charset="0"/>
+              <a:buChar char="•"/>
+            </a:pPr>
+            <a:r>
+              <a:rPr lang="en-US" sz="3600" dirty="0">
+                <a:solidFill>
+                  <a:schemeClr val="tx2">
+                    <a:lumMod val="75000"/>
+                  </a:schemeClr>
+                </a:solidFill>
+              </a:rPr>
+              <a:t>Median Household Income</a:t>
+            </a:r>
+          </a:p>
+          <a:p>
+            <a:pPr marL="285750" indent="-285750">
+              <a:buFont typeface="Arial" panose="020B0604020202020204" pitchFamily="34" charset="0"/>
+              <a:buChar char="•"/>
+            </a:pPr>
+            <a:r>
+              <a:rPr lang="en-US" sz="3600" dirty="0">
+                <a:solidFill>
+                  <a:schemeClr val="tx2">
+                    <a:lumMod val="75000"/>
+                  </a:schemeClr>
+                </a:solidFill>
+              </a:rPr>
+              <a:t>Per Capita Income</a:t>
+            </a:r>
+          </a:p>
+          <a:p>
+            <a:pPr marL="285750" indent="-285750">
+              <a:buFont typeface="Arial" panose="020B0604020202020204" pitchFamily="34" charset="0"/>
+              <a:buChar char="•"/>
+            </a:pPr>
+            <a:r>
+              <a:rPr lang="en-US" sz="3600" dirty="0">
+                <a:solidFill>
+                  <a:schemeClr val="tx2">
+                    <a:lumMod val="75000"/>
+                  </a:schemeClr>
+                </a:solidFill>
+              </a:rPr>
+              <a:t>Population Density</a:t>
+            </a:r>
+          </a:p>
+          <a:p>
+            <a:pPr marL="285750" indent="-285750">
+              <a:buFont typeface="Arial" panose="020B0604020202020204" pitchFamily="34" charset="0"/>
+              <a:buChar char="•"/>
+            </a:pPr>
+            <a:r>
+              <a:rPr lang="en-US" sz="3600" dirty="0">
+                <a:solidFill>
+                  <a:schemeClr val="tx2">
+                    <a:lumMod val="75000"/>
+                  </a:schemeClr>
+                </a:solidFill>
+              </a:rPr>
+              <a:t>Age</a:t>
+            </a:r>
+          </a:p>
+          <a:p>
+            <a:pPr marL="285750" indent="-285750">
+              <a:buFont typeface="Arial" panose="020B0604020202020204" pitchFamily="34" charset="0"/>
+              <a:buChar char="•"/>
+            </a:pPr>
+            <a:endParaRPr lang="en-US" dirty="0"/>
+          </a:p>
+          <a:p>
+            <a:endParaRPr lang="en-US" dirty="0"/>
           </a:p>
         </p:txBody>
       </p:sp>
@@ -13020,6 +13615,448 @@
   <p:clrMapOvr>
     <a:masterClrMapping/>
   </p:clrMapOvr>
+  <p:timing>
+    <p:tnLst>
+      <p:par>
+        <p:cTn id="1" dur="indefinite" restart="never" nodeType="tmRoot">
+          <p:childTnLst>
+            <p:seq concurrent="1" nextAc="seek">
+              <p:cTn id="2" dur="indefinite" nodeType="mainSeq">
+                <p:childTnLst>
+                  <p:par>
+                    <p:cTn id="3" fill="hold">
+                      <p:stCondLst>
+                        <p:cond delay="indefinite"/>
+                      </p:stCondLst>
+                      <p:childTnLst>
+                        <p:par>
+                          <p:cTn id="4" fill="hold">
+                            <p:stCondLst>
+                              <p:cond delay="0"/>
+                            </p:stCondLst>
+                            <p:childTnLst>
+                              <p:par>
+                                <p:cTn id="5" presetID="2" presetClass="entr" presetSubtype="2" fill="hold" nodeType="clickEffect">
+                                  <p:stCondLst>
+                                    <p:cond delay="0"/>
+                                  </p:stCondLst>
+                                  <p:childTnLst>
+                                    <p:set>
+                                      <p:cBhvr>
+                                        <p:cTn id="6" dur="1" fill="hold">
+                                          <p:stCondLst>
+                                            <p:cond delay="0"/>
+                                          </p:stCondLst>
+                                        </p:cTn>
+                                        <p:tgtEl>
+                                          <p:spTgt spid="3">
+                                            <p:txEl>
+                                              <p:pRg st="0" end="0"/>
+                                            </p:txEl>
+                                          </p:spTgt>
+                                        </p:tgtEl>
+                                        <p:attrNameLst>
+                                          <p:attrName>style.visibility</p:attrName>
+                                        </p:attrNameLst>
+                                      </p:cBhvr>
+                                      <p:to>
+                                        <p:strVal val="visible"/>
+                                      </p:to>
+                                    </p:set>
+                                    <p:anim calcmode="lin" valueType="num">
+                                      <p:cBhvr additive="base">
+                                        <p:cTn id="7" dur="500" fill="hold"/>
+                                        <p:tgtEl>
+                                          <p:spTgt spid="3">
+                                            <p:txEl>
+                                              <p:pRg st="0" end="0"/>
+                                            </p:txEl>
+                                          </p:spTgt>
+                                        </p:tgtEl>
+                                        <p:attrNameLst>
+                                          <p:attrName>ppt_x</p:attrName>
+                                        </p:attrNameLst>
+                                      </p:cBhvr>
+                                      <p:tavLst>
+                                        <p:tav tm="0">
+                                          <p:val>
+                                            <p:strVal val="1+#ppt_w/2"/>
+                                          </p:val>
+                                        </p:tav>
+                                        <p:tav tm="100000">
+                                          <p:val>
+                                            <p:strVal val="#ppt_x"/>
+                                          </p:val>
+                                        </p:tav>
+                                      </p:tavLst>
+                                    </p:anim>
+                                    <p:anim calcmode="lin" valueType="num">
+                                      <p:cBhvr additive="base">
+                                        <p:cTn id="8" dur="500" fill="hold"/>
+                                        <p:tgtEl>
+                                          <p:spTgt spid="3">
+                                            <p:txEl>
+                                              <p:pRg st="0" end="0"/>
+                                            </p:txEl>
+                                          </p:spTgt>
+                                        </p:tgtEl>
+                                        <p:attrNameLst>
+                                          <p:attrName>ppt_y</p:attrName>
+                                        </p:attrNameLst>
+                                      </p:cBhvr>
+                                      <p:tavLst>
+                                        <p:tav tm="0">
+                                          <p:val>
+                                            <p:strVal val="#ppt_y"/>
+                                          </p:val>
+                                        </p:tav>
+                                        <p:tav tm="100000">
+                                          <p:val>
+                                            <p:strVal val="#ppt_y"/>
+                                          </p:val>
+                                        </p:tav>
+                                      </p:tavLst>
+                                    </p:anim>
+                                  </p:childTnLst>
+                                </p:cTn>
+                              </p:par>
+                            </p:childTnLst>
+                          </p:cTn>
+                        </p:par>
+                      </p:childTnLst>
+                    </p:cTn>
+                  </p:par>
+                  <p:par>
+                    <p:cTn id="9" fill="hold">
+                      <p:stCondLst>
+                        <p:cond delay="indefinite"/>
+                      </p:stCondLst>
+                      <p:childTnLst>
+                        <p:par>
+                          <p:cTn id="10" fill="hold">
+                            <p:stCondLst>
+                              <p:cond delay="0"/>
+                            </p:stCondLst>
+                            <p:childTnLst>
+                              <p:par>
+                                <p:cTn id="11" presetID="2" presetClass="entr" presetSubtype="2" fill="hold" nodeType="clickEffect">
+                                  <p:stCondLst>
+                                    <p:cond delay="0"/>
+                                  </p:stCondLst>
+                                  <p:childTnLst>
+                                    <p:set>
+                                      <p:cBhvr>
+                                        <p:cTn id="12" dur="1" fill="hold">
+                                          <p:stCondLst>
+                                            <p:cond delay="0"/>
+                                          </p:stCondLst>
+                                        </p:cTn>
+                                        <p:tgtEl>
+                                          <p:spTgt spid="3">
+                                            <p:txEl>
+                                              <p:pRg st="1" end="1"/>
+                                            </p:txEl>
+                                          </p:spTgt>
+                                        </p:tgtEl>
+                                        <p:attrNameLst>
+                                          <p:attrName>style.visibility</p:attrName>
+                                        </p:attrNameLst>
+                                      </p:cBhvr>
+                                      <p:to>
+                                        <p:strVal val="visible"/>
+                                      </p:to>
+                                    </p:set>
+                                    <p:anim calcmode="lin" valueType="num">
+                                      <p:cBhvr additive="base">
+                                        <p:cTn id="13" dur="500" fill="hold"/>
+                                        <p:tgtEl>
+                                          <p:spTgt spid="3">
+                                            <p:txEl>
+                                              <p:pRg st="1" end="1"/>
+                                            </p:txEl>
+                                          </p:spTgt>
+                                        </p:tgtEl>
+                                        <p:attrNameLst>
+                                          <p:attrName>ppt_x</p:attrName>
+                                        </p:attrNameLst>
+                                      </p:cBhvr>
+                                      <p:tavLst>
+                                        <p:tav tm="0">
+                                          <p:val>
+                                            <p:strVal val="1+#ppt_w/2"/>
+                                          </p:val>
+                                        </p:tav>
+                                        <p:tav tm="100000">
+                                          <p:val>
+                                            <p:strVal val="#ppt_x"/>
+                                          </p:val>
+                                        </p:tav>
+                                      </p:tavLst>
+                                    </p:anim>
+                                    <p:anim calcmode="lin" valueType="num">
+                                      <p:cBhvr additive="base">
+                                        <p:cTn id="14" dur="500" fill="hold"/>
+                                        <p:tgtEl>
+                                          <p:spTgt spid="3">
+                                            <p:txEl>
+                                              <p:pRg st="1" end="1"/>
+                                            </p:txEl>
+                                          </p:spTgt>
+                                        </p:tgtEl>
+                                        <p:attrNameLst>
+                                          <p:attrName>ppt_y</p:attrName>
+                                        </p:attrNameLst>
+                                      </p:cBhvr>
+                                      <p:tavLst>
+                                        <p:tav tm="0">
+                                          <p:val>
+                                            <p:strVal val="#ppt_y"/>
+                                          </p:val>
+                                        </p:tav>
+                                        <p:tav tm="100000">
+                                          <p:val>
+                                            <p:strVal val="#ppt_y"/>
+                                          </p:val>
+                                        </p:tav>
+                                      </p:tavLst>
+                                    </p:anim>
+                                  </p:childTnLst>
+                                </p:cTn>
+                              </p:par>
+                            </p:childTnLst>
+                          </p:cTn>
+                        </p:par>
+                      </p:childTnLst>
+                    </p:cTn>
+                  </p:par>
+                  <p:par>
+                    <p:cTn id="15" fill="hold">
+                      <p:stCondLst>
+                        <p:cond delay="indefinite"/>
+                      </p:stCondLst>
+                      <p:childTnLst>
+                        <p:par>
+                          <p:cTn id="16" fill="hold">
+                            <p:stCondLst>
+                              <p:cond delay="0"/>
+                            </p:stCondLst>
+                            <p:childTnLst>
+                              <p:par>
+                                <p:cTn id="17" presetID="2" presetClass="entr" presetSubtype="2" fill="hold" nodeType="clickEffect">
+                                  <p:stCondLst>
+                                    <p:cond delay="0"/>
+                                  </p:stCondLst>
+                                  <p:childTnLst>
+                                    <p:set>
+                                      <p:cBhvr>
+                                        <p:cTn id="18" dur="1" fill="hold">
+                                          <p:stCondLst>
+                                            <p:cond delay="0"/>
+                                          </p:stCondLst>
+                                        </p:cTn>
+                                        <p:tgtEl>
+                                          <p:spTgt spid="3">
+                                            <p:txEl>
+                                              <p:pRg st="2" end="2"/>
+                                            </p:txEl>
+                                          </p:spTgt>
+                                        </p:tgtEl>
+                                        <p:attrNameLst>
+                                          <p:attrName>style.visibility</p:attrName>
+                                        </p:attrNameLst>
+                                      </p:cBhvr>
+                                      <p:to>
+                                        <p:strVal val="visible"/>
+                                      </p:to>
+                                    </p:set>
+                                    <p:anim calcmode="lin" valueType="num">
+                                      <p:cBhvr additive="base">
+                                        <p:cTn id="19" dur="500" fill="hold"/>
+                                        <p:tgtEl>
+                                          <p:spTgt spid="3">
+                                            <p:txEl>
+                                              <p:pRg st="2" end="2"/>
+                                            </p:txEl>
+                                          </p:spTgt>
+                                        </p:tgtEl>
+                                        <p:attrNameLst>
+                                          <p:attrName>ppt_x</p:attrName>
+                                        </p:attrNameLst>
+                                      </p:cBhvr>
+                                      <p:tavLst>
+                                        <p:tav tm="0">
+                                          <p:val>
+                                            <p:strVal val="1+#ppt_w/2"/>
+                                          </p:val>
+                                        </p:tav>
+                                        <p:tav tm="100000">
+                                          <p:val>
+                                            <p:strVal val="#ppt_x"/>
+                                          </p:val>
+                                        </p:tav>
+                                      </p:tavLst>
+                                    </p:anim>
+                                    <p:anim calcmode="lin" valueType="num">
+                                      <p:cBhvr additive="base">
+                                        <p:cTn id="20" dur="500" fill="hold"/>
+                                        <p:tgtEl>
+                                          <p:spTgt spid="3">
+                                            <p:txEl>
+                                              <p:pRg st="2" end="2"/>
+                                            </p:txEl>
+                                          </p:spTgt>
+                                        </p:tgtEl>
+                                        <p:attrNameLst>
+                                          <p:attrName>ppt_y</p:attrName>
+                                        </p:attrNameLst>
+                                      </p:cBhvr>
+                                      <p:tavLst>
+                                        <p:tav tm="0">
+                                          <p:val>
+                                            <p:strVal val="#ppt_y"/>
+                                          </p:val>
+                                        </p:tav>
+                                        <p:tav tm="100000">
+                                          <p:val>
+                                            <p:strVal val="#ppt_y"/>
+                                          </p:val>
+                                        </p:tav>
+                                      </p:tavLst>
+                                    </p:anim>
+                                  </p:childTnLst>
+                                </p:cTn>
+                              </p:par>
+                            </p:childTnLst>
+                          </p:cTn>
+                        </p:par>
+                      </p:childTnLst>
+                    </p:cTn>
+                  </p:par>
+                  <p:par>
+                    <p:cTn id="21" fill="hold">
+                      <p:stCondLst>
+                        <p:cond delay="indefinite"/>
+                      </p:stCondLst>
+                      <p:childTnLst>
+                        <p:par>
+                          <p:cTn id="22" fill="hold">
+                            <p:stCondLst>
+                              <p:cond delay="0"/>
+                            </p:stCondLst>
+                            <p:childTnLst>
+                              <p:par>
+                                <p:cTn id="23" presetID="2" presetClass="entr" presetSubtype="2" fill="hold" nodeType="clickEffect">
+                                  <p:stCondLst>
+                                    <p:cond delay="0"/>
+                                  </p:stCondLst>
+                                  <p:childTnLst>
+                                    <p:set>
+                                      <p:cBhvr>
+                                        <p:cTn id="24" dur="1" fill="hold">
+                                          <p:stCondLst>
+                                            <p:cond delay="0"/>
+                                          </p:stCondLst>
+                                        </p:cTn>
+                                        <p:tgtEl>
+                                          <p:spTgt spid="3">
+                                            <p:txEl>
+                                              <p:pRg st="3" end="3"/>
+                                            </p:txEl>
+                                          </p:spTgt>
+                                        </p:tgtEl>
+                                        <p:attrNameLst>
+                                          <p:attrName>style.visibility</p:attrName>
+                                        </p:attrNameLst>
+                                      </p:cBhvr>
+                                      <p:to>
+                                        <p:strVal val="visible"/>
+                                      </p:to>
+                                    </p:set>
+                                    <p:anim calcmode="lin" valueType="num">
+                                      <p:cBhvr additive="base">
+                                        <p:cTn id="25" dur="500" fill="hold"/>
+                                        <p:tgtEl>
+                                          <p:spTgt spid="3">
+                                            <p:txEl>
+                                              <p:pRg st="3" end="3"/>
+                                            </p:txEl>
+                                          </p:spTgt>
+                                        </p:tgtEl>
+                                        <p:attrNameLst>
+                                          <p:attrName>ppt_x</p:attrName>
+                                        </p:attrNameLst>
+                                      </p:cBhvr>
+                                      <p:tavLst>
+                                        <p:tav tm="0">
+                                          <p:val>
+                                            <p:strVal val="1+#ppt_w/2"/>
+                                          </p:val>
+                                        </p:tav>
+                                        <p:tav tm="100000">
+                                          <p:val>
+                                            <p:strVal val="#ppt_x"/>
+                                          </p:val>
+                                        </p:tav>
+                                      </p:tavLst>
+                                    </p:anim>
+                                    <p:anim calcmode="lin" valueType="num">
+                                      <p:cBhvr additive="base">
+                                        <p:cTn id="26" dur="500" fill="hold"/>
+                                        <p:tgtEl>
+                                          <p:spTgt spid="3">
+                                            <p:txEl>
+                                              <p:pRg st="3" end="3"/>
+                                            </p:txEl>
+                                          </p:spTgt>
+                                        </p:tgtEl>
+                                        <p:attrNameLst>
+                                          <p:attrName>ppt_y</p:attrName>
+                                        </p:attrNameLst>
+                                      </p:cBhvr>
+                                      <p:tavLst>
+                                        <p:tav tm="0">
+                                          <p:val>
+                                            <p:strVal val="#ppt_y"/>
+                                          </p:val>
+                                        </p:tav>
+                                        <p:tav tm="100000">
+                                          <p:val>
+                                            <p:strVal val="#ppt_y"/>
+                                          </p:val>
+                                        </p:tav>
+                                      </p:tavLst>
+                                    </p:anim>
+                                  </p:childTnLst>
+                                </p:cTn>
+                              </p:par>
+                            </p:childTnLst>
+                          </p:cTn>
+                        </p:par>
+                      </p:childTnLst>
+                    </p:cTn>
+                  </p:par>
+                </p:childTnLst>
+              </p:cTn>
+              <p:prevCondLst>
+                <p:cond evt="onPrev" delay="0">
+                  <p:tgtEl>
+                    <p:sldTgt/>
+                  </p:tgtEl>
+                </p:cond>
+              </p:prevCondLst>
+              <p:nextCondLst>
+                <p:cond evt="onNext" delay="0">
+                  <p:tgtEl>
+                    <p:sldTgt/>
+                  </p:tgtEl>
+                </p:cond>
+              </p:nextCondLst>
+            </p:seq>
+          </p:childTnLst>
+        </p:cTn>
+      </p:par>
+    </p:tnLst>
+  </p:timing>
 </p:sld>
 </file>
 
@@ -13045,7 +14082,7 @@
           <p:cNvPr id="2" name="Title 1">
             <a:extLst>
               <a:ext uri="{FF2B5EF4-FFF2-40B4-BE49-F238E27FC236}">
-                <a16:creationId xmlns:a16="http://schemas.microsoft.com/office/drawing/2014/main" id="{14280CB9-4868-4674-A0B9-DA288029D394}"/>
+                <a16:creationId xmlns:a16="http://schemas.microsoft.com/office/drawing/2014/main" id="{0D139A84-04F6-46AB-BF44-AD1029ECFE7E}"/>
               </a:ext>
             </a:extLst>
           </p:cNvPr>
@@ -13058,8 +14095,8 @@
         </p:nvSpPr>
         <p:spPr>
           <a:xfrm>
-            <a:off x="5545862" y="219933"/>
-            <a:ext cx="6415882" cy="1074295"/>
+            <a:off x="628942" y="618517"/>
+            <a:ext cx="6053211" cy="3236349"/>
           </a:xfrm>
         </p:spPr>
         <p:txBody>
@@ -13068,6 +14105,7 @@
           </a:bodyPr>
           <a:lstStyle/>
           <a:p>
+            <a:pPr algn="ctr"/>
             <a:r>
               <a:rPr lang="en-US" b="1" dirty="0">
                 <a:solidFill>
@@ -13076,17 +14114,52 @@
                   </a:schemeClr>
                 </a:solidFill>
               </a:rPr>
-              <a:t>Does Income Impact Cases?</a:t>
+              <a:t>Does Population density IMPACT Cases?</a:t>
             </a:r>
           </a:p>
         </p:txBody>
       </p:sp>
       <p:pic>
         <p:nvPicPr>
-          <p:cNvPr id="8" name="Picture 7">
+          <p:cNvPr id="7" name="Picture 6">
             <a:extLst>
               <a:ext uri="{FF2B5EF4-FFF2-40B4-BE49-F238E27FC236}">
-                <a16:creationId xmlns:a16="http://schemas.microsoft.com/office/drawing/2014/main" id="{E1678B7E-F8D4-46AE-8119-A5E0D4F00A69}"/>
+                <a16:creationId xmlns:a16="http://schemas.microsoft.com/office/drawing/2014/main" id="{76D445A5-5123-4A86-9B4F-B77DF94F18C4}"/>
+              </a:ext>
+            </a:extLst>
+          </p:cNvPr>
+          <p:cNvPicPr>
+            <a:picLocks noChangeAspect="1"/>
+          </p:cNvPicPr>
+          <p:nvPr/>
+        </p:nvPicPr>
+        <p:blipFill>
+          <a:blip r:embed="rId2"/>
+          <a:stretch>
+            <a:fillRect/>
+          </a:stretch>
+        </p:blipFill>
+        <p:spPr>
+          <a:xfrm>
+            <a:off x="628943" y="3981157"/>
+            <a:ext cx="3491958" cy="2494256"/>
+          </a:xfrm>
+          <a:prstGeom prst="rect">
+            <a:avLst/>
+          </a:prstGeom>
+          <a:ln>
+            <a:solidFill>
+              <a:schemeClr val="bg1"/>
+            </a:solidFill>
+          </a:ln>
+        </p:spPr>
+      </p:pic>
+      <p:pic>
+        <p:nvPicPr>
+          <p:cNvPr id="9" name="Picture 8">
+            <a:extLst>
+              <a:ext uri="{FF2B5EF4-FFF2-40B4-BE49-F238E27FC236}">
+                <a16:creationId xmlns:a16="http://schemas.microsoft.com/office/drawing/2014/main" id="{0E25C341-D5B8-48A6-90D3-976DB9B57111}"/>
               </a:ext>
             </a:extLst>
           </p:cNvPr>
@@ -13103,20 +14176,25 @@
         </p:blipFill>
         <p:spPr>
           <a:xfrm>
-            <a:off x="230256" y="3536770"/>
-            <a:ext cx="5126816" cy="3080302"/>
+            <a:off x="6682154" y="600932"/>
+            <a:ext cx="4880903" cy="3253935"/>
           </a:xfrm>
           <a:prstGeom prst="rect">
             <a:avLst/>
           </a:prstGeom>
+          <a:ln>
+            <a:solidFill>
+              <a:schemeClr val="bg1"/>
+            </a:solidFill>
+          </a:ln>
         </p:spPr>
       </p:pic>
       <p:pic>
         <p:nvPicPr>
-          <p:cNvPr id="9" name="Picture 8">
+          <p:cNvPr id="11" name="Picture 10">
             <a:extLst>
               <a:ext uri="{FF2B5EF4-FFF2-40B4-BE49-F238E27FC236}">
-                <a16:creationId xmlns:a16="http://schemas.microsoft.com/office/drawing/2014/main" id="{02034CB9-7BAA-4EE6-BE63-527F8BF4680A}"/>
+                <a16:creationId xmlns:a16="http://schemas.microsoft.com/office/drawing/2014/main" id="{18E587F2-C5CB-4654-8AF9-3D37AA2078B5}"/>
               </a:ext>
             </a:extLst>
           </p:cNvPr>
@@ -13133,52 +14211,25 @@
         </p:blipFill>
         <p:spPr>
           <a:xfrm>
-            <a:off x="5545862" y="1490870"/>
-            <a:ext cx="6415882" cy="3876260"/>
+            <a:off x="8071099" y="3981157"/>
+            <a:ext cx="3491958" cy="2494256"/>
           </a:xfrm>
           <a:prstGeom prst="rect">
             <a:avLst/>
           </a:prstGeom>
+          <a:ln>
+            <a:solidFill>
+              <a:schemeClr val="bg1"/>
+            </a:solidFill>
+          </a:ln>
         </p:spPr>
       </p:pic>
-      <p:sp>
-        <p:nvSpPr>
-          <p:cNvPr id="11" name="Content Placeholder 10">
+      <p:pic>
+        <p:nvPicPr>
+          <p:cNvPr id="12" name="Picture 11">
             <a:extLst>
               <a:ext uri="{FF2B5EF4-FFF2-40B4-BE49-F238E27FC236}">
-                <a16:creationId xmlns:a16="http://schemas.microsoft.com/office/drawing/2014/main" id="{EDBA6B38-0547-491F-8299-D320A82B5812}"/>
-              </a:ext>
-            </a:extLst>
-          </p:cNvPr>
-          <p:cNvSpPr>
-            <a:spLocks noGrp="1"/>
-          </p:cNvSpPr>
-          <p:nvPr>
-            <p:ph idx="1"/>
-          </p:nvPr>
-        </p:nvSpPr>
-        <p:spPr>
-          <a:xfrm>
-            <a:off x="5545862" y="5563772"/>
-            <a:ext cx="5501549" cy="424071"/>
-          </a:xfrm>
-        </p:spPr>
-        <p:txBody>
-          <a:bodyPr>
-            <a:normAutofit fontScale="85000" lnSpcReduction="10000"/>
-          </a:bodyPr>
-          <a:lstStyle/>
-          <a:p>
-            <a:endParaRPr lang="en-US"/>
-          </a:p>
-        </p:txBody>
-      </p:sp>
-      <p:pic>
-        <p:nvPicPr>
-          <p:cNvPr id="13" name="Picture 12">
-            <a:extLst>
-              <a:ext uri="{FF2B5EF4-FFF2-40B4-BE49-F238E27FC236}">
-                <a16:creationId xmlns:a16="http://schemas.microsoft.com/office/drawing/2014/main" id="{475E97ED-5C25-4F36-94B4-92D286C2BA1F}"/>
+                <a16:creationId xmlns:a16="http://schemas.microsoft.com/office/drawing/2014/main" id="{6898F830-F5F2-4F05-A744-2D2C88B7DA49}"/>
               </a:ext>
             </a:extLst>
           </p:cNvPr>
@@ -13195,18 +14246,23 @@
         </p:blipFill>
         <p:spPr>
           <a:xfrm>
-            <a:off x="230256" y="297588"/>
-            <a:ext cx="5126816" cy="3080303"/>
+            <a:off x="4350021" y="3981157"/>
+            <a:ext cx="3491958" cy="2494256"/>
           </a:xfrm>
           <a:prstGeom prst="rect">
             <a:avLst/>
           </a:prstGeom>
+          <a:ln>
+            <a:solidFill>
+              <a:schemeClr val="bg1"/>
+            </a:solidFill>
+          </a:ln>
         </p:spPr>
       </p:pic>
     </p:spTree>
     <p:extLst>
       <p:ext uri="{BB962C8B-B14F-4D97-AF65-F5344CB8AC3E}">
-        <p14:creationId xmlns:p14="http://schemas.microsoft.com/office/powerpoint/2010/main" val="1886031763"/>
+        <p14:creationId xmlns:p14="http://schemas.microsoft.com/office/powerpoint/2010/main" val="105707076"/>
       </p:ext>
     </p:extLst>
   </p:cSld>
@@ -13247,7 +14303,7 @@
                                           </p:stCondLst>
                                         </p:cTn>
                                         <p:tgtEl>
-                                          <p:spTgt spid="8"/>
+                                          <p:spTgt spid="7"/>
                                         </p:tgtEl>
                                         <p:attrNameLst>
                                           <p:attrName>style.visibility</p:attrName>
@@ -13261,7 +14317,7 @@
                                       <p:cBhvr additive="base">
                                         <p:cTn id="7" dur="500" fill="hold"/>
                                         <p:tgtEl>
-                                          <p:spTgt spid="8"/>
+                                          <p:spTgt spid="7"/>
                                         </p:tgtEl>
                                         <p:attrNameLst>
                                           <p:attrName>ppt_x</p:attrName>
@@ -13284,7 +14340,7 @@
                                       <p:cBhvr additive="base">
                                         <p:cTn id="8" dur="500" fill="hold"/>
                                         <p:tgtEl>
-                                          <p:spTgt spid="8"/>
+                                          <p:spTgt spid="7"/>
                                         </p:tgtEl>
                                         <p:attrNameLst>
                                           <p:attrName>ppt_y</p:attrName>
@@ -13338,6 +14394,188 @@
                                           </p:stCondLst>
                                         </p:cTn>
                                         <p:tgtEl>
+                                          <p:spTgt spid="12"/>
+                                        </p:tgtEl>
+                                        <p:attrNameLst>
+                                          <p:attrName>style.visibility</p:attrName>
+                                        </p:attrNameLst>
+                                      </p:cBhvr>
+                                      <p:to>
+                                        <p:strVal val="visible"/>
+                                      </p:to>
+                                    </p:set>
+                                    <p:anim calcmode="lin" valueType="num">
+                                      <p:cBhvr additive="base">
+                                        <p:cTn id="13" dur="500" fill="hold"/>
+                                        <p:tgtEl>
+                                          <p:spTgt spid="12"/>
+                                        </p:tgtEl>
+                                        <p:attrNameLst>
+                                          <p:attrName>ppt_x</p:attrName>
+                                        </p:attrNameLst>
+                                      </p:cBhvr>
+                                      <p:tavLst>
+                                        <p:tav tm="0">
+                                          <p:val>
+                                            <p:strVal val="#ppt_x"/>
+                                          </p:val>
+                                        </p:tav>
+                                        <p:tav tm="100000">
+                                          <p:val>
+                                            <p:strVal val="#ppt_x"/>
+                                          </p:val>
+                                        </p:tav>
+                                      </p:tavLst>
+                                    </p:anim>
+                                    <p:anim calcmode="lin" valueType="num">
+                                      <p:cBhvr additive="base">
+                                        <p:cTn id="14" dur="500" fill="hold"/>
+                                        <p:tgtEl>
+                                          <p:spTgt spid="12"/>
+                                        </p:tgtEl>
+                                        <p:attrNameLst>
+                                          <p:attrName>ppt_y</p:attrName>
+                                        </p:attrNameLst>
+                                      </p:cBhvr>
+                                      <p:tavLst>
+                                        <p:tav tm="0">
+                                          <p:val>
+                                            <p:strVal val="1+#ppt_h/2"/>
+                                          </p:val>
+                                        </p:tav>
+                                        <p:tav tm="100000">
+                                          <p:val>
+                                            <p:strVal val="#ppt_y"/>
+                                          </p:val>
+                                        </p:tav>
+                                      </p:tavLst>
+                                    </p:anim>
+                                  </p:childTnLst>
+                                </p:cTn>
+                              </p:par>
+                            </p:childTnLst>
+                          </p:cTn>
+                        </p:par>
+                      </p:childTnLst>
+                    </p:cTn>
+                  </p:par>
+                  <p:par>
+                    <p:cTn id="15" fill="hold">
+                      <p:stCondLst>
+                        <p:cond delay="indefinite"/>
+                      </p:stCondLst>
+                      <p:childTnLst>
+                        <p:par>
+                          <p:cTn id="16" fill="hold">
+                            <p:stCondLst>
+                              <p:cond delay="0"/>
+                            </p:stCondLst>
+                            <p:childTnLst>
+                              <p:par>
+                                <p:cTn id="17" presetID="2" presetClass="entr" presetSubtype="4" fill="hold" nodeType="clickEffect">
+                                  <p:stCondLst>
+                                    <p:cond delay="0"/>
+                                  </p:stCondLst>
+                                  <p:childTnLst>
+                                    <p:set>
+                                      <p:cBhvr>
+                                        <p:cTn id="18" dur="1" fill="hold">
+                                          <p:stCondLst>
+                                            <p:cond delay="0"/>
+                                          </p:stCondLst>
+                                        </p:cTn>
+                                        <p:tgtEl>
+                                          <p:spTgt spid="11"/>
+                                        </p:tgtEl>
+                                        <p:attrNameLst>
+                                          <p:attrName>style.visibility</p:attrName>
+                                        </p:attrNameLst>
+                                      </p:cBhvr>
+                                      <p:to>
+                                        <p:strVal val="visible"/>
+                                      </p:to>
+                                    </p:set>
+                                    <p:anim calcmode="lin" valueType="num">
+                                      <p:cBhvr additive="base">
+                                        <p:cTn id="19" dur="500" fill="hold"/>
+                                        <p:tgtEl>
+                                          <p:spTgt spid="11"/>
+                                        </p:tgtEl>
+                                        <p:attrNameLst>
+                                          <p:attrName>ppt_x</p:attrName>
+                                        </p:attrNameLst>
+                                      </p:cBhvr>
+                                      <p:tavLst>
+                                        <p:tav tm="0">
+                                          <p:val>
+                                            <p:strVal val="#ppt_x"/>
+                                          </p:val>
+                                        </p:tav>
+                                        <p:tav tm="100000">
+                                          <p:val>
+                                            <p:strVal val="#ppt_x"/>
+                                          </p:val>
+                                        </p:tav>
+                                      </p:tavLst>
+                                    </p:anim>
+                                    <p:anim calcmode="lin" valueType="num">
+                                      <p:cBhvr additive="base">
+                                        <p:cTn id="20" dur="500" fill="hold"/>
+                                        <p:tgtEl>
+                                          <p:spTgt spid="11"/>
+                                        </p:tgtEl>
+                                        <p:attrNameLst>
+                                          <p:attrName>ppt_y</p:attrName>
+                                        </p:attrNameLst>
+                                      </p:cBhvr>
+                                      <p:tavLst>
+                                        <p:tav tm="0">
+                                          <p:val>
+                                            <p:strVal val="1+#ppt_h/2"/>
+                                          </p:val>
+                                        </p:tav>
+                                        <p:tav tm="100000">
+                                          <p:val>
+                                            <p:strVal val="#ppt_y"/>
+                                          </p:val>
+                                        </p:tav>
+                                      </p:tavLst>
+                                    </p:anim>
+                                  </p:childTnLst>
+                                </p:cTn>
+                              </p:par>
+                            </p:childTnLst>
+                          </p:cTn>
+                        </p:par>
+                      </p:childTnLst>
+                    </p:cTn>
+                  </p:par>
+                  <p:par>
+                    <p:cTn id="21" fill="hold">
+                      <p:stCondLst>
+                        <p:cond delay="indefinite"/>
+                      </p:stCondLst>
+                      <p:childTnLst>
+                        <p:par>
+                          <p:cTn id="22" fill="hold">
+                            <p:stCondLst>
+                              <p:cond delay="0"/>
+                            </p:stCondLst>
+                            <p:childTnLst>
+                              <p:par>
+                                <p:cTn id="23" presetID="2" presetClass="entr" presetSubtype="4" fill="hold" nodeType="clickEffect">
+                                  <p:stCondLst>
+                                    <p:cond delay="0"/>
+                                  </p:stCondLst>
+                                  <p:childTnLst>
+                                    <p:set>
+                                      <p:cBhvr>
+                                        <p:cTn id="24" dur="1" fill="hold">
+                                          <p:stCondLst>
+                                            <p:cond delay="0"/>
+                                          </p:stCondLst>
+                                        </p:cTn>
+                                        <p:tgtEl>
                                           <p:spTgt spid="9"/>
                                         </p:tgtEl>
                                         <p:attrNameLst>
@@ -13350,7 +14588,7 @@
                                     </p:set>
                                     <p:anim calcmode="lin" valueType="num">
                                       <p:cBhvr additive="base">
-                                        <p:cTn id="13" dur="500" fill="hold"/>
+                                        <p:cTn id="25" dur="500" fill="hold"/>
                                         <p:tgtEl>
                                           <p:spTgt spid="9"/>
                                         </p:tgtEl>
@@ -13373,7 +14611,7 @@
                                     </p:anim>
                                     <p:anim calcmode="lin" valueType="num">
                                       <p:cBhvr additive="base">
-                                        <p:cTn id="14" dur="500" fill="hold"/>
+                                        <p:cTn id="26" dur="500" fill="hold"/>
                                         <p:tgtEl>
                                           <p:spTgt spid="9"/>
                                         </p:tgtEl>
@@ -13450,6 +14688,1091 @@
           <p:cNvPr id="2" name="Title 1">
             <a:extLst>
               <a:ext uri="{FF2B5EF4-FFF2-40B4-BE49-F238E27FC236}">
+                <a16:creationId xmlns:a16="http://schemas.microsoft.com/office/drawing/2014/main" id="{14280CB9-4868-4674-A0B9-DA288029D394}"/>
+              </a:ext>
+            </a:extLst>
+          </p:cNvPr>
+          <p:cNvSpPr>
+            <a:spLocks noGrp="1"/>
+          </p:cNvSpPr>
+          <p:nvPr>
+            <p:ph type="title"/>
+          </p:nvPr>
+        </p:nvSpPr>
+        <p:spPr>
+          <a:xfrm>
+            <a:off x="5545862" y="545166"/>
+            <a:ext cx="6415882" cy="1074295"/>
+          </a:xfrm>
+        </p:spPr>
+        <p:txBody>
+          <a:bodyPr>
+            <a:normAutofit fontScale="90000"/>
+          </a:bodyPr>
+          <a:lstStyle/>
+          <a:p>
+            <a:pPr algn="ctr"/>
+            <a:r>
+              <a:rPr lang="en-US" b="1" dirty="0">
+                <a:solidFill>
+                  <a:schemeClr val="bg2">
+                    <a:lumMod val="50000"/>
+                  </a:schemeClr>
+                </a:solidFill>
+              </a:rPr>
+              <a:t>Does Income Impact NUMBER OF Cases?</a:t>
+            </a:r>
+          </a:p>
+        </p:txBody>
+      </p:sp>
+      <p:pic>
+        <p:nvPicPr>
+          <p:cNvPr id="3" name="Picture 2">
+            <a:extLst>
+              <a:ext uri="{FF2B5EF4-FFF2-40B4-BE49-F238E27FC236}">
+                <a16:creationId xmlns:a16="http://schemas.microsoft.com/office/drawing/2014/main" id="{590AB9A2-831A-461F-AD7F-FF86783A47D6}"/>
+              </a:ext>
+            </a:extLst>
+          </p:cNvPr>
+          <p:cNvPicPr>
+            <a:picLocks noChangeAspect="1"/>
+          </p:cNvPicPr>
+          <p:nvPr/>
+        </p:nvPicPr>
+        <p:blipFill>
+          <a:blip r:embed="rId3"/>
+          <a:stretch>
+            <a:fillRect/>
+          </a:stretch>
+        </p:blipFill>
+        <p:spPr>
+          <a:xfrm>
+            <a:off x="230256" y="3676578"/>
+            <a:ext cx="4763775" cy="2883834"/>
+          </a:xfrm>
+          <a:prstGeom prst="rect">
+            <a:avLst/>
+          </a:prstGeom>
+          <a:ln>
+            <a:solidFill>
+              <a:schemeClr val="bg1"/>
+            </a:solidFill>
+          </a:ln>
+        </p:spPr>
+      </p:pic>
+      <p:pic>
+        <p:nvPicPr>
+          <p:cNvPr id="4" name="Picture 3">
+            <a:extLst>
+              <a:ext uri="{FF2B5EF4-FFF2-40B4-BE49-F238E27FC236}">
+                <a16:creationId xmlns:a16="http://schemas.microsoft.com/office/drawing/2014/main" id="{F105B682-85E3-4971-8684-412345DD0F38}"/>
+              </a:ext>
+            </a:extLst>
+          </p:cNvPr>
+          <p:cNvPicPr>
+            <a:picLocks noChangeAspect="1"/>
+          </p:cNvPicPr>
+          <p:nvPr/>
+        </p:nvPicPr>
+        <p:blipFill>
+          <a:blip r:embed="rId4"/>
+          <a:stretch>
+            <a:fillRect/>
+          </a:stretch>
+        </p:blipFill>
+        <p:spPr>
+          <a:xfrm>
+            <a:off x="230256" y="545166"/>
+            <a:ext cx="4763775" cy="2883834"/>
+          </a:xfrm>
+          <a:prstGeom prst="rect">
+            <a:avLst/>
+          </a:prstGeom>
+          <a:ln>
+            <a:solidFill>
+              <a:schemeClr val="bg1"/>
+            </a:solidFill>
+          </a:ln>
+        </p:spPr>
+      </p:pic>
+      <p:pic>
+        <p:nvPicPr>
+          <p:cNvPr id="5" name="Picture 4">
+            <a:extLst>
+              <a:ext uri="{FF2B5EF4-FFF2-40B4-BE49-F238E27FC236}">
+                <a16:creationId xmlns:a16="http://schemas.microsoft.com/office/drawing/2014/main" id="{26168258-B7A1-4254-88AC-A93F89C47F9C}"/>
+              </a:ext>
+            </a:extLst>
+          </p:cNvPr>
+          <p:cNvPicPr>
+            <a:picLocks noChangeAspect="1"/>
+          </p:cNvPicPr>
+          <p:nvPr/>
+        </p:nvPicPr>
+        <p:blipFill>
+          <a:blip r:embed="rId5"/>
+          <a:stretch>
+            <a:fillRect/>
+          </a:stretch>
+        </p:blipFill>
+        <p:spPr>
+          <a:xfrm>
+            <a:off x="5176912" y="1987082"/>
+            <a:ext cx="6673622" cy="4573329"/>
+          </a:xfrm>
+          <a:prstGeom prst="rect">
+            <a:avLst/>
+          </a:prstGeom>
+          <a:ln>
+            <a:solidFill>
+              <a:schemeClr val="bg1"/>
+            </a:solidFill>
+          </a:ln>
+        </p:spPr>
+      </p:pic>
+    </p:spTree>
+    <p:extLst>
+      <p:ext uri="{BB962C8B-B14F-4D97-AF65-F5344CB8AC3E}">
+        <p14:creationId xmlns:p14="http://schemas.microsoft.com/office/powerpoint/2010/main" val="1886031763"/>
+      </p:ext>
+    </p:extLst>
+  </p:cSld>
+  <p:clrMapOvr>
+    <a:masterClrMapping/>
+  </p:clrMapOvr>
+  <p:timing>
+    <p:tnLst>
+      <p:par>
+        <p:cTn id="1" dur="indefinite" restart="never" nodeType="tmRoot">
+          <p:childTnLst>
+            <p:seq concurrent="1" nextAc="seek">
+              <p:cTn id="2" dur="indefinite" nodeType="mainSeq">
+                <p:childTnLst>
+                  <p:par>
+                    <p:cTn id="3" fill="hold">
+                      <p:stCondLst>
+                        <p:cond delay="indefinite"/>
+                      </p:stCondLst>
+                      <p:childTnLst>
+                        <p:par>
+                          <p:cTn id="4" fill="hold">
+                            <p:stCondLst>
+                              <p:cond delay="0"/>
+                            </p:stCondLst>
+                            <p:childTnLst>
+                              <p:par>
+                                <p:cTn id="5" presetID="2" presetClass="entr" presetSubtype="4" fill="hold" nodeType="clickEffect">
+                                  <p:stCondLst>
+                                    <p:cond delay="0"/>
+                                  </p:stCondLst>
+                                  <p:childTnLst>
+                                    <p:set>
+                                      <p:cBhvr>
+                                        <p:cTn id="6" dur="1" fill="hold">
+                                          <p:stCondLst>
+                                            <p:cond delay="0"/>
+                                          </p:stCondLst>
+                                        </p:cTn>
+                                        <p:tgtEl>
+                                          <p:spTgt spid="3"/>
+                                        </p:tgtEl>
+                                        <p:attrNameLst>
+                                          <p:attrName>style.visibility</p:attrName>
+                                        </p:attrNameLst>
+                                      </p:cBhvr>
+                                      <p:to>
+                                        <p:strVal val="visible"/>
+                                      </p:to>
+                                    </p:set>
+                                    <p:anim calcmode="lin" valueType="num">
+                                      <p:cBhvr additive="base">
+                                        <p:cTn id="7" dur="500" fill="hold"/>
+                                        <p:tgtEl>
+                                          <p:spTgt spid="3"/>
+                                        </p:tgtEl>
+                                        <p:attrNameLst>
+                                          <p:attrName>ppt_x</p:attrName>
+                                        </p:attrNameLst>
+                                      </p:cBhvr>
+                                      <p:tavLst>
+                                        <p:tav tm="0">
+                                          <p:val>
+                                            <p:strVal val="#ppt_x"/>
+                                          </p:val>
+                                        </p:tav>
+                                        <p:tav tm="100000">
+                                          <p:val>
+                                            <p:strVal val="#ppt_x"/>
+                                          </p:val>
+                                        </p:tav>
+                                      </p:tavLst>
+                                    </p:anim>
+                                    <p:anim calcmode="lin" valueType="num">
+                                      <p:cBhvr additive="base">
+                                        <p:cTn id="8" dur="500" fill="hold"/>
+                                        <p:tgtEl>
+                                          <p:spTgt spid="3"/>
+                                        </p:tgtEl>
+                                        <p:attrNameLst>
+                                          <p:attrName>ppt_y</p:attrName>
+                                        </p:attrNameLst>
+                                      </p:cBhvr>
+                                      <p:tavLst>
+                                        <p:tav tm="0">
+                                          <p:val>
+                                            <p:strVal val="1+#ppt_h/2"/>
+                                          </p:val>
+                                        </p:tav>
+                                        <p:tav tm="100000">
+                                          <p:val>
+                                            <p:strVal val="#ppt_y"/>
+                                          </p:val>
+                                        </p:tav>
+                                      </p:tavLst>
+                                    </p:anim>
+                                  </p:childTnLst>
+                                </p:cTn>
+                              </p:par>
+                            </p:childTnLst>
+                          </p:cTn>
+                        </p:par>
+                      </p:childTnLst>
+                    </p:cTn>
+                  </p:par>
+                  <p:par>
+                    <p:cTn id="9" fill="hold">
+                      <p:stCondLst>
+                        <p:cond delay="indefinite"/>
+                      </p:stCondLst>
+                      <p:childTnLst>
+                        <p:par>
+                          <p:cTn id="10" fill="hold">
+                            <p:stCondLst>
+                              <p:cond delay="0"/>
+                            </p:stCondLst>
+                            <p:childTnLst>
+                              <p:par>
+                                <p:cTn id="11" presetID="2" presetClass="entr" presetSubtype="4" fill="hold" nodeType="clickEffect">
+                                  <p:stCondLst>
+                                    <p:cond delay="0"/>
+                                  </p:stCondLst>
+                                  <p:childTnLst>
+                                    <p:set>
+                                      <p:cBhvr>
+                                        <p:cTn id="12" dur="1" fill="hold">
+                                          <p:stCondLst>
+                                            <p:cond delay="0"/>
+                                          </p:stCondLst>
+                                        </p:cTn>
+                                        <p:tgtEl>
+                                          <p:spTgt spid="5"/>
+                                        </p:tgtEl>
+                                        <p:attrNameLst>
+                                          <p:attrName>style.visibility</p:attrName>
+                                        </p:attrNameLst>
+                                      </p:cBhvr>
+                                      <p:to>
+                                        <p:strVal val="visible"/>
+                                      </p:to>
+                                    </p:set>
+                                    <p:anim calcmode="lin" valueType="num">
+                                      <p:cBhvr additive="base">
+                                        <p:cTn id="13" dur="500" fill="hold"/>
+                                        <p:tgtEl>
+                                          <p:spTgt spid="5"/>
+                                        </p:tgtEl>
+                                        <p:attrNameLst>
+                                          <p:attrName>ppt_x</p:attrName>
+                                        </p:attrNameLst>
+                                      </p:cBhvr>
+                                      <p:tavLst>
+                                        <p:tav tm="0">
+                                          <p:val>
+                                            <p:strVal val="#ppt_x"/>
+                                          </p:val>
+                                        </p:tav>
+                                        <p:tav tm="100000">
+                                          <p:val>
+                                            <p:strVal val="#ppt_x"/>
+                                          </p:val>
+                                        </p:tav>
+                                      </p:tavLst>
+                                    </p:anim>
+                                    <p:anim calcmode="lin" valueType="num">
+                                      <p:cBhvr additive="base">
+                                        <p:cTn id="14" dur="500" fill="hold"/>
+                                        <p:tgtEl>
+                                          <p:spTgt spid="5"/>
+                                        </p:tgtEl>
+                                        <p:attrNameLst>
+                                          <p:attrName>ppt_y</p:attrName>
+                                        </p:attrNameLst>
+                                      </p:cBhvr>
+                                      <p:tavLst>
+                                        <p:tav tm="0">
+                                          <p:val>
+                                            <p:strVal val="1+#ppt_h/2"/>
+                                          </p:val>
+                                        </p:tav>
+                                        <p:tav tm="100000">
+                                          <p:val>
+                                            <p:strVal val="#ppt_y"/>
+                                          </p:val>
+                                        </p:tav>
+                                      </p:tavLst>
+                                    </p:anim>
+                                  </p:childTnLst>
+                                </p:cTn>
+                              </p:par>
+                            </p:childTnLst>
+                          </p:cTn>
+                        </p:par>
+                      </p:childTnLst>
+                    </p:cTn>
+                  </p:par>
+                  <p:par>
+                    <p:cTn id="15" fill="hold">
+                      <p:stCondLst>
+                        <p:cond delay="indefinite"/>
+                      </p:stCondLst>
+                      <p:childTnLst>
+                        <p:par>
+                          <p:cTn id="16" fill="hold">
+                            <p:stCondLst>
+                              <p:cond delay="0"/>
+                            </p:stCondLst>
+                            <p:childTnLst>
+                              <p:par>
+                                <p:cTn id="17" presetID="2" presetClass="entr" presetSubtype="4" fill="hold" nodeType="clickEffect">
+                                  <p:stCondLst>
+                                    <p:cond delay="0"/>
+                                  </p:stCondLst>
+                                  <p:childTnLst>
+                                    <p:set>
+                                      <p:cBhvr>
+                                        <p:cTn id="18" dur="1" fill="hold">
+                                          <p:stCondLst>
+                                            <p:cond delay="0"/>
+                                          </p:stCondLst>
+                                        </p:cTn>
+                                        <p:tgtEl>
+                                          <p:spTgt spid="4"/>
+                                        </p:tgtEl>
+                                        <p:attrNameLst>
+                                          <p:attrName>style.visibility</p:attrName>
+                                        </p:attrNameLst>
+                                      </p:cBhvr>
+                                      <p:to>
+                                        <p:strVal val="visible"/>
+                                      </p:to>
+                                    </p:set>
+                                    <p:anim calcmode="lin" valueType="num">
+                                      <p:cBhvr additive="base">
+                                        <p:cTn id="19" dur="500" fill="hold"/>
+                                        <p:tgtEl>
+                                          <p:spTgt spid="4"/>
+                                        </p:tgtEl>
+                                        <p:attrNameLst>
+                                          <p:attrName>ppt_x</p:attrName>
+                                        </p:attrNameLst>
+                                      </p:cBhvr>
+                                      <p:tavLst>
+                                        <p:tav tm="0">
+                                          <p:val>
+                                            <p:strVal val="#ppt_x"/>
+                                          </p:val>
+                                        </p:tav>
+                                        <p:tav tm="100000">
+                                          <p:val>
+                                            <p:strVal val="#ppt_x"/>
+                                          </p:val>
+                                        </p:tav>
+                                      </p:tavLst>
+                                    </p:anim>
+                                    <p:anim calcmode="lin" valueType="num">
+                                      <p:cBhvr additive="base">
+                                        <p:cTn id="20" dur="500" fill="hold"/>
+                                        <p:tgtEl>
+                                          <p:spTgt spid="4"/>
+                                        </p:tgtEl>
+                                        <p:attrNameLst>
+                                          <p:attrName>ppt_y</p:attrName>
+                                        </p:attrNameLst>
+                                      </p:cBhvr>
+                                      <p:tavLst>
+                                        <p:tav tm="0">
+                                          <p:val>
+                                            <p:strVal val="1+#ppt_h/2"/>
+                                          </p:val>
+                                        </p:tav>
+                                        <p:tav tm="100000">
+                                          <p:val>
+                                            <p:strVal val="#ppt_y"/>
+                                          </p:val>
+                                        </p:tav>
+                                      </p:tavLst>
+                                    </p:anim>
+                                  </p:childTnLst>
+                                </p:cTn>
+                              </p:par>
+                            </p:childTnLst>
+                          </p:cTn>
+                        </p:par>
+                      </p:childTnLst>
+                    </p:cTn>
+                  </p:par>
+                </p:childTnLst>
+              </p:cTn>
+              <p:prevCondLst>
+                <p:cond evt="onPrev" delay="0">
+                  <p:tgtEl>
+                    <p:sldTgt/>
+                  </p:tgtEl>
+                </p:cond>
+              </p:prevCondLst>
+              <p:nextCondLst>
+                <p:cond evt="onNext" delay="0">
+                  <p:tgtEl>
+                    <p:sldTgt/>
+                  </p:tgtEl>
+                </p:cond>
+              </p:nextCondLst>
+            </p:seq>
+          </p:childTnLst>
+        </p:cTn>
+      </p:par>
+    </p:tnLst>
+  </p:timing>
+</p:sld>
+</file>
+
+<file path=ppt/slides/slide5.xml><?xml version="1.0" encoding="utf-8"?>
+<p:sld xmlns:a="http://schemas.openxmlformats.org/drawingml/2006/main" xmlns:r="http://schemas.openxmlformats.org/officeDocument/2006/relationships" xmlns:p="http://schemas.openxmlformats.org/presentationml/2006/main">
+  <p:cSld>
+    <p:spTree>
+      <p:nvGrpSpPr>
+        <p:cNvPr id="1" name=""/>
+        <p:cNvGrpSpPr/>
+        <p:nvPr/>
+      </p:nvGrpSpPr>
+      <p:grpSpPr>
+        <a:xfrm>
+          <a:off x="0" y="0"/>
+          <a:ext cx="0" cy="0"/>
+          <a:chOff x="0" y="0"/>
+          <a:chExt cx="0" cy="0"/>
+        </a:xfrm>
+      </p:grpSpPr>
+      <p:pic>
+        <p:nvPicPr>
+          <p:cNvPr id="11" name="Picture 10" descr="A close up of text on a white background&#10;&#10;Description automatically generated">
+            <a:extLst>
+              <a:ext uri="{FF2B5EF4-FFF2-40B4-BE49-F238E27FC236}">
+                <a16:creationId xmlns:a16="http://schemas.microsoft.com/office/drawing/2014/main" id="{A43E0609-FE1A-470B-B783-B341B09E9A5F}"/>
+              </a:ext>
+            </a:extLst>
+          </p:cNvPr>
+          <p:cNvPicPr>
+            <a:picLocks noChangeAspect="1"/>
+          </p:cNvPicPr>
+          <p:nvPr/>
+        </p:nvPicPr>
+        <p:blipFill>
+          <a:blip r:embed="rId2"/>
+          <a:stretch>
+            <a:fillRect/>
+          </a:stretch>
+        </p:blipFill>
+        <p:spPr>
+          <a:xfrm>
+            <a:off x="7817775" y="3968328"/>
+            <a:ext cx="3540136" cy="2528668"/>
+          </a:xfrm>
+          <a:prstGeom prst="rect">
+            <a:avLst/>
+          </a:prstGeom>
+          <a:ln>
+            <a:solidFill>
+              <a:schemeClr val="bg1"/>
+            </a:solidFill>
+          </a:ln>
+        </p:spPr>
+      </p:pic>
+      <p:sp>
+        <p:nvSpPr>
+          <p:cNvPr id="9" name="TextBox 8">
+            <a:extLst>
+              <a:ext uri="{FF2B5EF4-FFF2-40B4-BE49-F238E27FC236}">
+                <a16:creationId xmlns:a16="http://schemas.microsoft.com/office/drawing/2014/main" id="{2B3C2705-3FCC-473B-A4D6-59837CF9665A}"/>
+              </a:ext>
+            </a:extLst>
+          </p:cNvPr>
+          <p:cNvSpPr txBox="1"/>
+          <p:nvPr/>
+        </p:nvSpPr>
+        <p:spPr>
+          <a:xfrm>
+            <a:off x="590843" y="1644915"/>
+            <a:ext cx="5505157" cy="1200329"/>
+          </a:xfrm>
+          <a:prstGeom prst="rect">
+            <a:avLst/>
+          </a:prstGeom>
+          <a:noFill/>
+          <a:ln>
+            <a:noFill/>
+            <a:prstDash val="lgDashDotDot"/>
+          </a:ln>
+        </p:spPr>
+        <p:txBody>
+          <a:bodyPr wrap="square" rtlCol="0">
+            <a:spAutoFit/>
+          </a:bodyPr>
+          <a:lstStyle/>
+          <a:p>
+            <a:r>
+              <a:rPr lang="en-US" sz="3600" b="1" dirty="0">
+                <a:solidFill>
+                  <a:schemeClr val="bg2">
+                    <a:lumMod val="50000"/>
+                  </a:schemeClr>
+                </a:solidFill>
+                <a:latin typeface="+mj-lt"/>
+              </a:rPr>
+              <a:t>DOES POPULATION DENSITY IMPACT DEATHS?</a:t>
+            </a:r>
+          </a:p>
+        </p:txBody>
+      </p:sp>
+      <p:pic>
+        <p:nvPicPr>
+          <p:cNvPr id="5" name="Picture 4">
+            <a:extLst>
+              <a:ext uri="{FF2B5EF4-FFF2-40B4-BE49-F238E27FC236}">
+                <a16:creationId xmlns:a16="http://schemas.microsoft.com/office/drawing/2014/main" id="{E54114A9-464A-44C1-B03A-9AB1409AFD27}"/>
+              </a:ext>
+            </a:extLst>
+          </p:cNvPr>
+          <p:cNvPicPr>
+            <a:picLocks noChangeAspect="1"/>
+          </p:cNvPicPr>
+          <p:nvPr/>
+        </p:nvPicPr>
+        <p:blipFill>
+          <a:blip r:embed="rId3"/>
+          <a:stretch>
+            <a:fillRect/>
+          </a:stretch>
+        </p:blipFill>
+        <p:spPr>
+          <a:xfrm>
+            <a:off x="221219" y="3998687"/>
+            <a:ext cx="3540135" cy="2528668"/>
+          </a:xfrm>
+          <a:prstGeom prst="rect">
+            <a:avLst/>
+          </a:prstGeom>
+        </p:spPr>
+      </p:pic>
+      <p:pic>
+        <p:nvPicPr>
+          <p:cNvPr id="4" name="Picture 3">
+            <a:extLst>
+              <a:ext uri="{FF2B5EF4-FFF2-40B4-BE49-F238E27FC236}">
+                <a16:creationId xmlns:a16="http://schemas.microsoft.com/office/drawing/2014/main" id="{D40B46AE-959E-403E-AABC-FC920285CE2A}"/>
+              </a:ext>
+            </a:extLst>
+          </p:cNvPr>
+          <p:cNvPicPr>
+            <a:picLocks noChangeAspect="1"/>
+          </p:cNvPicPr>
+          <p:nvPr/>
+        </p:nvPicPr>
+        <p:blipFill>
+          <a:blip r:embed="rId4"/>
+          <a:stretch>
+            <a:fillRect/>
+          </a:stretch>
+        </p:blipFill>
+        <p:spPr>
+          <a:xfrm>
+            <a:off x="4076158" y="3968328"/>
+            <a:ext cx="3553191" cy="2537994"/>
+          </a:xfrm>
+          <a:prstGeom prst="rect">
+            <a:avLst/>
+          </a:prstGeom>
+          <a:ln>
+            <a:solidFill>
+              <a:schemeClr val="bg1"/>
+            </a:solidFill>
+          </a:ln>
+        </p:spPr>
+      </p:pic>
+      <p:pic>
+        <p:nvPicPr>
+          <p:cNvPr id="8" name="Picture 7">
+            <a:extLst>
+              <a:ext uri="{FF2B5EF4-FFF2-40B4-BE49-F238E27FC236}">
+                <a16:creationId xmlns:a16="http://schemas.microsoft.com/office/drawing/2014/main" id="{A9410801-EF4C-4E63-A19F-D0F918533EC3}"/>
+              </a:ext>
+            </a:extLst>
+          </p:cNvPr>
+          <p:cNvPicPr>
+            <a:picLocks noChangeAspect="1"/>
+          </p:cNvPicPr>
+          <p:nvPr/>
+        </p:nvPicPr>
+        <p:blipFill>
+          <a:blip r:embed="rId5"/>
+          <a:stretch>
+            <a:fillRect/>
+          </a:stretch>
+        </p:blipFill>
+        <p:spPr>
+          <a:xfrm>
+            <a:off x="6339248" y="464233"/>
+            <a:ext cx="5018663" cy="3345775"/>
+          </a:xfrm>
+          <a:prstGeom prst="rect">
+            <a:avLst/>
+          </a:prstGeom>
+          <a:ln>
+            <a:solidFill>
+              <a:schemeClr val="bg1"/>
+            </a:solidFill>
+          </a:ln>
+        </p:spPr>
+      </p:pic>
+    </p:spTree>
+    <p:extLst>
+      <p:ext uri="{BB962C8B-B14F-4D97-AF65-F5344CB8AC3E}">
+        <p14:creationId xmlns:p14="http://schemas.microsoft.com/office/powerpoint/2010/main" val="3546127084"/>
+      </p:ext>
+    </p:extLst>
+  </p:cSld>
+  <p:clrMapOvr>
+    <a:masterClrMapping/>
+  </p:clrMapOvr>
+  <p:timing>
+    <p:tnLst>
+      <p:par>
+        <p:cTn id="1" dur="indefinite" restart="never" nodeType="tmRoot">
+          <p:childTnLst>
+            <p:seq concurrent="1" nextAc="seek">
+              <p:cTn id="2" dur="indefinite" nodeType="mainSeq">
+                <p:childTnLst>
+                  <p:par>
+                    <p:cTn id="3" fill="hold">
+                      <p:stCondLst>
+                        <p:cond delay="indefinite"/>
+                      </p:stCondLst>
+                      <p:childTnLst>
+                        <p:par>
+                          <p:cTn id="4" fill="hold">
+                            <p:stCondLst>
+                              <p:cond delay="0"/>
+                            </p:stCondLst>
+                            <p:childTnLst>
+                              <p:par>
+                                <p:cTn id="5" presetID="2" presetClass="entr" presetSubtype="4" fill="hold" nodeType="clickEffect">
+                                  <p:stCondLst>
+                                    <p:cond delay="0"/>
+                                  </p:stCondLst>
+                                  <p:childTnLst>
+                                    <p:set>
+                                      <p:cBhvr>
+                                        <p:cTn id="6" dur="1" fill="hold">
+                                          <p:stCondLst>
+                                            <p:cond delay="0"/>
+                                          </p:stCondLst>
+                                        </p:cTn>
+                                        <p:tgtEl>
+                                          <p:spTgt spid="5"/>
+                                        </p:tgtEl>
+                                        <p:attrNameLst>
+                                          <p:attrName>style.visibility</p:attrName>
+                                        </p:attrNameLst>
+                                      </p:cBhvr>
+                                      <p:to>
+                                        <p:strVal val="visible"/>
+                                      </p:to>
+                                    </p:set>
+                                    <p:anim calcmode="lin" valueType="num">
+                                      <p:cBhvr additive="base">
+                                        <p:cTn id="7" dur="500" fill="hold"/>
+                                        <p:tgtEl>
+                                          <p:spTgt spid="5"/>
+                                        </p:tgtEl>
+                                        <p:attrNameLst>
+                                          <p:attrName>ppt_x</p:attrName>
+                                        </p:attrNameLst>
+                                      </p:cBhvr>
+                                      <p:tavLst>
+                                        <p:tav tm="0">
+                                          <p:val>
+                                            <p:strVal val="#ppt_x"/>
+                                          </p:val>
+                                        </p:tav>
+                                        <p:tav tm="100000">
+                                          <p:val>
+                                            <p:strVal val="#ppt_x"/>
+                                          </p:val>
+                                        </p:tav>
+                                      </p:tavLst>
+                                    </p:anim>
+                                    <p:anim calcmode="lin" valueType="num">
+                                      <p:cBhvr additive="base">
+                                        <p:cTn id="8" dur="500" fill="hold"/>
+                                        <p:tgtEl>
+                                          <p:spTgt spid="5"/>
+                                        </p:tgtEl>
+                                        <p:attrNameLst>
+                                          <p:attrName>ppt_y</p:attrName>
+                                        </p:attrNameLst>
+                                      </p:cBhvr>
+                                      <p:tavLst>
+                                        <p:tav tm="0">
+                                          <p:val>
+                                            <p:strVal val="1+#ppt_h/2"/>
+                                          </p:val>
+                                        </p:tav>
+                                        <p:tav tm="100000">
+                                          <p:val>
+                                            <p:strVal val="#ppt_y"/>
+                                          </p:val>
+                                        </p:tav>
+                                      </p:tavLst>
+                                    </p:anim>
+                                  </p:childTnLst>
+                                </p:cTn>
+                              </p:par>
+                            </p:childTnLst>
+                          </p:cTn>
+                        </p:par>
+                      </p:childTnLst>
+                    </p:cTn>
+                  </p:par>
+                  <p:par>
+                    <p:cTn id="9" fill="hold">
+                      <p:stCondLst>
+                        <p:cond delay="indefinite"/>
+                      </p:stCondLst>
+                      <p:childTnLst>
+                        <p:par>
+                          <p:cTn id="10" fill="hold">
+                            <p:stCondLst>
+                              <p:cond delay="0"/>
+                            </p:stCondLst>
+                            <p:childTnLst>
+                              <p:par>
+                                <p:cTn id="11" presetID="2" presetClass="entr" presetSubtype="4" fill="hold" nodeType="clickEffect">
+                                  <p:stCondLst>
+                                    <p:cond delay="0"/>
+                                  </p:stCondLst>
+                                  <p:childTnLst>
+                                    <p:set>
+                                      <p:cBhvr>
+                                        <p:cTn id="12" dur="1" fill="hold">
+                                          <p:stCondLst>
+                                            <p:cond delay="0"/>
+                                          </p:stCondLst>
+                                        </p:cTn>
+                                        <p:tgtEl>
+                                          <p:spTgt spid="4"/>
+                                        </p:tgtEl>
+                                        <p:attrNameLst>
+                                          <p:attrName>style.visibility</p:attrName>
+                                        </p:attrNameLst>
+                                      </p:cBhvr>
+                                      <p:to>
+                                        <p:strVal val="visible"/>
+                                      </p:to>
+                                    </p:set>
+                                    <p:anim calcmode="lin" valueType="num">
+                                      <p:cBhvr additive="base">
+                                        <p:cTn id="13" dur="500" fill="hold"/>
+                                        <p:tgtEl>
+                                          <p:spTgt spid="4"/>
+                                        </p:tgtEl>
+                                        <p:attrNameLst>
+                                          <p:attrName>ppt_x</p:attrName>
+                                        </p:attrNameLst>
+                                      </p:cBhvr>
+                                      <p:tavLst>
+                                        <p:tav tm="0">
+                                          <p:val>
+                                            <p:strVal val="#ppt_x"/>
+                                          </p:val>
+                                        </p:tav>
+                                        <p:tav tm="100000">
+                                          <p:val>
+                                            <p:strVal val="#ppt_x"/>
+                                          </p:val>
+                                        </p:tav>
+                                      </p:tavLst>
+                                    </p:anim>
+                                    <p:anim calcmode="lin" valueType="num">
+                                      <p:cBhvr additive="base">
+                                        <p:cTn id="14" dur="500" fill="hold"/>
+                                        <p:tgtEl>
+                                          <p:spTgt spid="4"/>
+                                        </p:tgtEl>
+                                        <p:attrNameLst>
+                                          <p:attrName>ppt_y</p:attrName>
+                                        </p:attrNameLst>
+                                      </p:cBhvr>
+                                      <p:tavLst>
+                                        <p:tav tm="0">
+                                          <p:val>
+                                            <p:strVal val="1+#ppt_h/2"/>
+                                          </p:val>
+                                        </p:tav>
+                                        <p:tav tm="100000">
+                                          <p:val>
+                                            <p:strVal val="#ppt_y"/>
+                                          </p:val>
+                                        </p:tav>
+                                      </p:tavLst>
+                                    </p:anim>
+                                  </p:childTnLst>
+                                </p:cTn>
+                              </p:par>
+                            </p:childTnLst>
+                          </p:cTn>
+                        </p:par>
+                      </p:childTnLst>
+                    </p:cTn>
+                  </p:par>
+                  <p:par>
+                    <p:cTn id="15" fill="hold">
+                      <p:stCondLst>
+                        <p:cond delay="indefinite"/>
+                      </p:stCondLst>
+                      <p:childTnLst>
+                        <p:par>
+                          <p:cTn id="16" fill="hold">
+                            <p:stCondLst>
+                              <p:cond delay="0"/>
+                            </p:stCondLst>
+                            <p:childTnLst>
+                              <p:par>
+                                <p:cTn id="17" presetID="2" presetClass="entr" presetSubtype="4" fill="hold" nodeType="clickEffect">
+                                  <p:stCondLst>
+                                    <p:cond delay="0"/>
+                                  </p:stCondLst>
+                                  <p:childTnLst>
+                                    <p:set>
+                                      <p:cBhvr>
+                                        <p:cTn id="18" dur="1" fill="hold">
+                                          <p:stCondLst>
+                                            <p:cond delay="0"/>
+                                          </p:stCondLst>
+                                        </p:cTn>
+                                        <p:tgtEl>
+                                          <p:spTgt spid="11"/>
+                                        </p:tgtEl>
+                                        <p:attrNameLst>
+                                          <p:attrName>style.visibility</p:attrName>
+                                        </p:attrNameLst>
+                                      </p:cBhvr>
+                                      <p:to>
+                                        <p:strVal val="visible"/>
+                                      </p:to>
+                                    </p:set>
+                                    <p:anim calcmode="lin" valueType="num">
+                                      <p:cBhvr additive="base">
+                                        <p:cTn id="19" dur="500" fill="hold"/>
+                                        <p:tgtEl>
+                                          <p:spTgt spid="11"/>
+                                        </p:tgtEl>
+                                        <p:attrNameLst>
+                                          <p:attrName>ppt_x</p:attrName>
+                                        </p:attrNameLst>
+                                      </p:cBhvr>
+                                      <p:tavLst>
+                                        <p:tav tm="0">
+                                          <p:val>
+                                            <p:strVal val="#ppt_x"/>
+                                          </p:val>
+                                        </p:tav>
+                                        <p:tav tm="100000">
+                                          <p:val>
+                                            <p:strVal val="#ppt_x"/>
+                                          </p:val>
+                                        </p:tav>
+                                      </p:tavLst>
+                                    </p:anim>
+                                    <p:anim calcmode="lin" valueType="num">
+                                      <p:cBhvr additive="base">
+                                        <p:cTn id="20" dur="500" fill="hold"/>
+                                        <p:tgtEl>
+                                          <p:spTgt spid="11"/>
+                                        </p:tgtEl>
+                                        <p:attrNameLst>
+                                          <p:attrName>ppt_y</p:attrName>
+                                        </p:attrNameLst>
+                                      </p:cBhvr>
+                                      <p:tavLst>
+                                        <p:tav tm="0">
+                                          <p:val>
+                                            <p:strVal val="1+#ppt_h/2"/>
+                                          </p:val>
+                                        </p:tav>
+                                        <p:tav tm="100000">
+                                          <p:val>
+                                            <p:strVal val="#ppt_y"/>
+                                          </p:val>
+                                        </p:tav>
+                                      </p:tavLst>
+                                    </p:anim>
+                                  </p:childTnLst>
+                                </p:cTn>
+                              </p:par>
+                            </p:childTnLst>
+                          </p:cTn>
+                        </p:par>
+                      </p:childTnLst>
+                    </p:cTn>
+                  </p:par>
+                  <p:par>
+                    <p:cTn id="21" fill="hold">
+                      <p:stCondLst>
+                        <p:cond delay="indefinite"/>
+                      </p:stCondLst>
+                      <p:childTnLst>
+                        <p:par>
+                          <p:cTn id="22" fill="hold">
+                            <p:stCondLst>
+                              <p:cond delay="0"/>
+                            </p:stCondLst>
+                            <p:childTnLst>
+                              <p:par>
+                                <p:cTn id="23" presetID="2" presetClass="entr" presetSubtype="4" fill="hold" nodeType="clickEffect">
+                                  <p:stCondLst>
+                                    <p:cond delay="0"/>
+                                  </p:stCondLst>
+                                  <p:childTnLst>
+                                    <p:set>
+                                      <p:cBhvr>
+                                        <p:cTn id="24" dur="1" fill="hold">
+                                          <p:stCondLst>
+                                            <p:cond delay="0"/>
+                                          </p:stCondLst>
+                                        </p:cTn>
+                                        <p:tgtEl>
+                                          <p:spTgt spid="8"/>
+                                        </p:tgtEl>
+                                        <p:attrNameLst>
+                                          <p:attrName>style.visibility</p:attrName>
+                                        </p:attrNameLst>
+                                      </p:cBhvr>
+                                      <p:to>
+                                        <p:strVal val="visible"/>
+                                      </p:to>
+                                    </p:set>
+                                    <p:anim calcmode="lin" valueType="num">
+                                      <p:cBhvr additive="base">
+                                        <p:cTn id="25" dur="500" fill="hold"/>
+                                        <p:tgtEl>
+                                          <p:spTgt spid="8"/>
+                                        </p:tgtEl>
+                                        <p:attrNameLst>
+                                          <p:attrName>ppt_x</p:attrName>
+                                        </p:attrNameLst>
+                                      </p:cBhvr>
+                                      <p:tavLst>
+                                        <p:tav tm="0">
+                                          <p:val>
+                                            <p:strVal val="#ppt_x"/>
+                                          </p:val>
+                                        </p:tav>
+                                        <p:tav tm="100000">
+                                          <p:val>
+                                            <p:strVal val="#ppt_x"/>
+                                          </p:val>
+                                        </p:tav>
+                                      </p:tavLst>
+                                    </p:anim>
+                                    <p:anim calcmode="lin" valueType="num">
+                                      <p:cBhvr additive="base">
+                                        <p:cTn id="26" dur="500" fill="hold"/>
+                                        <p:tgtEl>
+                                          <p:spTgt spid="8"/>
+                                        </p:tgtEl>
+                                        <p:attrNameLst>
+                                          <p:attrName>ppt_y</p:attrName>
+                                        </p:attrNameLst>
+                                      </p:cBhvr>
+                                      <p:tavLst>
+                                        <p:tav tm="0">
+                                          <p:val>
+                                            <p:strVal val="1+#ppt_h/2"/>
+                                          </p:val>
+                                        </p:tav>
+                                        <p:tav tm="100000">
+                                          <p:val>
+                                            <p:strVal val="#ppt_y"/>
+                                          </p:val>
+                                        </p:tav>
+                                      </p:tavLst>
+                                    </p:anim>
+                                  </p:childTnLst>
+                                </p:cTn>
+                              </p:par>
+                            </p:childTnLst>
+                          </p:cTn>
+                        </p:par>
+                      </p:childTnLst>
+                    </p:cTn>
+                  </p:par>
+                </p:childTnLst>
+              </p:cTn>
+              <p:prevCondLst>
+                <p:cond evt="onPrev" delay="0">
+                  <p:tgtEl>
+                    <p:sldTgt/>
+                  </p:tgtEl>
+                </p:cond>
+              </p:prevCondLst>
+              <p:nextCondLst>
+                <p:cond evt="onNext" delay="0">
+                  <p:tgtEl>
+                    <p:sldTgt/>
+                  </p:tgtEl>
+                </p:cond>
+              </p:nextCondLst>
+            </p:seq>
+          </p:childTnLst>
+        </p:cTn>
+      </p:par>
+    </p:tnLst>
+  </p:timing>
+</p:sld>
+</file>
+
+<file path=ppt/slides/slide6.xml><?xml version="1.0" encoding="utf-8"?>
+<p:sld xmlns:a="http://schemas.openxmlformats.org/drawingml/2006/main" xmlns:r="http://schemas.openxmlformats.org/officeDocument/2006/relationships" xmlns:p="http://schemas.openxmlformats.org/presentationml/2006/main">
+  <p:cSld>
+    <p:spTree>
+      <p:nvGrpSpPr>
+        <p:cNvPr id="1" name=""/>
+        <p:cNvGrpSpPr/>
+        <p:nvPr/>
+      </p:nvGrpSpPr>
+      <p:grpSpPr>
+        <a:xfrm>
+          <a:off x="0" y="0"/>
+          <a:ext cx="0" cy="0"/>
+          <a:chOff x="0" y="0"/>
+          <a:chExt cx="0" cy="0"/>
+        </a:xfrm>
+      </p:grpSpPr>
+      <p:sp>
+        <p:nvSpPr>
+          <p:cNvPr id="2" name="Title 1">
+            <a:extLst>
+              <a:ext uri="{FF2B5EF4-FFF2-40B4-BE49-F238E27FC236}">
                 <a16:creationId xmlns:a16="http://schemas.microsoft.com/office/drawing/2014/main" id="{5A5BDE1A-5B7B-4888-B46C-B02853F94093}"/>
               </a:ext>
             </a:extLst>
@@ -13463,14 +15786,27 @@
         </p:nvSpPr>
         <p:spPr>
           <a:xfrm>
-            <a:off x="782344" y="481818"/>
-            <a:ext cx="5265589" cy="1478570"/>
+            <a:off x="510554" y="168812"/>
+            <a:ext cx="5585445" cy="2644726"/>
           </a:xfrm>
         </p:spPr>
         <p:txBody>
-          <a:bodyPr/>
+          <a:bodyPr>
+            <a:normAutofit/>
+          </a:bodyPr>
           <a:lstStyle/>
           <a:p>
+            <a:pPr algn="ctr"/>
+            <a:r>
+              <a:rPr lang="en-US" b="1" dirty="0">
+                <a:solidFill>
+                  <a:schemeClr val="bg2">
+                    <a:lumMod val="50000"/>
+                  </a:schemeClr>
+                </a:solidFill>
+              </a:rPr>
+              <a:t>Does Income Impact NUMBER OF DEATHS?</a:t>
+            </a:r>
             <a:endParaRPr lang="en-US" dirty="0">
               <a:solidFill>
                 <a:schemeClr val="bg2">
@@ -13505,12 +15841,17 @@
         </p:blipFill>
         <p:spPr>
           <a:xfrm>
-            <a:off x="6385558" y="481818"/>
+            <a:off x="6385558" y="481817"/>
             <a:ext cx="4733363" cy="2743200"/>
           </a:xfrm>
           <a:prstGeom prst="rect">
             <a:avLst/>
           </a:prstGeom>
+          <a:ln>
+            <a:solidFill>
+              <a:schemeClr val="bg1"/>
+            </a:solidFill>
+          </a:ln>
         </p:spPr>
       </p:pic>
       <p:pic>
@@ -13541,14 +15882,19 @@
           <a:prstGeom prst="rect">
             <a:avLst/>
           </a:prstGeom>
+          <a:ln>
+            <a:solidFill>
+              <a:schemeClr val="bg1"/>
+            </a:solidFill>
+          </a:ln>
         </p:spPr>
       </p:pic>
       <p:pic>
         <p:nvPicPr>
-          <p:cNvPr id="9" name="Picture 8">
+          <p:cNvPr id="3" name="Picture 2">
             <a:extLst>
               <a:ext uri="{FF2B5EF4-FFF2-40B4-BE49-F238E27FC236}">
-                <a16:creationId xmlns:a16="http://schemas.microsoft.com/office/drawing/2014/main" id="{287F6797-9FF3-40DB-A39F-5A555862130F}"/>
+                <a16:creationId xmlns:a16="http://schemas.microsoft.com/office/drawing/2014/main" id="{D9FFA0CB-26E2-4A93-9C2C-E8C643D7C94D}"/>
               </a:ext>
             </a:extLst>
           </p:cNvPr>
@@ -13565,12 +15911,17 @@
         </p:blipFill>
         <p:spPr>
           <a:xfrm>
-            <a:off x="142335" y="2157336"/>
-            <a:ext cx="6001734" cy="3930017"/>
+            <a:off x="558622" y="3030684"/>
+            <a:ext cx="5537378" cy="3345499"/>
           </a:xfrm>
           <a:prstGeom prst="rect">
             <a:avLst/>
           </a:prstGeom>
+          <a:ln>
+            <a:solidFill>
+              <a:schemeClr val="bg1"/>
+            </a:solidFill>
+          </a:ln>
         </p:spPr>
       </p:pic>
     </p:spTree>
@@ -13799,7 +16150,7 @@
                                           </p:stCondLst>
                                         </p:cTn>
                                         <p:tgtEl>
-                                          <p:spTgt spid="9"/>
+                                          <p:spTgt spid="3"/>
                                         </p:tgtEl>
                                         <p:attrNameLst>
                                           <p:attrName>style.visibility</p:attrName>
@@ -13813,7 +16164,7 @@
                                       <p:cBhvr additive="base">
                                         <p:cTn id="19" dur="500" fill="hold"/>
                                         <p:tgtEl>
-                                          <p:spTgt spid="9"/>
+                                          <p:spTgt spid="3"/>
                                         </p:tgtEl>
                                         <p:attrNameLst>
                                           <p:attrName>ppt_x</p:attrName>
@@ -13836,7 +16187,7 @@
                                       <p:cBhvr additive="base">
                                         <p:cTn id="20" dur="500" fill="hold"/>
                                         <p:tgtEl>
-                                          <p:spTgt spid="9"/>
+                                          <p:spTgt spid="3"/>
                                         </p:tgtEl>
                                         <p:attrNameLst>
                                           <p:attrName>ppt_y</p:attrName>
@@ -13889,7 +16240,7 @@
 </p:sld>
 </file>
 
-<file path=ppt/slides/slide5.xml><?xml version="1.0" encoding="utf-8"?>
+<file path=ppt/slides/slide7.xml><?xml version="1.0" encoding="utf-8"?>
 <p:sld xmlns:a="http://schemas.openxmlformats.org/drawingml/2006/main" xmlns:r="http://schemas.openxmlformats.org/officeDocument/2006/relationships" xmlns:p="http://schemas.openxmlformats.org/presentationml/2006/main">
   <p:cSld>
     <p:spTree>
@@ -13906,12 +16257,66 @@
           <a:chExt cx="0" cy="0"/>
         </a:xfrm>
       </p:grpSpPr>
+      <p:sp>
+        <p:nvSpPr>
+          <p:cNvPr id="2" name="Title 1">
+            <a:extLst>
+              <a:ext uri="{FF2B5EF4-FFF2-40B4-BE49-F238E27FC236}">
+                <a16:creationId xmlns:a16="http://schemas.microsoft.com/office/drawing/2014/main" id="{01C4713F-E8FC-4231-8859-BF2DA30F6988}"/>
+              </a:ext>
+            </a:extLst>
+          </p:cNvPr>
+          <p:cNvSpPr>
+            <a:spLocks noGrp="1"/>
+          </p:cNvSpPr>
+          <p:nvPr>
+            <p:ph type="title"/>
+          </p:nvPr>
+        </p:nvSpPr>
+        <p:spPr/>
+        <p:txBody>
+          <a:bodyPr/>
+          <a:lstStyle/>
+          <a:p>
+            <a:pPr algn="ctr"/>
+            <a:r>
+              <a:rPr lang="en-US" b="1" dirty="0">
+                <a:solidFill>
+                  <a:schemeClr val="bg2">
+                    <a:lumMod val="50000"/>
+                  </a:schemeClr>
+                </a:solidFill>
+              </a:rPr>
+              <a:t>Percentage of Deaths by Age group vs. </a:t>
+            </a:r>
+            <a:br>
+              <a:rPr lang="en-US" b="1" dirty="0">
+                <a:solidFill>
+                  <a:schemeClr val="bg2">
+                    <a:lumMod val="50000"/>
+                  </a:schemeClr>
+                </a:solidFill>
+              </a:rPr>
+            </a:br>
+            <a:r>
+              <a:rPr lang="en-US" b="1" dirty="0">
+                <a:solidFill>
+                  <a:schemeClr val="bg2">
+                    <a:lumMod val="50000"/>
+                  </a:schemeClr>
+                </a:solidFill>
+              </a:rPr>
+              <a:t>the General Population</a:t>
+            </a:r>
+          </a:p>
+        </p:txBody>
+      </p:sp>
       <p:pic>
         <p:nvPicPr>
-          <p:cNvPr id="5" name="Content Placeholder 4" descr="A screenshot of a cell phone&#10;&#10;Description automatically generated">
+          <p:cNvPr id="4" name="Content Placeholder 10">
             <a:extLst>
               <a:ext uri="{FF2B5EF4-FFF2-40B4-BE49-F238E27FC236}">
-                <a16:creationId xmlns:a16="http://schemas.microsoft.com/office/drawing/2014/main" id="{73F18C7D-97A9-40D6-B31C-E2ACC070DF12}"/>
+                <a16:creationId xmlns:a16="http://schemas.microsoft.com/office/drawing/2014/main" id="{EC9473DF-3858-4F21-84FC-5FC5A6852D18}"/>
               </a:ext>
             </a:extLst>
           </p:cNvPr>
@@ -13930,17 +16335,22 @@
         </p:blipFill>
         <p:spPr>
           <a:xfrm>
-            <a:off x="6312530" y="138915"/>
-            <a:ext cx="4969761" cy="3089029"/>
+            <a:off x="873316" y="2097087"/>
+            <a:ext cx="4976786" cy="2663825"/>
           </a:xfrm>
+          <a:ln>
+            <a:solidFill>
+              <a:schemeClr val="bg1"/>
+            </a:solidFill>
+          </a:ln>
         </p:spPr>
       </p:pic>
       <p:pic>
         <p:nvPicPr>
-          <p:cNvPr id="11" name="Picture 10" descr="A close up of text on a white background&#10;&#10;Description automatically generated">
+          <p:cNvPr id="5" name="Picture 4">
             <a:extLst>
               <a:ext uri="{FF2B5EF4-FFF2-40B4-BE49-F238E27FC236}">
-                <a16:creationId xmlns:a16="http://schemas.microsoft.com/office/drawing/2014/main" id="{A43E0609-FE1A-470B-B783-B341B09E9A5F}"/>
+                <a16:creationId xmlns:a16="http://schemas.microsoft.com/office/drawing/2014/main" id="{D124CDF8-4DD3-4252-BFE7-B9B702E0771B}"/>
               </a:ext>
             </a:extLst>
           </p:cNvPr>
@@ -13957,20 +16367,249 @@
         </p:blipFill>
         <p:spPr>
           <a:xfrm>
-            <a:off x="6312531" y="3428999"/>
-            <a:ext cx="4969759" cy="3089030"/>
+            <a:off x="6315128" y="2095957"/>
+            <a:ext cx="4976786" cy="2663824"/>
           </a:xfrm>
           <a:prstGeom prst="rect">
             <a:avLst/>
           </a:prstGeom>
+          <a:ln>
+            <a:solidFill>
+              <a:schemeClr val="bg1"/>
+            </a:solidFill>
+          </a:ln>
+        </p:spPr>
+      </p:pic>
+      <p:sp>
+        <p:nvSpPr>
+          <p:cNvPr id="6" name="TextBox 5">
+            <a:extLst>
+              <a:ext uri="{FF2B5EF4-FFF2-40B4-BE49-F238E27FC236}">
+                <a16:creationId xmlns:a16="http://schemas.microsoft.com/office/drawing/2014/main" id="{6610C02F-41B9-4D32-B785-3201507EA12C}"/>
+              </a:ext>
+            </a:extLst>
+          </p:cNvPr>
+          <p:cNvSpPr txBox="1"/>
+          <p:nvPr/>
+        </p:nvSpPr>
+        <p:spPr>
+          <a:xfrm>
+            <a:off x="3132551" y="4890947"/>
+            <a:ext cx="5923722" cy="1477328"/>
+          </a:xfrm>
+          <a:prstGeom prst="rect">
+            <a:avLst/>
+          </a:prstGeom>
+          <a:noFill/>
+        </p:spPr>
+        <p:txBody>
+          <a:bodyPr wrap="square" rtlCol="0">
+            <a:spAutoFit/>
+          </a:bodyPr>
+          <a:lstStyle/>
+          <a:p>
+            <a:r>
+              <a:rPr lang="en-US" b="1" dirty="0">
+                <a:solidFill>
+                  <a:schemeClr val="bg2">
+                    <a:lumMod val="50000"/>
+                  </a:schemeClr>
+                </a:solidFill>
+              </a:rPr>
+              <a:t>This shows that over </a:t>
+            </a:r>
+            <a:r>
+              <a:rPr lang="en-US" b="1" dirty="0">
+                <a:solidFill>
+                  <a:schemeClr val="accent3">
+                    <a:lumMod val="40000"/>
+                    <a:lumOff val="60000"/>
+                  </a:schemeClr>
+                </a:solidFill>
+              </a:rPr>
+              <a:t>59% </a:t>
+            </a:r>
+            <a:r>
+              <a:rPr lang="en-US" b="1" dirty="0">
+                <a:solidFill>
+                  <a:schemeClr val="bg2">
+                    <a:lumMod val="50000"/>
+                  </a:schemeClr>
+                </a:solidFill>
+              </a:rPr>
+              <a:t>of all deaths in the United Sates from COVID-19 were people aged 75 or older compared to the general population that represents only 6.4% of the total. Therefore, age plays a big factor in rates of death.</a:t>
+            </a:r>
+          </a:p>
+          <a:p>
+            <a:endParaRPr lang="en-US" dirty="0"/>
+          </a:p>
+        </p:txBody>
+      </p:sp>
+    </p:spTree>
+    <p:extLst>
+      <p:ext uri="{BB962C8B-B14F-4D97-AF65-F5344CB8AC3E}">
+        <p14:creationId xmlns:p14="http://schemas.microsoft.com/office/powerpoint/2010/main" val="3696446417"/>
+      </p:ext>
+    </p:extLst>
+  </p:cSld>
+  <p:clrMapOvr>
+    <a:masterClrMapping/>
+  </p:clrMapOvr>
+</p:sld>
+</file>
+
+<file path=ppt/slides/slide8.xml><?xml version="1.0" encoding="utf-8"?>
+<p:sld xmlns:a="http://schemas.openxmlformats.org/drawingml/2006/main" xmlns:r="http://schemas.openxmlformats.org/officeDocument/2006/relationships" xmlns:p="http://schemas.openxmlformats.org/presentationml/2006/main">
+  <p:cSld>
+    <p:spTree>
+      <p:nvGrpSpPr>
+        <p:cNvPr id="1" name=""/>
+        <p:cNvGrpSpPr/>
+        <p:nvPr/>
+      </p:nvGrpSpPr>
+      <p:grpSpPr>
+        <a:xfrm>
+          <a:off x="0" y="0"/>
+          <a:ext cx="0" cy="0"/>
+          <a:chOff x="0" y="0"/>
+          <a:chExt cx="0" cy="0"/>
+        </a:xfrm>
+      </p:grpSpPr>
+      <p:sp>
+        <p:nvSpPr>
+          <p:cNvPr id="2" name="Title 1">
+            <a:extLst>
+              <a:ext uri="{FF2B5EF4-FFF2-40B4-BE49-F238E27FC236}">
+                <a16:creationId xmlns:a16="http://schemas.microsoft.com/office/drawing/2014/main" id="{5E23501D-86E7-4B85-B473-F7A9604B3939}"/>
+              </a:ext>
+            </a:extLst>
+          </p:cNvPr>
+          <p:cNvSpPr>
+            <a:spLocks noGrp="1"/>
+          </p:cNvSpPr>
+          <p:nvPr>
+            <p:ph type="title"/>
+          </p:nvPr>
+        </p:nvSpPr>
+        <p:spPr>
+          <a:xfrm>
+            <a:off x="1143001" y="399382"/>
+            <a:ext cx="9905998" cy="1478570"/>
+          </a:xfrm>
+        </p:spPr>
+        <p:txBody>
+          <a:bodyPr/>
+          <a:lstStyle/>
+          <a:p>
+            <a:pPr algn="ctr"/>
+            <a:r>
+              <a:rPr lang="en-US" b="1" dirty="0">
+                <a:solidFill>
+                  <a:schemeClr val="bg2">
+                    <a:lumMod val="50000"/>
+                  </a:schemeClr>
+                </a:solidFill>
+              </a:rPr>
+              <a:t>Percentage of Deaths by Age Group:</a:t>
+            </a:r>
+            <a:br>
+              <a:rPr lang="en-US" b="1" dirty="0">
+                <a:solidFill>
+                  <a:schemeClr val="bg2">
+                    <a:lumMod val="50000"/>
+                  </a:schemeClr>
+                </a:solidFill>
+              </a:rPr>
+            </a:br>
+            <a:r>
+              <a:rPr lang="en-US" b="1" dirty="0">
+                <a:solidFill>
+                  <a:schemeClr val="bg2">
+                    <a:lumMod val="50000"/>
+                  </a:schemeClr>
+                </a:solidFill>
+              </a:rPr>
+              <a:t> Five Highest States</a:t>
+            </a:r>
+          </a:p>
+        </p:txBody>
+      </p:sp>
+      <p:pic>
+        <p:nvPicPr>
+          <p:cNvPr id="4" name="Content Placeholder 4">
+            <a:extLst>
+              <a:ext uri="{FF2B5EF4-FFF2-40B4-BE49-F238E27FC236}">
+                <a16:creationId xmlns:a16="http://schemas.microsoft.com/office/drawing/2014/main" id="{74730F1E-A2E4-4389-BA28-9407D6F6E967}"/>
+              </a:ext>
+            </a:extLst>
+          </p:cNvPr>
+          <p:cNvPicPr>
+            <a:picLocks noChangeAspect="1"/>
+          </p:cNvPicPr>
+          <p:nvPr/>
+        </p:nvPicPr>
+        <p:blipFill>
+          <a:blip r:embed="rId2"/>
+          <a:stretch>
+            <a:fillRect/>
+          </a:stretch>
+        </p:blipFill>
+        <p:spPr>
+          <a:xfrm>
+            <a:off x="861634" y="1877952"/>
+            <a:ext cx="3193800" cy="1716229"/>
+          </a:xfrm>
+          <a:prstGeom prst="rect">
+            <a:avLst/>
+          </a:prstGeom>
+          <a:ln>
+            <a:solidFill>
+              <a:schemeClr val="bg1"/>
+            </a:solidFill>
+          </a:ln>
         </p:spPr>
       </p:pic>
       <p:pic>
         <p:nvPicPr>
-          <p:cNvPr id="13" name="Picture 12" descr="A screenshot of a cell phone&#10;&#10;Description automatically generated">
+          <p:cNvPr id="5" name="Picture 4">
             <a:extLst>
               <a:ext uri="{FF2B5EF4-FFF2-40B4-BE49-F238E27FC236}">
-                <a16:creationId xmlns:a16="http://schemas.microsoft.com/office/drawing/2014/main" id="{51CCE1DC-D55E-48F6-8593-BDCE4125E3DF}"/>
+                <a16:creationId xmlns:a16="http://schemas.microsoft.com/office/drawing/2014/main" id="{AAEFAE58-EE53-4EF4-9221-B5D94EFBA560}"/>
+              </a:ext>
+            </a:extLst>
+          </p:cNvPr>
+          <p:cNvPicPr>
+            <a:picLocks noChangeAspect="1"/>
+          </p:cNvPicPr>
+          <p:nvPr/>
+        </p:nvPicPr>
+        <p:blipFill>
+          <a:blip r:embed="rId3"/>
+          <a:stretch>
+            <a:fillRect/>
+          </a:stretch>
+        </p:blipFill>
+        <p:spPr>
+          <a:xfrm>
+            <a:off x="4163460" y="1869501"/>
+            <a:ext cx="3193800" cy="1740632"/>
+          </a:xfrm>
+          <a:prstGeom prst="rect">
+            <a:avLst/>
+          </a:prstGeom>
+          <a:ln>
+            <a:solidFill>
+              <a:schemeClr val="bg1"/>
+            </a:solidFill>
+          </a:ln>
+        </p:spPr>
+      </p:pic>
+      <p:pic>
+        <p:nvPicPr>
+          <p:cNvPr id="6" name="Picture 5">
+            <a:extLst>
+              <a:ext uri="{FF2B5EF4-FFF2-40B4-BE49-F238E27FC236}">
+                <a16:creationId xmlns:a16="http://schemas.microsoft.com/office/drawing/2014/main" id="{C6563420-AF37-4553-B8BA-3ABA5DDF8BA9}"/>
               </a:ext>
             </a:extLst>
           </p:cNvPr>
@@ -13987,20 +16626,25 @@
         </p:blipFill>
         <p:spPr>
           <a:xfrm>
-            <a:off x="699522" y="3565569"/>
-            <a:ext cx="4969758" cy="3089030"/>
+            <a:off x="7465286" y="1850976"/>
+            <a:ext cx="3193800" cy="1743205"/>
           </a:xfrm>
           <a:prstGeom prst="rect">
             <a:avLst/>
           </a:prstGeom>
+          <a:ln>
+            <a:solidFill>
+              <a:schemeClr val="bg1"/>
+            </a:solidFill>
+          </a:ln>
         </p:spPr>
       </p:pic>
       <p:pic>
         <p:nvPicPr>
-          <p:cNvPr id="15" name="Picture 14" descr="A screenshot of a cell phone&#10;&#10;Description automatically generated">
+          <p:cNvPr id="7" name="Picture 6">
             <a:extLst>
               <a:ext uri="{FF2B5EF4-FFF2-40B4-BE49-F238E27FC236}">
-                <a16:creationId xmlns:a16="http://schemas.microsoft.com/office/drawing/2014/main" id="{C60C9846-F70B-4C36-AD98-E9DB7FD7CA71}"/>
+                <a16:creationId xmlns:a16="http://schemas.microsoft.com/office/drawing/2014/main" id="{B4FED841-C786-44EC-A8CD-CA211901B7A3}"/>
               </a:ext>
             </a:extLst>
           </p:cNvPr>
@@ -14017,18 +16661,352 @@
         </p:blipFill>
         <p:spPr>
           <a:xfrm>
-            <a:off x="699522" y="203402"/>
-            <a:ext cx="4969761" cy="3089029"/>
+            <a:off x="2701986" y="3762532"/>
+            <a:ext cx="3193800" cy="1767649"/>
           </a:xfrm>
           <a:prstGeom prst="rect">
             <a:avLst/>
           </a:prstGeom>
+          <a:ln>
+            <a:solidFill>
+              <a:schemeClr val="bg1"/>
+            </a:solidFill>
+          </a:ln>
         </p:spPr>
       </p:pic>
+      <p:pic>
+        <p:nvPicPr>
+          <p:cNvPr id="8" name="Picture 7">
+            <a:extLst>
+              <a:ext uri="{FF2B5EF4-FFF2-40B4-BE49-F238E27FC236}">
+                <a16:creationId xmlns:a16="http://schemas.microsoft.com/office/drawing/2014/main" id="{944306F9-3843-466C-8965-187546AE1DD7}"/>
+              </a:ext>
+            </a:extLst>
+          </p:cNvPr>
+          <p:cNvPicPr>
+            <a:picLocks noChangeAspect="1"/>
+          </p:cNvPicPr>
+          <p:nvPr/>
+        </p:nvPicPr>
+        <p:blipFill>
+          <a:blip r:embed="rId6"/>
+          <a:stretch>
+            <a:fillRect/>
+          </a:stretch>
+        </p:blipFill>
+        <p:spPr>
+          <a:xfrm>
+            <a:off x="6035675" y="3762532"/>
+            <a:ext cx="3193800" cy="1767649"/>
+          </a:xfrm>
+          <a:prstGeom prst="rect">
+            <a:avLst/>
+          </a:prstGeom>
+          <a:ln>
+            <a:solidFill>
+              <a:schemeClr val="bg1"/>
+            </a:solidFill>
+          </a:ln>
+        </p:spPr>
+      </p:pic>
+      <p:sp>
+        <p:nvSpPr>
+          <p:cNvPr id="9" name="TextBox 8">
+            <a:extLst>
+              <a:ext uri="{FF2B5EF4-FFF2-40B4-BE49-F238E27FC236}">
+                <a16:creationId xmlns:a16="http://schemas.microsoft.com/office/drawing/2014/main" id="{7CA8E78F-66A9-4F9D-8409-872B1DE39D6E}"/>
+              </a:ext>
+            </a:extLst>
+          </p:cNvPr>
+          <p:cNvSpPr txBox="1"/>
+          <p:nvPr/>
+        </p:nvSpPr>
+        <p:spPr>
+          <a:xfrm>
+            <a:off x="1561514" y="5682580"/>
+            <a:ext cx="8750103" cy="461665"/>
+          </a:xfrm>
+          <a:prstGeom prst="rect">
+            <a:avLst/>
+          </a:prstGeom>
+          <a:noFill/>
+        </p:spPr>
+        <p:txBody>
+          <a:bodyPr wrap="square" rtlCol="0">
+            <a:spAutoFit/>
+          </a:bodyPr>
+          <a:lstStyle/>
+          <a:p>
+            <a:pPr algn="ctr"/>
+            <a:r>
+              <a:rPr lang="en-US" sz="2400" b="1" dirty="0">
+                <a:solidFill>
+                  <a:schemeClr val="tx2">
+                    <a:lumMod val="50000"/>
+                  </a:schemeClr>
+                </a:solidFill>
+              </a:rPr>
+              <a:t>We see that the trend is consistent. Death rates </a:t>
+            </a:r>
+            <a:r>
+              <a:rPr lang="en-US" sz="2400" b="1" dirty="0">
+                <a:solidFill>
+                  <a:schemeClr val="tx2">
+                    <a:lumMod val="20000"/>
+                    <a:lumOff val="80000"/>
+                  </a:schemeClr>
+                </a:solidFill>
+              </a:rPr>
+              <a:t>increase</a:t>
+            </a:r>
+            <a:r>
+              <a:rPr lang="en-US" sz="2400" b="1" dirty="0">
+                <a:solidFill>
+                  <a:schemeClr val="tx2">
+                    <a:lumMod val="50000"/>
+                  </a:schemeClr>
+                </a:solidFill>
+              </a:rPr>
+              <a:t> with age.</a:t>
+            </a:r>
+            <a:endParaRPr lang="en-US" sz="2000" b="1" dirty="0">
+              <a:solidFill>
+                <a:schemeClr val="bg2">
+                  <a:lumMod val="50000"/>
+                </a:schemeClr>
+              </a:solidFill>
+            </a:endParaRPr>
+          </a:p>
+        </p:txBody>
+      </p:sp>
     </p:spTree>
     <p:extLst>
       <p:ext uri="{BB962C8B-B14F-4D97-AF65-F5344CB8AC3E}">
-        <p14:creationId xmlns:p14="http://schemas.microsoft.com/office/powerpoint/2010/main" val="3546127084"/>
+        <p14:creationId xmlns:p14="http://schemas.microsoft.com/office/powerpoint/2010/main" val="2919724070"/>
+      </p:ext>
+    </p:extLst>
+  </p:cSld>
+  <p:clrMapOvr>
+    <a:masterClrMapping/>
+  </p:clrMapOvr>
+</p:sld>
+</file>
+
+<file path=ppt/slides/slide9.xml><?xml version="1.0" encoding="utf-8"?>
+<p:sld xmlns:a="http://schemas.openxmlformats.org/drawingml/2006/main" xmlns:r="http://schemas.openxmlformats.org/officeDocument/2006/relationships" xmlns:p="http://schemas.openxmlformats.org/presentationml/2006/main">
+  <p:cSld>
+    <p:spTree>
+      <p:nvGrpSpPr>
+        <p:cNvPr id="1" name=""/>
+        <p:cNvGrpSpPr/>
+        <p:nvPr/>
+      </p:nvGrpSpPr>
+      <p:grpSpPr>
+        <a:xfrm>
+          <a:off x="0" y="0"/>
+          <a:ext cx="0" cy="0"/>
+          <a:chOff x="0" y="0"/>
+          <a:chExt cx="0" cy="0"/>
+        </a:xfrm>
+      </p:grpSpPr>
+      <p:sp>
+        <p:nvSpPr>
+          <p:cNvPr id="2" name="Title 1">
+            <a:extLst>
+              <a:ext uri="{FF2B5EF4-FFF2-40B4-BE49-F238E27FC236}">
+                <a16:creationId xmlns:a16="http://schemas.microsoft.com/office/drawing/2014/main" id="{41C5C0D3-C992-438C-98B2-3185AE3BB998}"/>
+              </a:ext>
+            </a:extLst>
+          </p:cNvPr>
+          <p:cNvSpPr>
+            <a:spLocks noGrp="1"/>
+          </p:cNvSpPr>
+          <p:nvPr>
+            <p:ph type="title"/>
+          </p:nvPr>
+        </p:nvSpPr>
+        <p:spPr/>
+        <p:txBody>
+          <a:bodyPr/>
+          <a:lstStyle/>
+          <a:p>
+            <a:r>
+              <a:rPr lang="en-US" b="1" dirty="0">
+                <a:solidFill>
+                  <a:schemeClr val="bg2">
+                    <a:lumMod val="50000"/>
+                  </a:schemeClr>
+                </a:solidFill>
+              </a:rPr>
+              <a:t>In</a:t>
+            </a:r>
+            <a:r>
+              <a:rPr lang="en-US" dirty="0">
+                <a:solidFill>
+                  <a:schemeClr val="bg2">
+                    <a:lumMod val="50000"/>
+                  </a:schemeClr>
+                </a:solidFill>
+              </a:rPr>
+              <a:t> </a:t>
+            </a:r>
+            <a:r>
+              <a:rPr lang="en-US" b="1" dirty="0">
+                <a:solidFill>
+                  <a:schemeClr val="bg2">
+                    <a:lumMod val="50000"/>
+                  </a:schemeClr>
+                </a:solidFill>
+              </a:rPr>
+              <a:t>Conclusion</a:t>
+            </a:r>
+          </a:p>
+        </p:txBody>
+      </p:sp>
+      <p:sp>
+        <p:nvSpPr>
+          <p:cNvPr id="3" name="Content Placeholder 2">
+            <a:extLst>
+              <a:ext uri="{FF2B5EF4-FFF2-40B4-BE49-F238E27FC236}">
+                <a16:creationId xmlns:a16="http://schemas.microsoft.com/office/drawing/2014/main" id="{331D3C6A-0FA6-4E5C-AF73-3AE305DDBCC1}"/>
+              </a:ext>
+            </a:extLst>
+          </p:cNvPr>
+          <p:cNvSpPr>
+            <a:spLocks noGrp="1"/>
+          </p:cNvSpPr>
+          <p:nvPr>
+            <p:ph idx="1"/>
+          </p:nvPr>
+        </p:nvSpPr>
+        <p:spPr/>
+        <p:txBody>
+          <a:bodyPr>
+            <a:normAutofit lnSpcReduction="10000"/>
+          </a:bodyPr>
+          <a:lstStyle/>
+          <a:p>
+            <a:pPr marL="285750" indent="-285750"/>
+            <a:r>
+              <a:rPr lang="en-US" b="1" dirty="0">
+                <a:solidFill>
+                  <a:schemeClr val="bg2">
+                    <a:lumMod val="50000"/>
+                  </a:schemeClr>
+                </a:solidFill>
+              </a:rPr>
+              <a:t>Median Household Income </a:t>
+            </a:r>
+            <a:r>
+              <a:rPr lang="en-US" dirty="0">
+                <a:solidFill>
+                  <a:schemeClr val="bg2">
+                    <a:lumMod val="50000"/>
+                  </a:schemeClr>
+                </a:solidFill>
+              </a:rPr>
+              <a:t>had a statistically insignificant impact on the number of cases.</a:t>
+            </a:r>
+          </a:p>
+          <a:p>
+            <a:pPr marL="285750" indent="-285750"/>
+            <a:r>
+              <a:rPr lang="en-US" b="1" dirty="0">
+                <a:solidFill>
+                  <a:schemeClr val="bg2">
+                    <a:lumMod val="50000"/>
+                  </a:schemeClr>
+                </a:solidFill>
+              </a:rPr>
+              <a:t>Per Capita Income </a:t>
+            </a:r>
+            <a:r>
+              <a:rPr lang="en-US" dirty="0">
+                <a:solidFill>
+                  <a:schemeClr val="bg2">
+                    <a:lumMod val="50000"/>
+                  </a:schemeClr>
+                </a:solidFill>
+              </a:rPr>
+              <a:t>had some moderate correlation which suggests further analysis is warranted.</a:t>
+            </a:r>
+            <a:endParaRPr lang="en-US" b="1" dirty="0">
+              <a:solidFill>
+                <a:schemeClr val="bg2">
+                  <a:lumMod val="50000"/>
+                </a:schemeClr>
+              </a:solidFill>
+            </a:endParaRPr>
+          </a:p>
+          <a:p>
+            <a:pPr marL="285750" indent="-285750"/>
+            <a:r>
+              <a:rPr lang="en-US" b="1" dirty="0">
+                <a:solidFill>
+                  <a:schemeClr val="bg2">
+                    <a:lumMod val="50000"/>
+                  </a:schemeClr>
+                </a:solidFill>
+              </a:rPr>
+              <a:t>Population Density </a:t>
+            </a:r>
+            <a:r>
+              <a:rPr lang="en-US" dirty="0">
+                <a:solidFill>
+                  <a:schemeClr val="bg2">
+                    <a:lumMod val="50000"/>
+                  </a:schemeClr>
+                </a:solidFill>
+              </a:rPr>
+              <a:t>had a weak correlation between Deaths and Cases. </a:t>
+            </a:r>
+            <a:endParaRPr lang="en-US" b="1" dirty="0">
+              <a:solidFill>
+                <a:schemeClr val="bg2">
+                  <a:lumMod val="50000"/>
+                </a:schemeClr>
+              </a:solidFill>
+            </a:endParaRPr>
+          </a:p>
+          <a:p>
+            <a:pPr marL="285750" indent="-285750"/>
+            <a:r>
+              <a:rPr lang="en-US" b="1" dirty="0">
+                <a:solidFill>
+                  <a:schemeClr val="bg2">
+                    <a:lumMod val="50000"/>
+                  </a:schemeClr>
+                </a:solidFill>
+              </a:rPr>
+              <a:t>Age </a:t>
+            </a:r>
+            <a:r>
+              <a:rPr lang="en-US" dirty="0">
+                <a:solidFill>
+                  <a:schemeClr val="bg2">
+                    <a:lumMod val="50000"/>
+                  </a:schemeClr>
+                </a:solidFill>
+              </a:rPr>
+              <a:t>had the greatest impact among our studies. Death rates increased with age.</a:t>
+            </a:r>
+            <a:endParaRPr lang="en-US" b="1" dirty="0">
+              <a:solidFill>
+                <a:schemeClr val="bg2">
+                  <a:lumMod val="50000"/>
+                </a:schemeClr>
+              </a:solidFill>
+            </a:endParaRPr>
+          </a:p>
+          <a:p>
+            <a:endParaRPr lang="en-US" dirty="0"/>
+          </a:p>
+        </p:txBody>
+      </p:sp>
+    </p:spTree>
+    <p:extLst>
+      <p:ext uri="{BB962C8B-B14F-4D97-AF65-F5344CB8AC3E}">
+        <p14:creationId xmlns:p14="http://schemas.microsoft.com/office/powerpoint/2010/main" val="3072882084"/>
       </p:ext>
     </p:extLst>
   </p:cSld>
@@ -14056,7 +17034,7 @@
                             </p:stCondLst>
                             <p:childTnLst>
                               <p:par>
-                                <p:cTn id="5" presetID="2" presetClass="entr" presetSubtype="4" fill="hold" nodeType="clickEffect">
+                                <p:cTn id="5" presetID="2" presetClass="entr" presetSubtype="2" fill="hold" nodeType="clickEffect">
                                   <p:stCondLst>
                                     <p:cond delay="0"/>
                                   </p:stCondLst>
@@ -14069,7 +17047,11 @@
                                           </p:stCondLst>
                                         </p:cTn>
                                         <p:tgtEl>
-                                          <p:spTgt spid="15"/>
+                                          <p:spTgt spid="3">
+                                            <p:txEl>
+                                              <p:pRg st="0" end="0"/>
+                                            </p:txEl>
+                                          </p:spTgt>
                                         </p:tgtEl>
                                         <p:attrNameLst>
                                           <p:attrName>style.visibility</p:attrName>
@@ -14083,7 +17065,11 @@
                                       <p:cBhvr additive="base">
                                         <p:cTn id="7" dur="500" fill="hold"/>
                                         <p:tgtEl>
-                                          <p:spTgt spid="15"/>
+                                          <p:spTgt spid="3">
+                                            <p:txEl>
+                                              <p:pRg st="0" end="0"/>
+                                            </p:txEl>
+                                          </p:spTgt>
                                         </p:tgtEl>
                                         <p:attrNameLst>
                                           <p:attrName>ppt_x</p:attrName>
@@ -14092,7 +17078,7 @@
                                       <p:tavLst>
                                         <p:tav tm="0">
                                           <p:val>
-                                            <p:strVal val="#ppt_x"/>
+                                            <p:strVal val="1+#ppt_w/2"/>
                                           </p:val>
                                         </p:tav>
                                         <p:tav tm="100000">
@@ -14106,7 +17092,11 @@
                                       <p:cBhvr additive="base">
                                         <p:cTn id="8" dur="500" fill="hold"/>
                                         <p:tgtEl>
-                                          <p:spTgt spid="15"/>
+                                          <p:spTgt spid="3">
+                                            <p:txEl>
+                                              <p:pRg st="0" end="0"/>
+                                            </p:txEl>
+                                          </p:spTgt>
                                         </p:tgtEl>
                                         <p:attrNameLst>
                                           <p:attrName>ppt_y</p:attrName>
@@ -14115,7 +17105,7 @@
                                       <p:tavLst>
                                         <p:tav tm="0">
                                           <p:val>
-                                            <p:strVal val="1+#ppt_h/2"/>
+                                            <p:strVal val="#ppt_y"/>
                                           </p:val>
                                         </p:tav>
                                         <p:tav tm="100000">
@@ -14147,7 +17137,7 @@
                             </p:stCondLst>
                             <p:childTnLst>
                               <p:par>
-                                <p:cTn id="11" presetID="2" presetClass="entr" presetSubtype="4" fill="hold" nodeType="clickEffect">
+                                <p:cTn id="11" presetID="2" presetClass="entr" presetSubtype="2" fill="hold" nodeType="clickEffect">
                                   <p:stCondLst>
                                     <p:cond delay="0"/>
                                   </p:stCondLst>
@@ -14160,7 +17150,11 @@
                                           </p:stCondLst>
                                         </p:cTn>
                                         <p:tgtEl>
-                                          <p:spTgt spid="5"/>
+                                          <p:spTgt spid="3">
+                                            <p:txEl>
+                                              <p:pRg st="1" end="1"/>
+                                            </p:txEl>
+                                          </p:spTgt>
                                         </p:tgtEl>
                                         <p:attrNameLst>
                                           <p:attrName>style.visibility</p:attrName>
@@ -14174,7 +17168,11 @@
                                       <p:cBhvr additive="base">
                                         <p:cTn id="13" dur="500" fill="hold"/>
                                         <p:tgtEl>
-                                          <p:spTgt spid="5"/>
+                                          <p:spTgt spid="3">
+                                            <p:txEl>
+                                              <p:pRg st="1" end="1"/>
+                                            </p:txEl>
+                                          </p:spTgt>
                                         </p:tgtEl>
                                         <p:attrNameLst>
                                           <p:attrName>ppt_x</p:attrName>
@@ -14183,7 +17181,7 @@
                                       <p:tavLst>
                                         <p:tav tm="0">
                                           <p:val>
-                                            <p:strVal val="#ppt_x"/>
+                                            <p:strVal val="1+#ppt_w/2"/>
                                           </p:val>
                                         </p:tav>
                                         <p:tav tm="100000">
@@ -14197,7 +17195,11 @@
                                       <p:cBhvr additive="base">
                                         <p:cTn id="14" dur="500" fill="hold"/>
                                         <p:tgtEl>
-                                          <p:spTgt spid="5"/>
+                                          <p:spTgt spid="3">
+                                            <p:txEl>
+                                              <p:pRg st="1" end="1"/>
+                                            </p:txEl>
+                                          </p:spTgt>
                                         </p:tgtEl>
                                         <p:attrNameLst>
                                           <p:attrName>ppt_y</p:attrName>
@@ -14206,7 +17208,7 @@
                                       <p:tavLst>
                                         <p:tav tm="0">
                                           <p:val>
-                                            <p:strVal val="1+#ppt_h/2"/>
+                                            <p:strVal val="#ppt_y"/>
                                           </p:val>
                                         </p:tav>
                                         <p:tav tm="100000">
@@ -14238,7 +17240,7 @@
                             </p:stCondLst>
                             <p:childTnLst>
                               <p:par>
-                                <p:cTn id="17" presetID="2" presetClass="entr" presetSubtype="4" fill="hold" nodeType="clickEffect">
+                                <p:cTn id="17" presetID="2" presetClass="entr" presetSubtype="2" fill="hold" nodeType="clickEffect">
                                   <p:stCondLst>
                                     <p:cond delay="0"/>
                                   </p:stCondLst>
@@ -14251,7 +17253,11 @@
                                           </p:stCondLst>
                                         </p:cTn>
                                         <p:tgtEl>
-                                          <p:spTgt spid="13"/>
+                                          <p:spTgt spid="3">
+                                            <p:txEl>
+                                              <p:pRg st="2" end="2"/>
+                                            </p:txEl>
+                                          </p:spTgt>
                                         </p:tgtEl>
                                         <p:attrNameLst>
                                           <p:attrName>style.visibility</p:attrName>
@@ -14265,7 +17271,11 @@
                                       <p:cBhvr additive="base">
                                         <p:cTn id="19" dur="500" fill="hold"/>
                                         <p:tgtEl>
-                                          <p:spTgt spid="13"/>
+                                          <p:spTgt spid="3">
+                                            <p:txEl>
+                                              <p:pRg st="2" end="2"/>
+                                            </p:txEl>
+                                          </p:spTgt>
                                         </p:tgtEl>
                                         <p:attrNameLst>
                                           <p:attrName>ppt_x</p:attrName>
@@ -14274,7 +17284,7 @@
                                       <p:tavLst>
                                         <p:tav tm="0">
                                           <p:val>
-                                            <p:strVal val="#ppt_x"/>
+                                            <p:strVal val="1+#ppt_w/2"/>
                                           </p:val>
                                         </p:tav>
                                         <p:tav tm="100000">
@@ -14288,7 +17298,11 @@
                                       <p:cBhvr additive="base">
                                         <p:cTn id="20" dur="500" fill="hold"/>
                                         <p:tgtEl>
-                                          <p:spTgt spid="13"/>
+                                          <p:spTgt spid="3">
+                                            <p:txEl>
+                                              <p:pRg st="2" end="2"/>
+                                            </p:txEl>
+                                          </p:spTgt>
                                         </p:tgtEl>
                                         <p:attrNameLst>
                                           <p:attrName>ppt_y</p:attrName>
@@ -14297,7 +17311,7 @@
                                       <p:tavLst>
                                         <p:tav tm="0">
                                           <p:val>
-                                            <p:strVal val="1+#ppt_h/2"/>
+                                            <p:strVal val="#ppt_y"/>
                                           </p:val>
                                         </p:tav>
                                         <p:tav tm="100000">
@@ -14329,7 +17343,7 @@
                             </p:stCondLst>
                             <p:childTnLst>
                               <p:par>
-                                <p:cTn id="23" presetID="2" presetClass="entr" presetSubtype="4" fill="hold" nodeType="clickEffect">
+                                <p:cTn id="23" presetID="2" presetClass="entr" presetSubtype="2" fill="hold" nodeType="clickEffect">
                                   <p:stCondLst>
                                     <p:cond delay="0"/>
                                   </p:stCondLst>
@@ -14342,7 +17356,11 @@
                                           </p:stCondLst>
                                         </p:cTn>
                                         <p:tgtEl>
-                                          <p:spTgt spid="11"/>
+                                          <p:spTgt spid="3">
+                                            <p:txEl>
+                                              <p:pRg st="3" end="3"/>
+                                            </p:txEl>
+                                          </p:spTgt>
                                         </p:tgtEl>
                                         <p:attrNameLst>
                                           <p:attrName>style.visibility</p:attrName>
@@ -14356,7 +17374,11 @@
                                       <p:cBhvr additive="base">
                                         <p:cTn id="25" dur="500" fill="hold"/>
                                         <p:tgtEl>
-                                          <p:spTgt spid="11"/>
+                                          <p:spTgt spid="3">
+                                            <p:txEl>
+                                              <p:pRg st="3" end="3"/>
+                                            </p:txEl>
+                                          </p:spTgt>
                                         </p:tgtEl>
                                         <p:attrNameLst>
                                           <p:attrName>ppt_x</p:attrName>
@@ -14365,7 +17387,7 @@
                                       <p:tavLst>
                                         <p:tav tm="0">
                                           <p:val>
-                                            <p:strVal val="#ppt_x"/>
+                                            <p:strVal val="1+#ppt_w/2"/>
                                           </p:val>
                                         </p:tav>
                                         <p:tav tm="100000">
@@ -14379,7 +17401,11 @@
                                       <p:cBhvr additive="base">
                                         <p:cTn id="26" dur="500" fill="hold"/>
                                         <p:tgtEl>
-                                          <p:spTgt spid="11"/>
+                                          <p:spTgt spid="3">
+                                            <p:txEl>
+                                              <p:pRg st="3" end="3"/>
+                                            </p:txEl>
+                                          </p:spTgt>
                                         </p:tgtEl>
                                         <p:attrNameLst>
                                           <p:attrName>ppt_y</p:attrName>
@@ -14388,7 +17414,7 @@
                                       <p:tavLst>
                                         <p:tav tm="0">
                                           <p:val>
-                                            <p:strVal val="1+#ppt_h/2"/>
+                                            <p:strVal val="#ppt_y"/>
                                           </p:val>
                                         </p:tav>
                                         <p:tav tm="100000">
@@ -14429,827 +17455,6 @@
       </p:par>
     </p:tnLst>
   </p:timing>
-</p:sld>
-</file>
-
-<file path=ppt/slides/slide6.xml><?xml version="1.0" encoding="utf-8"?>
-<p:sld xmlns:a="http://schemas.openxmlformats.org/drawingml/2006/main" xmlns:r="http://schemas.openxmlformats.org/officeDocument/2006/relationships" xmlns:p="http://schemas.openxmlformats.org/presentationml/2006/main">
-  <p:cSld>
-    <p:spTree>
-      <p:nvGrpSpPr>
-        <p:cNvPr id="1" name=""/>
-        <p:cNvGrpSpPr/>
-        <p:nvPr/>
-      </p:nvGrpSpPr>
-      <p:grpSpPr>
-        <a:xfrm>
-          <a:off x="0" y="0"/>
-          <a:ext cx="0" cy="0"/>
-          <a:chOff x="0" y="0"/>
-          <a:chExt cx="0" cy="0"/>
-        </a:xfrm>
-      </p:grpSpPr>
-      <p:sp>
-        <p:nvSpPr>
-          <p:cNvPr id="2" name="Title 1">
-            <a:extLst>
-              <a:ext uri="{FF2B5EF4-FFF2-40B4-BE49-F238E27FC236}">
-                <a16:creationId xmlns:a16="http://schemas.microsoft.com/office/drawing/2014/main" id="{01C4713F-E8FC-4231-8859-BF2DA30F6988}"/>
-              </a:ext>
-            </a:extLst>
-          </p:cNvPr>
-          <p:cNvSpPr>
-            <a:spLocks noGrp="1"/>
-          </p:cNvSpPr>
-          <p:nvPr>
-            <p:ph type="title"/>
-          </p:nvPr>
-        </p:nvSpPr>
-        <p:spPr/>
-        <p:txBody>
-          <a:bodyPr/>
-          <a:lstStyle/>
-          <a:p>
-            <a:pPr algn="ctr"/>
-            <a:r>
-              <a:rPr lang="en-US" dirty="0">
-                <a:solidFill>
-                  <a:schemeClr val="accent5">
-                    <a:lumMod val="50000"/>
-                  </a:schemeClr>
-                </a:solidFill>
-              </a:rPr>
-              <a:t>Percentage of Deaths by Age group vs. </a:t>
-            </a:r>
-            <a:br>
-              <a:rPr lang="en-US" dirty="0">
-                <a:solidFill>
-                  <a:schemeClr val="accent5">
-                    <a:lumMod val="50000"/>
-                  </a:schemeClr>
-                </a:solidFill>
-              </a:rPr>
-            </a:br>
-            <a:r>
-              <a:rPr lang="en-US" dirty="0">
-                <a:solidFill>
-                  <a:schemeClr val="accent5">
-                    <a:lumMod val="50000"/>
-                  </a:schemeClr>
-                </a:solidFill>
-              </a:rPr>
-              <a:t>the General Population</a:t>
-            </a:r>
-          </a:p>
-        </p:txBody>
-      </p:sp>
-      <p:pic>
-        <p:nvPicPr>
-          <p:cNvPr id="4" name="Content Placeholder 10">
-            <a:extLst>
-              <a:ext uri="{FF2B5EF4-FFF2-40B4-BE49-F238E27FC236}">
-                <a16:creationId xmlns:a16="http://schemas.microsoft.com/office/drawing/2014/main" id="{EC9473DF-3858-4F21-84FC-5FC5A6852D18}"/>
-              </a:ext>
-            </a:extLst>
-          </p:cNvPr>
-          <p:cNvPicPr>
-            <a:picLocks noGrp="1" noChangeAspect="1"/>
-          </p:cNvPicPr>
-          <p:nvPr>
-            <p:ph idx="1"/>
-          </p:nvPr>
-        </p:nvPicPr>
-        <p:blipFill>
-          <a:blip r:embed="rId2"/>
-          <a:stretch>
-            <a:fillRect/>
-          </a:stretch>
-        </p:blipFill>
-        <p:spPr>
-          <a:xfrm>
-            <a:off x="873316" y="2097087"/>
-            <a:ext cx="4976786" cy="2663825"/>
-          </a:xfrm>
-        </p:spPr>
-      </p:pic>
-      <p:pic>
-        <p:nvPicPr>
-          <p:cNvPr id="5" name="Picture 4">
-            <a:extLst>
-              <a:ext uri="{FF2B5EF4-FFF2-40B4-BE49-F238E27FC236}">
-                <a16:creationId xmlns:a16="http://schemas.microsoft.com/office/drawing/2014/main" id="{D124CDF8-4DD3-4252-BFE7-B9B702E0771B}"/>
-              </a:ext>
-            </a:extLst>
-          </p:cNvPr>
-          <p:cNvPicPr>
-            <a:picLocks noChangeAspect="1"/>
-          </p:cNvPicPr>
-          <p:nvPr/>
-        </p:nvPicPr>
-        <p:blipFill>
-          <a:blip r:embed="rId3"/>
-          <a:stretch>
-            <a:fillRect/>
-          </a:stretch>
-        </p:blipFill>
-        <p:spPr>
-          <a:xfrm>
-            <a:off x="6315128" y="2095957"/>
-            <a:ext cx="4976786" cy="2663824"/>
-          </a:xfrm>
-          <a:prstGeom prst="rect">
-            <a:avLst/>
-          </a:prstGeom>
-        </p:spPr>
-      </p:pic>
-      <p:sp>
-        <p:nvSpPr>
-          <p:cNvPr id="6" name="TextBox 5">
-            <a:extLst>
-              <a:ext uri="{FF2B5EF4-FFF2-40B4-BE49-F238E27FC236}">
-                <a16:creationId xmlns:a16="http://schemas.microsoft.com/office/drawing/2014/main" id="{6610C02F-41B9-4D32-B785-3201507EA12C}"/>
-              </a:ext>
-            </a:extLst>
-          </p:cNvPr>
-          <p:cNvSpPr txBox="1"/>
-          <p:nvPr/>
-        </p:nvSpPr>
-        <p:spPr>
-          <a:xfrm>
-            <a:off x="3132551" y="4890947"/>
-            <a:ext cx="5923722" cy="1477328"/>
-          </a:xfrm>
-          <a:prstGeom prst="rect">
-            <a:avLst/>
-          </a:prstGeom>
-          <a:noFill/>
-        </p:spPr>
-        <p:txBody>
-          <a:bodyPr wrap="square" rtlCol="0">
-            <a:spAutoFit/>
-          </a:bodyPr>
-          <a:lstStyle/>
-          <a:p>
-            <a:r>
-              <a:rPr lang="en-US" dirty="0">
-                <a:solidFill>
-                  <a:schemeClr val="bg2">
-                    <a:lumMod val="50000"/>
-                  </a:schemeClr>
-                </a:solidFill>
-              </a:rPr>
-              <a:t>This shows that over </a:t>
-            </a:r>
-            <a:r>
-              <a:rPr lang="en-US" b="1" dirty="0">
-                <a:solidFill>
-                  <a:schemeClr val="accent3">
-                    <a:lumMod val="40000"/>
-                    <a:lumOff val="60000"/>
-                  </a:schemeClr>
-                </a:solidFill>
-              </a:rPr>
-              <a:t>59%</a:t>
-            </a:r>
-            <a:r>
-              <a:rPr lang="en-US" dirty="0">
-                <a:solidFill>
-                  <a:schemeClr val="accent3">
-                    <a:lumMod val="40000"/>
-                    <a:lumOff val="60000"/>
-                  </a:schemeClr>
-                </a:solidFill>
-              </a:rPr>
-              <a:t> </a:t>
-            </a:r>
-            <a:r>
-              <a:rPr lang="en-US" dirty="0">
-                <a:solidFill>
-                  <a:schemeClr val="bg2">
-                    <a:lumMod val="50000"/>
-                  </a:schemeClr>
-                </a:solidFill>
-              </a:rPr>
-              <a:t>of all deaths in the United Sates from Covid-19 were people aged 75 or older compared to the general population that represents only 6.4% of the total. Therefore, age plays a big factor in rates of death.</a:t>
-            </a:r>
-          </a:p>
-          <a:p>
-            <a:endParaRPr lang="en-US" dirty="0"/>
-          </a:p>
-        </p:txBody>
-      </p:sp>
-    </p:spTree>
-    <p:extLst>
-      <p:ext uri="{BB962C8B-B14F-4D97-AF65-F5344CB8AC3E}">
-        <p14:creationId xmlns:p14="http://schemas.microsoft.com/office/powerpoint/2010/main" val="3696446417"/>
-      </p:ext>
-    </p:extLst>
-  </p:cSld>
-  <p:clrMapOvr>
-    <a:masterClrMapping/>
-  </p:clrMapOvr>
-</p:sld>
-</file>
-
-<file path=ppt/slides/slide7.xml><?xml version="1.0" encoding="utf-8"?>
-<p:sld xmlns:a="http://schemas.openxmlformats.org/drawingml/2006/main" xmlns:r="http://schemas.openxmlformats.org/officeDocument/2006/relationships" xmlns:p="http://schemas.openxmlformats.org/presentationml/2006/main">
-  <p:cSld>
-    <p:spTree>
-      <p:nvGrpSpPr>
-        <p:cNvPr id="1" name=""/>
-        <p:cNvGrpSpPr/>
-        <p:nvPr/>
-      </p:nvGrpSpPr>
-      <p:grpSpPr>
-        <a:xfrm>
-          <a:off x="0" y="0"/>
-          <a:ext cx="0" cy="0"/>
-          <a:chOff x="0" y="0"/>
-          <a:chExt cx="0" cy="0"/>
-        </a:xfrm>
-      </p:grpSpPr>
-      <p:sp>
-        <p:nvSpPr>
-          <p:cNvPr id="2" name="Title 1">
-            <a:extLst>
-              <a:ext uri="{FF2B5EF4-FFF2-40B4-BE49-F238E27FC236}">
-                <a16:creationId xmlns:a16="http://schemas.microsoft.com/office/drawing/2014/main" id="{5E23501D-86E7-4B85-B473-F7A9604B3939}"/>
-              </a:ext>
-            </a:extLst>
-          </p:cNvPr>
-          <p:cNvSpPr>
-            <a:spLocks noGrp="1"/>
-          </p:cNvSpPr>
-          <p:nvPr>
-            <p:ph type="title"/>
-          </p:nvPr>
-        </p:nvSpPr>
-        <p:spPr/>
-        <p:txBody>
-          <a:bodyPr/>
-          <a:lstStyle/>
-          <a:p>
-            <a:pPr algn="ctr"/>
-            <a:r>
-              <a:rPr lang="en-US" dirty="0">
-                <a:solidFill>
-                  <a:schemeClr val="bg2">
-                    <a:lumMod val="50000"/>
-                  </a:schemeClr>
-                </a:solidFill>
-              </a:rPr>
-              <a:t>Percentage of Deaths by Age Group:</a:t>
-            </a:r>
-            <a:br>
-              <a:rPr lang="en-US" dirty="0">
-                <a:solidFill>
-                  <a:schemeClr val="bg2">
-                    <a:lumMod val="50000"/>
-                  </a:schemeClr>
-                </a:solidFill>
-              </a:rPr>
-            </a:br>
-            <a:r>
-              <a:rPr lang="en-US" dirty="0">
-                <a:solidFill>
-                  <a:schemeClr val="bg2">
-                    <a:lumMod val="50000"/>
-                  </a:schemeClr>
-                </a:solidFill>
-              </a:rPr>
-              <a:t> Five Highest States</a:t>
-            </a:r>
-          </a:p>
-        </p:txBody>
-      </p:sp>
-      <p:pic>
-        <p:nvPicPr>
-          <p:cNvPr id="4" name="Content Placeholder 4">
-            <a:extLst>
-              <a:ext uri="{FF2B5EF4-FFF2-40B4-BE49-F238E27FC236}">
-                <a16:creationId xmlns:a16="http://schemas.microsoft.com/office/drawing/2014/main" id="{74730F1E-A2E4-4389-BA28-9407D6F6E967}"/>
-              </a:ext>
-            </a:extLst>
-          </p:cNvPr>
-          <p:cNvPicPr>
-            <a:picLocks noChangeAspect="1"/>
-          </p:cNvPicPr>
-          <p:nvPr/>
-        </p:nvPicPr>
-        <p:blipFill>
-          <a:blip r:embed="rId2"/>
-          <a:stretch>
-            <a:fillRect/>
-          </a:stretch>
-        </p:blipFill>
-        <p:spPr>
-          <a:xfrm>
-            <a:off x="861634" y="1877952"/>
-            <a:ext cx="3193800" cy="1716229"/>
-          </a:xfrm>
-          <a:prstGeom prst="rect">
-            <a:avLst/>
-          </a:prstGeom>
-        </p:spPr>
-      </p:pic>
-      <p:pic>
-        <p:nvPicPr>
-          <p:cNvPr id="5" name="Picture 4">
-            <a:extLst>
-              <a:ext uri="{FF2B5EF4-FFF2-40B4-BE49-F238E27FC236}">
-                <a16:creationId xmlns:a16="http://schemas.microsoft.com/office/drawing/2014/main" id="{AAEFAE58-EE53-4EF4-9221-B5D94EFBA560}"/>
-              </a:ext>
-            </a:extLst>
-          </p:cNvPr>
-          <p:cNvPicPr>
-            <a:picLocks noChangeAspect="1"/>
-          </p:cNvPicPr>
-          <p:nvPr/>
-        </p:nvPicPr>
-        <p:blipFill>
-          <a:blip r:embed="rId3"/>
-          <a:stretch>
-            <a:fillRect/>
-          </a:stretch>
-        </p:blipFill>
-        <p:spPr>
-          <a:xfrm>
-            <a:off x="4163460" y="1869501"/>
-            <a:ext cx="3193800" cy="1740632"/>
-          </a:xfrm>
-          <a:prstGeom prst="rect">
-            <a:avLst/>
-          </a:prstGeom>
-        </p:spPr>
-      </p:pic>
-      <p:pic>
-        <p:nvPicPr>
-          <p:cNvPr id="6" name="Picture 5">
-            <a:extLst>
-              <a:ext uri="{FF2B5EF4-FFF2-40B4-BE49-F238E27FC236}">
-                <a16:creationId xmlns:a16="http://schemas.microsoft.com/office/drawing/2014/main" id="{C6563420-AF37-4553-B8BA-3ABA5DDF8BA9}"/>
-              </a:ext>
-            </a:extLst>
-          </p:cNvPr>
-          <p:cNvPicPr>
-            <a:picLocks noChangeAspect="1"/>
-          </p:cNvPicPr>
-          <p:nvPr/>
-        </p:nvPicPr>
-        <p:blipFill>
-          <a:blip r:embed="rId4"/>
-          <a:stretch>
-            <a:fillRect/>
-          </a:stretch>
-        </p:blipFill>
-        <p:spPr>
-          <a:xfrm>
-            <a:off x="7465286" y="1850976"/>
-            <a:ext cx="3193800" cy="1743205"/>
-          </a:xfrm>
-          <a:prstGeom prst="rect">
-            <a:avLst/>
-          </a:prstGeom>
-        </p:spPr>
-      </p:pic>
-      <p:pic>
-        <p:nvPicPr>
-          <p:cNvPr id="7" name="Picture 6">
-            <a:extLst>
-              <a:ext uri="{FF2B5EF4-FFF2-40B4-BE49-F238E27FC236}">
-                <a16:creationId xmlns:a16="http://schemas.microsoft.com/office/drawing/2014/main" id="{B4FED841-C786-44EC-A8CD-CA211901B7A3}"/>
-              </a:ext>
-            </a:extLst>
-          </p:cNvPr>
-          <p:cNvPicPr>
-            <a:picLocks noChangeAspect="1"/>
-          </p:cNvPicPr>
-          <p:nvPr/>
-        </p:nvPicPr>
-        <p:blipFill>
-          <a:blip r:embed="rId5"/>
-          <a:stretch>
-            <a:fillRect/>
-          </a:stretch>
-        </p:blipFill>
-        <p:spPr>
-          <a:xfrm>
-            <a:off x="2701986" y="3762532"/>
-            <a:ext cx="3193800" cy="1767649"/>
-          </a:xfrm>
-          <a:prstGeom prst="rect">
-            <a:avLst/>
-          </a:prstGeom>
-        </p:spPr>
-      </p:pic>
-      <p:pic>
-        <p:nvPicPr>
-          <p:cNvPr id="8" name="Picture 7">
-            <a:extLst>
-              <a:ext uri="{FF2B5EF4-FFF2-40B4-BE49-F238E27FC236}">
-                <a16:creationId xmlns:a16="http://schemas.microsoft.com/office/drawing/2014/main" id="{944306F9-3843-466C-8965-187546AE1DD7}"/>
-              </a:ext>
-            </a:extLst>
-          </p:cNvPr>
-          <p:cNvPicPr>
-            <a:picLocks noChangeAspect="1"/>
-          </p:cNvPicPr>
-          <p:nvPr/>
-        </p:nvPicPr>
-        <p:blipFill>
-          <a:blip r:embed="rId6"/>
-          <a:stretch>
-            <a:fillRect/>
-          </a:stretch>
-        </p:blipFill>
-        <p:spPr>
-          <a:xfrm>
-            <a:off x="6035675" y="3762532"/>
-            <a:ext cx="3193800" cy="1767649"/>
-          </a:xfrm>
-          <a:prstGeom prst="rect">
-            <a:avLst/>
-          </a:prstGeom>
-        </p:spPr>
-      </p:pic>
-      <p:sp>
-        <p:nvSpPr>
-          <p:cNvPr id="9" name="TextBox 8">
-            <a:extLst>
-              <a:ext uri="{FF2B5EF4-FFF2-40B4-BE49-F238E27FC236}">
-                <a16:creationId xmlns:a16="http://schemas.microsoft.com/office/drawing/2014/main" id="{7CA8E78F-66A9-4F9D-8409-872B1DE39D6E}"/>
-              </a:ext>
-            </a:extLst>
-          </p:cNvPr>
-          <p:cNvSpPr txBox="1"/>
-          <p:nvPr/>
-        </p:nvSpPr>
-        <p:spPr>
-          <a:xfrm>
-            <a:off x="2701986" y="5698532"/>
-            <a:ext cx="6381837" cy="369332"/>
-          </a:xfrm>
-          <a:prstGeom prst="rect">
-            <a:avLst/>
-          </a:prstGeom>
-          <a:noFill/>
-        </p:spPr>
-        <p:txBody>
-          <a:bodyPr wrap="square" rtlCol="0">
-            <a:spAutoFit/>
-          </a:bodyPr>
-          <a:lstStyle/>
-          <a:p>
-            <a:r>
-              <a:rPr lang="en-US" dirty="0">
-                <a:solidFill>
-                  <a:schemeClr val="bg2">
-                    <a:lumMod val="20000"/>
-                    <a:lumOff val="80000"/>
-                  </a:schemeClr>
-                </a:solidFill>
-              </a:rPr>
-              <a:t>We see that the trend is consistent. Death rates increase with age.</a:t>
-            </a:r>
-          </a:p>
-        </p:txBody>
-      </p:sp>
-    </p:spTree>
-    <p:extLst>
-      <p:ext uri="{BB962C8B-B14F-4D97-AF65-F5344CB8AC3E}">
-        <p14:creationId xmlns:p14="http://schemas.microsoft.com/office/powerpoint/2010/main" val="2919724070"/>
-      </p:ext>
-    </p:extLst>
-  </p:cSld>
-  <p:clrMapOvr>
-    <a:masterClrMapping/>
-  </p:clrMapOvr>
-</p:sld>
-</file>
-
-<file path=ppt/slides/slide8.xml><?xml version="1.0" encoding="utf-8"?>
-<p:sld xmlns:a="http://schemas.openxmlformats.org/drawingml/2006/main" xmlns:r="http://schemas.openxmlformats.org/officeDocument/2006/relationships" xmlns:p="http://schemas.openxmlformats.org/presentationml/2006/main">
-  <p:cSld>
-    <p:spTree>
-      <p:nvGrpSpPr>
-        <p:cNvPr id="1" name=""/>
-        <p:cNvGrpSpPr/>
-        <p:nvPr/>
-      </p:nvGrpSpPr>
-      <p:grpSpPr>
-        <a:xfrm>
-          <a:off x="0" y="0"/>
-          <a:ext cx="0" cy="0"/>
-          <a:chOff x="0" y="0"/>
-          <a:chExt cx="0" cy="0"/>
-        </a:xfrm>
-      </p:grpSpPr>
-      <p:sp>
-        <p:nvSpPr>
-          <p:cNvPr id="2" name="Title 1">
-            <a:extLst>
-              <a:ext uri="{FF2B5EF4-FFF2-40B4-BE49-F238E27FC236}">
-                <a16:creationId xmlns:a16="http://schemas.microsoft.com/office/drawing/2014/main" id="{67D053DA-79BB-4CE0-9AF2-AB6FB4752C60}"/>
-              </a:ext>
-            </a:extLst>
-          </p:cNvPr>
-          <p:cNvSpPr>
-            <a:spLocks noGrp="1"/>
-          </p:cNvSpPr>
-          <p:nvPr>
-            <p:ph type="title"/>
-          </p:nvPr>
-        </p:nvSpPr>
-        <p:spPr/>
-        <p:txBody>
-          <a:bodyPr/>
-          <a:lstStyle/>
-          <a:p>
-            <a:pPr algn="ctr"/>
-            <a:r>
-              <a:rPr lang="en-US" dirty="0">
-                <a:solidFill>
-                  <a:schemeClr val="bg2">
-                    <a:lumMod val="50000"/>
-                  </a:schemeClr>
-                </a:solidFill>
-              </a:rPr>
-              <a:t>Data Sources</a:t>
-            </a:r>
-          </a:p>
-        </p:txBody>
-      </p:sp>
-      <p:sp>
-        <p:nvSpPr>
-          <p:cNvPr id="3" name="Content Placeholder 2">
-            <a:extLst>
-              <a:ext uri="{FF2B5EF4-FFF2-40B4-BE49-F238E27FC236}">
-                <a16:creationId xmlns:a16="http://schemas.microsoft.com/office/drawing/2014/main" id="{29DF8514-04F9-48A7-8EFC-A3A75C3A796A}"/>
-              </a:ext>
-            </a:extLst>
-          </p:cNvPr>
-          <p:cNvSpPr>
-            <a:spLocks noGrp="1"/>
-          </p:cNvSpPr>
-          <p:nvPr>
-            <p:ph idx="1"/>
-          </p:nvPr>
-        </p:nvSpPr>
-        <p:spPr/>
-        <p:txBody>
-          <a:bodyPr>
-            <a:normAutofit fontScale="92500" lnSpcReduction="20000"/>
-          </a:bodyPr>
-          <a:lstStyle/>
-          <a:p>
-            <a:r>
-              <a:rPr lang="en-US" dirty="0">
-                <a:solidFill>
-                  <a:schemeClr val="tx2">
-                    <a:lumMod val="75000"/>
-                  </a:schemeClr>
-                </a:solidFill>
-                <a:hlinkClick r:id="rId2">
-                  <a:extLst>
-                    <a:ext uri="{A12FA001-AC4F-418D-AE19-62706E023703}">
-                      <ahyp:hlinkClr xmlns:ahyp="http://schemas.microsoft.com/office/drawing/2018/hyperlinkcolor" val="tx"/>
-                    </a:ext>
-                  </a:extLst>
-                </a:hlinkClick>
-              </a:rPr>
-              <a:t>www.census.gov</a:t>
-            </a:r>
-            <a:r>
-              <a:rPr lang="en-US" dirty="0">
-                <a:solidFill>
-                  <a:schemeClr val="tx2">
-                    <a:lumMod val="75000"/>
-                  </a:schemeClr>
-                </a:solidFill>
-              </a:rPr>
-              <a:t> </a:t>
-            </a:r>
-            <a:r>
-              <a:rPr lang="en-US" dirty="0">
-                <a:solidFill>
-                  <a:schemeClr val="bg2">
-                    <a:lumMod val="50000"/>
-                  </a:schemeClr>
-                </a:solidFill>
-              </a:rPr>
-              <a:t>(U.S. Census Bureau)</a:t>
-            </a:r>
-          </a:p>
-          <a:p>
-            <a:r>
-              <a:rPr lang="en-US" dirty="0">
-                <a:solidFill>
-                  <a:schemeClr val="tx2">
-                    <a:lumMod val="75000"/>
-                  </a:schemeClr>
-                </a:solidFill>
-                <a:hlinkClick r:id="rId3">
-                  <a:extLst>
-                    <a:ext uri="{A12FA001-AC4F-418D-AE19-62706E023703}">
-                      <ahyp:hlinkClr xmlns:ahyp="http://schemas.microsoft.com/office/drawing/2018/hyperlinkcolor" val="tx"/>
-                    </a:ext>
-                  </a:extLst>
-                </a:hlinkClick>
-              </a:rPr>
-              <a:t>https://data.cdc.gov/NCHS/</a:t>
-            </a:r>
-            <a:r>
-              <a:rPr lang="en-US" dirty="0">
-                <a:solidFill>
-                  <a:schemeClr val="tx2">
-                    <a:lumMod val="75000"/>
-                  </a:schemeClr>
-                </a:solidFill>
-              </a:rPr>
-              <a:t> </a:t>
-            </a:r>
-            <a:r>
-              <a:rPr lang="en-US" dirty="0">
-                <a:solidFill>
-                  <a:schemeClr val="bg2">
-                    <a:lumMod val="50000"/>
-                  </a:schemeClr>
-                </a:solidFill>
-              </a:rPr>
-              <a:t>(Center for Disease Control and Prevention)</a:t>
-            </a:r>
-          </a:p>
-          <a:p>
-            <a:r>
-              <a:rPr lang="en-US" dirty="0">
-                <a:solidFill>
-                  <a:schemeClr val="tx2">
-                    <a:lumMod val="75000"/>
-                  </a:schemeClr>
-                </a:solidFill>
-                <a:hlinkClick r:id="rId4">
-                  <a:extLst>
-                    <a:ext uri="{A12FA001-AC4F-418D-AE19-62706E023703}">
-                      <ahyp:hlinkClr xmlns:ahyp="http://schemas.microsoft.com/office/drawing/2018/hyperlinkcolor" val="tx"/>
-                    </a:ext>
-                  </a:extLst>
-                </a:hlinkClick>
-              </a:rPr>
-              <a:t>https://pypi.org/project/uszipcode/</a:t>
-            </a:r>
-            <a:r>
-              <a:rPr lang="en-US" dirty="0">
-                <a:solidFill>
-                  <a:schemeClr val="tx2">
-                    <a:lumMod val="75000"/>
-                  </a:schemeClr>
-                </a:solidFill>
-              </a:rPr>
-              <a:t> </a:t>
-            </a:r>
-            <a:r>
-              <a:rPr lang="en-US" dirty="0">
-                <a:solidFill>
-                  <a:schemeClr val="bg2">
-                    <a:lumMod val="50000"/>
-                  </a:schemeClr>
-                </a:solidFill>
-              </a:rPr>
-              <a:t> (Used to convert Zip Codes from Census to County and State)  </a:t>
-            </a:r>
-          </a:p>
-          <a:p>
-            <a:r>
-              <a:rPr lang="en-US" dirty="0">
-                <a:solidFill>
-                  <a:schemeClr val="tx2">
-                    <a:lumMod val="75000"/>
-                  </a:schemeClr>
-                </a:solidFill>
-                <a:hlinkClick r:id="rId5">
-                  <a:extLst>
-                    <a:ext uri="{A12FA001-AC4F-418D-AE19-62706E023703}">
-                      <ahyp:hlinkClr xmlns:ahyp="http://schemas.microsoft.com/office/drawing/2018/hyperlinkcolor" val="tx"/>
-                    </a:ext>
-                  </a:extLst>
-                </a:hlinkClick>
-              </a:rPr>
-              <a:t>https://pypi.org/project/us/</a:t>
-            </a:r>
-            <a:r>
-              <a:rPr lang="en-US" dirty="0">
-                <a:solidFill>
-                  <a:schemeClr val="tx2">
-                    <a:lumMod val="75000"/>
-                  </a:schemeClr>
-                </a:solidFill>
-              </a:rPr>
-              <a:t> </a:t>
-            </a:r>
-            <a:r>
-              <a:rPr lang="en-US" dirty="0">
-                <a:solidFill>
-                  <a:schemeClr val="bg2">
-                    <a:lumMod val="50000"/>
-                  </a:schemeClr>
-                </a:solidFill>
-              </a:rPr>
-              <a:t>(Used to clean up junk state data from cases on cruise ships)</a:t>
-            </a:r>
-          </a:p>
-          <a:p>
-            <a:r>
-              <a:rPr lang="en-US" dirty="0">
-                <a:solidFill>
-                  <a:schemeClr val="tx2">
-                    <a:lumMod val="75000"/>
-                  </a:schemeClr>
-                </a:solidFill>
-                <a:hlinkClick r:id="rId6">
-                  <a:extLst>
-                    <a:ext uri="{A12FA001-AC4F-418D-AE19-62706E023703}">
-                      <ahyp:hlinkClr xmlns:ahyp="http://schemas.microsoft.com/office/drawing/2018/hyperlinkcolor" val="tx"/>
-                    </a:ext>
-                  </a:extLst>
-                </a:hlinkClick>
-              </a:rPr>
-              <a:t>https://covid-api.com</a:t>
-            </a:r>
-            <a:r>
-              <a:rPr lang="en-US" dirty="0">
-                <a:solidFill>
-                  <a:schemeClr val="tx2">
-                    <a:lumMod val="75000"/>
-                  </a:schemeClr>
-                </a:solidFill>
-              </a:rPr>
-              <a:t> </a:t>
-            </a:r>
-            <a:r>
-              <a:rPr lang="en-US" dirty="0">
-                <a:solidFill>
-                  <a:schemeClr val="bg2">
-                    <a:lumMod val="50000"/>
-                  </a:schemeClr>
-                </a:solidFill>
-              </a:rPr>
-              <a:t>&amp; </a:t>
-            </a:r>
-            <a:r>
-              <a:rPr lang="en-US" dirty="0">
-                <a:solidFill>
-                  <a:schemeClr val="tx2">
-                    <a:lumMod val="75000"/>
-                  </a:schemeClr>
-                </a:solidFill>
-                <a:hlinkClick r:id="rId7">
-                  <a:extLst>
-                    <a:ext uri="{A12FA001-AC4F-418D-AE19-62706E023703}">
-                      <ahyp:hlinkClr xmlns:ahyp="http://schemas.microsoft.com/office/drawing/2018/hyperlinkcolor" val="tx"/>
-                    </a:ext>
-                  </a:extLst>
-                </a:hlinkClick>
-              </a:rPr>
-              <a:t>https://rapidapi.com/search/covid</a:t>
-            </a:r>
-            <a:endParaRPr lang="en-US" dirty="0">
-              <a:solidFill>
-                <a:schemeClr val="tx2">
-                  <a:lumMod val="75000"/>
-                </a:schemeClr>
-              </a:solidFill>
-            </a:endParaRPr>
-          </a:p>
-          <a:p>
-            <a:pPr marL="0" indent="0">
-              <a:buNone/>
-            </a:pPr>
-            <a:r>
-              <a:rPr lang="en-US" dirty="0">
-                <a:solidFill>
-                  <a:schemeClr val="bg2">
-                    <a:lumMod val="50000"/>
-                  </a:schemeClr>
-                </a:solidFill>
-              </a:rPr>
-              <a:t>   (Based on public data by Johns Hopkins CSSE)</a:t>
-            </a:r>
-          </a:p>
-          <a:p>
-            <a:endParaRPr lang="en-US" dirty="0"/>
-          </a:p>
-        </p:txBody>
-      </p:sp>
-    </p:spTree>
-    <p:extLst>
-      <p:ext uri="{BB962C8B-B14F-4D97-AF65-F5344CB8AC3E}">
-        <p14:creationId xmlns:p14="http://schemas.microsoft.com/office/powerpoint/2010/main" val="3684321604"/>
-      </p:ext>
-    </p:extLst>
-  </p:cSld>
-  <p:clrMapOvr>
-    <a:masterClrMapping/>
-  </p:clrMapOvr>
 </p:sld>
 </file>
 

--- a/PowerPoint/COVID_19 API Interactions.pptx
+++ b/PowerPoint/COVID_19 API Interactions.pptx
@@ -206,7 +206,7 @@
           <a:p>
             <a:fld id="{E9CA57BD-8450-4EA6-89C6-AC7B3B8497F9}" type="datetimeFigureOut">
               <a:rPr lang="en-US" smtClean="0"/>
-              <a:t>7/28/2020</a:t>
+              <a:t>7/29/2020</a:t>
             </a:fld>
             <a:endParaRPr lang="en-US"/>
           </a:p>
@@ -607,7 +607,7 @@
           <a:noFill/>
           <a:extLst>
             <a:ext uri="{909E8E84-426E-40dd-AFC4-6F175D3DCCD1}">
-              <a14:hiddenFill xmlns:a14="http://schemas.microsoft.com/office/drawing/2010/main" xmlns="">
+              <a14:hiddenFill xmlns="" xmlns:a14="http://schemas.microsoft.com/office/drawing/2010/main">
                 <a:solidFill>
                   <a:srgbClr val="FFFFFF"/>
                 </a:solidFill>
@@ -667,7 +667,7 @@
             </a:ln>
             <a:extLst>
               <a:ext uri="{91240B29-F687-4f45-9708-019B960494DF}">
-                <a14:hiddenLine xmlns:a14="http://schemas.microsoft.com/office/drawing/2010/main" xmlns="" w="9525">
+                <a14:hiddenLine xmlns="" xmlns:a14="http://schemas.microsoft.com/office/drawing/2010/main" w="9525">
                   <a:solidFill>
                     <a:srgbClr val="000000"/>
                   </a:solidFill>
@@ -757,7 +757,7 @@
             </a:ln>
             <a:extLst>
               <a:ext uri="{91240B29-F687-4f45-9708-019B960494DF}">
-                <a14:hiddenLine xmlns:a14="http://schemas.microsoft.com/office/drawing/2010/main" xmlns="" w="9525">
+                <a14:hiddenLine xmlns="" xmlns:a14="http://schemas.microsoft.com/office/drawing/2010/main" w="9525">
                   <a:solidFill>
                     <a:srgbClr val="000000"/>
                   </a:solidFill>
@@ -847,7 +847,7 @@
             </a:ln>
             <a:extLst>
               <a:ext uri="{91240B29-F687-4f45-9708-019B960494DF}">
-                <a14:hiddenLine xmlns:a14="http://schemas.microsoft.com/office/drawing/2010/main" xmlns="" w="9525">
+                <a14:hiddenLine xmlns="" xmlns:a14="http://schemas.microsoft.com/office/drawing/2010/main" w="9525">
                   <a:solidFill>
                     <a:srgbClr val="000000"/>
                   </a:solidFill>
@@ -881,7 +881,7 @@
             </a:ln>
             <a:extLst>
               <a:ext uri="{91240B29-F687-4f45-9708-019B960494DF}">
-                <a14:hiddenLine xmlns:a14="http://schemas.microsoft.com/office/drawing/2010/main" xmlns="" w="9525">
+                <a14:hiddenLine xmlns="" xmlns:a14="http://schemas.microsoft.com/office/drawing/2010/main" w="9525">
                   <a:solidFill>
                     <a:srgbClr val="000000"/>
                   </a:solidFill>
@@ -971,7 +971,7 @@
             </a:ln>
             <a:extLst>
               <a:ext uri="{91240B29-F687-4f45-9708-019B960494DF}">
-                <a14:hiddenLine xmlns:a14="http://schemas.microsoft.com/office/drawing/2010/main" xmlns="" w="9525">
+                <a14:hiddenLine xmlns="" xmlns:a14="http://schemas.microsoft.com/office/drawing/2010/main" w="9525">
                   <a:solidFill>
                     <a:srgbClr val="000000"/>
                   </a:solidFill>
@@ -1033,7 +1033,7 @@
             </a:ln>
             <a:extLst>
               <a:ext uri="{91240B29-F687-4f45-9708-019B960494DF}">
-                <a14:hiddenLine xmlns:a14="http://schemas.microsoft.com/office/drawing/2010/main" xmlns="" w="9525">
+                <a14:hiddenLine xmlns="" xmlns:a14="http://schemas.microsoft.com/office/drawing/2010/main" w="9525">
                   <a:solidFill>
                     <a:srgbClr val="000000"/>
                   </a:solidFill>
@@ -1095,7 +1095,7 @@
             </a:ln>
             <a:extLst>
               <a:ext uri="{91240B29-F687-4f45-9708-019B960494DF}">
-                <a14:hiddenLine xmlns:a14="http://schemas.microsoft.com/office/drawing/2010/main" xmlns="" w="9525">
+                <a14:hiddenLine xmlns="" xmlns:a14="http://schemas.microsoft.com/office/drawing/2010/main" w="9525">
                   <a:solidFill>
                     <a:srgbClr val="000000"/>
                   </a:solidFill>
@@ -1185,7 +1185,7 @@
             </a:ln>
             <a:extLst>
               <a:ext uri="{91240B29-F687-4f45-9708-019B960494DF}">
-                <a14:hiddenLine xmlns:a14="http://schemas.microsoft.com/office/drawing/2010/main" xmlns="" w="9525">
+                <a14:hiddenLine xmlns="" xmlns:a14="http://schemas.microsoft.com/office/drawing/2010/main" w="9525">
                   <a:solidFill>
                     <a:srgbClr val="000000"/>
                   </a:solidFill>
@@ -1247,7 +1247,7 @@
             </a:ln>
             <a:extLst>
               <a:ext uri="{91240B29-F687-4f45-9708-019B960494DF}">
-                <a14:hiddenLine xmlns:a14="http://schemas.microsoft.com/office/drawing/2010/main" xmlns="" w="9525">
+                <a14:hiddenLine xmlns="" xmlns:a14="http://schemas.microsoft.com/office/drawing/2010/main" w="9525">
                   <a:solidFill>
                     <a:srgbClr val="000000"/>
                   </a:solidFill>
@@ -1309,7 +1309,7 @@
             </a:ln>
             <a:extLst>
               <a:ext uri="{91240B29-F687-4f45-9708-019B960494DF}">
-                <a14:hiddenLine xmlns:a14="http://schemas.microsoft.com/office/drawing/2010/main" xmlns="" w="9525">
+                <a14:hiddenLine xmlns="" xmlns:a14="http://schemas.microsoft.com/office/drawing/2010/main" w="9525">
                   <a:solidFill>
                     <a:srgbClr val="000000"/>
                   </a:solidFill>
@@ -1399,7 +1399,7 @@
             </a:ln>
             <a:extLst>
               <a:ext uri="{91240B29-F687-4f45-9708-019B960494DF}">
-                <a14:hiddenLine xmlns:a14="http://schemas.microsoft.com/office/drawing/2010/main" xmlns="" w="9525">
+                <a14:hiddenLine xmlns="" xmlns:a14="http://schemas.microsoft.com/office/drawing/2010/main" w="9525">
                   <a:solidFill>
                     <a:srgbClr val="000000"/>
                   </a:solidFill>
@@ -1489,7 +1489,7 @@
             </a:ln>
             <a:extLst>
               <a:ext uri="{91240B29-F687-4f45-9708-019B960494DF}">
-                <a14:hiddenLine xmlns:a14="http://schemas.microsoft.com/office/drawing/2010/main" xmlns="" w="9525">
+                <a14:hiddenLine xmlns="" xmlns:a14="http://schemas.microsoft.com/office/drawing/2010/main" w="9525">
                   <a:solidFill>
                     <a:srgbClr val="000000"/>
                   </a:solidFill>
@@ -1551,7 +1551,7 @@
             </a:ln>
             <a:extLst>
               <a:ext uri="{91240B29-F687-4f45-9708-019B960494DF}">
-                <a14:hiddenLine xmlns:a14="http://schemas.microsoft.com/office/drawing/2010/main" xmlns="" w="9525">
+                <a14:hiddenLine xmlns="" xmlns:a14="http://schemas.microsoft.com/office/drawing/2010/main" w="9525">
                   <a:solidFill>
                     <a:srgbClr val="000000"/>
                   </a:solidFill>
@@ -1661,7 +1661,7 @@
             </a:ln>
             <a:extLst>
               <a:ext uri="{91240B29-F687-4f45-9708-019B960494DF}">
-                <a14:hiddenLine xmlns:a14="http://schemas.microsoft.com/office/drawing/2010/main" xmlns="" w="9525">
+                <a14:hiddenLine xmlns="" xmlns:a14="http://schemas.microsoft.com/office/drawing/2010/main" w="9525">
                   <a:solidFill>
                     <a:srgbClr val="000000"/>
                   </a:solidFill>
@@ -1723,7 +1723,7 @@
             </a:ln>
             <a:extLst>
               <a:ext uri="{91240B29-F687-4f45-9708-019B960494DF}">
-                <a14:hiddenLine xmlns:a14="http://schemas.microsoft.com/office/drawing/2010/main" xmlns="" w="9525">
+                <a14:hiddenLine xmlns="" xmlns:a14="http://schemas.microsoft.com/office/drawing/2010/main" w="9525">
                   <a:solidFill>
                     <a:srgbClr val="000000"/>
                   </a:solidFill>
@@ -1813,7 +1813,7 @@
             </a:ln>
             <a:extLst>
               <a:ext uri="{91240B29-F687-4f45-9708-019B960494DF}">
-                <a14:hiddenLine xmlns:a14="http://schemas.microsoft.com/office/drawing/2010/main" xmlns="" w="9525">
+                <a14:hiddenLine xmlns="" xmlns:a14="http://schemas.microsoft.com/office/drawing/2010/main" w="9525">
                   <a:solidFill>
                     <a:srgbClr val="000000"/>
                   </a:solidFill>
@@ -1903,7 +1903,7 @@
             </a:ln>
             <a:extLst>
               <a:ext uri="{91240B29-F687-4f45-9708-019B960494DF}">
-                <a14:hiddenLine xmlns:a14="http://schemas.microsoft.com/office/drawing/2010/main" xmlns="" w="9525">
+                <a14:hiddenLine xmlns="" xmlns:a14="http://schemas.microsoft.com/office/drawing/2010/main" w="9525">
                   <a:solidFill>
                     <a:srgbClr val="000000"/>
                   </a:solidFill>
@@ -1965,7 +1965,7 @@
             </a:ln>
             <a:extLst>
               <a:ext uri="{91240B29-F687-4f45-9708-019B960494DF}">
-                <a14:hiddenLine xmlns:a14="http://schemas.microsoft.com/office/drawing/2010/main" xmlns="" w="9525">
+                <a14:hiddenLine xmlns="" xmlns:a14="http://schemas.microsoft.com/office/drawing/2010/main" w="9525">
                   <a:solidFill>
                     <a:srgbClr val="000000"/>
                   </a:solidFill>
@@ -2055,7 +2055,7 @@
             </a:ln>
             <a:extLst>
               <a:ext uri="{91240B29-F687-4f45-9708-019B960494DF}">
-                <a14:hiddenLine xmlns:a14="http://schemas.microsoft.com/office/drawing/2010/main" xmlns="" w="9525">
+                <a14:hiddenLine xmlns="" xmlns:a14="http://schemas.microsoft.com/office/drawing/2010/main" w="9525">
                   <a:solidFill>
                     <a:srgbClr val="000000"/>
                   </a:solidFill>
@@ -2145,7 +2145,7 @@
             </a:ln>
             <a:extLst>
               <a:ext uri="{91240B29-F687-4f45-9708-019B960494DF}">
-                <a14:hiddenLine xmlns:a14="http://schemas.microsoft.com/office/drawing/2010/main" xmlns="" w="9525">
+                <a14:hiddenLine xmlns="" xmlns:a14="http://schemas.microsoft.com/office/drawing/2010/main" w="9525">
                   <a:solidFill>
                     <a:srgbClr val="000000"/>
                   </a:solidFill>
@@ -2201,7 +2201,7 @@
             </a:ln>
             <a:extLst>
               <a:ext uri="{91240B29-F687-4f45-9708-019B960494DF}">
-                <a14:hiddenLine xmlns:a14="http://schemas.microsoft.com/office/drawing/2010/main" xmlns="" w="9525">
+                <a14:hiddenLine xmlns="" xmlns:a14="http://schemas.microsoft.com/office/drawing/2010/main" w="9525">
                   <a:solidFill>
                     <a:srgbClr val="000000"/>
                   </a:solidFill>
@@ -2291,7 +2291,7 @@
             </a:ln>
             <a:extLst>
               <a:ext uri="{91240B29-F687-4f45-9708-019B960494DF}">
-                <a14:hiddenLine xmlns:a14="http://schemas.microsoft.com/office/drawing/2010/main" xmlns="" w="9525">
+                <a14:hiddenLine xmlns="" xmlns:a14="http://schemas.microsoft.com/office/drawing/2010/main" w="9525">
                   <a:solidFill>
                     <a:srgbClr val="000000"/>
                   </a:solidFill>
@@ -2347,7 +2347,7 @@
             </a:ln>
             <a:extLst>
               <a:ext uri="{91240B29-F687-4f45-9708-019B960494DF}">
-                <a14:hiddenLine xmlns:a14="http://schemas.microsoft.com/office/drawing/2010/main" xmlns="" w="9525">
+                <a14:hiddenLine xmlns="" xmlns:a14="http://schemas.microsoft.com/office/drawing/2010/main" w="9525">
                   <a:solidFill>
                     <a:srgbClr val="000000"/>
                   </a:solidFill>
@@ -2437,7 +2437,7 @@
             </a:ln>
             <a:extLst>
               <a:ext uri="{91240B29-F687-4f45-9708-019B960494DF}">
-                <a14:hiddenLine xmlns:a14="http://schemas.microsoft.com/office/drawing/2010/main" xmlns="" w="9525">
+                <a14:hiddenLine xmlns="" xmlns:a14="http://schemas.microsoft.com/office/drawing/2010/main" w="9525">
                   <a:solidFill>
                     <a:srgbClr val="000000"/>
                   </a:solidFill>
@@ -2505,7 +2505,7 @@
             </a:ln>
             <a:extLst>
               <a:ext uri="{91240B29-F687-4f45-9708-019B960494DF}">
-                <a14:hiddenLine xmlns:a14="http://schemas.microsoft.com/office/drawing/2010/main" xmlns="" w="9525">
+                <a14:hiddenLine xmlns="" xmlns:a14="http://schemas.microsoft.com/office/drawing/2010/main" w="9525">
                   <a:solidFill>
                     <a:srgbClr val="000000"/>
                   </a:solidFill>
@@ -2595,7 +2595,7 @@
             </a:ln>
             <a:extLst>
               <a:ext uri="{91240B29-F687-4f45-9708-019B960494DF}">
-                <a14:hiddenLine xmlns:a14="http://schemas.microsoft.com/office/drawing/2010/main" xmlns="" w="9525">
+                <a14:hiddenLine xmlns="" xmlns:a14="http://schemas.microsoft.com/office/drawing/2010/main" w="9525">
                   <a:solidFill>
                     <a:srgbClr val="000000"/>
                   </a:solidFill>
@@ -2663,7 +2663,7 @@
             </a:ln>
             <a:extLst>
               <a:ext uri="{91240B29-F687-4f45-9708-019B960494DF}">
-                <a14:hiddenLine xmlns:a14="http://schemas.microsoft.com/office/drawing/2010/main" xmlns="" w="9525">
+                <a14:hiddenLine xmlns="" xmlns:a14="http://schemas.microsoft.com/office/drawing/2010/main" w="9525">
                   <a:solidFill>
                     <a:srgbClr val="000000"/>
                   </a:solidFill>
@@ -2753,7 +2753,7 @@
             </a:ln>
             <a:extLst>
               <a:ext uri="{91240B29-F687-4f45-9708-019B960494DF}">
-                <a14:hiddenLine xmlns:a14="http://schemas.microsoft.com/office/drawing/2010/main" xmlns="" w="9525">
+                <a14:hiddenLine xmlns="" xmlns:a14="http://schemas.microsoft.com/office/drawing/2010/main" w="9525">
                   <a:solidFill>
                     <a:srgbClr val="000000"/>
                   </a:solidFill>
@@ -2787,7 +2787,7 @@
             </a:ln>
             <a:extLst>
               <a:ext uri="{91240B29-F687-4f45-9708-019B960494DF}">
-                <a14:hiddenLine xmlns:a14="http://schemas.microsoft.com/office/drawing/2010/main" xmlns="" w="9525">
+                <a14:hiddenLine xmlns="" xmlns:a14="http://schemas.microsoft.com/office/drawing/2010/main" w="9525">
                   <a:solidFill>
                     <a:srgbClr val="000000"/>
                   </a:solidFill>
@@ -2877,7 +2877,7 @@
             </a:ln>
             <a:extLst>
               <a:ext uri="{91240B29-F687-4f45-9708-019B960494DF}">
-                <a14:hiddenLine xmlns:a14="http://schemas.microsoft.com/office/drawing/2010/main" xmlns="" w="9525">
+                <a14:hiddenLine xmlns="" xmlns:a14="http://schemas.microsoft.com/office/drawing/2010/main" w="9525">
                   <a:solidFill>
                     <a:srgbClr val="000000"/>
                   </a:solidFill>
@@ -2939,7 +2939,7 @@
             </a:ln>
             <a:extLst>
               <a:ext uri="{91240B29-F687-4f45-9708-019B960494DF}">
-                <a14:hiddenLine xmlns:a14="http://schemas.microsoft.com/office/drawing/2010/main" xmlns="" w="9525">
+                <a14:hiddenLine xmlns="" xmlns:a14="http://schemas.microsoft.com/office/drawing/2010/main" w="9525">
                   <a:solidFill>
                     <a:srgbClr val="000000"/>
                   </a:solidFill>
@@ -3001,7 +3001,7 @@
             </a:ln>
             <a:extLst>
               <a:ext uri="{91240B29-F687-4f45-9708-019B960494DF}">
-                <a14:hiddenLine xmlns:a14="http://schemas.microsoft.com/office/drawing/2010/main" xmlns="" w="9525">
+                <a14:hiddenLine xmlns="" xmlns:a14="http://schemas.microsoft.com/office/drawing/2010/main" w="9525">
                   <a:solidFill>
                     <a:srgbClr val="000000"/>
                   </a:solidFill>
@@ -3091,7 +3091,7 @@
             </a:ln>
             <a:extLst>
               <a:ext uri="{91240B29-F687-4f45-9708-019B960494DF}">
-                <a14:hiddenLine xmlns:a14="http://schemas.microsoft.com/office/drawing/2010/main" xmlns="" w="9525">
+                <a14:hiddenLine xmlns="" xmlns:a14="http://schemas.microsoft.com/office/drawing/2010/main" w="9525">
                   <a:solidFill>
                     <a:srgbClr val="000000"/>
                   </a:solidFill>
@@ -3159,7 +3159,7 @@
             </a:ln>
             <a:extLst>
               <a:ext uri="{91240B29-F687-4f45-9708-019B960494DF}">
-                <a14:hiddenLine xmlns:a14="http://schemas.microsoft.com/office/drawing/2010/main" xmlns="" w="9525">
+                <a14:hiddenLine xmlns="" xmlns:a14="http://schemas.microsoft.com/office/drawing/2010/main" w="9525">
                   <a:solidFill>
                     <a:srgbClr val="000000"/>
                   </a:solidFill>
@@ -3221,7 +3221,7 @@
             </a:ln>
             <a:extLst>
               <a:ext uri="{91240B29-F687-4f45-9708-019B960494DF}">
-                <a14:hiddenLine xmlns:a14="http://schemas.microsoft.com/office/drawing/2010/main" xmlns="" w="9525">
+                <a14:hiddenLine xmlns="" xmlns:a14="http://schemas.microsoft.com/office/drawing/2010/main" w="9525">
                   <a:solidFill>
                     <a:srgbClr val="000000"/>
                   </a:solidFill>
@@ -3311,7 +3311,7 @@
             </a:ln>
             <a:extLst>
               <a:ext uri="{91240B29-F687-4f45-9708-019B960494DF}">
-                <a14:hiddenLine xmlns:a14="http://schemas.microsoft.com/office/drawing/2010/main" xmlns="" w="9525">
+                <a14:hiddenLine xmlns="" xmlns:a14="http://schemas.microsoft.com/office/drawing/2010/main" w="9525">
                   <a:solidFill>
                     <a:srgbClr val="000000"/>
                   </a:solidFill>
@@ -3373,7 +3373,7 @@
             </a:ln>
             <a:extLst>
               <a:ext uri="{91240B29-F687-4f45-9708-019B960494DF}">
-                <a14:hiddenLine xmlns:a14="http://schemas.microsoft.com/office/drawing/2010/main" xmlns="" w="9525">
+                <a14:hiddenLine xmlns="" xmlns:a14="http://schemas.microsoft.com/office/drawing/2010/main" w="9525">
                   <a:solidFill>
                     <a:srgbClr val="000000"/>
                   </a:solidFill>
@@ -3463,7 +3463,7 @@
             </a:ln>
             <a:extLst>
               <a:ext uri="{91240B29-F687-4f45-9708-019B960494DF}">
-                <a14:hiddenLine xmlns:a14="http://schemas.microsoft.com/office/drawing/2010/main" xmlns="" w="9525">
+                <a14:hiddenLine xmlns="" xmlns:a14="http://schemas.microsoft.com/office/drawing/2010/main" w="9525">
                   <a:solidFill>
                     <a:srgbClr val="000000"/>
                   </a:solidFill>
@@ -3525,7 +3525,7 @@
             </a:ln>
             <a:extLst>
               <a:ext uri="{91240B29-F687-4f45-9708-019B960494DF}">
-                <a14:hiddenLine xmlns:a14="http://schemas.microsoft.com/office/drawing/2010/main" xmlns="" w="9525">
+                <a14:hiddenLine xmlns="" xmlns:a14="http://schemas.microsoft.com/office/drawing/2010/main" w="9525">
                   <a:solidFill>
                     <a:srgbClr val="000000"/>
                   </a:solidFill>
@@ -3615,7 +3615,7 @@
             </a:ln>
             <a:extLst>
               <a:ext uri="{91240B29-F687-4f45-9708-019B960494DF}">
-                <a14:hiddenLine xmlns:a14="http://schemas.microsoft.com/office/drawing/2010/main" xmlns="" w="9525">
+                <a14:hiddenLine xmlns="" xmlns:a14="http://schemas.microsoft.com/office/drawing/2010/main" w="9525">
                   <a:solidFill>
                     <a:srgbClr val="000000"/>
                   </a:solidFill>
@@ -3649,7 +3649,7 @@
             </a:ln>
             <a:extLst>
               <a:ext uri="{91240B29-F687-4f45-9708-019B960494DF}">
-                <a14:hiddenLine xmlns:a14="http://schemas.microsoft.com/office/drawing/2010/main" xmlns="" w="9525">
+                <a14:hiddenLine xmlns="" xmlns:a14="http://schemas.microsoft.com/office/drawing/2010/main" w="9525">
                   <a:solidFill>
                     <a:srgbClr val="000000"/>
                   </a:solidFill>
@@ -3714,7 +3714,7 @@
             </a:ln>
             <a:extLst>
               <a:ext uri="{91240B29-F687-4f45-9708-019B960494DF}">
-                <a14:hiddenLine xmlns:a14="http://schemas.microsoft.com/office/drawing/2010/main" xmlns="" w="9525">
+                <a14:hiddenLine xmlns="" xmlns:a14="http://schemas.microsoft.com/office/drawing/2010/main" w="9525">
                   <a:solidFill>
                     <a:srgbClr val="000000"/>
                   </a:solidFill>
@@ -3804,7 +3804,7 @@
             </a:ln>
             <a:extLst>
               <a:ext uri="{91240B29-F687-4f45-9708-019B960494DF}">
-                <a14:hiddenLine xmlns:a14="http://schemas.microsoft.com/office/drawing/2010/main" xmlns="" w="9525">
+                <a14:hiddenLine xmlns="" xmlns:a14="http://schemas.microsoft.com/office/drawing/2010/main" w="9525">
                   <a:solidFill>
                     <a:srgbClr val="000000"/>
                   </a:solidFill>
@@ -3866,7 +3866,7 @@
             </a:ln>
             <a:extLst>
               <a:ext uri="{91240B29-F687-4f45-9708-019B960494DF}">
-                <a14:hiddenLine xmlns:a14="http://schemas.microsoft.com/office/drawing/2010/main" xmlns="" w="9525">
+                <a14:hiddenLine xmlns="" xmlns:a14="http://schemas.microsoft.com/office/drawing/2010/main" w="9525">
                   <a:solidFill>
                     <a:srgbClr val="000000"/>
                   </a:solidFill>
@@ -3956,7 +3956,7 @@
             </a:ln>
             <a:extLst>
               <a:ext uri="{91240B29-F687-4f45-9708-019B960494DF}">
-                <a14:hiddenLine xmlns:a14="http://schemas.microsoft.com/office/drawing/2010/main" xmlns="" w="9525">
+                <a14:hiddenLine xmlns="" xmlns:a14="http://schemas.microsoft.com/office/drawing/2010/main" w="9525">
                   <a:solidFill>
                     <a:srgbClr val="000000"/>
                   </a:solidFill>
@@ -4046,7 +4046,7 @@
             </a:ln>
             <a:extLst>
               <a:ext uri="{91240B29-F687-4f45-9708-019B960494DF}">
-                <a14:hiddenLine xmlns:a14="http://schemas.microsoft.com/office/drawing/2010/main" xmlns="" w="9525">
+                <a14:hiddenLine xmlns="" xmlns:a14="http://schemas.microsoft.com/office/drawing/2010/main" w="9525">
                   <a:solidFill>
                     <a:srgbClr val="000000"/>
                   </a:solidFill>
@@ -4111,7 +4111,7 @@
             </a:ln>
             <a:extLst>
               <a:ext uri="{91240B29-F687-4f45-9708-019B960494DF}">
-                <a14:hiddenLine xmlns:a14="http://schemas.microsoft.com/office/drawing/2010/main" xmlns="" w="9525">
+                <a14:hiddenLine xmlns="" xmlns:a14="http://schemas.microsoft.com/office/drawing/2010/main" w="9525">
                   <a:solidFill>
                     <a:srgbClr val="000000"/>
                   </a:solidFill>
@@ -4173,7 +4173,7 @@
             </a:ln>
             <a:extLst>
               <a:ext uri="{91240B29-F687-4f45-9708-019B960494DF}">
-                <a14:hiddenLine xmlns:a14="http://schemas.microsoft.com/office/drawing/2010/main" xmlns="" w="9525">
+                <a14:hiddenLine xmlns="" xmlns:a14="http://schemas.microsoft.com/office/drawing/2010/main" w="9525">
                   <a:solidFill>
                     <a:srgbClr val="000000"/>
                   </a:solidFill>
@@ -4263,7 +4263,7 @@
             </a:ln>
             <a:extLst>
               <a:ext uri="{91240B29-F687-4f45-9708-019B960494DF}">
-                <a14:hiddenLine xmlns:a14="http://schemas.microsoft.com/office/drawing/2010/main" xmlns="" w="9525">
+                <a14:hiddenLine xmlns="" xmlns:a14="http://schemas.microsoft.com/office/drawing/2010/main" w="9525">
                   <a:solidFill>
                     <a:srgbClr val="000000"/>
                   </a:solidFill>
@@ -4353,7 +4353,7 @@
             </a:ln>
             <a:extLst>
               <a:ext uri="{91240B29-F687-4f45-9708-019B960494DF}">
-                <a14:hiddenLine xmlns:a14="http://schemas.microsoft.com/office/drawing/2010/main" xmlns="" w="9525">
+                <a14:hiddenLine xmlns="" xmlns:a14="http://schemas.microsoft.com/office/drawing/2010/main" w="9525">
                   <a:solidFill>
                     <a:srgbClr val="000000"/>
                   </a:solidFill>
@@ -4415,7 +4415,7 @@
             </a:ln>
             <a:extLst>
               <a:ext uri="{91240B29-F687-4f45-9708-019B960494DF}">
-                <a14:hiddenLine xmlns:a14="http://schemas.microsoft.com/office/drawing/2010/main" xmlns="" w="9525">
+                <a14:hiddenLine xmlns="" xmlns:a14="http://schemas.microsoft.com/office/drawing/2010/main" w="9525">
                   <a:solidFill>
                     <a:srgbClr val="000000"/>
                   </a:solidFill>
@@ -4535,7 +4535,7 @@
             </a:ln>
             <a:extLst>
               <a:ext uri="{91240B29-F687-4f45-9708-019B960494DF}">
-                <a14:hiddenLine xmlns:a14="http://schemas.microsoft.com/office/drawing/2010/main" xmlns="" w="9525">
+                <a14:hiddenLine xmlns="" xmlns:a14="http://schemas.microsoft.com/office/drawing/2010/main" w="9525">
                   <a:solidFill>
                     <a:srgbClr val="000000"/>
                   </a:solidFill>
@@ -4603,7 +4603,7 @@
             </a:ln>
             <a:extLst>
               <a:ext uri="{91240B29-F687-4f45-9708-019B960494DF}">
-                <a14:hiddenLine xmlns:a14="http://schemas.microsoft.com/office/drawing/2010/main" xmlns="" w="9525">
+                <a14:hiddenLine xmlns="" xmlns:a14="http://schemas.microsoft.com/office/drawing/2010/main" w="9525">
                   <a:solidFill>
                     <a:srgbClr val="000000"/>
                   </a:solidFill>
@@ -4693,7 +4693,7 @@
             </a:ln>
             <a:extLst>
               <a:ext uri="{91240B29-F687-4f45-9708-019B960494DF}">
-                <a14:hiddenLine xmlns:a14="http://schemas.microsoft.com/office/drawing/2010/main" xmlns="" w="9525">
+                <a14:hiddenLine xmlns="" xmlns:a14="http://schemas.microsoft.com/office/drawing/2010/main" w="9525">
                   <a:solidFill>
                     <a:srgbClr val="000000"/>
                   </a:solidFill>
@@ -4833,7 +4833,7 @@
           <a:p>
             <a:fld id="{48A87A34-81AB-432B-8DAE-1953F412C126}" type="datetimeFigureOut">
               <a:rPr lang="en-US" dirty="0"/>
-              <a:t>7/28/2020</a:t>
+              <a:t>7/29/2020</a:t>
             </a:fld>
             <a:endParaRPr lang="en-US" dirty="0"/>
           </a:p>
@@ -5095,7 +5095,7 @@
           <a:p>
             <a:fld id="{48A87A34-81AB-432B-8DAE-1953F412C126}" type="datetimeFigureOut">
               <a:rPr lang="en-US" dirty="0"/>
-              <a:t>7/28/2020</a:t>
+              <a:t>7/29/2020</a:t>
             </a:fld>
             <a:endParaRPr lang="en-US" dirty="0"/>
           </a:p>
@@ -5286,7 +5286,7 @@
           <a:p>
             <a:fld id="{48A87A34-81AB-432B-8DAE-1953F412C126}" type="datetimeFigureOut">
               <a:rPr lang="en-US" dirty="0"/>
-              <a:t>7/28/2020</a:t>
+              <a:t>7/29/2020</a:t>
             </a:fld>
             <a:endParaRPr lang="en-US" dirty="0"/>
           </a:p>
@@ -5544,7 +5544,7 @@
           <a:p>
             <a:fld id="{48A87A34-81AB-432B-8DAE-1953F412C126}" type="datetimeFigureOut">
               <a:rPr lang="en-US" dirty="0"/>
-              <a:t>7/28/2020</a:t>
+              <a:t>7/29/2020</a:t>
             </a:fld>
             <a:endParaRPr lang="en-US" dirty="0"/>
           </a:p>
@@ -5973,7 +5973,7 @@
           <a:p>
             <a:fld id="{48A87A34-81AB-432B-8DAE-1953F412C126}" type="datetimeFigureOut">
               <a:rPr lang="en-US" dirty="0"/>
-              <a:t>7/28/2020</a:t>
+              <a:t>7/29/2020</a:t>
             </a:fld>
             <a:endParaRPr lang="en-US" dirty="0"/>
           </a:p>
@@ -6514,7 +6514,7 @@
           <a:p>
             <a:fld id="{48A87A34-81AB-432B-8DAE-1953F412C126}" type="datetimeFigureOut">
               <a:rPr lang="en-US" dirty="0"/>
-              <a:t>7/28/2020</a:t>
+              <a:t>7/29/2020</a:t>
             </a:fld>
             <a:endParaRPr lang="en-US" dirty="0"/>
           </a:p>
@@ -7229,7 +7229,7 @@
           <a:p>
             <a:fld id="{48A87A34-81AB-432B-8DAE-1953F412C126}" type="datetimeFigureOut">
               <a:rPr lang="en-US" dirty="0"/>
-              <a:t>7/28/2020</a:t>
+              <a:t>7/29/2020</a:t>
             </a:fld>
             <a:endParaRPr lang="en-US" dirty="0"/>
           </a:p>
@@ -7394,7 +7394,7 @@
           <a:p>
             <a:fld id="{48A87A34-81AB-432B-8DAE-1953F412C126}" type="datetimeFigureOut">
               <a:rPr lang="en-US" dirty="0"/>
-              <a:t>7/28/2020</a:t>
+              <a:t>7/29/2020</a:t>
             </a:fld>
             <a:endParaRPr lang="en-US" dirty="0"/>
           </a:p>
@@ -7569,7 +7569,7 @@
           <a:p>
             <a:fld id="{48A87A34-81AB-432B-8DAE-1953F412C126}" type="datetimeFigureOut">
               <a:rPr lang="en-US" dirty="0"/>
-              <a:t>7/28/2020</a:t>
+              <a:t>7/29/2020</a:t>
             </a:fld>
             <a:endParaRPr lang="en-US" dirty="0"/>
           </a:p>
@@ -7734,7 +7734,7 @@
           <a:p>
             <a:fld id="{48A87A34-81AB-432B-8DAE-1953F412C126}" type="datetimeFigureOut">
               <a:rPr lang="en-US" dirty="0"/>
-              <a:t>7/28/2020</a:t>
+              <a:t>7/29/2020</a:t>
             </a:fld>
             <a:endParaRPr lang="en-US" dirty="0"/>
           </a:p>
@@ -7979,7 +7979,7 @@
           <a:p>
             <a:fld id="{48A87A34-81AB-432B-8DAE-1953F412C126}" type="datetimeFigureOut">
               <a:rPr lang="en-US" dirty="0"/>
-              <a:t>7/28/2020</a:t>
+              <a:t>7/29/2020</a:t>
             </a:fld>
             <a:endParaRPr lang="en-US" dirty="0"/>
           </a:p>
@@ -8206,7 +8206,7 @@
           <a:p>
             <a:fld id="{48A87A34-81AB-432B-8DAE-1953F412C126}" type="datetimeFigureOut">
               <a:rPr lang="en-US" dirty="0"/>
-              <a:t>7/28/2020</a:t>
+              <a:t>7/29/2020</a:t>
             </a:fld>
             <a:endParaRPr lang="en-US" dirty="0"/>
           </a:p>
@@ -8582,7 +8582,7 @@
           <a:p>
             <a:fld id="{48A87A34-81AB-432B-8DAE-1953F412C126}" type="datetimeFigureOut">
               <a:rPr lang="en-US" dirty="0"/>
-              <a:t>7/28/2020</a:t>
+              <a:t>7/29/2020</a:t>
             </a:fld>
             <a:endParaRPr lang="en-US" dirty="0"/>
           </a:p>
@@ -8695,7 +8695,7 @@
           <a:p>
             <a:fld id="{48A87A34-81AB-432B-8DAE-1953F412C126}" type="datetimeFigureOut">
               <a:rPr lang="en-US" dirty="0"/>
-              <a:t>7/28/2020</a:t>
+              <a:t>7/29/2020</a:t>
             </a:fld>
             <a:endParaRPr lang="en-US" dirty="0"/>
           </a:p>
@@ -8785,7 +8785,7 @@
           <a:p>
             <a:fld id="{48A87A34-81AB-432B-8DAE-1953F412C126}" type="datetimeFigureOut">
               <a:rPr lang="en-US" dirty="0"/>
-              <a:t>7/28/2020</a:t>
+              <a:t>7/29/2020</a:t>
             </a:fld>
             <a:endParaRPr lang="en-US" dirty="0"/>
           </a:p>
@@ -9029,7 +9029,7 @@
           <a:p>
             <a:fld id="{48A87A34-81AB-432B-8DAE-1953F412C126}" type="datetimeFigureOut">
               <a:rPr lang="en-US" dirty="0"/>
-              <a:t>7/28/2020</a:t>
+              <a:t>7/29/2020</a:t>
             </a:fld>
             <a:endParaRPr lang="en-US" dirty="0"/>
           </a:p>
@@ -9304,7 +9304,7 @@
           <a:p>
             <a:fld id="{48A87A34-81AB-432B-8DAE-1953F412C126}" type="datetimeFigureOut">
               <a:rPr lang="en-US" dirty="0"/>
-              <a:t>7/28/2020</a:t>
+              <a:t>7/29/2020</a:t>
             </a:fld>
             <a:endParaRPr lang="en-US" dirty="0"/>
           </a:p>
@@ -9415,7 +9415,7 @@
           <a:noFill/>
           <a:extLst>
             <a:ext uri="{909E8E84-426E-40dd-AFC4-6F175D3DCCD1}">
-              <a14:hiddenFill xmlns:a14="http://schemas.microsoft.com/office/drawing/2010/main" xmlns="">
+              <a14:hiddenFill xmlns="" xmlns:a14="http://schemas.microsoft.com/office/drawing/2010/main">
                 <a:solidFill>
                   <a:srgbClr val="FFFFFF"/>
                 </a:solidFill>
@@ -9489,7 +9489,7 @@
               </a:ln>
               <a:extLst>
                 <a:ext uri="{91240B29-F687-4f45-9708-019B960494DF}">
-                  <a14:hiddenLine xmlns:a14="http://schemas.microsoft.com/office/drawing/2010/main" xmlns="" w="9525">
+                  <a14:hiddenLine xmlns="" xmlns:a14="http://schemas.microsoft.com/office/drawing/2010/main" w="9525">
                     <a:solidFill>
                       <a:srgbClr val="000000"/>
                     </a:solidFill>
@@ -9579,7 +9579,7 @@
               </a:ln>
               <a:extLst>
                 <a:ext uri="{91240B29-F687-4f45-9708-019B960494DF}">
-                  <a14:hiddenLine xmlns:a14="http://schemas.microsoft.com/office/drawing/2010/main" xmlns="" w="9525">
+                  <a14:hiddenLine xmlns="" xmlns:a14="http://schemas.microsoft.com/office/drawing/2010/main" w="9525">
                     <a:solidFill>
                       <a:srgbClr val="000000"/>
                     </a:solidFill>
@@ -9669,7 +9669,7 @@
               </a:ln>
               <a:extLst>
                 <a:ext uri="{91240B29-F687-4f45-9708-019B960494DF}">
-                  <a14:hiddenLine xmlns:a14="http://schemas.microsoft.com/office/drawing/2010/main" xmlns="" w="9525">
+                  <a14:hiddenLine xmlns="" xmlns:a14="http://schemas.microsoft.com/office/drawing/2010/main" w="9525">
                     <a:solidFill>
                       <a:srgbClr val="000000"/>
                     </a:solidFill>
@@ -9731,7 +9731,7 @@
               </a:ln>
               <a:extLst>
                 <a:ext uri="{91240B29-F687-4f45-9708-019B960494DF}">
-                  <a14:hiddenLine xmlns:a14="http://schemas.microsoft.com/office/drawing/2010/main" xmlns="" w="9525">
+                  <a14:hiddenLine xmlns="" xmlns:a14="http://schemas.microsoft.com/office/drawing/2010/main" w="9525">
                     <a:solidFill>
                       <a:srgbClr val="000000"/>
                     </a:solidFill>
@@ -9821,7 +9821,7 @@
               </a:ln>
               <a:extLst>
                 <a:ext uri="{91240B29-F687-4f45-9708-019B960494DF}">
-                  <a14:hiddenLine xmlns:a14="http://schemas.microsoft.com/office/drawing/2010/main" xmlns="" w="9525">
+                  <a14:hiddenLine xmlns="" xmlns:a14="http://schemas.microsoft.com/office/drawing/2010/main" w="9525">
                     <a:solidFill>
                       <a:srgbClr val="000000"/>
                     </a:solidFill>
@@ -9883,7 +9883,7 @@
               </a:ln>
               <a:extLst>
                 <a:ext uri="{91240B29-F687-4f45-9708-019B960494DF}">
-                  <a14:hiddenLine xmlns:a14="http://schemas.microsoft.com/office/drawing/2010/main" xmlns="" w="9525">
+                  <a14:hiddenLine xmlns="" xmlns:a14="http://schemas.microsoft.com/office/drawing/2010/main" w="9525">
                     <a:solidFill>
                       <a:srgbClr val="000000"/>
                     </a:solidFill>
@@ -9945,7 +9945,7 @@
               </a:ln>
               <a:extLst>
                 <a:ext uri="{91240B29-F687-4f45-9708-019B960494DF}">
-                  <a14:hiddenLine xmlns:a14="http://schemas.microsoft.com/office/drawing/2010/main" xmlns="" w="9525">
+                  <a14:hiddenLine xmlns="" xmlns:a14="http://schemas.microsoft.com/office/drawing/2010/main" w="9525">
                     <a:solidFill>
                       <a:srgbClr val="000000"/>
                     </a:solidFill>
@@ -10035,7 +10035,7 @@
               </a:ln>
               <a:extLst>
                 <a:ext uri="{91240B29-F687-4f45-9708-019B960494DF}">
-                  <a14:hiddenLine xmlns:a14="http://schemas.microsoft.com/office/drawing/2010/main" xmlns="" w="9525">
+                  <a14:hiddenLine xmlns="" xmlns:a14="http://schemas.microsoft.com/office/drawing/2010/main" w="9525">
                     <a:solidFill>
                       <a:srgbClr val="000000"/>
                     </a:solidFill>
@@ -10125,7 +10125,7 @@
               </a:ln>
               <a:extLst>
                 <a:ext uri="{91240B29-F687-4f45-9708-019B960494DF}">
-                  <a14:hiddenLine xmlns:a14="http://schemas.microsoft.com/office/drawing/2010/main" xmlns="" w="9525">
+                  <a14:hiddenLine xmlns="" xmlns:a14="http://schemas.microsoft.com/office/drawing/2010/main" w="9525">
                     <a:solidFill>
                       <a:srgbClr val="000000"/>
                     </a:solidFill>
@@ -10187,7 +10187,7 @@
               </a:ln>
               <a:extLst>
                 <a:ext uri="{91240B29-F687-4f45-9708-019B960494DF}">
-                  <a14:hiddenLine xmlns:a14="http://schemas.microsoft.com/office/drawing/2010/main" xmlns="" w="9525">
+                  <a14:hiddenLine xmlns="" xmlns:a14="http://schemas.microsoft.com/office/drawing/2010/main" w="9525">
                     <a:solidFill>
                       <a:srgbClr val="000000"/>
                     </a:solidFill>
@@ -10297,7 +10297,7 @@
               </a:ln>
               <a:extLst>
                 <a:ext uri="{91240B29-F687-4f45-9708-019B960494DF}">
-                  <a14:hiddenLine xmlns:a14="http://schemas.microsoft.com/office/drawing/2010/main" xmlns="" w="9525">
+                  <a14:hiddenLine xmlns="" xmlns:a14="http://schemas.microsoft.com/office/drawing/2010/main" w="9525">
                     <a:solidFill>
                       <a:srgbClr val="000000"/>
                     </a:solidFill>
@@ -10381,7 +10381,7 @@
               </a:ln>
               <a:extLst>
                 <a:ext uri="{91240B29-F687-4f45-9708-019B960494DF}">
-                  <a14:hiddenLine xmlns:a14="http://schemas.microsoft.com/office/drawing/2010/main" xmlns="" w="9525">
+                  <a14:hiddenLine xmlns="" xmlns:a14="http://schemas.microsoft.com/office/drawing/2010/main" w="9525">
                     <a:solidFill>
                       <a:srgbClr val="000000"/>
                     </a:solidFill>
@@ -10443,7 +10443,7 @@
               </a:ln>
               <a:extLst>
                 <a:ext uri="{91240B29-F687-4f45-9708-019B960494DF}">
-                  <a14:hiddenLine xmlns:a14="http://schemas.microsoft.com/office/drawing/2010/main" xmlns="" w="9525">
+                  <a14:hiddenLine xmlns="" xmlns:a14="http://schemas.microsoft.com/office/drawing/2010/main" w="9525">
                     <a:solidFill>
                       <a:srgbClr val="000000"/>
                     </a:solidFill>
@@ -10505,7 +10505,7 @@
               </a:ln>
               <a:extLst>
                 <a:ext uri="{91240B29-F687-4f45-9708-019B960494DF}">
-                  <a14:hiddenLine xmlns:a14="http://schemas.microsoft.com/office/drawing/2010/main" xmlns="" w="9525">
+                  <a14:hiddenLine xmlns="" xmlns:a14="http://schemas.microsoft.com/office/drawing/2010/main" w="9525">
                     <a:solidFill>
                       <a:srgbClr val="000000"/>
                     </a:solidFill>
@@ -10595,7 +10595,7 @@
               </a:ln>
               <a:extLst>
                 <a:ext uri="{91240B29-F687-4f45-9708-019B960494DF}">
-                  <a14:hiddenLine xmlns:a14="http://schemas.microsoft.com/office/drawing/2010/main" xmlns="" w="9525">
+                  <a14:hiddenLine xmlns="" xmlns:a14="http://schemas.microsoft.com/office/drawing/2010/main" w="9525">
                     <a:solidFill>
                       <a:srgbClr val="000000"/>
                     </a:solidFill>
@@ -10629,7 +10629,7 @@
               </a:ln>
               <a:extLst>
                 <a:ext uri="{91240B29-F687-4f45-9708-019B960494DF}">
-                  <a14:hiddenLine xmlns:a14="http://schemas.microsoft.com/office/drawing/2010/main" xmlns="" w="9525">
+                  <a14:hiddenLine xmlns="" xmlns:a14="http://schemas.microsoft.com/office/drawing/2010/main" w="9525">
                     <a:solidFill>
                       <a:srgbClr val="000000"/>
                     </a:solidFill>
@@ -10694,7 +10694,7 @@
               </a:ln>
               <a:extLst>
                 <a:ext uri="{91240B29-F687-4f45-9708-019B960494DF}">
-                  <a14:hiddenLine xmlns:a14="http://schemas.microsoft.com/office/drawing/2010/main" xmlns="" w="9525">
+                  <a14:hiddenLine xmlns="" xmlns:a14="http://schemas.microsoft.com/office/drawing/2010/main" w="9525">
                     <a:solidFill>
                       <a:srgbClr val="000000"/>
                     </a:solidFill>
@@ -10784,7 +10784,7 @@
               </a:ln>
               <a:extLst>
                 <a:ext uri="{91240B29-F687-4f45-9708-019B960494DF}">
-                  <a14:hiddenLine xmlns:a14="http://schemas.microsoft.com/office/drawing/2010/main" xmlns="" w="9525">
+                  <a14:hiddenLine xmlns="" xmlns:a14="http://schemas.microsoft.com/office/drawing/2010/main" w="9525">
                     <a:solidFill>
                       <a:srgbClr val="000000"/>
                     </a:solidFill>
@@ -10846,7 +10846,7 @@
               </a:ln>
               <a:extLst>
                 <a:ext uri="{91240B29-F687-4f45-9708-019B960494DF}">
-                  <a14:hiddenLine xmlns:a14="http://schemas.microsoft.com/office/drawing/2010/main" xmlns="" w="9525">
+                  <a14:hiddenLine xmlns="" xmlns:a14="http://schemas.microsoft.com/office/drawing/2010/main" w="9525">
                     <a:solidFill>
                       <a:srgbClr val="000000"/>
                     </a:solidFill>
@@ -10936,7 +10936,7 @@
               </a:ln>
               <a:extLst>
                 <a:ext uri="{91240B29-F687-4f45-9708-019B960494DF}">
-                  <a14:hiddenLine xmlns:a14="http://schemas.microsoft.com/office/drawing/2010/main" xmlns="" w="9525">
+                  <a14:hiddenLine xmlns="" xmlns:a14="http://schemas.microsoft.com/office/drawing/2010/main" w="9525">
                     <a:solidFill>
                       <a:srgbClr val="000000"/>
                     </a:solidFill>
@@ -11001,7 +11001,7 @@
               </a:ln>
               <a:extLst>
                 <a:ext uri="{91240B29-F687-4f45-9708-019B960494DF}">
-                  <a14:hiddenLine xmlns:a14="http://schemas.microsoft.com/office/drawing/2010/main" xmlns="" w="9525">
+                  <a14:hiddenLine xmlns="" xmlns:a14="http://schemas.microsoft.com/office/drawing/2010/main" w="9525">
                     <a:solidFill>
                       <a:srgbClr val="000000"/>
                     </a:solidFill>
@@ -11063,7 +11063,7 @@
               </a:ln>
               <a:extLst>
                 <a:ext uri="{91240B29-F687-4f45-9708-019B960494DF}">
-                  <a14:hiddenLine xmlns:a14="http://schemas.microsoft.com/office/drawing/2010/main" xmlns="" w="9525">
+                  <a14:hiddenLine xmlns="" xmlns:a14="http://schemas.microsoft.com/office/drawing/2010/main" w="9525">
                     <a:solidFill>
                       <a:srgbClr val="000000"/>
                     </a:solidFill>
@@ -11153,7 +11153,7 @@
               </a:ln>
               <a:extLst>
                 <a:ext uri="{91240B29-F687-4f45-9708-019B960494DF}">
-                  <a14:hiddenLine xmlns:a14="http://schemas.microsoft.com/office/drawing/2010/main" xmlns="" w="9525">
+                  <a14:hiddenLine xmlns="" xmlns:a14="http://schemas.microsoft.com/office/drawing/2010/main" w="9525">
                     <a:solidFill>
                       <a:srgbClr val="000000"/>
                     </a:solidFill>
@@ -11243,7 +11243,7 @@
               </a:ln>
               <a:extLst>
                 <a:ext uri="{91240B29-F687-4f45-9708-019B960494DF}">
-                  <a14:hiddenLine xmlns:a14="http://schemas.microsoft.com/office/drawing/2010/main" xmlns="" w="9525">
+                  <a14:hiddenLine xmlns="" xmlns:a14="http://schemas.microsoft.com/office/drawing/2010/main" w="9525">
                     <a:solidFill>
                       <a:srgbClr val="000000"/>
                     </a:solidFill>
@@ -11308,7 +11308,7 @@
               </a:ln>
               <a:extLst>
                 <a:ext uri="{91240B29-F687-4f45-9708-019B960494DF}">
-                  <a14:hiddenLine xmlns:a14="http://schemas.microsoft.com/office/drawing/2010/main" xmlns="" w="9525">
+                  <a14:hiddenLine xmlns="" xmlns:a14="http://schemas.microsoft.com/office/drawing/2010/main" w="9525">
                     <a:solidFill>
                       <a:srgbClr val="000000"/>
                     </a:solidFill>
@@ -11428,7 +11428,7 @@
               </a:ln>
               <a:extLst>
                 <a:ext uri="{91240B29-F687-4f45-9708-019B960494DF}">
-                  <a14:hiddenLine xmlns:a14="http://schemas.microsoft.com/office/drawing/2010/main" xmlns="" w="9525">
+                  <a14:hiddenLine xmlns="" xmlns:a14="http://schemas.microsoft.com/office/drawing/2010/main" w="9525">
                     <a:solidFill>
                       <a:srgbClr val="000000"/>
                     </a:solidFill>
@@ -11526,7 +11526,7 @@
               </a:ln>
               <a:extLst>
                 <a:ext uri="{91240B29-F687-4f45-9708-019B960494DF}">
-                  <a14:hiddenLine xmlns:a14="http://schemas.microsoft.com/office/drawing/2010/main" xmlns="" w="9525">
+                  <a14:hiddenLine xmlns="" xmlns:a14="http://schemas.microsoft.com/office/drawing/2010/main" w="9525">
                     <a:solidFill>
                       <a:srgbClr val="000000"/>
                     </a:solidFill>
@@ -11641,7 +11641,7 @@
               </a:ln>
               <a:extLst>
                 <a:ext uri="{91240B29-F687-4f45-9708-019B960494DF}">
-                  <a14:hiddenLine xmlns:a14="http://schemas.microsoft.com/office/drawing/2010/main" xmlns="" w="9525">
+                  <a14:hiddenLine xmlns="" xmlns:a14="http://schemas.microsoft.com/office/drawing/2010/main" w="9525">
                     <a:solidFill>
                       <a:srgbClr val="000000"/>
                     </a:solidFill>
@@ -11731,7 +11731,7 @@
               </a:ln>
               <a:extLst>
                 <a:ext uri="{91240B29-F687-4f45-9708-019B960494DF}">
-                  <a14:hiddenLine xmlns:a14="http://schemas.microsoft.com/office/drawing/2010/main" xmlns="" w="9525">
+                  <a14:hiddenLine xmlns="" xmlns:a14="http://schemas.microsoft.com/office/drawing/2010/main" w="9525">
                     <a:solidFill>
                       <a:srgbClr val="000000"/>
                     </a:solidFill>
@@ -11796,7 +11796,7 @@
               </a:ln>
               <a:extLst>
                 <a:ext uri="{91240B29-F687-4f45-9708-019B960494DF}">
-                  <a14:hiddenLine xmlns:a14="http://schemas.microsoft.com/office/drawing/2010/main" xmlns="" w="9525">
+                  <a14:hiddenLine xmlns="" xmlns:a14="http://schemas.microsoft.com/office/drawing/2010/main" w="9525">
                     <a:solidFill>
                       <a:srgbClr val="000000"/>
                     </a:solidFill>
@@ -11886,7 +11886,7 @@
               </a:ln>
               <a:extLst>
                 <a:ext uri="{91240B29-F687-4f45-9708-019B960494DF}">
-                  <a14:hiddenLine xmlns:a14="http://schemas.microsoft.com/office/drawing/2010/main" xmlns="" w="9525">
+                  <a14:hiddenLine xmlns="" xmlns:a14="http://schemas.microsoft.com/office/drawing/2010/main" w="9525">
                     <a:solidFill>
                       <a:srgbClr val="000000"/>
                     </a:solidFill>
@@ -11954,7 +11954,7 @@
               </a:ln>
               <a:extLst>
                 <a:ext uri="{91240B29-F687-4f45-9708-019B960494DF}">
-                  <a14:hiddenLine xmlns:a14="http://schemas.microsoft.com/office/drawing/2010/main" xmlns="" w="9525">
+                  <a14:hiddenLine xmlns="" xmlns:a14="http://schemas.microsoft.com/office/drawing/2010/main" w="9525">
                     <a:solidFill>
                       <a:srgbClr val="000000"/>
                     </a:solidFill>
@@ -12044,7 +12044,7 @@
               </a:ln>
               <a:extLst>
                 <a:ext uri="{91240B29-F687-4f45-9708-019B960494DF}">
-                  <a14:hiddenLine xmlns:a14="http://schemas.microsoft.com/office/drawing/2010/main" xmlns="" w="9525">
+                  <a14:hiddenLine xmlns="" xmlns:a14="http://schemas.microsoft.com/office/drawing/2010/main" w="9525">
                     <a:solidFill>
                       <a:srgbClr val="000000"/>
                     </a:solidFill>
@@ -12112,7 +12112,7 @@
               </a:ln>
               <a:extLst>
                 <a:ext uri="{91240B29-F687-4f45-9708-019B960494DF}">
-                  <a14:hiddenLine xmlns:a14="http://schemas.microsoft.com/office/drawing/2010/main" xmlns="" w="9525">
+                  <a14:hiddenLine xmlns="" xmlns:a14="http://schemas.microsoft.com/office/drawing/2010/main" w="9525">
                     <a:solidFill>
                       <a:srgbClr val="000000"/>
                     </a:solidFill>
@@ -12202,7 +12202,7 @@
               </a:ln>
               <a:extLst>
                 <a:ext uri="{91240B29-F687-4f45-9708-019B960494DF}">
-                  <a14:hiddenLine xmlns:a14="http://schemas.microsoft.com/office/drawing/2010/main" xmlns="" w="9525">
+                  <a14:hiddenLine xmlns="" xmlns:a14="http://schemas.microsoft.com/office/drawing/2010/main" w="9525">
                     <a:solidFill>
                       <a:srgbClr val="000000"/>
                     </a:solidFill>
@@ -12236,7 +12236,7 @@
               </a:ln>
               <a:extLst>
                 <a:ext uri="{91240B29-F687-4f45-9708-019B960494DF}">
-                  <a14:hiddenLine xmlns:a14="http://schemas.microsoft.com/office/drawing/2010/main" xmlns="" w="9525">
+                  <a14:hiddenLine xmlns="" xmlns:a14="http://schemas.microsoft.com/office/drawing/2010/main" w="9525">
                     <a:solidFill>
                       <a:srgbClr val="000000"/>
                     </a:solidFill>
@@ -12377,7 +12377,7 @@
             <a:fld id="{48A87A34-81AB-432B-8DAE-1953F412C126}" type="datetimeFigureOut">
               <a:rPr lang="en-US" dirty="0"/>
               <a:pPr/>
-              <a:t>7/28/2020</a:t>
+              <a:t>7/29/2020</a:t>
             </a:fld>
             <a:endParaRPr lang="en-US" dirty="0"/>
           </a:p>
@@ -15311,10 +15311,10 @@
       </p:pic>
       <p:pic>
         <p:nvPicPr>
-          <p:cNvPr id="8" name="Picture 7">
+          <p:cNvPr id="3" name="Picture 2">
             <a:extLst>
               <a:ext uri="{FF2B5EF4-FFF2-40B4-BE49-F238E27FC236}">
-                <a16:creationId xmlns:a16="http://schemas.microsoft.com/office/drawing/2014/main" id="{A9410801-EF4C-4E63-A19F-D0F918533EC3}"/>
+                <a16:creationId xmlns:a16="http://schemas.microsoft.com/office/drawing/2014/main" id="{EE35790B-E9FE-4CC5-90C2-819C8C91827B}"/>
               </a:ext>
             </a:extLst>
           </p:cNvPr>
@@ -15331,17 +15331,12 @@
         </p:blipFill>
         <p:spPr>
           <a:xfrm>
-            <a:off x="6339248" y="464233"/>
-            <a:ext cx="5018663" cy="3345775"/>
+            <a:off x="6274191" y="351677"/>
+            <a:ext cx="5083720" cy="3389147"/>
           </a:xfrm>
           <a:prstGeom prst="rect">
             <a:avLst/>
           </a:prstGeom>
-          <a:ln>
-            <a:solidFill>
-              <a:schemeClr val="bg1"/>
-            </a:solidFill>
-          </a:ln>
         </p:spPr>
       </p:pic>
     </p:spTree>
@@ -15661,7 +15656,7 @@
                                           </p:stCondLst>
                                         </p:cTn>
                                         <p:tgtEl>
-                                          <p:spTgt spid="8"/>
+                                          <p:spTgt spid="3"/>
                                         </p:tgtEl>
                                         <p:attrNameLst>
                                           <p:attrName>style.visibility</p:attrName>
@@ -15675,7 +15670,7 @@
                                       <p:cBhvr additive="base">
                                         <p:cTn id="25" dur="500" fill="hold"/>
                                         <p:tgtEl>
-                                          <p:spTgt spid="8"/>
+                                          <p:spTgt spid="3"/>
                                         </p:tgtEl>
                                         <p:attrNameLst>
                                           <p:attrName>ppt_x</p:attrName>
@@ -15698,7 +15693,7 @@
                                       <p:cBhvr additive="base">
                                         <p:cTn id="26" dur="500" fill="hold"/>
                                         <p:tgtEl>
-                                          <p:spTgt spid="8"/>
+                                          <p:spTgt spid="3"/>
                                         </p:tgtEl>
                                         <p:attrNameLst>
                                           <p:attrName>ppt_y</p:attrName>
